--- a/proposal/Smart Security System_presentation.pptx
+++ b/proposal/Smart Security System_presentation.pptx
@@ -6,10 +6,11 @@
   </p:sldMasterIdLst>
   <p:sldIdLst>
     <p:sldId id="256" r:id="rId2"/>
-    <p:sldId id="257" r:id="rId3"/>
-    <p:sldId id="258" r:id="rId4"/>
-    <p:sldId id="259" r:id="rId5"/>
-    <p:sldId id="260" r:id="rId6"/>
+    <p:sldId id="261" r:id="rId3"/>
+    <p:sldId id="257" r:id="rId4"/>
+    <p:sldId id="258" r:id="rId5"/>
+    <p:sldId id="259" r:id="rId6"/>
+    <p:sldId id="260" r:id="rId7"/>
   </p:sldIdLst>
   <p:sldSz cx="12192000" cy="6858000"/>
   <p:notesSz cx="6858000" cy="9144000"/>
@@ -108,6 +109,11 @@
       </a:defRPr>
     </a:lvl9pPr>
   </p:defaultTextStyle>
+  <p:extLst>
+    <p:ext uri="{EFAFB233-063F-42B5-8137-9DF3F51BA10A}">
+      <p15:sldGuideLst xmlns:p15="http://schemas.microsoft.com/office/powerpoint/2012/main"/>
+    </p:ext>
+  </p:extLst>
 </p:presentation>
 </file>
 
@@ -161,7 +167,7 @@
           <a:noFill/>
           <a:extLst>
             <a:ext uri="{909E8E84-426E-40dd-AFC4-6F175D3DCCD1}">
-              <a14:hiddenFill xmlns:a14="http://schemas.microsoft.com/office/drawing/2010/main" xmlns="">
+              <a14:hiddenFill xmlns="" xmlns:a14="http://schemas.microsoft.com/office/drawing/2010/main">
                 <a:solidFill>
                   <a:srgbClr val="FFFFFF"/>
                 </a:solidFill>
@@ -221,7 +227,7 @@
             </a:ln>
             <a:extLst>
               <a:ext uri="{91240B29-F687-4f45-9708-019B960494DF}">
-                <a14:hiddenLine xmlns:a14="http://schemas.microsoft.com/office/drawing/2010/main" xmlns="" w="9525">
+                <a14:hiddenLine xmlns="" xmlns:a14="http://schemas.microsoft.com/office/drawing/2010/main" w="9525">
                   <a:solidFill>
                     <a:srgbClr val="000000"/>
                   </a:solidFill>
@@ -311,7 +317,7 @@
             </a:ln>
             <a:extLst>
               <a:ext uri="{91240B29-F687-4f45-9708-019B960494DF}">
-                <a14:hiddenLine xmlns:a14="http://schemas.microsoft.com/office/drawing/2010/main" xmlns="" w="9525">
+                <a14:hiddenLine xmlns="" xmlns:a14="http://schemas.microsoft.com/office/drawing/2010/main" w="9525">
                   <a:solidFill>
                     <a:srgbClr val="000000"/>
                   </a:solidFill>
@@ -401,7 +407,7 @@
             </a:ln>
             <a:extLst>
               <a:ext uri="{91240B29-F687-4f45-9708-019B960494DF}">
-                <a14:hiddenLine xmlns:a14="http://schemas.microsoft.com/office/drawing/2010/main" xmlns="" w="9525">
+                <a14:hiddenLine xmlns="" xmlns:a14="http://schemas.microsoft.com/office/drawing/2010/main" w="9525">
                   <a:solidFill>
                     <a:srgbClr val="000000"/>
                   </a:solidFill>
@@ -435,7 +441,7 @@
             </a:ln>
             <a:extLst>
               <a:ext uri="{91240B29-F687-4f45-9708-019B960494DF}">
-                <a14:hiddenLine xmlns:a14="http://schemas.microsoft.com/office/drawing/2010/main" xmlns="" w="9525">
+                <a14:hiddenLine xmlns="" xmlns:a14="http://schemas.microsoft.com/office/drawing/2010/main" w="9525">
                   <a:solidFill>
                     <a:srgbClr val="000000"/>
                   </a:solidFill>
@@ -525,7 +531,7 @@
             </a:ln>
             <a:extLst>
               <a:ext uri="{91240B29-F687-4f45-9708-019B960494DF}">
-                <a14:hiddenLine xmlns:a14="http://schemas.microsoft.com/office/drawing/2010/main" xmlns="" w="9525">
+                <a14:hiddenLine xmlns="" xmlns:a14="http://schemas.microsoft.com/office/drawing/2010/main" w="9525">
                   <a:solidFill>
                     <a:srgbClr val="000000"/>
                   </a:solidFill>
@@ -587,7 +593,7 @@
             </a:ln>
             <a:extLst>
               <a:ext uri="{91240B29-F687-4f45-9708-019B960494DF}">
-                <a14:hiddenLine xmlns:a14="http://schemas.microsoft.com/office/drawing/2010/main" xmlns="" w="9525">
+                <a14:hiddenLine xmlns="" xmlns:a14="http://schemas.microsoft.com/office/drawing/2010/main" w="9525">
                   <a:solidFill>
                     <a:srgbClr val="000000"/>
                   </a:solidFill>
@@ -649,7 +655,7 @@
             </a:ln>
             <a:extLst>
               <a:ext uri="{91240B29-F687-4f45-9708-019B960494DF}">
-                <a14:hiddenLine xmlns:a14="http://schemas.microsoft.com/office/drawing/2010/main" xmlns="" w="9525">
+                <a14:hiddenLine xmlns="" xmlns:a14="http://schemas.microsoft.com/office/drawing/2010/main" w="9525">
                   <a:solidFill>
                     <a:srgbClr val="000000"/>
                   </a:solidFill>
@@ -739,7 +745,7 @@
             </a:ln>
             <a:extLst>
               <a:ext uri="{91240B29-F687-4f45-9708-019B960494DF}">
-                <a14:hiddenLine xmlns:a14="http://schemas.microsoft.com/office/drawing/2010/main" xmlns="" w="9525">
+                <a14:hiddenLine xmlns="" xmlns:a14="http://schemas.microsoft.com/office/drawing/2010/main" w="9525">
                   <a:solidFill>
                     <a:srgbClr val="000000"/>
                   </a:solidFill>
@@ -801,7 +807,7 @@
             </a:ln>
             <a:extLst>
               <a:ext uri="{91240B29-F687-4f45-9708-019B960494DF}">
-                <a14:hiddenLine xmlns:a14="http://schemas.microsoft.com/office/drawing/2010/main" xmlns="" w="9525">
+                <a14:hiddenLine xmlns="" xmlns:a14="http://schemas.microsoft.com/office/drawing/2010/main" w="9525">
                   <a:solidFill>
                     <a:srgbClr val="000000"/>
                   </a:solidFill>
@@ -863,7 +869,7 @@
             </a:ln>
             <a:extLst>
               <a:ext uri="{91240B29-F687-4f45-9708-019B960494DF}">
-                <a14:hiddenLine xmlns:a14="http://schemas.microsoft.com/office/drawing/2010/main" xmlns="" w="9525">
+                <a14:hiddenLine xmlns="" xmlns:a14="http://schemas.microsoft.com/office/drawing/2010/main" w="9525">
                   <a:solidFill>
                     <a:srgbClr val="000000"/>
                   </a:solidFill>
@@ -953,7 +959,7 @@
             </a:ln>
             <a:extLst>
               <a:ext uri="{91240B29-F687-4f45-9708-019B960494DF}">
-                <a14:hiddenLine xmlns:a14="http://schemas.microsoft.com/office/drawing/2010/main" xmlns="" w="9525">
+                <a14:hiddenLine xmlns="" xmlns:a14="http://schemas.microsoft.com/office/drawing/2010/main" w="9525">
                   <a:solidFill>
                     <a:srgbClr val="000000"/>
                   </a:solidFill>
@@ -1043,7 +1049,7 @@
             </a:ln>
             <a:extLst>
               <a:ext uri="{91240B29-F687-4f45-9708-019B960494DF}">
-                <a14:hiddenLine xmlns:a14="http://schemas.microsoft.com/office/drawing/2010/main" xmlns="" w="9525">
+                <a14:hiddenLine xmlns="" xmlns:a14="http://schemas.microsoft.com/office/drawing/2010/main" w="9525">
                   <a:solidFill>
                     <a:srgbClr val="000000"/>
                   </a:solidFill>
@@ -1105,7 +1111,7 @@
             </a:ln>
             <a:extLst>
               <a:ext uri="{91240B29-F687-4f45-9708-019B960494DF}">
-                <a14:hiddenLine xmlns:a14="http://schemas.microsoft.com/office/drawing/2010/main" xmlns="" w="9525">
+                <a14:hiddenLine xmlns="" xmlns:a14="http://schemas.microsoft.com/office/drawing/2010/main" w="9525">
                   <a:solidFill>
                     <a:srgbClr val="000000"/>
                   </a:solidFill>
@@ -1215,7 +1221,7 @@
             </a:ln>
             <a:extLst>
               <a:ext uri="{91240B29-F687-4f45-9708-019B960494DF}">
-                <a14:hiddenLine xmlns:a14="http://schemas.microsoft.com/office/drawing/2010/main" xmlns="" w="9525">
+                <a14:hiddenLine xmlns="" xmlns:a14="http://schemas.microsoft.com/office/drawing/2010/main" w="9525">
                   <a:solidFill>
                     <a:srgbClr val="000000"/>
                   </a:solidFill>
@@ -1277,7 +1283,7 @@
             </a:ln>
             <a:extLst>
               <a:ext uri="{91240B29-F687-4f45-9708-019B960494DF}">
-                <a14:hiddenLine xmlns:a14="http://schemas.microsoft.com/office/drawing/2010/main" xmlns="" w="9525">
+                <a14:hiddenLine xmlns="" xmlns:a14="http://schemas.microsoft.com/office/drawing/2010/main" w="9525">
                   <a:solidFill>
                     <a:srgbClr val="000000"/>
                   </a:solidFill>
@@ -1367,7 +1373,7 @@
             </a:ln>
             <a:extLst>
               <a:ext uri="{91240B29-F687-4f45-9708-019B960494DF}">
-                <a14:hiddenLine xmlns:a14="http://schemas.microsoft.com/office/drawing/2010/main" xmlns="" w="9525">
+                <a14:hiddenLine xmlns="" xmlns:a14="http://schemas.microsoft.com/office/drawing/2010/main" w="9525">
                   <a:solidFill>
                     <a:srgbClr val="000000"/>
                   </a:solidFill>
@@ -1457,7 +1463,7 @@
             </a:ln>
             <a:extLst>
               <a:ext uri="{91240B29-F687-4f45-9708-019B960494DF}">
-                <a14:hiddenLine xmlns:a14="http://schemas.microsoft.com/office/drawing/2010/main" xmlns="" w="9525">
+                <a14:hiddenLine xmlns="" xmlns:a14="http://schemas.microsoft.com/office/drawing/2010/main" w="9525">
                   <a:solidFill>
                     <a:srgbClr val="000000"/>
                   </a:solidFill>
@@ -1519,7 +1525,7 @@
             </a:ln>
             <a:extLst>
               <a:ext uri="{91240B29-F687-4f45-9708-019B960494DF}">
-                <a14:hiddenLine xmlns:a14="http://schemas.microsoft.com/office/drawing/2010/main" xmlns="" w="9525">
+                <a14:hiddenLine xmlns="" xmlns:a14="http://schemas.microsoft.com/office/drawing/2010/main" w="9525">
                   <a:solidFill>
                     <a:srgbClr val="000000"/>
                   </a:solidFill>
@@ -1609,7 +1615,7 @@
             </a:ln>
             <a:extLst>
               <a:ext uri="{91240B29-F687-4f45-9708-019B960494DF}">
-                <a14:hiddenLine xmlns:a14="http://schemas.microsoft.com/office/drawing/2010/main" xmlns="" w="9525">
+                <a14:hiddenLine xmlns="" xmlns:a14="http://schemas.microsoft.com/office/drawing/2010/main" w="9525">
                   <a:solidFill>
                     <a:srgbClr val="000000"/>
                   </a:solidFill>
@@ -1699,7 +1705,7 @@
             </a:ln>
             <a:extLst>
               <a:ext uri="{91240B29-F687-4f45-9708-019B960494DF}">
-                <a14:hiddenLine xmlns:a14="http://schemas.microsoft.com/office/drawing/2010/main" xmlns="" w="9525">
+                <a14:hiddenLine xmlns="" xmlns:a14="http://schemas.microsoft.com/office/drawing/2010/main" w="9525">
                   <a:solidFill>
                     <a:srgbClr val="000000"/>
                   </a:solidFill>
@@ -1755,7 +1761,7 @@
             </a:ln>
             <a:extLst>
               <a:ext uri="{91240B29-F687-4f45-9708-019B960494DF}">
-                <a14:hiddenLine xmlns:a14="http://schemas.microsoft.com/office/drawing/2010/main" xmlns="" w="9525">
+                <a14:hiddenLine xmlns="" xmlns:a14="http://schemas.microsoft.com/office/drawing/2010/main" w="9525">
                   <a:solidFill>
                     <a:srgbClr val="000000"/>
                   </a:solidFill>
@@ -1845,7 +1851,7 @@
             </a:ln>
             <a:extLst>
               <a:ext uri="{91240B29-F687-4f45-9708-019B960494DF}">
-                <a14:hiddenLine xmlns:a14="http://schemas.microsoft.com/office/drawing/2010/main" xmlns="" w="9525">
+                <a14:hiddenLine xmlns="" xmlns:a14="http://schemas.microsoft.com/office/drawing/2010/main" w="9525">
                   <a:solidFill>
                     <a:srgbClr val="000000"/>
                   </a:solidFill>
@@ -1901,7 +1907,7 @@
             </a:ln>
             <a:extLst>
               <a:ext uri="{91240B29-F687-4f45-9708-019B960494DF}">
-                <a14:hiddenLine xmlns:a14="http://schemas.microsoft.com/office/drawing/2010/main" xmlns="" w="9525">
+                <a14:hiddenLine xmlns="" xmlns:a14="http://schemas.microsoft.com/office/drawing/2010/main" w="9525">
                   <a:solidFill>
                     <a:srgbClr val="000000"/>
                   </a:solidFill>
@@ -1991,7 +1997,7 @@
             </a:ln>
             <a:extLst>
               <a:ext uri="{91240B29-F687-4f45-9708-019B960494DF}">
-                <a14:hiddenLine xmlns:a14="http://schemas.microsoft.com/office/drawing/2010/main" xmlns="" w="9525">
+                <a14:hiddenLine xmlns="" xmlns:a14="http://schemas.microsoft.com/office/drawing/2010/main" w="9525">
                   <a:solidFill>
                     <a:srgbClr val="000000"/>
                   </a:solidFill>
@@ -2059,7 +2065,7 @@
             </a:ln>
             <a:extLst>
               <a:ext uri="{91240B29-F687-4f45-9708-019B960494DF}">
-                <a14:hiddenLine xmlns:a14="http://schemas.microsoft.com/office/drawing/2010/main" xmlns="" w="9525">
+                <a14:hiddenLine xmlns="" xmlns:a14="http://schemas.microsoft.com/office/drawing/2010/main" w="9525">
                   <a:solidFill>
                     <a:srgbClr val="000000"/>
                   </a:solidFill>
@@ -2149,7 +2155,7 @@
             </a:ln>
             <a:extLst>
               <a:ext uri="{91240B29-F687-4f45-9708-019B960494DF}">
-                <a14:hiddenLine xmlns:a14="http://schemas.microsoft.com/office/drawing/2010/main" xmlns="" w="9525">
+                <a14:hiddenLine xmlns="" xmlns:a14="http://schemas.microsoft.com/office/drawing/2010/main" w="9525">
                   <a:solidFill>
                     <a:srgbClr val="000000"/>
                   </a:solidFill>
@@ -2217,7 +2223,7 @@
             </a:ln>
             <a:extLst>
               <a:ext uri="{91240B29-F687-4f45-9708-019B960494DF}">
-                <a14:hiddenLine xmlns:a14="http://schemas.microsoft.com/office/drawing/2010/main" xmlns="" w="9525">
+                <a14:hiddenLine xmlns="" xmlns:a14="http://schemas.microsoft.com/office/drawing/2010/main" w="9525">
                   <a:solidFill>
                     <a:srgbClr val="000000"/>
                   </a:solidFill>
@@ -2307,7 +2313,7 @@
             </a:ln>
             <a:extLst>
               <a:ext uri="{91240B29-F687-4f45-9708-019B960494DF}">
-                <a14:hiddenLine xmlns:a14="http://schemas.microsoft.com/office/drawing/2010/main" xmlns="" w="9525">
+                <a14:hiddenLine xmlns="" xmlns:a14="http://schemas.microsoft.com/office/drawing/2010/main" w="9525">
                   <a:solidFill>
                     <a:srgbClr val="000000"/>
                   </a:solidFill>
@@ -2341,7 +2347,7 @@
             </a:ln>
             <a:extLst>
               <a:ext uri="{91240B29-F687-4f45-9708-019B960494DF}">
-                <a14:hiddenLine xmlns:a14="http://schemas.microsoft.com/office/drawing/2010/main" xmlns="" w="9525">
+                <a14:hiddenLine xmlns="" xmlns:a14="http://schemas.microsoft.com/office/drawing/2010/main" w="9525">
                   <a:solidFill>
                     <a:srgbClr val="000000"/>
                   </a:solidFill>
@@ -2431,7 +2437,7 @@
             </a:ln>
             <a:extLst>
               <a:ext uri="{91240B29-F687-4f45-9708-019B960494DF}">
-                <a14:hiddenLine xmlns:a14="http://schemas.microsoft.com/office/drawing/2010/main" xmlns="" w="9525">
+                <a14:hiddenLine xmlns="" xmlns:a14="http://schemas.microsoft.com/office/drawing/2010/main" w="9525">
                   <a:solidFill>
                     <a:srgbClr val="000000"/>
                   </a:solidFill>
@@ -2493,7 +2499,7 @@
             </a:ln>
             <a:extLst>
               <a:ext uri="{91240B29-F687-4f45-9708-019B960494DF}">
-                <a14:hiddenLine xmlns:a14="http://schemas.microsoft.com/office/drawing/2010/main" xmlns="" w="9525">
+                <a14:hiddenLine xmlns="" xmlns:a14="http://schemas.microsoft.com/office/drawing/2010/main" w="9525">
                   <a:solidFill>
                     <a:srgbClr val="000000"/>
                   </a:solidFill>
@@ -2555,7 +2561,7 @@
             </a:ln>
             <a:extLst>
               <a:ext uri="{91240B29-F687-4f45-9708-019B960494DF}">
-                <a14:hiddenLine xmlns:a14="http://schemas.microsoft.com/office/drawing/2010/main" xmlns="" w="9525">
+                <a14:hiddenLine xmlns="" xmlns:a14="http://schemas.microsoft.com/office/drawing/2010/main" w="9525">
                   <a:solidFill>
                     <a:srgbClr val="000000"/>
                   </a:solidFill>
@@ -2645,7 +2651,7 @@
             </a:ln>
             <a:extLst>
               <a:ext uri="{91240B29-F687-4f45-9708-019B960494DF}">
-                <a14:hiddenLine xmlns:a14="http://schemas.microsoft.com/office/drawing/2010/main" xmlns="" w="9525">
+                <a14:hiddenLine xmlns="" xmlns:a14="http://schemas.microsoft.com/office/drawing/2010/main" w="9525">
                   <a:solidFill>
                     <a:srgbClr val="000000"/>
                   </a:solidFill>
@@ -2713,7 +2719,7 @@
             </a:ln>
             <a:extLst>
               <a:ext uri="{91240B29-F687-4f45-9708-019B960494DF}">
-                <a14:hiddenLine xmlns:a14="http://schemas.microsoft.com/office/drawing/2010/main" xmlns="" w="9525">
+                <a14:hiddenLine xmlns="" xmlns:a14="http://schemas.microsoft.com/office/drawing/2010/main" w="9525">
                   <a:solidFill>
                     <a:srgbClr val="000000"/>
                   </a:solidFill>
@@ -2775,7 +2781,7 @@
             </a:ln>
             <a:extLst>
               <a:ext uri="{91240B29-F687-4f45-9708-019B960494DF}">
-                <a14:hiddenLine xmlns:a14="http://schemas.microsoft.com/office/drawing/2010/main" xmlns="" w="9525">
+                <a14:hiddenLine xmlns="" xmlns:a14="http://schemas.microsoft.com/office/drawing/2010/main" w="9525">
                   <a:solidFill>
                     <a:srgbClr val="000000"/>
                   </a:solidFill>
@@ -2865,7 +2871,7 @@
             </a:ln>
             <a:extLst>
               <a:ext uri="{91240B29-F687-4f45-9708-019B960494DF}">
-                <a14:hiddenLine xmlns:a14="http://schemas.microsoft.com/office/drawing/2010/main" xmlns="" w="9525">
+                <a14:hiddenLine xmlns="" xmlns:a14="http://schemas.microsoft.com/office/drawing/2010/main" w="9525">
                   <a:solidFill>
                     <a:srgbClr val="000000"/>
                   </a:solidFill>
@@ -2927,7 +2933,7 @@
             </a:ln>
             <a:extLst>
               <a:ext uri="{91240B29-F687-4f45-9708-019B960494DF}">
-                <a14:hiddenLine xmlns:a14="http://schemas.microsoft.com/office/drawing/2010/main" xmlns="" w="9525">
+                <a14:hiddenLine xmlns="" xmlns:a14="http://schemas.microsoft.com/office/drawing/2010/main" w="9525">
                   <a:solidFill>
                     <a:srgbClr val="000000"/>
                   </a:solidFill>
@@ -3017,7 +3023,7 @@
             </a:ln>
             <a:extLst>
               <a:ext uri="{91240B29-F687-4f45-9708-019B960494DF}">
-                <a14:hiddenLine xmlns:a14="http://schemas.microsoft.com/office/drawing/2010/main" xmlns="" w="9525">
+                <a14:hiddenLine xmlns="" xmlns:a14="http://schemas.microsoft.com/office/drawing/2010/main" w="9525">
                   <a:solidFill>
                     <a:srgbClr val="000000"/>
                   </a:solidFill>
@@ -3079,7 +3085,7 @@
             </a:ln>
             <a:extLst>
               <a:ext uri="{91240B29-F687-4f45-9708-019B960494DF}">
-                <a14:hiddenLine xmlns:a14="http://schemas.microsoft.com/office/drawing/2010/main" xmlns="" w="9525">
+                <a14:hiddenLine xmlns="" xmlns:a14="http://schemas.microsoft.com/office/drawing/2010/main" w="9525">
                   <a:solidFill>
                     <a:srgbClr val="000000"/>
                   </a:solidFill>
@@ -3169,7 +3175,7 @@
             </a:ln>
             <a:extLst>
               <a:ext uri="{91240B29-F687-4f45-9708-019B960494DF}">
-                <a14:hiddenLine xmlns:a14="http://schemas.microsoft.com/office/drawing/2010/main" xmlns="" w="9525">
+                <a14:hiddenLine xmlns="" xmlns:a14="http://schemas.microsoft.com/office/drawing/2010/main" w="9525">
                   <a:solidFill>
                     <a:srgbClr val="000000"/>
                   </a:solidFill>
@@ -3203,7 +3209,7 @@
             </a:ln>
             <a:extLst>
               <a:ext uri="{91240B29-F687-4f45-9708-019B960494DF}">
-                <a14:hiddenLine xmlns:a14="http://schemas.microsoft.com/office/drawing/2010/main" xmlns="" w="9525">
+                <a14:hiddenLine xmlns="" xmlns:a14="http://schemas.microsoft.com/office/drawing/2010/main" w="9525">
                   <a:solidFill>
                     <a:srgbClr val="000000"/>
                   </a:solidFill>
@@ -3268,7 +3274,7 @@
             </a:ln>
             <a:extLst>
               <a:ext uri="{91240B29-F687-4f45-9708-019B960494DF}">
-                <a14:hiddenLine xmlns:a14="http://schemas.microsoft.com/office/drawing/2010/main" xmlns="" w="9525">
+                <a14:hiddenLine xmlns="" xmlns:a14="http://schemas.microsoft.com/office/drawing/2010/main" w="9525">
                   <a:solidFill>
                     <a:srgbClr val="000000"/>
                   </a:solidFill>
@@ -3358,7 +3364,7 @@
             </a:ln>
             <a:extLst>
               <a:ext uri="{91240B29-F687-4f45-9708-019B960494DF}">
-                <a14:hiddenLine xmlns:a14="http://schemas.microsoft.com/office/drawing/2010/main" xmlns="" w="9525">
+                <a14:hiddenLine xmlns="" xmlns:a14="http://schemas.microsoft.com/office/drawing/2010/main" w="9525">
                   <a:solidFill>
                     <a:srgbClr val="000000"/>
                   </a:solidFill>
@@ -3420,7 +3426,7 @@
             </a:ln>
             <a:extLst>
               <a:ext uri="{91240B29-F687-4f45-9708-019B960494DF}">
-                <a14:hiddenLine xmlns:a14="http://schemas.microsoft.com/office/drawing/2010/main" xmlns="" w="9525">
+                <a14:hiddenLine xmlns="" xmlns:a14="http://schemas.microsoft.com/office/drawing/2010/main" w="9525">
                   <a:solidFill>
                     <a:srgbClr val="000000"/>
                   </a:solidFill>
@@ -3510,7 +3516,7 @@
             </a:ln>
             <a:extLst>
               <a:ext uri="{91240B29-F687-4f45-9708-019B960494DF}">
-                <a14:hiddenLine xmlns:a14="http://schemas.microsoft.com/office/drawing/2010/main" xmlns="" w="9525">
+                <a14:hiddenLine xmlns="" xmlns:a14="http://schemas.microsoft.com/office/drawing/2010/main" w="9525">
                   <a:solidFill>
                     <a:srgbClr val="000000"/>
                   </a:solidFill>
@@ -3600,7 +3606,7 @@
             </a:ln>
             <a:extLst>
               <a:ext uri="{91240B29-F687-4f45-9708-019B960494DF}">
-                <a14:hiddenLine xmlns:a14="http://schemas.microsoft.com/office/drawing/2010/main" xmlns="" w="9525">
+                <a14:hiddenLine xmlns="" xmlns:a14="http://schemas.microsoft.com/office/drawing/2010/main" w="9525">
                   <a:solidFill>
                     <a:srgbClr val="000000"/>
                   </a:solidFill>
@@ -3665,7 +3671,7 @@
             </a:ln>
             <a:extLst>
               <a:ext uri="{91240B29-F687-4f45-9708-019B960494DF}">
-                <a14:hiddenLine xmlns:a14="http://schemas.microsoft.com/office/drawing/2010/main" xmlns="" w="9525">
+                <a14:hiddenLine xmlns="" xmlns:a14="http://schemas.microsoft.com/office/drawing/2010/main" w="9525">
                   <a:solidFill>
                     <a:srgbClr val="000000"/>
                   </a:solidFill>
@@ -3727,7 +3733,7 @@
             </a:ln>
             <a:extLst>
               <a:ext uri="{91240B29-F687-4f45-9708-019B960494DF}">
-                <a14:hiddenLine xmlns:a14="http://schemas.microsoft.com/office/drawing/2010/main" xmlns="" w="9525">
+                <a14:hiddenLine xmlns="" xmlns:a14="http://schemas.microsoft.com/office/drawing/2010/main" w="9525">
                   <a:solidFill>
                     <a:srgbClr val="000000"/>
                   </a:solidFill>
@@ -3817,7 +3823,7 @@
             </a:ln>
             <a:extLst>
               <a:ext uri="{91240B29-F687-4f45-9708-019B960494DF}">
-                <a14:hiddenLine xmlns:a14="http://schemas.microsoft.com/office/drawing/2010/main" xmlns="" w="9525">
+                <a14:hiddenLine xmlns="" xmlns:a14="http://schemas.microsoft.com/office/drawing/2010/main" w="9525">
                   <a:solidFill>
                     <a:srgbClr val="000000"/>
                   </a:solidFill>
@@ -3907,7 +3913,7 @@
             </a:ln>
             <a:extLst>
               <a:ext uri="{91240B29-F687-4f45-9708-019B960494DF}">
-                <a14:hiddenLine xmlns:a14="http://schemas.microsoft.com/office/drawing/2010/main" xmlns="" w="9525">
+                <a14:hiddenLine xmlns="" xmlns:a14="http://schemas.microsoft.com/office/drawing/2010/main" w="9525">
                   <a:solidFill>
                     <a:srgbClr val="000000"/>
                   </a:solidFill>
@@ -3969,7 +3975,7 @@
             </a:ln>
             <a:extLst>
               <a:ext uri="{91240B29-F687-4f45-9708-019B960494DF}">
-                <a14:hiddenLine xmlns:a14="http://schemas.microsoft.com/office/drawing/2010/main" xmlns="" w="9525">
+                <a14:hiddenLine xmlns="" xmlns:a14="http://schemas.microsoft.com/office/drawing/2010/main" w="9525">
                   <a:solidFill>
                     <a:srgbClr val="000000"/>
                   </a:solidFill>
@@ -4089,7 +4095,7 @@
             </a:ln>
             <a:extLst>
               <a:ext uri="{91240B29-F687-4f45-9708-019B960494DF}">
-                <a14:hiddenLine xmlns:a14="http://schemas.microsoft.com/office/drawing/2010/main" xmlns="" w="9525">
+                <a14:hiddenLine xmlns="" xmlns:a14="http://schemas.microsoft.com/office/drawing/2010/main" w="9525">
                   <a:solidFill>
                     <a:srgbClr val="000000"/>
                   </a:solidFill>
@@ -4157,7 +4163,7 @@
             </a:ln>
             <a:extLst>
               <a:ext uri="{91240B29-F687-4f45-9708-019B960494DF}">
-                <a14:hiddenLine xmlns:a14="http://schemas.microsoft.com/office/drawing/2010/main" xmlns="" w="9525">
+                <a14:hiddenLine xmlns="" xmlns:a14="http://schemas.microsoft.com/office/drawing/2010/main" w="9525">
                   <a:solidFill>
                     <a:srgbClr val="000000"/>
                   </a:solidFill>
@@ -4247,7 +4253,7 @@
             </a:ln>
             <a:extLst>
               <a:ext uri="{91240B29-F687-4f45-9708-019B960494DF}">
-                <a14:hiddenLine xmlns:a14="http://schemas.microsoft.com/office/drawing/2010/main" xmlns="" w="9525">
+                <a14:hiddenLine xmlns="" xmlns:a14="http://schemas.microsoft.com/office/drawing/2010/main" w="9525">
                   <a:solidFill>
                     <a:srgbClr val="000000"/>
                   </a:solidFill>
@@ -4387,7 +4393,7 @@
           <a:p>
             <a:fld id="{48A87A34-81AB-432B-8DAE-1953F412C126}" type="datetimeFigureOut">
               <a:rPr lang="en-US" dirty="0"/>
-              <a:t>11/24/2019</a:t>
+              <a:t>11/27/2019</a:t>
             </a:fld>
             <a:endParaRPr lang="en-US" dirty="0"/>
           </a:p>
@@ -4649,7 +4655,7 @@
           <a:p>
             <a:fld id="{48A87A34-81AB-432B-8DAE-1953F412C126}" type="datetimeFigureOut">
               <a:rPr lang="en-US" dirty="0"/>
-              <a:t>11/24/2019</a:t>
+              <a:t>11/27/2019</a:t>
             </a:fld>
             <a:endParaRPr lang="en-US" dirty="0"/>
           </a:p>
@@ -4840,7 +4846,7 @@
           <a:p>
             <a:fld id="{48A87A34-81AB-432B-8DAE-1953F412C126}" type="datetimeFigureOut">
               <a:rPr lang="en-US" dirty="0"/>
-              <a:t>11/24/2019</a:t>
+              <a:t>11/27/2019</a:t>
             </a:fld>
             <a:endParaRPr lang="en-US" dirty="0"/>
           </a:p>
@@ -5098,7 +5104,7 @@
           <a:p>
             <a:fld id="{48A87A34-81AB-432B-8DAE-1953F412C126}" type="datetimeFigureOut">
               <a:rPr lang="en-US" dirty="0"/>
-              <a:t>11/24/2019</a:t>
+              <a:t>11/27/2019</a:t>
             </a:fld>
             <a:endParaRPr lang="en-US" dirty="0"/>
           </a:p>
@@ -5527,7 +5533,7 @@
           <a:p>
             <a:fld id="{48A87A34-81AB-432B-8DAE-1953F412C126}" type="datetimeFigureOut">
               <a:rPr lang="en-US" dirty="0"/>
-              <a:t>11/24/2019</a:t>
+              <a:t>11/27/2019</a:t>
             </a:fld>
             <a:endParaRPr lang="en-US" dirty="0"/>
           </a:p>
@@ -6068,7 +6074,7 @@
           <a:p>
             <a:fld id="{48A87A34-81AB-432B-8DAE-1953F412C126}" type="datetimeFigureOut">
               <a:rPr lang="en-US" dirty="0"/>
-              <a:t>11/24/2019</a:t>
+              <a:t>11/27/2019</a:t>
             </a:fld>
             <a:endParaRPr lang="en-US" dirty="0"/>
           </a:p>
@@ -6783,7 +6789,7 @@
           <a:p>
             <a:fld id="{48A87A34-81AB-432B-8DAE-1953F412C126}" type="datetimeFigureOut">
               <a:rPr lang="en-US" dirty="0"/>
-              <a:t>11/24/2019</a:t>
+              <a:t>11/27/2019</a:t>
             </a:fld>
             <a:endParaRPr lang="en-US" dirty="0"/>
           </a:p>
@@ -6948,7 +6954,7 @@
           <a:p>
             <a:fld id="{48A87A34-81AB-432B-8DAE-1953F412C126}" type="datetimeFigureOut">
               <a:rPr lang="en-US" dirty="0"/>
-              <a:t>11/24/2019</a:t>
+              <a:t>11/27/2019</a:t>
             </a:fld>
             <a:endParaRPr lang="en-US" dirty="0"/>
           </a:p>
@@ -7123,7 +7129,7 @@
           <a:p>
             <a:fld id="{48A87A34-81AB-432B-8DAE-1953F412C126}" type="datetimeFigureOut">
               <a:rPr lang="en-US" dirty="0"/>
-              <a:t>11/24/2019</a:t>
+              <a:t>11/27/2019</a:t>
             </a:fld>
             <a:endParaRPr lang="en-US" dirty="0"/>
           </a:p>
@@ -7288,7 +7294,7 @@
           <a:p>
             <a:fld id="{48A87A34-81AB-432B-8DAE-1953F412C126}" type="datetimeFigureOut">
               <a:rPr lang="en-US" dirty="0"/>
-              <a:t>11/24/2019</a:t>
+              <a:t>11/27/2019</a:t>
             </a:fld>
             <a:endParaRPr lang="en-US" dirty="0"/>
           </a:p>
@@ -7533,7 +7539,7 @@
           <a:p>
             <a:fld id="{48A87A34-81AB-432B-8DAE-1953F412C126}" type="datetimeFigureOut">
               <a:rPr lang="en-US" dirty="0"/>
-              <a:t>11/24/2019</a:t>
+              <a:t>11/27/2019</a:t>
             </a:fld>
             <a:endParaRPr lang="en-US" dirty="0"/>
           </a:p>
@@ -7760,7 +7766,7 @@
           <a:p>
             <a:fld id="{48A87A34-81AB-432B-8DAE-1953F412C126}" type="datetimeFigureOut">
               <a:rPr lang="en-US" dirty="0"/>
-              <a:t>11/24/2019</a:t>
+              <a:t>11/27/2019</a:t>
             </a:fld>
             <a:endParaRPr lang="en-US" dirty="0"/>
           </a:p>
@@ -8136,7 +8142,7 @@
           <a:p>
             <a:fld id="{48A87A34-81AB-432B-8DAE-1953F412C126}" type="datetimeFigureOut">
               <a:rPr lang="en-US" dirty="0"/>
-              <a:t>11/24/2019</a:t>
+              <a:t>11/27/2019</a:t>
             </a:fld>
             <a:endParaRPr lang="en-US" dirty="0"/>
           </a:p>
@@ -8249,7 +8255,7 @@
           <a:p>
             <a:fld id="{48A87A34-81AB-432B-8DAE-1953F412C126}" type="datetimeFigureOut">
               <a:rPr lang="en-US" dirty="0"/>
-              <a:t>11/24/2019</a:t>
+              <a:t>11/27/2019</a:t>
             </a:fld>
             <a:endParaRPr lang="en-US" dirty="0"/>
           </a:p>
@@ -8339,7 +8345,7 @@
           <a:p>
             <a:fld id="{48A87A34-81AB-432B-8DAE-1953F412C126}" type="datetimeFigureOut">
               <a:rPr lang="en-US" dirty="0"/>
-              <a:t>11/24/2019</a:t>
+              <a:t>11/27/2019</a:t>
             </a:fld>
             <a:endParaRPr lang="en-US" dirty="0"/>
           </a:p>
@@ -8583,7 +8589,7 @@
           <a:p>
             <a:fld id="{48A87A34-81AB-432B-8DAE-1953F412C126}" type="datetimeFigureOut">
               <a:rPr lang="en-US" dirty="0"/>
-              <a:t>11/24/2019</a:t>
+              <a:t>11/27/2019</a:t>
             </a:fld>
             <a:endParaRPr lang="en-US" dirty="0"/>
           </a:p>
@@ -8858,7 +8864,7 @@
           <a:p>
             <a:fld id="{48A87A34-81AB-432B-8DAE-1953F412C126}" type="datetimeFigureOut">
               <a:rPr lang="en-US" dirty="0"/>
-              <a:t>11/24/2019</a:t>
+              <a:t>11/27/2019</a:t>
             </a:fld>
             <a:endParaRPr lang="en-US" dirty="0"/>
           </a:p>
@@ -8969,7 +8975,7 @@
           <a:noFill/>
           <a:extLst>
             <a:ext uri="{909E8E84-426E-40dd-AFC4-6F175D3DCCD1}">
-              <a14:hiddenFill xmlns:a14="http://schemas.microsoft.com/office/drawing/2010/main" xmlns="">
+              <a14:hiddenFill xmlns="" xmlns:a14="http://schemas.microsoft.com/office/drawing/2010/main">
                 <a:solidFill>
                   <a:srgbClr val="FFFFFF"/>
                 </a:solidFill>
@@ -9043,7 +9049,7 @@
               </a:ln>
               <a:extLst>
                 <a:ext uri="{91240B29-F687-4f45-9708-019B960494DF}">
-                  <a14:hiddenLine xmlns:a14="http://schemas.microsoft.com/office/drawing/2010/main" xmlns="" w="9525">
+                  <a14:hiddenLine xmlns="" xmlns:a14="http://schemas.microsoft.com/office/drawing/2010/main" w="9525">
                     <a:solidFill>
                       <a:srgbClr val="000000"/>
                     </a:solidFill>
@@ -9133,7 +9139,7 @@
               </a:ln>
               <a:extLst>
                 <a:ext uri="{91240B29-F687-4f45-9708-019B960494DF}">
-                  <a14:hiddenLine xmlns:a14="http://schemas.microsoft.com/office/drawing/2010/main" xmlns="" w="9525">
+                  <a14:hiddenLine xmlns="" xmlns:a14="http://schemas.microsoft.com/office/drawing/2010/main" w="9525">
                     <a:solidFill>
                       <a:srgbClr val="000000"/>
                     </a:solidFill>
@@ -9223,7 +9229,7 @@
               </a:ln>
               <a:extLst>
                 <a:ext uri="{91240B29-F687-4f45-9708-019B960494DF}">
-                  <a14:hiddenLine xmlns:a14="http://schemas.microsoft.com/office/drawing/2010/main" xmlns="" w="9525">
+                  <a14:hiddenLine xmlns="" xmlns:a14="http://schemas.microsoft.com/office/drawing/2010/main" w="9525">
                     <a:solidFill>
                       <a:srgbClr val="000000"/>
                     </a:solidFill>
@@ -9285,7 +9291,7 @@
               </a:ln>
               <a:extLst>
                 <a:ext uri="{91240B29-F687-4f45-9708-019B960494DF}">
-                  <a14:hiddenLine xmlns:a14="http://schemas.microsoft.com/office/drawing/2010/main" xmlns="" w="9525">
+                  <a14:hiddenLine xmlns="" xmlns:a14="http://schemas.microsoft.com/office/drawing/2010/main" w="9525">
                     <a:solidFill>
                       <a:srgbClr val="000000"/>
                     </a:solidFill>
@@ -9375,7 +9381,7 @@
               </a:ln>
               <a:extLst>
                 <a:ext uri="{91240B29-F687-4f45-9708-019B960494DF}">
-                  <a14:hiddenLine xmlns:a14="http://schemas.microsoft.com/office/drawing/2010/main" xmlns="" w="9525">
+                  <a14:hiddenLine xmlns="" xmlns:a14="http://schemas.microsoft.com/office/drawing/2010/main" w="9525">
                     <a:solidFill>
                       <a:srgbClr val="000000"/>
                     </a:solidFill>
@@ -9437,7 +9443,7 @@
               </a:ln>
               <a:extLst>
                 <a:ext uri="{91240B29-F687-4f45-9708-019B960494DF}">
-                  <a14:hiddenLine xmlns:a14="http://schemas.microsoft.com/office/drawing/2010/main" xmlns="" w="9525">
+                  <a14:hiddenLine xmlns="" xmlns:a14="http://schemas.microsoft.com/office/drawing/2010/main" w="9525">
                     <a:solidFill>
                       <a:srgbClr val="000000"/>
                     </a:solidFill>
@@ -9499,7 +9505,7 @@
               </a:ln>
               <a:extLst>
                 <a:ext uri="{91240B29-F687-4f45-9708-019B960494DF}">
-                  <a14:hiddenLine xmlns:a14="http://schemas.microsoft.com/office/drawing/2010/main" xmlns="" w="9525">
+                  <a14:hiddenLine xmlns="" xmlns:a14="http://schemas.microsoft.com/office/drawing/2010/main" w="9525">
                     <a:solidFill>
                       <a:srgbClr val="000000"/>
                     </a:solidFill>
@@ -9589,7 +9595,7 @@
               </a:ln>
               <a:extLst>
                 <a:ext uri="{91240B29-F687-4f45-9708-019B960494DF}">
-                  <a14:hiddenLine xmlns:a14="http://schemas.microsoft.com/office/drawing/2010/main" xmlns="" w="9525">
+                  <a14:hiddenLine xmlns="" xmlns:a14="http://schemas.microsoft.com/office/drawing/2010/main" w="9525">
                     <a:solidFill>
                       <a:srgbClr val="000000"/>
                     </a:solidFill>
@@ -9679,7 +9685,7 @@
               </a:ln>
               <a:extLst>
                 <a:ext uri="{91240B29-F687-4f45-9708-019B960494DF}">
-                  <a14:hiddenLine xmlns:a14="http://schemas.microsoft.com/office/drawing/2010/main" xmlns="" w="9525">
+                  <a14:hiddenLine xmlns="" xmlns:a14="http://schemas.microsoft.com/office/drawing/2010/main" w="9525">
                     <a:solidFill>
                       <a:srgbClr val="000000"/>
                     </a:solidFill>
@@ -9741,7 +9747,7 @@
               </a:ln>
               <a:extLst>
                 <a:ext uri="{91240B29-F687-4f45-9708-019B960494DF}">
-                  <a14:hiddenLine xmlns:a14="http://schemas.microsoft.com/office/drawing/2010/main" xmlns="" w="9525">
+                  <a14:hiddenLine xmlns="" xmlns:a14="http://schemas.microsoft.com/office/drawing/2010/main" w="9525">
                     <a:solidFill>
                       <a:srgbClr val="000000"/>
                     </a:solidFill>
@@ -9851,7 +9857,7 @@
               </a:ln>
               <a:extLst>
                 <a:ext uri="{91240B29-F687-4f45-9708-019B960494DF}">
-                  <a14:hiddenLine xmlns:a14="http://schemas.microsoft.com/office/drawing/2010/main" xmlns="" w="9525">
+                  <a14:hiddenLine xmlns="" xmlns:a14="http://schemas.microsoft.com/office/drawing/2010/main" w="9525">
                     <a:solidFill>
                       <a:srgbClr val="000000"/>
                     </a:solidFill>
@@ -9935,7 +9941,7 @@
               </a:ln>
               <a:extLst>
                 <a:ext uri="{91240B29-F687-4f45-9708-019B960494DF}">
-                  <a14:hiddenLine xmlns:a14="http://schemas.microsoft.com/office/drawing/2010/main" xmlns="" w="9525">
+                  <a14:hiddenLine xmlns="" xmlns:a14="http://schemas.microsoft.com/office/drawing/2010/main" w="9525">
                     <a:solidFill>
                       <a:srgbClr val="000000"/>
                     </a:solidFill>
@@ -9997,7 +10003,7 @@
               </a:ln>
               <a:extLst>
                 <a:ext uri="{91240B29-F687-4f45-9708-019B960494DF}">
-                  <a14:hiddenLine xmlns:a14="http://schemas.microsoft.com/office/drawing/2010/main" xmlns="" w="9525">
+                  <a14:hiddenLine xmlns="" xmlns:a14="http://schemas.microsoft.com/office/drawing/2010/main" w="9525">
                     <a:solidFill>
                       <a:srgbClr val="000000"/>
                     </a:solidFill>
@@ -10059,7 +10065,7 @@
               </a:ln>
               <a:extLst>
                 <a:ext uri="{91240B29-F687-4f45-9708-019B960494DF}">
-                  <a14:hiddenLine xmlns:a14="http://schemas.microsoft.com/office/drawing/2010/main" xmlns="" w="9525">
+                  <a14:hiddenLine xmlns="" xmlns:a14="http://schemas.microsoft.com/office/drawing/2010/main" w="9525">
                     <a:solidFill>
                       <a:srgbClr val="000000"/>
                     </a:solidFill>
@@ -10149,7 +10155,7 @@
               </a:ln>
               <a:extLst>
                 <a:ext uri="{91240B29-F687-4f45-9708-019B960494DF}">
-                  <a14:hiddenLine xmlns:a14="http://schemas.microsoft.com/office/drawing/2010/main" xmlns="" w="9525">
+                  <a14:hiddenLine xmlns="" xmlns:a14="http://schemas.microsoft.com/office/drawing/2010/main" w="9525">
                     <a:solidFill>
                       <a:srgbClr val="000000"/>
                     </a:solidFill>
@@ -10183,7 +10189,7 @@
               </a:ln>
               <a:extLst>
                 <a:ext uri="{91240B29-F687-4f45-9708-019B960494DF}">
-                  <a14:hiddenLine xmlns:a14="http://schemas.microsoft.com/office/drawing/2010/main" xmlns="" w="9525">
+                  <a14:hiddenLine xmlns="" xmlns:a14="http://schemas.microsoft.com/office/drawing/2010/main" w="9525">
                     <a:solidFill>
                       <a:srgbClr val="000000"/>
                     </a:solidFill>
@@ -10248,7 +10254,7 @@
               </a:ln>
               <a:extLst>
                 <a:ext uri="{91240B29-F687-4f45-9708-019B960494DF}">
-                  <a14:hiddenLine xmlns:a14="http://schemas.microsoft.com/office/drawing/2010/main" xmlns="" w="9525">
+                  <a14:hiddenLine xmlns="" xmlns:a14="http://schemas.microsoft.com/office/drawing/2010/main" w="9525">
                     <a:solidFill>
                       <a:srgbClr val="000000"/>
                     </a:solidFill>
@@ -10338,7 +10344,7 @@
               </a:ln>
               <a:extLst>
                 <a:ext uri="{91240B29-F687-4f45-9708-019B960494DF}">
-                  <a14:hiddenLine xmlns:a14="http://schemas.microsoft.com/office/drawing/2010/main" xmlns="" w="9525">
+                  <a14:hiddenLine xmlns="" xmlns:a14="http://schemas.microsoft.com/office/drawing/2010/main" w="9525">
                     <a:solidFill>
                       <a:srgbClr val="000000"/>
                     </a:solidFill>
@@ -10400,7 +10406,7 @@
               </a:ln>
               <a:extLst>
                 <a:ext uri="{91240B29-F687-4f45-9708-019B960494DF}">
-                  <a14:hiddenLine xmlns:a14="http://schemas.microsoft.com/office/drawing/2010/main" xmlns="" w="9525">
+                  <a14:hiddenLine xmlns="" xmlns:a14="http://schemas.microsoft.com/office/drawing/2010/main" w="9525">
                     <a:solidFill>
                       <a:srgbClr val="000000"/>
                     </a:solidFill>
@@ -10490,7 +10496,7 @@
               </a:ln>
               <a:extLst>
                 <a:ext uri="{91240B29-F687-4f45-9708-019B960494DF}">
-                  <a14:hiddenLine xmlns:a14="http://schemas.microsoft.com/office/drawing/2010/main" xmlns="" w="9525">
+                  <a14:hiddenLine xmlns="" xmlns:a14="http://schemas.microsoft.com/office/drawing/2010/main" w="9525">
                     <a:solidFill>
                       <a:srgbClr val="000000"/>
                     </a:solidFill>
@@ -10555,7 +10561,7 @@
               </a:ln>
               <a:extLst>
                 <a:ext uri="{91240B29-F687-4f45-9708-019B960494DF}">
-                  <a14:hiddenLine xmlns:a14="http://schemas.microsoft.com/office/drawing/2010/main" xmlns="" w="9525">
+                  <a14:hiddenLine xmlns="" xmlns:a14="http://schemas.microsoft.com/office/drawing/2010/main" w="9525">
                     <a:solidFill>
                       <a:srgbClr val="000000"/>
                     </a:solidFill>
@@ -10617,7 +10623,7 @@
               </a:ln>
               <a:extLst>
                 <a:ext uri="{91240B29-F687-4f45-9708-019B960494DF}">
-                  <a14:hiddenLine xmlns:a14="http://schemas.microsoft.com/office/drawing/2010/main" xmlns="" w="9525">
+                  <a14:hiddenLine xmlns="" xmlns:a14="http://schemas.microsoft.com/office/drawing/2010/main" w="9525">
                     <a:solidFill>
                       <a:srgbClr val="000000"/>
                     </a:solidFill>
@@ -10707,7 +10713,7 @@
               </a:ln>
               <a:extLst>
                 <a:ext uri="{91240B29-F687-4f45-9708-019B960494DF}">
-                  <a14:hiddenLine xmlns:a14="http://schemas.microsoft.com/office/drawing/2010/main" xmlns="" w="9525">
+                  <a14:hiddenLine xmlns="" xmlns:a14="http://schemas.microsoft.com/office/drawing/2010/main" w="9525">
                     <a:solidFill>
                       <a:srgbClr val="000000"/>
                     </a:solidFill>
@@ -10797,7 +10803,7 @@
               </a:ln>
               <a:extLst>
                 <a:ext uri="{91240B29-F687-4f45-9708-019B960494DF}">
-                  <a14:hiddenLine xmlns:a14="http://schemas.microsoft.com/office/drawing/2010/main" xmlns="" w="9525">
+                  <a14:hiddenLine xmlns="" xmlns:a14="http://schemas.microsoft.com/office/drawing/2010/main" w="9525">
                     <a:solidFill>
                       <a:srgbClr val="000000"/>
                     </a:solidFill>
@@ -10862,7 +10868,7 @@
               </a:ln>
               <a:extLst>
                 <a:ext uri="{91240B29-F687-4f45-9708-019B960494DF}">
-                  <a14:hiddenLine xmlns:a14="http://schemas.microsoft.com/office/drawing/2010/main" xmlns="" w="9525">
+                  <a14:hiddenLine xmlns="" xmlns:a14="http://schemas.microsoft.com/office/drawing/2010/main" w="9525">
                     <a:solidFill>
                       <a:srgbClr val="000000"/>
                     </a:solidFill>
@@ -10982,7 +10988,7 @@
               </a:ln>
               <a:extLst>
                 <a:ext uri="{91240B29-F687-4f45-9708-019B960494DF}">
-                  <a14:hiddenLine xmlns:a14="http://schemas.microsoft.com/office/drawing/2010/main" xmlns="" w="9525">
+                  <a14:hiddenLine xmlns="" xmlns:a14="http://schemas.microsoft.com/office/drawing/2010/main" w="9525">
                     <a:solidFill>
                       <a:srgbClr val="000000"/>
                     </a:solidFill>
@@ -11080,7 +11086,7 @@
               </a:ln>
               <a:extLst>
                 <a:ext uri="{91240B29-F687-4f45-9708-019B960494DF}">
-                  <a14:hiddenLine xmlns:a14="http://schemas.microsoft.com/office/drawing/2010/main" xmlns="" w="9525">
+                  <a14:hiddenLine xmlns="" xmlns:a14="http://schemas.microsoft.com/office/drawing/2010/main" w="9525">
                     <a:solidFill>
                       <a:srgbClr val="000000"/>
                     </a:solidFill>
@@ -11195,7 +11201,7 @@
               </a:ln>
               <a:extLst>
                 <a:ext uri="{91240B29-F687-4f45-9708-019B960494DF}">
-                  <a14:hiddenLine xmlns:a14="http://schemas.microsoft.com/office/drawing/2010/main" xmlns="" w="9525">
+                  <a14:hiddenLine xmlns="" xmlns:a14="http://schemas.microsoft.com/office/drawing/2010/main" w="9525">
                     <a:solidFill>
                       <a:srgbClr val="000000"/>
                     </a:solidFill>
@@ -11285,7 +11291,7 @@
               </a:ln>
               <a:extLst>
                 <a:ext uri="{91240B29-F687-4f45-9708-019B960494DF}">
-                  <a14:hiddenLine xmlns:a14="http://schemas.microsoft.com/office/drawing/2010/main" xmlns="" w="9525">
+                  <a14:hiddenLine xmlns="" xmlns:a14="http://schemas.microsoft.com/office/drawing/2010/main" w="9525">
                     <a:solidFill>
                       <a:srgbClr val="000000"/>
                     </a:solidFill>
@@ -11350,7 +11356,7 @@
               </a:ln>
               <a:extLst>
                 <a:ext uri="{91240B29-F687-4f45-9708-019B960494DF}">
-                  <a14:hiddenLine xmlns:a14="http://schemas.microsoft.com/office/drawing/2010/main" xmlns="" w="9525">
+                  <a14:hiddenLine xmlns="" xmlns:a14="http://schemas.microsoft.com/office/drawing/2010/main" w="9525">
                     <a:solidFill>
                       <a:srgbClr val="000000"/>
                     </a:solidFill>
@@ -11440,7 +11446,7 @@
               </a:ln>
               <a:extLst>
                 <a:ext uri="{91240B29-F687-4f45-9708-019B960494DF}">
-                  <a14:hiddenLine xmlns:a14="http://schemas.microsoft.com/office/drawing/2010/main" xmlns="" w="9525">
+                  <a14:hiddenLine xmlns="" xmlns:a14="http://schemas.microsoft.com/office/drawing/2010/main" w="9525">
                     <a:solidFill>
                       <a:srgbClr val="000000"/>
                     </a:solidFill>
@@ -11508,7 +11514,7 @@
               </a:ln>
               <a:extLst>
                 <a:ext uri="{91240B29-F687-4f45-9708-019B960494DF}">
-                  <a14:hiddenLine xmlns:a14="http://schemas.microsoft.com/office/drawing/2010/main" xmlns="" w="9525">
+                  <a14:hiddenLine xmlns="" xmlns:a14="http://schemas.microsoft.com/office/drawing/2010/main" w="9525">
                     <a:solidFill>
                       <a:srgbClr val="000000"/>
                     </a:solidFill>
@@ -11598,7 +11604,7 @@
               </a:ln>
               <a:extLst>
                 <a:ext uri="{91240B29-F687-4f45-9708-019B960494DF}">
-                  <a14:hiddenLine xmlns:a14="http://schemas.microsoft.com/office/drawing/2010/main" xmlns="" w="9525">
+                  <a14:hiddenLine xmlns="" xmlns:a14="http://schemas.microsoft.com/office/drawing/2010/main" w="9525">
                     <a:solidFill>
                       <a:srgbClr val="000000"/>
                     </a:solidFill>
@@ -11666,7 +11672,7 @@
               </a:ln>
               <a:extLst>
                 <a:ext uri="{91240B29-F687-4f45-9708-019B960494DF}">
-                  <a14:hiddenLine xmlns:a14="http://schemas.microsoft.com/office/drawing/2010/main" xmlns="" w="9525">
+                  <a14:hiddenLine xmlns="" xmlns:a14="http://schemas.microsoft.com/office/drawing/2010/main" w="9525">
                     <a:solidFill>
                       <a:srgbClr val="000000"/>
                     </a:solidFill>
@@ -11756,7 +11762,7 @@
               </a:ln>
               <a:extLst>
                 <a:ext uri="{91240B29-F687-4f45-9708-019B960494DF}">
-                  <a14:hiddenLine xmlns:a14="http://schemas.microsoft.com/office/drawing/2010/main" xmlns="" w="9525">
+                  <a14:hiddenLine xmlns="" xmlns:a14="http://schemas.microsoft.com/office/drawing/2010/main" w="9525">
                     <a:solidFill>
                       <a:srgbClr val="000000"/>
                     </a:solidFill>
@@ -11790,7 +11796,7 @@
               </a:ln>
               <a:extLst>
                 <a:ext uri="{91240B29-F687-4f45-9708-019B960494DF}">
-                  <a14:hiddenLine xmlns:a14="http://schemas.microsoft.com/office/drawing/2010/main" xmlns="" w="9525">
+                  <a14:hiddenLine xmlns="" xmlns:a14="http://schemas.microsoft.com/office/drawing/2010/main" w="9525">
                     <a:solidFill>
                       <a:srgbClr val="000000"/>
                     </a:solidFill>
@@ -11931,7 +11937,7 @@
             <a:fld id="{48A87A34-81AB-432B-8DAE-1953F412C126}" type="datetimeFigureOut">
               <a:rPr lang="en-US" dirty="0"/>
               <a:pPr/>
-              <a:t>11/24/2019</a:t>
+              <a:t>11/27/2019</a:t>
             </a:fld>
             <a:endParaRPr lang="en-US" dirty="0"/>
           </a:p>
@@ -12429,7 +12435,6 @@
               <a:rPr lang="en-US" dirty="0"/>
               <a:t>Peterson</a:t>
             </a:r>
-            <a:endParaRPr lang="en-US" dirty="0"/>
           </a:p>
         </p:txBody>
       </p:sp>
@@ -12480,7 +12485,7 @@
           <a:p>
             <a:r>
               <a:rPr lang="en-US" dirty="0" smtClean="0"/>
-              <a:t>Inputs</a:t>
+              <a:t>General overview</a:t>
             </a:r>
             <a:endParaRPr lang="en-US" dirty="0"/>
           </a:p>
@@ -12498,17 +12503,59 @@
         </p:nvSpPr>
         <p:spPr/>
         <p:txBody>
-          <a:bodyPr/>
+          <a:bodyPr>
+            <a:normAutofit fontScale="92500" lnSpcReduction="10000"/>
+          </a:bodyPr>
           <a:lstStyle/>
           <a:p>
-            <a:endParaRPr lang="en-US"/>
+            <a:r>
+              <a:rPr lang="en-US" dirty="0" smtClean="0"/>
+              <a:t>Basic security detection methods with PIR sensor</a:t>
+            </a:r>
+          </a:p>
+          <a:p>
+            <a:r>
+              <a:rPr lang="en-US" dirty="0" smtClean="0"/>
+              <a:t>Intelligent scheduling linked up to Google Calendar</a:t>
+            </a:r>
+          </a:p>
+          <a:p>
+            <a:r>
+              <a:rPr lang="en-US" dirty="0" smtClean="0"/>
+              <a:t>Arm/Disarm using hardware keypad &amp; web user interface</a:t>
+            </a:r>
+          </a:p>
+          <a:p>
+            <a:r>
+              <a:rPr lang="en-US" dirty="0" smtClean="0"/>
+              <a:t>Notifications</a:t>
+            </a:r>
+          </a:p>
+          <a:p>
+            <a:r>
+              <a:rPr lang="en-US" dirty="0" smtClean="0"/>
+              <a:t>Live stream</a:t>
+            </a:r>
+          </a:p>
+          <a:p>
+            <a:r>
+              <a:rPr lang="en-US" dirty="0" smtClean="0"/>
+              <a:t>Watson Graphs</a:t>
+            </a:r>
+          </a:p>
+          <a:p>
+            <a:r>
+              <a:rPr lang="en-US" dirty="0" smtClean="0"/>
+              <a:t>Automated &amp; remote testing</a:t>
+            </a:r>
+            <a:endParaRPr lang="en-US" dirty="0"/>
           </a:p>
         </p:txBody>
       </p:sp>
     </p:spTree>
     <p:extLst>
       <p:ext uri="{BB962C8B-B14F-4D97-AF65-F5344CB8AC3E}">
-        <p14:creationId xmlns:p14="http://schemas.microsoft.com/office/powerpoint/2010/main" val="3658949672"/>
+        <p14:creationId xmlns:p14="http://schemas.microsoft.com/office/powerpoint/2010/main" val="530037198"/>
       </p:ext>
     </p:extLst>
   </p:cSld>
@@ -12552,7 +12599,7 @@
           <a:p>
             <a:r>
               <a:rPr lang="en-US" dirty="0" smtClean="0"/>
-              <a:t>outputs</a:t>
+              <a:t>Inputs</a:t>
             </a:r>
             <a:endParaRPr lang="en-US" dirty="0"/>
           </a:p>
@@ -12573,14 +12620,243 @@
           <a:bodyPr/>
           <a:lstStyle/>
           <a:p>
-            <a:endParaRPr lang="en-US"/>
+            <a:r>
+              <a:rPr lang="en-US" dirty="0" smtClean="0"/>
+              <a:t>HC-SR501 PIR(passive infrared) Motion Sensor</a:t>
+            </a:r>
+          </a:p>
+          <a:p>
+            <a:r>
+              <a:rPr lang="en-US" dirty="0" smtClean="0"/>
+              <a:t>4x4 Matrix membrane switch</a:t>
+            </a:r>
+          </a:p>
+          <a:p>
+            <a:r>
+              <a:rPr lang="en-US" dirty="0" smtClean="0"/>
+              <a:t>Google Calendar</a:t>
+            </a:r>
+            <a:endParaRPr lang="en-US" dirty="0"/>
           </a:p>
         </p:txBody>
       </p:sp>
+      <p:pic>
+        <p:nvPicPr>
+          <p:cNvPr id="1026" name="Picture 2" descr="Image result for keypad membrane module"/>
+          <p:cNvPicPr>
+            <a:picLocks noChangeAspect="1" noChangeArrowheads="1"/>
+          </p:cNvPicPr>
+          <p:nvPr/>
+        </p:nvPicPr>
+        <p:blipFill>
+          <a:blip r:embed="rId2">
+            <a:extLst>
+              <a:ext uri="{BEBA8EAE-BF5A-486C-A8C5-ECC9F3942E4B}">
+                <a14:imgProps xmlns:a14="http://schemas.microsoft.com/office/drawing/2010/main">
+                  <a14:imgLayer r:embed="rId3">
+                    <a14:imgEffect>
+                      <a14:backgroundRemoval t="6600" b="94200" l="10000" r="90000">
+                        <a14:foregroundMark x1="51300" y1="57200" x2="51300" y2="57200"/>
+                        <a14:foregroundMark x1="67000" y1="54300" x2="67000" y2="54300"/>
+                        <a14:foregroundMark x1="62800" y1="52300" x2="62800" y2="52300"/>
+                        <a14:foregroundMark x1="68700" y1="55100" x2="68700" y2="55100"/>
+                        <a14:foregroundMark x1="67200" y1="56000" x2="67200" y2="56000"/>
+                        <a14:foregroundMark x1="65700" y1="57700" x2="65700" y2="57700"/>
+                        <a14:foregroundMark x1="52700" y1="38600" x2="52700" y2="38600"/>
+                        <a14:foregroundMark x1="51300" y1="44200" x2="51300" y2="44200"/>
+                        <a14:foregroundMark x1="52100" y1="45700" x2="52100" y2="45700"/>
+                        <a14:foregroundMark x1="49900" y1="42700" x2="49900" y2="42700"/>
+                        <a14:foregroundMark x1="47800" y1="39600" x2="47800" y2="39600"/>
+                        <a14:foregroundMark x1="46200" y1="38200" x2="46200" y2="38200"/>
+                        <a14:foregroundMark x1="47200" y1="32400" x2="47200" y2="32400"/>
+                        <a14:foregroundMark x1="45800" y1="30600" x2="45800" y2="30600"/>
+                        <a14:foregroundMark x1="54700" y1="30700" x2="54700" y2="30700"/>
+                        <a14:foregroundMark x1="61500" y1="36000" x2="61500" y2="36000"/>
+                        <a14:foregroundMark x1="53900" y1="45600" x2="53900" y2="45600"/>
+                        <a14:foregroundMark x1="31600" y1="31500" x2="31600" y2="31500"/>
+                        <a14:foregroundMark x1="32600" y1="31500" x2="32600" y2="31500"/>
+                        <a14:foregroundMark x1="32500" y1="34700" x2="32500" y2="34700"/>
+                        <a14:foregroundMark x1="31300" y1="26300" x2="31300" y2="26300"/>
+                        <a14:foregroundMark x1="64500" y1="29700" x2="64500" y2="29700"/>
+                        <a14:foregroundMark x1="56300" y1="6600" x2="56300" y2="6600"/>
+                        <a14:foregroundMark x1="68300" y1="9800" x2="68300" y2="9800"/>
+                        <a14:foregroundMark x1="59400" y1="14900" x2="59400" y2="14900"/>
+                        <a14:foregroundMark x1="31000" y1="7500" x2="31000" y2="7500"/>
+                        <a14:foregroundMark x1="32400" y1="11100" x2="32400" y2="11100"/>
+                        <a14:foregroundMark x1="37500" y1="12200" x2="37500" y2="12200"/>
+                        <a14:foregroundMark x1="44300" y1="13100" x2="44300" y2="13100"/>
+                        <a14:foregroundMark x1="54600" y1="15500" x2="54600" y2="15500"/>
+                        <a14:foregroundMark x1="39900" y1="20900" x2="39900" y2="20900"/>
+                        <a14:foregroundMark x1="43800" y1="20900" x2="43800" y2="20900"/>
+                        <a14:foregroundMark x1="53400" y1="20400" x2="53400" y2="20400"/>
+                        <a14:foregroundMark x1="62400" y1="20300" x2="62400" y2="20300"/>
+                        <a14:foregroundMark x1="32800" y1="8800" x2="33300" y2="44300"/>
+                        <a14:foregroundMark x1="45000" y1="86200" x2="45300" y2="94200"/>
+                        <a14:foregroundMark x1="35700" y1="35100" x2="40800" y2="40200"/>
+                        <a14:backgroundMark x1="65100" y1="56500" x2="65100" y2="56500"/>
+                        <a14:backgroundMark x1="62700" y1="52400" x2="62700" y2="52400"/>
+                        <a14:backgroundMark x1="60400" y1="50000" x2="74700" y2="59500"/>
+                        <a14:backgroundMark x1="70400" y1="55000" x2="70400" y2="55000"/>
+                      </a14:backgroundRemoval>
+                    </a14:imgEffect>
+                  </a14:imgLayer>
+                </a14:imgProps>
+              </a:ext>
+              <a:ext uri="{28A0092B-C50C-407E-A947-70E740481C1C}">
+                <a14:useLocalDpi xmlns:a14="http://schemas.microsoft.com/office/drawing/2010/main" val="0"/>
+              </a:ext>
+            </a:extLst>
+          </a:blip>
+          <a:srcRect/>
+          <a:stretch>
+            <a:fillRect/>
+          </a:stretch>
+        </p:blipFill>
+        <p:spPr bwMode="auto">
+          <a:xfrm>
+            <a:off x="7313151" y="618518"/>
+            <a:ext cx="4953202" cy="4953202"/>
+          </a:xfrm>
+          <a:prstGeom prst="rect">
+            <a:avLst/>
+          </a:prstGeom>
+          <a:noFill/>
+          <a:extLst>
+            <a:ext uri="{909E8E84-426E-40DD-AFC4-6F175D3DCCD1}">
+              <a14:hiddenFill xmlns:a14="http://schemas.microsoft.com/office/drawing/2010/main">
+                <a:solidFill>
+                  <a:srgbClr val="FFFFFF"/>
+                </a:solidFill>
+              </a14:hiddenFill>
+            </a:ext>
+          </a:extLst>
+        </p:spPr>
+      </p:pic>
+      <p:sp>
+        <p:nvSpPr>
+          <p:cNvPr id="4" name="AutoShape 4" descr="Image result for HC-SR501"/>
+          <p:cNvSpPr>
+            <a:spLocks noChangeAspect="1" noChangeArrowheads="1"/>
+          </p:cNvSpPr>
+          <p:nvPr/>
+        </p:nvSpPr>
+        <p:spPr bwMode="auto">
+          <a:xfrm>
+            <a:off x="155575" y="-144463"/>
+            <a:ext cx="385762" cy="385763"/>
+          </a:xfrm>
+          <a:prstGeom prst="rect">
+            <a:avLst/>
+          </a:prstGeom>
+          <a:noFill/>
+          <a:extLst>
+            <a:ext uri="{909E8E84-426E-40DD-AFC4-6F175D3DCCD1}">
+              <a14:hiddenFill xmlns:a14="http://schemas.microsoft.com/office/drawing/2010/main">
+                <a:solidFill>
+                  <a:srgbClr val="FFFFFF"/>
+                </a:solidFill>
+              </a14:hiddenFill>
+            </a:ext>
+          </a:extLst>
+        </p:spPr>
+        <p:txBody>
+          <a:bodyPr vert="horz" wrap="square" lIns="91440" tIns="45720" rIns="91440" bIns="45720" numCol="1" anchor="t" anchorCtr="0" compatLnSpc="1">
+            <a:prstTxWarp prst="textNoShape">
+              <a:avLst/>
+            </a:prstTxWarp>
+          </a:bodyPr>
+          <a:lstStyle/>
+          <a:p>
+            <a:endParaRPr lang="en-US"/>
+          </a:p>
+        </p:txBody>
+      </p:sp>
+      <p:pic>
+        <p:nvPicPr>
+          <p:cNvPr id="1032" name="Picture 8" descr="Image result for HC-SR501"/>
+          <p:cNvPicPr>
+            <a:picLocks noChangeAspect="1" noChangeArrowheads="1"/>
+          </p:cNvPicPr>
+          <p:nvPr/>
+        </p:nvPicPr>
+        <p:blipFill>
+          <a:blip r:embed="rId4">
+            <a:extLst>
+              <a:ext uri="{28A0092B-C50C-407E-A947-70E740481C1C}">
+                <a14:useLocalDpi xmlns:a14="http://schemas.microsoft.com/office/drawing/2010/main" val="0"/>
+              </a:ext>
+            </a:extLst>
+          </a:blip>
+          <a:srcRect/>
+          <a:stretch>
+            <a:fillRect/>
+          </a:stretch>
+        </p:blipFill>
+        <p:spPr bwMode="auto">
+          <a:xfrm>
+            <a:off x="5155980" y="3095119"/>
+            <a:ext cx="3474632" cy="3474632"/>
+          </a:xfrm>
+          <a:prstGeom prst="rect">
+            <a:avLst/>
+          </a:prstGeom>
+          <a:noFill/>
+          <a:extLst>
+            <a:ext uri="{909E8E84-426E-40DD-AFC4-6F175D3DCCD1}">
+              <a14:hiddenFill xmlns:a14="http://schemas.microsoft.com/office/drawing/2010/main">
+                <a:solidFill>
+                  <a:srgbClr val="FFFFFF"/>
+                </a:solidFill>
+              </a14:hiddenFill>
+            </a:ext>
+          </a:extLst>
+        </p:spPr>
+      </p:pic>
+      <p:pic>
+        <p:nvPicPr>
+          <p:cNvPr id="1034" name="Picture 10" descr="Image result for google calendar"/>
+          <p:cNvPicPr>
+            <a:picLocks noChangeAspect="1" noChangeArrowheads="1"/>
+          </p:cNvPicPr>
+          <p:nvPr/>
+        </p:nvPicPr>
+        <p:blipFill>
+          <a:blip r:embed="rId5">
+            <a:extLst>
+              <a:ext uri="{28A0092B-C50C-407E-A947-70E740481C1C}">
+                <a14:useLocalDpi xmlns:a14="http://schemas.microsoft.com/office/drawing/2010/main" val="0"/>
+              </a:ext>
+            </a:extLst>
+          </a:blip>
+          <a:srcRect/>
+          <a:stretch>
+            <a:fillRect/>
+          </a:stretch>
+        </p:blipFill>
+        <p:spPr bwMode="auto">
+          <a:xfrm>
+            <a:off x="1546968" y="3763652"/>
+            <a:ext cx="2558597" cy="2558597"/>
+          </a:xfrm>
+          <a:prstGeom prst="rect">
+            <a:avLst/>
+          </a:prstGeom>
+          <a:noFill/>
+          <a:extLst>
+            <a:ext uri="{909E8E84-426E-40DD-AFC4-6F175D3DCCD1}">
+              <a14:hiddenFill xmlns:a14="http://schemas.microsoft.com/office/drawing/2010/main">
+                <a:solidFill>
+                  <a:srgbClr val="FFFFFF"/>
+                </a:solidFill>
+              </a14:hiddenFill>
+            </a:ext>
+          </a:extLst>
+        </p:spPr>
+      </p:pic>
     </p:spTree>
     <p:extLst>
       <p:ext uri="{BB962C8B-B14F-4D97-AF65-F5344CB8AC3E}">
-        <p14:creationId xmlns:p14="http://schemas.microsoft.com/office/powerpoint/2010/main" val="462958550"/>
+        <p14:creationId xmlns:p14="http://schemas.microsoft.com/office/powerpoint/2010/main" val="3658949672"/>
       </p:ext>
     </p:extLst>
   </p:cSld>
@@ -12624,7 +12900,7 @@
           <a:p>
             <a:r>
               <a:rPr lang="en-US" dirty="0" smtClean="0"/>
-              <a:t>services</a:t>
+              <a:t>outputs</a:t>
             </a:r>
             <a:endParaRPr lang="en-US" dirty="0"/>
           </a:p>
@@ -12645,14 +12921,141 @@
           <a:bodyPr/>
           <a:lstStyle/>
           <a:p>
-            <a:endParaRPr lang="en-US"/>
+            <a:r>
+              <a:rPr lang="en-US" dirty="0" smtClean="0"/>
+              <a:t>RGB LED Module</a:t>
+            </a:r>
+          </a:p>
+          <a:p>
+            <a:r>
+              <a:rPr lang="en-US" dirty="0" smtClean="0"/>
+              <a:t>PS3 Eye camera video</a:t>
+            </a:r>
+          </a:p>
+          <a:p>
+            <a:r>
+              <a:rPr lang="en-US" dirty="0" smtClean="0"/>
+              <a:t>Web user interface</a:t>
+            </a:r>
+          </a:p>
+          <a:p>
+            <a:r>
+              <a:rPr lang="en-US" dirty="0" smtClean="0"/>
+              <a:t>MMS Notifications</a:t>
+            </a:r>
           </a:p>
         </p:txBody>
       </p:sp>
+      <p:pic>
+        <p:nvPicPr>
+          <p:cNvPr id="2050" name="Picture 2" descr="Image result for RGB led module"/>
+          <p:cNvPicPr>
+            <a:picLocks noChangeAspect="1" noChangeArrowheads="1"/>
+          </p:cNvPicPr>
+          <p:nvPr/>
+        </p:nvPicPr>
+        <p:blipFill>
+          <a:blip r:embed="rId2">
+            <a:extLst>
+              <a:ext uri="{28A0092B-C50C-407E-A947-70E740481C1C}">
+                <a14:useLocalDpi xmlns:a14="http://schemas.microsoft.com/office/drawing/2010/main" val="0"/>
+              </a:ext>
+            </a:extLst>
+          </a:blip>
+          <a:srcRect/>
+          <a:stretch>
+            <a:fillRect/>
+          </a:stretch>
+        </p:blipFill>
+        <p:spPr bwMode="auto">
+          <a:xfrm>
+            <a:off x="4309801" y="3431330"/>
+            <a:ext cx="3245161" cy="3115137"/>
+          </a:xfrm>
+          <a:prstGeom prst="rect">
+            <a:avLst/>
+          </a:prstGeom>
+          <a:noFill/>
+          <a:extLst>
+            <a:ext uri="{909E8E84-426E-40DD-AFC4-6F175D3DCCD1}">
+              <a14:hiddenFill xmlns:a14="http://schemas.microsoft.com/office/drawing/2010/main">
+                <a:solidFill>
+                  <a:srgbClr val="FFFFFF"/>
+                </a:solidFill>
+              </a14:hiddenFill>
+            </a:ext>
+          </a:extLst>
+        </p:spPr>
+      </p:pic>
+      <p:pic>
+        <p:nvPicPr>
+          <p:cNvPr id="2052" name="Picture 4" descr="Image result for PS3 eye"/>
+          <p:cNvPicPr>
+            <a:picLocks noChangeAspect="1" noChangeArrowheads="1"/>
+          </p:cNvPicPr>
+          <p:nvPr/>
+        </p:nvPicPr>
+        <p:blipFill>
+          <a:blip r:embed="rId3">
+            <a:extLst>
+              <a:ext uri="{28A0092B-C50C-407E-A947-70E740481C1C}">
+                <a14:useLocalDpi xmlns:a14="http://schemas.microsoft.com/office/drawing/2010/main" val="0"/>
+              </a:ext>
+            </a:extLst>
+          </a:blip>
+          <a:srcRect/>
+          <a:stretch>
+            <a:fillRect/>
+          </a:stretch>
+        </p:blipFill>
+        <p:spPr bwMode="auto">
+          <a:xfrm>
+            <a:off x="4309801" y="548046"/>
+            <a:ext cx="3569220" cy="3098083"/>
+          </a:xfrm>
+          <a:prstGeom prst="rect">
+            <a:avLst/>
+          </a:prstGeom>
+          <a:noFill/>
+          <a:extLst>
+            <a:ext uri="{909E8E84-426E-40DD-AFC4-6F175D3DCCD1}">
+              <a14:hiddenFill xmlns:a14="http://schemas.microsoft.com/office/drawing/2010/main">
+                <a:solidFill>
+                  <a:srgbClr val="FFFFFF"/>
+                </a:solidFill>
+              </a14:hiddenFill>
+            </a:ext>
+          </a:extLst>
+        </p:spPr>
+      </p:pic>
+      <p:pic>
+        <p:nvPicPr>
+          <p:cNvPr id="5" name="Picture 4"/>
+          <p:cNvPicPr>
+            <a:picLocks noChangeAspect="1"/>
+          </p:cNvPicPr>
+          <p:nvPr/>
+        </p:nvPicPr>
+        <p:blipFill>
+          <a:blip r:embed="rId4"/>
+          <a:stretch>
+            <a:fillRect/>
+          </a:stretch>
+        </p:blipFill>
+        <p:spPr>
+          <a:xfrm>
+            <a:off x="7879021" y="1979254"/>
+            <a:ext cx="3541916" cy="3964346"/>
+          </a:xfrm>
+          <a:prstGeom prst="rect">
+            <a:avLst/>
+          </a:prstGeom>
+        </p:spPr>
+      </p:pic>
     </p:spTree>
     <p:extLst>
       <p:ext uri="{BB962C8B-B14F-4D97-AF65-F5344CB8AC3E}">
-        <p14:creationId xmlns:p14="http://schemas.microsoft.com/office/powerpoint/2010/main" val="2240589504"/>
+        <p14:creationId xmlns:p14="http://schemas.microsoft.com/office/powerpoint/2010/main" val="462958550"/>
       </p:ext>
     </p:extLst>
   </p:cSld>
@@ -12696,6 +13099,117 @@
           <a:p>
             <a:r>
               <a:rPr lang="en-US" dirty="0" smtClean="0"/>
+              <a:t>services</a:t>
+            </a:r>
+            <a:endParaRPr lang="en-US" dirty="0"/>
+          </a:p>
+        </p:txBody>
+      </p:sp>
+      <p:sp>
+        <p:nvSpPr>
+          <p:cNvPr id="3" name="Content Placeholder 2"/>
+          <p:cNvSpPr>
+            <a:spLocks noGrp="1"/>
+          </p:cNvSpPr>
+          <p:nvPr>
+            <p:ph idx="1"/>
+          </p:nvPr>
+        </p:nvSpPr>
+        <p:spPr/>
+        <p:txBody>
+          <a:bodyPr/>
+          <a:lstStyle/>
+          <a:p>
+            <a:r>
+              <a:rPr lang="en-US" dirty="0"/>
+              <a:t>Watson </a:t>
+            </a:r>
+            <a:r>
+              <a:rPr lang="en-US" dirty="0" smtClean="0"/>
+              <a:t>Graphs</a:t>
+            </a:r>
+          </a:p>
+          <a:p>
+            <a:r>
+              <a:rPr lang="en-US" dirty="0" smtClean="0"/>
+              <a:t>Motion project library</a:t>
+            </a:r>
+          </a:p>
+          <a:p>
+            <a:r>
+              <a:rPr lang="en-US" dirty="0" smtClean="0"/>
+              <a:t>Flask for UI</a:t>
+            </a:r>
+          </a:p>
+          <a:p>
+            <a:r>
+              <a:rPr lang="en-US" dirty="0" err="1" smtClean="0"/>
+              <a:t>Twilio</a:t>
+            </a:r>
+            <a:r>
+              <a:rPr lang="en-US" dirty="0" smtClean="0"/>
+              <a:t> API for notifications</a:t>
+            </a:r>
+          </a:p>
+          <a:p>
+            <a:r>
+              <a:rPr lang="en-US" dirty="0" smtClean="0"/>
+              <a:t>Google Calendar API </a:t>
+            </a:r>
+            <a:endParaRPr lang="en-US" dirty="0"/>
+          </a:p>
+          <a:p>
+            <a:endParaRPr lang="en-US" dirty="0"/>
+          </a:p>
+        </p:txBody>
+      </p:sp>
+    </p:spTree>
+    <p:extLst>
+      <p:ext uri="{BB962C8B-B14F-4D97-AF65-F5344CB8AC3E}">
+        <p14:creationId xmlns:p14="http://schemas.microsoft.com/office/powerpoint/2010/main" val="2240589504"/>
+      </p:ext>
+    </p:extLst>
+  </p:cSld>
+  <p:clrMapOvr>
+    <a:masterClrMapping/>
+  </p:clrMapOvr>
+</p:sld>
+</file>
+
+<file path=ppt/slides/slide6.xml><?xml version="1.0" encoding="utf-8"?>
+<p:sld xmlns:a="http://schemas.openxmlformats.org/drawingml/2006/main" xmlns:r="http://schemas.openxmlformats.org/officeDocument/2006/relationships" xmlns:p="http://schemas.openxmlformats.org/presentationml/2006/main">
+  <p:cSld>
+    <p:spTree>
+      <p:nvGrpSpPr>
+        <p:cNvPr id="1" name=""/>
+        <p:cNvGrpSpPr/>
+        <p:nvPr/>
+      </p:nvGrpSpPr>
+      <p:grpSpPr>
+        <a:xfrm>
+          <a:off x="0" y="0"/>
+          <a:ext cx="0" cy="0"/>
+          <a:chOff x="0" y="0"/>
+          <a:chExt cx="0" cy="0"/>
+        </a:xfrm>
+      </p:grpSpPr>
+      <p:sp>
+        <p:nvSpPr>
+          <p:cNvPr id="2" name="Title 1"/>
+          <p:cNvSpPr>
+            <a:spLocks noGrp="1"/>
+          </p:cNvSpPr>
+          <p:nvPr>
+            <p:ph type="title"/>
+          </p:nvPr>
+        </p:nvSpPr>
+        <p:spPr/>
+        <p:txBody>
+          <a:bodyPr/>
+          <a:lstStyle/>
+          <a:p>
+            <a:r>
+              <a:rPr lang="en-US" dirty="0" smtClean="0"/>
               <a:t>Demo – test scenarios 	</a:t>
             </a:r>
             <a:endParaRPr lang="en-US" dirty="0"/>
@@ -12715,7 +13229,7 @@
         <p:spPr/>
         <p:txBody>
           <a:bodyPr>
-            <a:normAutofit fontScale="92500" lnSpcReduction="10000"/>
+            <a:normAutofit fontScale="70000" lnSpcReduction="20000"/>
           </a:bodyPr>
           <a:lstStyle/>
           <a:p>
@@ -12756,7 +13270,11 @@
             </a:pPr>
             <a:r>
               <a:rPr lang="en-US" dirty="0" smtClean="0"/>
-              <a:t>View MMS</a:t>
+              <a:t>View </a:t>
+            </a:r>
+            <a:r>
+              <a:rPr lang="en-US" dirty="0" smtClean="0"/>
+              <a:t>MMS</a:t>
             </a:r>
           </a:p>
           <a:p>
@@ -12766,8 +13284,9 @@
             </a:pPr>
             <a:r>
               <a:rPr lang="en-US" dirty="0" smtClean="0"/>
-              <a:t>Disarm system</a:t>
-            </a:r>
+              <a:t>View live stream</a:t>
+            </a:r>
+            <a:endParaRPr lang="en-US" dirty="0" smtClean="0"/>
           </a:p>
           <a:p>
             <a:pPr marL="457200" indent="-457200">
@@ -12776,13 +13295,8 @@
             </a:pPr>
             <a:r>
               <a:rPr lang="en-US" dirty="0" smtClean="0"/>
-              <a:t>View UI to show status and test arming </a:t>
-            </a:r>
-            <a:r>
-              <a:rPr lang="en-US" smtClean="0"/>
-              <a:t>&amp; disarming</a:t>
-            </a:r>
-            <a:endParaRPr lang="en-US" dirty="0" smtClean="0"/>
+              <a:t>Disarm system</a:t>
+            </a:r>
           </a:p>
           <a:p>
             <a:pPr marL="457200" indent="-457200">
@@ -12791,7 +13305,36 @@
             </a:pPr>
             <a:r>
               <a:rPr lang="en-US" dirty="0" smtClean="0"/>
-              <a:t>View Watson graphs</a:t>
+              <a:t>View UI to show status and test arming &amp; </a:t>
+            </a:r>
+            <a:r>
+              <a:rPr lang="en-US" dirty="0" smtClean="0"/>
+              <a:t>disarming</a:t>
+            </a:r>
+            <a:endParaRPr lang="en-US" dirty="0" smtClean="0"/>
+          </a:p>
+          <a:p>
+            <a:pPr marL="457200" indent="-457200">
+              <a:buFont typeface="+mj-lt"/>
+              <a:buAutoNum type="arabicPeriod"/>
+            </a:pPr>
+            <a:r>
+              <a:rPr lang="en-US" dirty="0" smtClean="0"/>
+              <a:t>View Watson </a:t>
+            </a:r>
+            <a:r>
+              <a:rPr lang="en-US" dirty="0" smtClean="0"/>
+              <a:t>graphs</a:t>
+            </a:r>
+          </a:p>
+          <a:p>
+            <a:pPr marL="457200" indent="-457200">
+              <a:buFont typeface="+mj-lt"/>
+              <a:buAutoNum type="arabicPeriod"/>
+            </a:pPr>
+            <a:r>
+              <a:rPr lang="en-US" dirty="0" smtClean="0"/>
+              <a:t>Automated and remote testing</a:t>
             </a:r>
             <a:endParaRPr lang="en-US" dirty="0"/>
           </a:p>

--- a/proposal/Smart Security System_presentation.pptx
+++ b/proposal/Smart Security System_presentation.pptx
@@ -167,7 +167,7 @@
           <a:noFill/>
           <a:extLst>
             <a:ext uri="{909E8E84-426E-40dd-AFC4-6F175D3DCCD1}">
-              <a14:hiddenFill xmlns="" xmlns:a14="http://schemas.microsoft.com/office/drawing/2010/main">
+              <a14:hiddenFill xmlns:a14="http://schemas.microsoft.com/office/drawing/2010/main" xmlns="">
                 <a:solidFill>
                   <a:srgbClr val="FFFFFF"/>
                 </a:solidFill>
@@ -227,7 +227,7 @@
             </a:ln>
             <a:extLst>
               <a:ext uri="{91240B29-F687-4f45-9708-019B960494DF}">
-                <a14:hiddenLine xmlns="" xmlns:a14="http://schemas.microsoft.com/office/drawing/2010/main" w="9525">
+                <a14:hiddenLine xmlns:a14="http://schemas.microsoft.com/office/drawing/2010/main" xmlns="" w="9525">
                   <a:solidFill>
                     <a:srgbClr val="000000"/>
                   </a:solidFill>
@@ -317,7 +317,7 @@
             </a:ln>
             <a:extLst>
               <a:ext uri="{91240B29-F687-4f45-9708-019B960494DF}">
-                <a14:hiddenLine xmlns="" xmlns:a14="http://schemas.microsoft.com/office/drawing/2010/main" w="9525">
+                <a14:hiddenLine xmlns:a14="http://schemas.microsoft.com/office/drawing/2010/main" xmlns="" w="9525">
                   <a:solidFill>
                     <a:srgbClr val="000000"/>
                   </a:solidFill>
@@ -407,7 +407,7 @@
             </a:ln>
             <a:extLst>
               <a:ext uri="{91240B29-F687-4f45-9708-019B960494DF}">
-                <a14:hiddenLine xmlns="" xmlns:a14="http://schemas.microsoft.com/office/drawing/2010/main" w="9525">
+                <a14:hiddenLine xmlns:a14="http://schemas.microsoft.com/office/drawing/2010/main" xmlns="" w="9525">
                   <a:solidFill>
                     <a:srgbClr val="000000"/>
                   </a:solidFill>
@@ -441,7 +441,7 @@
             </a:ln>
             <a:extLst>
               <a:ext uri="{91240B29-F687-4f45-9708-019B960494DF}">
-                <a14:hiddenLine xmlns="" xmlns:a14="http://schemas.microsoft.com/office/drawing/2010/main" w="9525">
+                <a14:hiddenLine xmlns:a14="http://schemas.microsoft.com/office/drawing/2010/main" xmlns="" w="9525">
                   <a:solidFill>
                     <a:srgbClr val="000000"/>
                   </a:solidFill>
@@ -531,7 +531,7 @@
             </a:ln>
             <a:extLst>
               <a:ext uri="{91240B29-F687-4f45-9708-019B960494DF}">
-                <a14:hiddenLine xmlns="" xmlns:a14="http://schemas.microsoft.com/office/drawing/2010/main" w="9525">
+                <a14:hiddenLine xmlns:a14="http://schemas.microsoft.com/office/drawing/2010/main" xmlns="" w="9525">
                   <a:solidFill>
                     <a:srgbClr val="000000"/>
                   </a:solidFill>
@@ -593,7 +593,7 @@
             </a:ln>
             <a:extLst>
               <a:ext uri="{91240B29-F687-4f45-9708-019B960494DF}">
-                <a14:hiddenLine xmlns="" xmlns:a14="http://schemas.microsoft.com/office/drawing/2010/main" w="9525">
+                <a14:hiddenLine xmlns:a14="http://schemas.microsoft.com/office/drawing/2010/main" xmlns="" w="9525">
                   <a:solidFill>
                     <a:srgbClr val="000000"/>
                   </a:solidFill>
@@ -655,7 +655,7 @@
             </a:ln>
             <a:extLst>
               <a:ext uri="{91240B29-F687-4f45-9708-019B960494DF}">
-                <a14:hiddenLine xmlns="" xmlns:a14="http://schemas.microsoft.com/office/drawing/2010/main" w="9525">
+                <a14:hiddenLine xmlns:a14="http://schemas.microsoft.com/office/drawing/2010/main" xmlns="" w="9525">
                   <a:solidFill>
                     <a:srgbClr val="000000"/>
                   </a:solidFill>
@@ -745,7 +745,7 @@
             </a:ln>
             <a:extLst>
               <a:ext uri="{91240B29-F687-4f45-9708-019B960494DF}">
-                <a14:hiddenLine xmlns="" xmlns:a14="http://schemas.microsoft.com/office/drawing/2010/main" w="9525">
+                <a14:hiddenLine xmlns:a14="http://schemas.microsoft.com/office/drawing/2010/main" xmlns="" w="9525">
                   <a:solidFill>
                     <a:srgbClr val="000000"/>
                   </a:solidFill>
@@ -807,7 +807,7 @@
             </a:ln>
             <a:extLst>
               <a:ext uri="{91240B29-F687-4f45-9708-019B960494DF}">
-                <a14:hiddenLine xmlns="" xmlns:a14="http://schemas.microsoft.com/office/drawing/2010/main" w="9525">
+                <a14:hiddenLine xmlns:a14="http://schemas.microsoft.com/office/drawing/2010/main" xmlns="" w="9525">
                   <a:solidFill>
                     <a:srgbClr val="000000"/>
                   </a:solidFill>
@@ -869,7 +869,7 @@
             </a:ln>
             <a:extLst>
               <a:ext uri="{91240B29-F687-4f45-9708-019B960494DF}">
-                <a14:hiddenLine xmlns="" xmlns:a14="http://schemas.microsoft.com/office/drawing/2010/main" w="9525">
+                <a14:hiddenLine xmlns:a14="http://schemas.microsoft.com/office/drawing/2010/main" xmlns="" w="9525">
                   <a:solidFill>
                     <a:srgbClr val="000000"/>
                   </a:solidFill>
@@ -959,7 +959,7 @@
             </a:ln>
             <a:extLst>
               <a:ext uri="{91240B29-F687-4f45-9708-019B960494DF}">
-                <a14:hiddenLine xmlns="" xmlns:a14="http://schemas.microsoft.com/office/drawing/2010/main" w="9525">
+                <a14:hiddenLine xmlns:a14="http://schemas.microsoft.com/office/drawing/2010/main" xmlns="" w="9525">
                   <a:solidFill>
                     <a:srgbClr val="000000"/>
                   </a:solidFill>
@@ -1049,7 +1049,7 @@
             </a:ln>
             <a:extLst>
               <a:ext uri="{91240B29-F687-4f45-9708-019B960494DF}">
-                <a14:hiddenLine xmlns="" xmlns:a14="http://schemas.microsoft.com/office/drawing/2010/main" w="9525">
+                <a14:hiddenLine xmlns:a14="http://schemas.microsoft.com/office/drawing/2010/main" xmlns="" w="9525">
                   <a:solidFill>
                     <a:srgbClr val="000000"/>
                   </a:solidFill>
@@ -1111,7 +1111,7 @@
             </a:ln>
             <a:extLst>
               <a:ext uri="{91240B29-F687-4f45-9708-019B960494DF}">
-                <a14:hiddenLine xmlns="" xmlns:a14="http://schemas.microsoft.com/office/drawing/2010/main" w="9525">
+                <a14:hiddenLine xmlns:a14="http://schemas.microsoft.com/office/drawing/2010/main" xmlns="" w="9525">
                   <a:solidFill>
                     <a:srgbClr val="000000"/>
                   </a:solidFill>
@@ -1221,7 +1221,7 @@
             </a:ln>
             <a:extLst>
               <a:ext uri="{91240B29-F687-4f45-9708-019B960494DF}">
-                <a14:hiddenLine xmlns="" xmlns:a14="http://schemas.microsoft.com/office/drawing/2010/main" w="9525">
+                <a14:hiddenLine xmlns:a14="http://schemas.microsoft.com/office/drawing/2010/main" xmlns="" w="9525">
                   <a:solidFill>
                     <a:srgbClr val="000000"/>
                   </a:solidFill>
@@ -1283,7 +1283,7 @@
             </a:ln>
             <a:extLst>
               <a:ext uri="{91240B29-F687-4f45-9708-019B960494DF}">
-                <a14:hiddenLine xmlns="" xmlns:a14="http://schemas.microsoft.com/office/drawing/2010/main" w="9525">
+                <a14:hiddenLine xmlns:a14="http://schemas.microsoft.com/office/drawing/2010/main" xmlns="" w="9525">
                   <a:solidFill>
                     <a:srgbClr val="000000"/>
                   </a:solidFill>
@@ -1373,7 +1373,7 @@
             </a:ln>
             <a:extLst>
               <a:ext uri="{91240B29-F687-4f45-9708-019B960494DF}">
-                <a14:hiddenLine xmlns="" xmlns:a14="http://schemas.microsoft.com/office/drawing/2010/main" w="9525">
+                <a14:hiddenLine xmlns:a14="http://schemas.microsoft.com/office/drawing/2010/main" xmlns="" w="9525">
                   <a:solidFill>
                     <a:srgbClr val="000000"/>
                   </a:solidFill>
@@ -1463,7 +1463,7 @@
             </a:ln>
             <a:extLst>
               <a:ext uri="{91240B29-F687-4f45-9708-019B960494DF}">
-                <a14:hiddenLine xmlns="" xmlns:a14="http://schemas.microsoft.com/office/drawing/2010/main" w="9525">
+                <a14:hiddenLine xmlns:a14="http://schemas.microsoft.com/office/drawing/2010/main" xmlns="" w="9525">
                   <a:solidFill>
                     <a:srgbClr val="000000"/>
                   </a:solidFill>
@@ -1525,7 +1525,7 @@
             </a:ln>
             <a:extLst>
               <a:ext uri="{91240B29-F687-4f45-9708-019B960494DF}">
-                <a14:hiddenLine xmlns="" xmlns:a14="http://schemas.microsoft.com/office/drawing/2010/main" w="9525">
+                <a14:hiddenLine xmlns:a14="http://schemas.microsoft.com/office/drawing/2010/main" xmlns="" w="9525">
                   <a:solidFill>
                     <a:srgbClr val="000000"/>
                   </a:solidFill>
@@ -1615,7 +1615,7 @@
             </a:ln>
             <a:extLst>
               <a:ext uri="{91240B29-F687-4f45-9708-019B960494DF}">
-                <a14:hiddenLine xmlns="" xmlns:a14="http://schemas.microsoft.com/office/drawing/2010/main" w="9525">
+                <a14:hiddenLine xmlns:a14="http://schemas.microsoft.com/office/drawing/2010/main" xmlns="" w="9525">
                   <a:solidFill>
                     <a:srgbClr val="000000"/>
                   </a:solidFill>
@@ -1705,7 +1705,7 @@
             </a:ln>
             <a:extLst>
               <a:ext uri="{91240B29-F687-4f45-9708-019B960494DF}">
-                <a14:hiddenLine xmlns="" xmlns:a14="http://schemas.microsoft.com/office/drawing/2010/main" w="9525">
+                <a14:hiddenLine xmlns:a14="http://schemas.microsoft.com/office/drawing/2010/main" xmlns="" w="9525">
                   <a:solidFill>
                     <a:srgbClr val="000000"/>
                   </a:solidFill>
@@ -1761,7 +1761,7 @@
             </a:ln>
             <a:extLst>
               <a:ext uri="{91240B29-F687-4f45-9708-019B960494DF}">
-                <a14:hiddenLine xmlns="" xmlns:a14="http://schemas.microsoft.com/office/drawing/2010/main" w="9525">
+                <a14:hiddenLine xmlns:a14="http://schemas.microsoft.com/office/drawing/2010/main" xmlns="" w="9525">
                   <a:solidFill>
                     <a:srgbClr val="000000"/>
                   </a:solidFill>
@@ -1851,7 +1851,7 @@
             </a:ln>
             <a:extLst>
               <a:ext uri="{91240B29-F687-4f45-9708-019B960494DF}">
-                <a14:hiddenLine xmlns="" xmlns:a14="http://schemas.microsoft.com/office/drawing/2010/main" w="9525">
+                <a14:hiddenLine xmlns:a14="http://schemas.microsoft.com/office/drawing/2010/main" xmlns="" w="9525">
                   <a:solidFill>
                     <a:srgbClr val="000000"/>
                   </a:solidFill>
@@ -1907,7 +1907,7 @@
             </a:ln>
             <a:extLst>
               <a:ext uri="{91240B29-F687-4f45-9708-019B960494DF}">
-                <a14:hiddenLine xmlns="" xmlns:a14="http://schemas.microsoft.com/office/drawing/2010/main" w="9525">
+                <a14:hiddenLine xmlns:a14="http://schemas.microsoft.com/office/drawing/2010/main" xmlns="" w="9525">
                   <a:solidFill>
                     <a:srgbClr val="000000"/>
                   </a:solidFill>
@@ -1997,7 +1997,7 @@
             </a:ln>
             <a:extLst>
               <a:ext uri="{91240B29-F687-4f45-9708-019B960494DF}">
-                <a14:hiddenLine xmlns="" xmlns:a14="http://schemas.microsoft.com/office/drawing/2010/main" w="9525">
+                <a14:hiddenLine xmlns:a14="http://schemas.microsoft.com/office/drawing/2010/main" xmlns="" w="9525">
                   <a:solidFill>
                     <a:srgbClr val="000000"/>
                   </a:solidFill>
@@ -2065,7 +2065,7 @@
             </a:ln>
             <a:extLst>
               <a:ext uri="{91240B29-F687-4f45-9708-019B960494DF}">
-                <a14:hiddenLine xmlns="" xmlns:a14="http://schemas.microsoft.com/office/drawing/2010/main" w="9525">
+                <a14:hiddenLine xmlns:a14="http://schemas.microsoft.com/office/drawing/2010/main" xmlns="" w="9525">
                   <a:solidFill>
                     <a:srgbClr val="000000"/>
                   </a:solidFill>
@@ -2155,7 +2155,7 @@
             </a:ln>
             <a:extLst>
               <a:ext uri="{91240B29-F687-4f45-9708-019B960494DF}">
-                <a14:hiddenLine xmlns="" xmlns:a14="http://schemas.microsoft.com/office/drawing/2010/main" w="9525">
+                <a14:hiddenLine xmlns:a14="http://schemas.microsoft.com/office/drawing/2010/main" xmlns="" w="9525">
                   <a:solidFill>
                     <a:srgbClr val="000000"/>
                   </a:solidFill>
@@ -2223,7 +2223,7 @@
             </a:ln>
             <a:extLst>
               <a:ext uri="{91240B29-F687-4f45-9708-019B960494DF}">
-                <a14:hiddenLine xmlns="" xmlns:a14="http://schemas.microsoft.com/office/drawing/2010/main" w="9525">
+                <a14:hiddenLine xmlns:a14="http://schemas.microsoft.com/office/drawing/2010/main" xmlns="" w="9525">
                   <a:solidFill>
                     <a:srgbClr val="000000"/>
                   </a:solidFill>
@@ -2313,7 +2313,7 @@
             </a:ln>
             <a:extLst>
               <a:ext uri="{91240B29-F687-4f45-9708-019B960494DF}">
-                <a14:hiddenLine xmlns="" xmlns:a14="http://schemas.microsoft.com/office/drawing/2010/main" w="9525">
+                <a14:hiddenLine xmlns:a14="http://schemas.microsoft.com/office/drawing/2010/main" xmlns="" w="9525">
                   <a:solidFill>
                     <a:srgbClr val="000000"/>
                   </a:solidFill>
@@ -2347,7 +2347,7 @@
             </a:ln>
             <a:extLst>
               <a:ext uri="{91240B29-F687-4f45-9708-019B960494DF}">
-                <a14:hiddenLine xmlns="" xmlns:a14="http://schemas.microsoft.com/office/drawing/2010/main" w="9525">
+                <a14:hiddenLine xmlns:a14="http://schemas.microsoft.com/office/drawing/2010/main" xmlns="" w="9525">
                   <a:solidFill>
                     <a:srgbClr val="000000"/>
                   </a:solidFill>
@@ -2437,7 +2437,7 @@
             </a:ln>
             <a:extLst>
               <a:ext uri="{91240B29-F687-4f45-9708-019B960494DF}">
-                <a14:hiddenLine xmlns="" xmlns:a14="http://schemas.microsoft.com/office/drawing/2010/main" w="9525">
+                <a14:hiddenLine xmlns:a14="http://schemas.microsoft.com/office/drawing/2010/main" xmlns="" w="9525">
                   <a:solidFill>
                     <a:srgbClr val="000000"/>
                   </a:solidFill>
@@ -2499,7 +2499,7 @@
             </a:ln>
             <a:extLst>
               <a:ext uri="{91240B29-F687-4f45-9708-019B960494DF}">
-                <a14:hiddenLine xmlns="" xmlns:a14="http://schemas.microsoft.com/office/drawing/2010/main" w="9525">
+                <a14:hiddenLine xmlns:a14="http://schemas.microsoft.com/office/drawing/2010/main" xmlns="" w="9525">
                   <a:solidFill>
                     <a:srgbClr val="000000"/>
                   </a:solidFill>
@@ -2561,7 +2561,7 @@
             </a:ln>
             <a:extLst>
               <a:ext uri="{91240B29-F687-4f45-9708-019B960494DF}">
-                <a14:hiddenLine xmlns="" xmlns:a14="http://schemas.microsoft.com/office/drawing/2010/main" w="9525">
+                <a14:hiddenLine xmlns:a14="http://schemas.microsoft.com/office/drawing/2010/main" xmlns="" w="9525">
                   <a:solidFill>
                     <a:srgbClr val="000000"/>
                   </a:solidFill>
@@ -2651,7 +2651,7 @@
             </a:ln>
             <a:extLst>
               <a:ext uri="{91240B29-F687-4f45-9708-019B960494DF}">
-                <a14:hiddenLine xmlns="" xmlns:a14="http://schemas.microsoft.com/office/drawing/2010/main" w="9525">
+                <a14:hiddenLine xmlns:a14="http://schemas.microsoft.com/office/drawing/2010/main" xmlns="" w="9525">
                   <a:solidFill>
                     <a:srgbClr val="000000"/>
                   </a:solidFill>
@@ -2719,7 +2719,7 @@
             </a:ln>
             <a:extLst>
               <a:ext uri="{91240B29-F687-4f45-9708-019B960494DF}">
-                <a14:hiddenLine xmlns="" xmlns:a14="http://schemas.microsoft.com/office/drawing/2010/main" w="9525">
+                <a14:hiddenLine xmlns:a14="http://schemas.microsoft.com/office/drawing/2010/main" xmlns="" w="9525">
                   <a:solidFill>
                     <a:srgbClr val="000000"/>
                   </a:solidFill>
@@ -2781,7 +2781,7 @@
             </a:ln>
             <a:extLst>
               <a:ext uri="{91240B29-F687-4f45-9708-019B960494DF}">
-                <a14:hiddenLine xmlns="" xmlns:a14="http://schemas.microsoft.com/office/drawing/2010/main" w="9525">
+                <a14:hiddenLine xmlns:a14="http://schemas.microsoft.com/office/drawing/2010/main" xmlns="" w="9525">
                   <a:solidFill>
                     <a:srgbClr val="000000"/>
                   </a:solidFill>
@@ -2871,7 +2871,7 @@
             </a:ln>
             <a:extLst>
               <a:ext uri="{91240B29-F687-4f45-9708-019B960494DF}">
-                <a14:hiddenLine xmlns="" xmlns:a14="http://schemas.microsoft.com/office/drawing/2010/main" w="9525">
+                <a14:hiddenLine xmlns:a14="http://schemas.microsoft.com/office/drawing/2010/main" xmlns="" w="9525">
                   <a:solidFill>
                     <a:srgbClr val="000000"/>
                   </a:solidFill>
@@ -2933,7 +2933,7 @@
             </a:ln>
             <a:extLst>
               <a:ext uri="{91240B29-F687-4f45-9708-019B960494DF}">
-                <a14:hiddenLine xmlns="" xmlns:a14="http://schemas.microsoft.com/office/drawing/2010/main" w="9525">
+                <a14:hiddenLine xmlns:a14="http://schemas.microsoft.com/office/drawing/2010/main" xmlns="" w="9525">
                   <a:solidFill>
                     <a:srgbClr val="000000"/>
                   </a:solidFill>
@@ -3023,7 +3023,7 @@
             </a:ln>
             <a:extLst>
               <a:ext uri="{91240B29-F687-4f45-9708-019B960494DF}">
-                <a14:hiddenLine xmlns="" xmlns:a14="http://schemas.microsoft.com/office/drawing/2010/main" w="9525">
+                <a14:hiddenLine xmlns:a14="http://schemas.microsoft.com/office/drawing/2010/main" xmlns="" w="9525">
                   <a:solidFill>
                     <a:srgbClr val="000000"/>
                   </a:solidFill>
@@ -3085,7 +3085,7 @@
             </a:ln>
             <a:extLst>
               <a:ext uri="{91240B29-F687-4f45-9708-019B960494DF}">
-                <a14:hiddenLine xmlns="" xmlns:a14="http://schemas.microsoft.com/office/drawing/2010/main" w="9525">
+                <a14:hiddenLine xmlns:a14="http://schemas.microsoft.com/office/drawing/2010/main" xmlns="" w="9525">
                   <a:solidFill>
                     <a:srgbClr val="000000"/>
                   </a:solidFill>
@@ -3175,7 +3175,7 @@
             </a:ln>
             <a:extLst>
               <a:ext uri="{91240B29-F687-4f45-9708-019B960494DF}">
-                <a14:hiddenLine xmlns="" xmlns:a14="http://schemas.microsoft.com/office/drawing/2010/main" w="9525">
+                <a14:hiddenLine xmlns:a14="http://schemas.microsoft.com/office/drawing/2010/main" xmlns="" w="9525">
                   <a:solidFill>
                     <a:srgbClr val="000000"/>
                   </a:solidFill>
@@ -3209,7 +3209,7 @@
             </a:ln>
             <a:extLst>
               <a:ext uri="{91240B29-F687-4f45-9708-019B960494DF}">
-                <a14:hiddenLine xmlns="" xmlns:a14="http://schemas.microsoft.com/office/drawing/2010/main" w="9525">
+                <a14:hiddenLine xmlns:a14="http://schemas.microsoft.com/office/drawing/2010/main" xmlns="" w="9525">
                   <a:solidFill>
                     <a:srgbClr val="000000"/>
                   </a:solidFill>
@@ -3274,7 +3274,7 @@
             </a:ln>
             <a:extLst>
               <a:ext uri="{91240B29-F687-4f45-9708-019B960494DF}">
-                <a14:hiddenLine xmlns="" xmlns:a14="http://schemas.microsoft.com/office/drawing/2010/main" w="9525">
+                <a14:hiddenLine xmlns:a14="http://schemas.microsoft.com/office/drawing/2010/main" xmlns="" w="9525">
                   <a:solidFill>
                     <a:srgbClr val="000000"/>
                   </a:solidFill>
@@ -3364,7 +3364,7 @@
             </a:ln>
             <a:extLst>
               <a:ext uri="{91240B29-F687-4f45-9708-019B960494DF}">
-                <a14:hiddenLine xmlns="" xmlns:a14="http://schemas.microsoft.com/office/drawing/2010/main" w="9525">
+                <a14:hiddenLine xmlns:a14="http://schemas.microsoft.com/office/drawing/2010/main" xmlns="" w="9525">
                   <a:solidFill>
                     <a:srgbClr val="000000"/>
                   </a:solidFill>
@@ -3426,7 +3426,7 @@
             </a:ln>
             <a:extLst>
               <a:ext uri="{91240B29-F687-4f45-9708-019B960494DF}">
-                <a14:hiddenLine xmlns="" xmlns:a14="http://schemas.microsoft.com/office/drawing/2010/main" w="9525">
+                <a14:hiddenLine xmlns:a14="http://schemas.microsoft.com/office/drawing/2010/main" xmlns="" w="9525">
                   <a:solidFill>
                     <a:srgbClr val="000000"/>
                   </a:solidFill>
@@ -3516,7 +3516,7 @@
             </a:ln>
             <a:extLst>
               <a:ext uri="{91240B29-F687-4f45-9708-019B960494DF}">
-                <a14:hiddenLine xmlns="" xmlns:a14="http://schemas.microsoft.com/office/drawing/2010/main" w="9525">
+                <a14:hiddenLine xmlns:a14="http://schemas.microsoft.com/office/drawing/2010/main" xmlns="" w="9525">
                   <a:solidFill>
                     <a:srgbClr val="000000"/>
                   </a:solidFill>
@@ -3606,7 +3606,7 @@
             </a:ln>
             <a:extLst>
               <a:ext uri="{91240B29-F687-4f45-9708-019B960494DF}">
-                <a14:hiddenLine xmlns="" xmlns:a14="http://schemas.microsoft.com/office/drawing/2010/main" w="9525">
+                <a14:hiddenLine xmlns:a14="http://schemas.microsoft.com/office/drawing/2010/main" xmlns="" w="9525">
                   <a:solidFill>
                     <a:srgbClr val="000000"/>
                   </a:solidFill>
@@ -3671,7 +3671,7 @@
             </a:ln>
             <a:extLst>
               <a:ext uri="{91240B29-F687-4f45-9708-019B960494DF}">
-                <a14:hiddenLine xmlns="" xmlns:a14="http://schemas.microsoft.com/office/drawing/2010/main" w="9525">
+                <a14:hiddenLine xmlns:a14="http://schemas.microsoft.com/office/drawing/2010/main" xmlns="" w="9525">
                   <a:solidFill>
                     <a:srgbClr val="000000"/>
                   </a:solidFill>
@@ -3733,7 +3733,7 @@
             </a:ln>
             <a:extLst>
               <a:ext uri="{91240B29-F687-4f45-9708-019B960494DF}">
-                <a14:hiddenLine xmlns="" xmlns:a14="http://schemas.microsoft.com/office/drawing/2010/main" w="9525">
+                <a14:hiddenLine xmlns:a14="http://schemas.microsoft.com/office/drawing/2010/main" xmlns="" w="9525">
                   <a:solidFill>
                     <a:srgbClr val="000000"/>
                   </a:solidFill>
@@ -3823,7 +3823,7 @@
             </a:ln>
             <a:extLst>
               <a:ext uri="{91240B29-F687-4f45-9708-019B960494DF}">
-                <a14:hiddenLine xmlns="" xmlns:a14="http://schemas.microsoft.com/office/drawing/2010/main" w="9525">
+                <a14:hiddenLine xmlns:a14="http://schemas.microsoft.com/office/drawing/2010/main" xmlns="" w="9525">
                   <a:solidFill>
                     <a:srgbClr val="000000"/>
                   </a:solidFill>
@@ -3913,7 +3913,7 @@
             </a:ln>
             <a:extLst>
               <a:ext uri="{91240B29-F687-4f45-9708-019B960494DF}">
-                <a14:hiddenLine xmlns="" xmlns:a14="http://schemas.microsoft.com/office/drawing/2010/main" w="9525">
+                <a14:hiddenLine xmlns:a14="http://schemas.microsoft.com/office/drawing/2010/main" xmlns="" w="9525">
                   <a:solidFill>
                     <a:srgbClr val="000000"/>
                   </a:solidFill>
@@ -3975,7 +3975,7 @@
             </a:ln>
             <a:extLst>
               <a:ext uri="{91240B29-F687-4f45-9708-019B960494DF}">
-                <a14:hiddenLine xmlns="" xmlns:a14="http://schemas.microsoft.com/office/drawing/2010/main" w="9525">
+                <a14:hiddenLine xmlns:a14="http://schemas.microsoft.com/office/drawing/2010/main" xmlns="" w="9525">
                   <a:solidFill>
                     <a:srgbClr val="000000"/>
                   </a:solidFill>
@@ -4095,7 +4095,7 @@
             </a:ln>
             <a:extLst>
               <a:ext uri="{91240B29-F687-4f45-9708-019B960494DF}">
-                <a14:hiddenLine xmlns="" xmlns:a14="http://schemas.microsoft.com/office/drawing/2010/main" w="9525">
+                <a14:hiddenLine xmlns:a14="http://schemas.microsoft.com/office/drawing/2010/main" xmlns="" w="9525">
                   <a:solidFill>
                     <a:srgbClr val="000000"/>
                   </a:solidFill>
@@ -4163,7 +4163,7 @@
             </a:ln>
             <a:extLst>
               <a:ext uri="{91240B29-F687-4f45-9708-019B960494DF}">
-                <a14:hiddenLine xmlns="" xmlns:a14="http://schemas.microsoft.com/office/drawing/2010/main" w="9525">
+                <a14:hiddenLine xmlns:a14="http://schemas.microsoft.com/office/drawing/2010/main" xmlns="" w="9525">
                   <a:solidFill>
                     <a:srgbClr val="000000"/>
                   </a:solidFill>
@@ -4253,7 +4253,7 @@
             </a:ln>
             <a:extLst>
               <a:ext uri="{91240B29-F687-4f45-9708-019B960494DF}">
-                <a14:hiddenLine xmlns="" xmlns:a14="http://schemas.microsoft.com/office/drawing/2010/main" w="9525">
+                <a14:hiddenLine xmlns:a14="http://schemas.microsoft.com/office/drawing/2010/main" xmlns="" w="9525">
                   <a:solidFill>
                     <a:srgbClr val="000000"/>
                   </a:solidFill>
@@ -8975,7 +8975,7 @@
           <a:noFill/>
           <a:extLst>
             <a:ext uri="{909E8E84-426E-40dd-AFC4-6F175D3DCCD1}">
-              <a14:hiddenFill xmlns="" xmlns:a14="http://schemas.microsoft.com/office/drawing/2010/main">
+              <a14:hiddenFill xmlns:a14="http://schemas.microsoft.com/office/drawing/2010/main" xmlns="">
                 <a:solidFill>
                   <a:srgbClr val="FFFFFF"/>
                 </a:solidFill>
@@ -9049,7 +9049,7 @@
               </a:ln>
               <a:extLst>
                 <a:ext uri="{91240B29-F687-4f45-9708-019B960494DF}">
-                  <a14:hiddenLine xmlns="" xmlns:a14="http://schemas.microsoft.com/office/drawing/2010/main" w="9525">
+                  <a14:hiddenLine xmlns:a14="http://schemas.microsoft.com/office/drawing/2010/main" xmlns="" w="9525">
                     <a:solidFill>
                       <a:srgbClr val="000000"/>
                     </a:solidFill>
@@ -9139,7 +9139,7 @@
               </a:ln>
               <a:extLst>
                 <a:ext uri="{91240B29-F687-4f45-9708-019B960494DF}">
-                  <a14:hiddenLine xmlns="" xmlns:a14="http://schemas.microsoft.com/office/drawing/2010/main" w="9525">
+                  <a14:hiddenLine xmlns:a14="http://schemas.microsoft.com/office/drawing/2010/main" xmlns="" w="9525">
                     <a:solidFill>
                       <a:srgbClr val="000000"/>
                     </a:solidFill>
@@ -9229,7 +9229,7 @@
               </a:ln>
               <a:extLst>
                 <a:ext uri="{91240B29-F687-4f45-9708-019B960494DF}">
-                  <a14:hiddenLine xmlns="" xmlns:a14="http://schemas.microsoft.com/office/drawing/2010/main" w="9525">
+                  <a14:hiddenLine xmlns:a14="http://schemas.microsoft.com/office/drawing/2010/main" xmlns="" w="9525">
                     <a:solidFill>
                       <a:srgbClr val="000000"/>
                     </a:solidFill>
@@ -9291,7 +9291,7 @@
               </a:ln>
               <a:extLst>
                 <a:ext uri="{91240B29-F687-4f45-9708-019B960494DF}">
-                  <a14:hiddenLine xmlns="" xmlns:a14="http://schemas.microsoft.com/office/drawing/2010/main" w="9525">
+                  <a14:hiddenLine xmlns:a14="http://schemas.microsoft.com/office/drawing/2010/main" xmlns="" w="9525">
                     <a:solidFill>
                       <a:srgbClr val="000000"/>
                     </a:solidFill>
@@ -9381,7 +9381,7 @@
               </a:ln>
               <a:extLst>
                 <a:ext uri="{91240B29-F687-4f45-9708-019B960494DF}">
-                  <a14:hiddenLine xmlns="" xmlns:a14="http://schemas.microsoft.com/office/drawing/2010/main" w="9525">
+                  <a14:hiddenLine xmlns:a14="http://schemas.microsoft.com/office/drawing/2010/main" xmlns="" w="9525">
                     <a:solidFill>
                       <a:srgbClr val="000000"/>
                     </a:solidFill>
@@ -9443,7 +9443,7 @@
               </a:ln>
               <a:extLst>
                 <a:ext uri="{91240B29-F687-4f45-9708-019B960494DF}">
-                  <a14:hiddenLine xmlns="" xmlns:a14="http://schemas.microsoft.com/office/drawing/2010/main" w="9525">
+                  <a14:hiddenLine xmlns:a14="http://schemas.microsoft.com/office/drawing/2010/main" xmlns="" w="9525">
                     <a:solidFill>
                       <a:srgbClr val="000000"/>
                     </a:solidFill>
@@ -9505,7 +9505,7 @@
               </a:ln>
               <a:extLst>
                 <a:ext uri="{91240B29-F687-4f45-9708-019B960494DF}">
-                  <a14:hiddenLine xmlns="" xmlns:a14="http://schemas.microsoft.com/office/drawing/2010/main" w="9525">
+                  <a14:hiddenLine xmlns:a14="http://schemas.microsoft.com/office/drawing/2010/main" xmlns="" w="9525">
                     <a:solidFill>
                       <a:srgbClr val="000000"/>
                     </a:solidFill>
@@ -9595,7 +9595,7 @@
               </a:ln>
               <a:extLst>
                 <a:ext uri="{91240B29-F687-4f45-9708-019B960494DF}">
-                  <a14:hiddenLine xmlns="" xmlns:a14="http://schemas.microsoft.com/office/drawing/2010/main" w="9525">
+                  <a14:hiddenLine xmlns:a14="http://schemas.microsoft.com/office/drawing/2010/main" xmlns="" w="9525">
                     <a:solidFill>
                       <a:srgbClr val="000000"/>
                     </a:solidFill>
@@ -9685,7 +9685,7 @@
               </a:ln>
               <a:extLst>
                 <a:ext uri="{91240B29-F687-4f45-9708-019B960494DF}">
-                  <a14:hiddenLine xmlns="" xmlns:a14="http://schemas.microsoft.com/office/drawing/2010/main" w="9525">
+                  <a14:hiddenLine xmlns:a14="http://schemas.microsoft.com/office/drawing/2010/main" xmlns="" w="9525">
                     <a:solidFill>
                       <a:srgbClr val="000000"/>
                     </a:solidFill>
@@ -9747,7 +9747,7 @@
               </a:ln>
               <a:extLst>
                 <a:ext uri="{91240B29-F687-4f45-9708-019B960494DF}">
-                  <a14:hiddenLine xmlns="" xmlns:a14="http://schemas.microsoft.com/office/drawing/2010/main" w="9525">
+                  <a14:hiddenLine xmlns:a14="http://schemas.microsoft.com/office/drawing/2010/main" xmlns="" w="9525">
                     <a:solidFill>
                       <a:srgbClr val="000000"/>
                     </a:solidFill>
@@ -9857,7 +9857,7 @@
               </a:ln>
               <a:extLst>
                 <a:ext uri="{91240B29-F687-4f45-9708-019B960494DF}">
-                  <a14:hiddenLine xmlns="" xmlns:a14="http://schemas.microsoft.com/office/drawing/2010/main" w="9525">
+                  <a14:hiddenLine xmlns:a14="http://schemas.microsoft.com/office/drawing/2010/main" xmlns="" w="9525">
                     <a:solidFill>
                       <a:srgbClr val="000000"/>
                     </a:solidFill>
@@ -9941,7 +9941,7 @@
               </a:ln>
               <a:extLst>
                 <a:ext uri="{91240B29-F687-4f45-9708-019B960494DF}">
-                  <a14:hiddenLine xmlns="" xmlns:a14="http://schemas.microsoft.com/office/drawing/2010/main" w="9525">
+                  <a14:hiddenLine xmlns:a14="http://schemas.microsoft.com/office/drawing/2010/main" xmlns="" w="9525">
                     <a:solidFill>
                       <a:srgbClr val="000000"/>
                     </a:solidFill>
@@ -10003,7 +10003,7 @@
               </a:ln>
               <a:extLst>
                 <a:ext uri="{91240B29-F687-4f45-9708-019B960494DF}">
-                  <a14:hiddenLine xmlns="" xmlns:a14="http://schemas.microsoft.com/office/drawing/2010/main" w="9525">
+                  <a14:hiddenLine xmlns:a14="http://schemas.microsoft.com/office/drawing/2010/main" xmlns="" w="9525">
                     <a:solidFill>
                       <a:srgbClr val="000000"/>
                     </a:solidFill>
@@ -10065,7 +10065,7 @@
               </a:ln>
               <a:extLst>
                 <a:ext uri="{91240B29-F687-4f45-9708-019B960494DF}">
-                  <a14:hiddenLine xmlns="" xmlns:a14="http://schemas.microsoft.com/office/drawing/2010/main" w="9525">
+                  <a14:hiddenLine xmlns:a14="http://schemas.microsoft.com/office/drawing/2010/main" xmlns="" w="9525">
                     <a:solidFill>
                       <a:srgbClr val="000000"/>
                     </a:solidFill>
@@ -10155,7 +10155,7 @@
               </a:ln>
               <a:extLst>
                 <a:ext uri="{91240B29-F687-4f45-9708-019B960494DF}">
-                  <a14:hiddenLine xmlns="" xmlns:a14="http://schemas.microsoft.com/office/drawing/2010/main" w="9525">
+                  <a14:hiddenLine xmlns:a14="http://schemas.microsoft.com/office/drawing/2010/main" xmlns="" w="9525">
                     <a:solidFill>
                       <a:srgbClr val="000000"/>
                     </a:solidFill>
@@ -10189,7 +10189,7 @@
               </a:ln>
               <a:extLst>
                 <a:ext uri="{91240B29-F687-4f45-9708-019B960494DF}">
-                  <a14:hiddenLine xmlns="" xmlns:a14="http://schemas.microsoft.com/office/drawing/2010/main" w="9525">
+                  <a14:hiddenLine xmlns:a14="http://schemas.microsoft.com/office/drawing/2010/main" xmlns="" w="9525">
                     <a:solidFill>
                       <a:srgbClr val="000000"/>
                     </a:solidFill>
@@ -10254,7 +10254,7 @@
               </a:ln>
               <a:extLst>
                 <a:ext uri="{91240B29-F687-4f45-9708-019B960494DF}">
-                  <a14:hiddenLine xmlns="" xmlns:a14="http://schemas.microsoft.com/office/drawing/2010/main" w="9525">
+                  <a14:hiddenLine xmlns:a14="http://schemas.microsoft.com/office/drawing/2010/main" xmlns="" w="9525">
                     <a:solidFill>
                       <a:srgbClr val="000000"/>
                     </a:solidFill>
@@ -10344,7 +10344,7 @@
               </a:ln>
               <a:extLst>
                 <a:ext uri="{91240B29-F687-4f45-9708-019B960494DF}">
-                  <a14:hiddenLine xmlns="" xmlns:a14="http://schemas.microsoft.com/office/drawing/2010/main" w="9525">
+                  <a14:hiddenLine xmlns:a14="http://schemas.microsoft.com/office/drawing/2010/main" xmlns="" w="9525">
                     <a:solidFill>
                       <a:srgbClr val="000000"/>
                     </a:solidFill>
@@ -10406,7 +10406,7 @@
               </a:ln>
               <a:extLst>
                 <a:ext uri="{91240B29-F687-4f45-9708-019B960494DF}">
-                  <a14:hiddenLine xmlns="" xmlns:a14="http://schemas.microsoft.com/office/drawing/2010/main" w="9525">
+                  <a14:hiddenLine xmlns:a14="http://schemas.microsoft.com/office/drawing/2010/main" xmlns="" w="9525">
                     <a:solidFill>
                       <a:srgbClr val="000000"/>
                     </a:solidFill>
@@ -10496,7 +10496,7 @@
               </a:ln>
               <a:extLst>
                 <a:ext uri="{91240B29-F687-4f45-9708-019B960494DF}">
-                  <a14:hiddenLine xmlns="" xmlns:a14="http://schemas.microsoft.com/office/drawing/2010/main" w="9525">
+                  <a14:hiddenLine xmlns:a14="http://schemas.microsoft.com/office/drawing/2010/main" xmlns="" w="9525">
                     <a:solidFill>
                       <a:srgbClr val="000000"/>
                     </a:solidFill>
@@ -10561,7 +10561,7 @@
               </a:ln>
               <a:extLst>
                 <a:ext uri="{91240B29-F687-4f45-9708-019B960494DF}">
-                  <a14:hiddenLine xmlns="" xmlns:a14="http://schemas.microsoft.com/office/drawing/2010/main" w="9525">
+                  <a14:hiddenLine xmlns:a14="http://schemas.microsoft.com/office/drawing/2010/main" xmlns="" w="9525">
                     <a:solidFill>
                       <a:srgbClr val="000000"/>
                     </a:solidFill>
@@ -10623,7 +10623,7 @@
               </a:ln>
               <a:extLst>
                 <a:ext uri="{91240B29-F687-4f45-9708-019B960494DF}">
-                  <a14:hiddenLine xmlns="" xmlns:a14="http://schemas.microsoft.com/office/drawing/2010/main" w="9525">
+                  <a14:hiddenLine xmlns:a14="http://schemas.microsoft.com/office/drawing/2010/main" xmlns="" w="9525">
                     <a:solidFill>
                       <a:srgbClr val="000000"/>
                     </a:solidFill>
@@ -10713,7 +10713,7 @@
               </a:ln>
               <a:extLst>
                 <a:ext uri="{91240B29-F687-4f45-9708-019B960494DF}">
-                  <a14:hiddenLine xmlns="" xmlns:a14="http://schemas.microsoft.com/office/drawing/2010/main" w="9525">
+                  <a14:hiddenLine xmlns:a14="http://schemas.microsoft.com/office/drawing/2010/main" xmlns="" w="9525">
                     <a:solidFill>
                       <a:srgbClr val="000000"/>
                     </a:solidFill>
@@ -10803,7 +10803,7 @@
               </a:ln>
               <a:extLst>
                 <a:ext uri="{91240B29-F687-4f45-9708-019B960494DF}">
-                  <a14:hiddenLine xmlns="" xmlns:a14="http://schemas.microsoft.com/office/drawing/2010/main" w="9525">
+                  <a14:hiddenLine xmlns:a14="http://schemas.microsoft.com/office/drawing/2010/main" xmlns="" w="9525">
                     <a:solidFill>
                       <a:srgbClr val="000000"/>
                     </a:solidFill>
@@ -10868,7 +10868,7 @@
               </a:ln>
               <a:extLst>
                 <a:ext uri="{91240B29-F687-4f45-9708-019B960494DF}">
-                  <a14:hiddenLine xmlns="" xmlns:a14="http://schemas.microsoft.com/office/drawing/2010/main" w="9525">
+                  <a14:hiddenLine xmlns:a14="http://schemas.microsoft.com/office/drawing/2010/main" xmlns="" w="9525">
                     <a:solidFill>
                       <a:srgbClr val="000000"/>
                     </a:solidFill>
@@ -10988,7 +10988,7 @@
               </a:ln>
               <a:extLst>
                 <a:ext uri="{91240B29-F687-4f45-9708-019B960494DF}">
-                  <a14:hiddenLine xmlns="" xmlns:a14="http://schemas.microsoft.com/office/drawing/2010/main" w="9525">
+                  <a14:hiddenLine xmlns:a14="http://schemas.microsoft.com/office/drawing/2010/main" xmlns="" w="9525">
                     <a:solidFill>
                       <a:srgbClr val="000000"/>
                     </a:solidFill>
@@ -11086,7 +11086,7 @@
               </a:ln>
               <a:extLst>
                 <a:ext uri="{91240B29-F687-4f45-9708-019B960494DF}">
-                  <a14:hiddenLine xmlns="" xmlns:a14="http://schemas.microsoft.com/office/drawing/2010/main" w="9525">
+                  <a14:hiddenLine xmlns:a14="http://schemas.microsoft.com/office/drawing/2010/main" xmlns="" w="9525">
                     <a:solidFill>
                       <a:srgbClr val="000000"/>
                     </a:solidFill>
@@ -11201,7 +11201,7 @@
               </a:ln>
               <a:extLst>
                 <a:ext uri="{91240B29-F687-4f45-9708-019B960494DF}">
-                  <a14:hiddenLine xmlns="" xmlns:a14="http://schemas.microsoft.com/office/drawing/2010/main" w="9525">
+                  <a14:hiddenLine xmlns:a14="http://schemas.microsoft.com/office/drawing/2010/main" xmlns="" w="9525">
                     <a:solidFill>
                       <a:srgbClr val="000000"/>
                     </a:solidFill>
@@ -11291,7 +11291,7 @@
               </a:ln>
               <a:extLst>
                 <a:ext uri="{91240B29-F687-4f45-9708-019B960494DF}">
-                  <a14:hiddenLine xmlns="" xmlns:a14="http://schemas.microsoft.com/office/drawing/2010/main" w="9525">
+                  <a14:hiddenLine xmlns:a14="http://schemas.microsoft.com/office/drawing/2010/main" xmlns="" w="9525">
                     <a:solidFill>
                       <a:srgbClr val="000000"/>
                     </a:solidFill>
@@ -11356,7 +11356,7 @@
               </a:ln>
               <a:extLst>
                 <a:ext uri="{91240B29-F687-4f45-9708-019B960494DF}">
-                  <a14:hiddenLine xmlns="" xmlns:a14="http://schemas.microsoft.com/office/drawing/2010/main" w="9525">
+                  <a14:hiddenLine xmlns:a14="http://schemas.microsoft.com/office/drawing/2010/main" xmlns="" w="9525">
                     <a:solidFill>
                       <a:srgbClr val="000000"/>
                     </a:solidFill>
@@ -11446,7 +11446,7 @@
               </a:ln>
               <a:extLst>
                 <a:ext uri="{91240B29-F687-4f45-9708-019B960494DF}">
-                  <a14:hiddenLine xmlns="" xmlns:a14="http://schemas.microsoft.com/office/drawing/2010/main" w="9525">
+                  <a14:hiddenLine xmlns:a14="http://schemas.microsoft.com/office/drawing/2010/main" xmlns="" w="9525">
                     <a:solidFill>
                       <a:srgbClr val="000000"/>
                     </a:solidFill>
@@ -11514,7 +11514,7 @@
               </a:ln>
               <a:extLst>
                 <a:ext uri="{91240B29-F687-4f45-9708-019B960494DF}">
-                  <a14:hiddenLine xmlns="" xmlns:a14="http://schemas.microsoft.com/office/drawing/2010/main" w="9525">
+                  <a14:hiddenLine xmlns:a14="http://schemas.microsoft.com/office/drawing/2010/main" xmlns="" w="9525">
                     <a:solidFill>
                       <a:srgbClr val="000000"/>
                     </a:solidFill>
@@ -11604,7 +11604,7 @@
               </a:ln>
               <a:extLst>
                 <a:ext uri="{91240B29-F687-4f45-9708-019B960494DF}">
-                  <a14:hiddenLine xmlns="" xmlns:a14="http://schemas.microsoft.com/office/drawing/2010/main" w="9525">
+                  <a14:hiddenLine xmlns:a14="http://schemas.microsoft.com/office/drawing/2010/main" xmlns="" w="9525">
                     <a:solidFill>
                       <a:srgbClr val="000000"/>
                     </a:solidFill>
@@ -11672,7 +11672,7 @@
               </a:ln>
               <a:extLst>
                 <a:ext uri="{91240B29-F687-4f45-9708-019B960494DF}">
-                  <a14:hiddenLine xmlns="" xmlns:a14="http://schemas.microsoft.com/office/drawing/2010/main" w="9525">
+                  <a14:hiddenLine xmlns:a14="http://schemas.microsoft.com/office/drawing/2010/main" xmlns="" w="9525">
                     <a:solidFill>
                       <a:srgbClr val="000000"/>
                     </a:solidFill>
@@ -11762,7 +11762,7 @@
               </a:ln>
               <a:extLst>
                 <a:ext uri="{91240B29-F687-4f45-9708-019B960494DF}">
-                  <a14:hiddenLine xmlns="" xmlns:a14="http://schemas.microsoft.com/office/drawing/2010/main" w="9525">
+                  <a14:hiddenLine xmlns:a14="http://schemas.microsoft.com/office/drawing/2010/main" xmlns="" w="9525">
                     <a:solidFill>
                       <a:srgbClr val="000000"/>
                     </a:solidFill>
@@ -11796,7 +11796,7 @@
               </a:ln>
               <a:extLst>
                 <a:ext uri="{91240B29-F687-4f45-9708-019B960494DF}">
-                  <a14:hiddenLine xmlns="" xmlns:a14="http://schemas.microsoft.com/office/drawing/2010/main" w="9525">
+                  <a14:hiddenLine xmlns:a14="http://schemas.microsoft.com/office/drawing/2010/main" xmlns="" w="9525">
                     <a:solidFill>
                       <a:srgbClr val="000000"/>
                     </a:solidFill>
@@ -12636,6 +12636,14 @@
               <a:rPr lang="en-US" dirty="0" smtClean="0"/>
               <a:t>Google Calendar</a:t>
             </a:r>
+          </a:p>
+          <a:p>
+            <a:r>
+              <a:rPr lang="en-US" dirty="0"/>
+              <a:t>PS3 Eye camera video</a:t>
+            </a:r>
+          </a:p>
+          <a:p>
             <a:endParaRPr lang="en-US" dirty="0"/>
           </a:p>
         </p:txBody>
@@ -12714,7 +12722,7 @@
         </p:blipFill>
         <p:spPr bwMode="auto">
           <a:xfrm>
-            <a:off x="7313151" y="618518"/>
+            <a:off x="7865730" y="1144180"/>
             <a:ext cx="4953202" cy="4953202"/>
           </a:xfrm>
           <a:prstGeom prst="rect">
@@ -12794,8 +12802,8 @@
         </p:blipFill>
         <p:spPr bwMode="auto">
           <a:xfrm>
-            <a:off x="5155980" y="3095119"/>
-            <a:ext cx="3474632" cy="3474632"/>
+            <a:off x="5981486" y="0"/>
+            <a:ext cx="2446365" cy="2446365"/>
           </a:xfrm>
           <a:prstGeom prst="rect">
             <a:avLst/>
@@ -12835,8 +12843,49 @@
         </p:blipFill>
         <p:spPr bwMode="auto">
           <a:xfrm>
-            <a:off x="1546968" y="3763652"/>
-            <a:ext cx="2558597" cy="2558597"/>
+            <a:off x="1877475" y="4332454"/>
+            <a:ext cx="2189532" cy="2189532"/>
+          </a:xfrm>
+          <a:prstGeom prst="rect">
+            <a:avLst/>
+          </a:prstGeom>
+          <a:noFill/>
+          <a:extLst>
+            <a:ext uri="{909E8E84-426E-40DD-AFC4-6F175D3DCCD1}">
+              <a14:hiddenFill xmlns:a14="http://schemas.microsoft.com/office/drawing/2010/main">
+                <a:solidFill>
+                  <a:srgbClr val="FFFFFF"/>
+                </a:solidFill>
+              </a14:hiddenFill>
+            </a:ext>
+          </a:extLst>
+        </p:spPr>
+      </p:pic>
+      <p:pic>
+        <p:nvPicPr>
+          <p:cNvPr id="8" name="Picture 4" descr="Image result for PS3 eye"/>
+          <p:cNvPicPr>
+            <a:picLocks noChangeAspect="1" noChangeArrowheads="1"/>
+          </p:cNvPicPr>
+          <p:nvPr/>
+        </p:nvPicPr>
+        <p:blipFill>
+          <a:blip r:embed="rId6">
+            <a:extLst>
+              <a:ext uri="{28A0092B-C50C-407E-A947-70E740481C1C}">
+                <a14:useLocalDpi xmlns:a14="http://schemas.microsoft.com/office/drawing/2010/main" val="0"/>
+              </a:ext>
+            </a:extLst>
+          </a:blip>
+          <a:srcRect/>
+          <a:stretch>
+            <a:fillRect/>
+          </a:stretch>
+        </p:blipFill>
+        <p:spPr bwMode="auto">
+          <a:xfrm>
+            <a:off x="5420059" y="3423903"/>
+            <a:ext cx="3569220" cy="3098083"/>
           </a:xfrm>
           <a:prstGeom prst="rect">
             <a:avLst/>
@@ -12929,13 +12978,11 @@
           <a:p>
             <a:r>
               <a:rPr lang="en-US" dirty="0" smtClean="0"/>
-              <a:t>PS3 Eye camera video</a:t>
-            </a:r>
-          </a:p>
-          <a:p>
+              <a:t>Web </a:t>
+            </a:r>
             <a:r>
               <a:rPr lang="en-US" dirty="0" smtClean="0"/>
-              <a:t>Web user interface</a:t>
+              <a:t>user interface</a:t>
             </a:r>
           </a:p>
           <a:p>
@@ -12969,49 +13016,8 @@
         </p:blipFill>
         <p:spPr bwMode="auto">
           <a:xfrm>
-            <a:off x="4309801" y="3431330"/>
-            <a:ext cx="3245161" cy="3115137"/>
-          </a:xfrm>
-          <a:prstGeom prst="rect">
-            <a:avLst/>
-          </a:prstGeom>
-          <a:noFill/>
-          <a:extLst>
-            <a:ext uri="{909E8E84-426E-40DD-AFC4-6F175D3DCCD1}">
-              <a14:hiddenFill xmlns:a14="http://schemas.microsoft.com/office/drawing/2010/main">
-                <a:solidFill>
-                  <a:srgbClr val="FFFFFF"/>
-                </a:solidFill>
-              </a14:hiddenFill>
-            </a:ext>
-          </a:extLst>
-        </p:spPr>
-      </p:pic>
-      <p:pic>
-        <p:nvPicPr>
-          <p:cNvPr id="2052" name="Picture 4" descr="Image result for PS3 eye"/>
-          <p:cNvPicPr>
-            <a:picLocks noChangeAspect="1" noChangeArrowheads="1"/>
-          </p:cNvPicPr>
-          <p:nvPr/>
-        </p:nvPicPr>
-        <p:blipFill>
-          <a:blip r:embed="rId3">
-            <a:extLst>
-              <a:ext uri="{28A0092B-C50C-407E-A947-70E740481C1C}">
-                <a14:useLocalDpi xmlns:a14="http://schemas.microsoft.com/office/drawing/2010/main" val="0"/>
-              </a:ext>
-            </a:extLst>
-          </a:blip>
-          <a:srcRect/>
-          <a:stretch>
-            <a:fillRect/>
-          </a:stretch>
-        </p:blipFill>
-        <p:spPr bwMode="auto">
-          <a:xfrm>
-            <a:off x="4309801" y="548046"/>
-            <a:ext cx="3569220" cy="3098083"/>
+            <a:off x="3723702" y="1979254"/>
+            <a:ext cx="3897362" cy="3741206"/>
           </a:xfrm>
           <a:prstGeom prst="rect">
             <a:avLst/>
@@ -13037,7 +13043,7 @@
           <p:nvPr/>
         </p:nvPicPr>
         <p:blipFill>
-          <a:blip r:embed="rId4"/>
+          <a:blip r:embed="rId3"/>
           <a:stretch>
             <a:fillRect/>
           </a:stretch>
@@ -13270,11 +13276,7 @@
             </a:pPr>
             <a:r>
               <a:rPr lang="en-US" dirty="0" smtClean="0"/>
-              <a:t>View </a:t>
-            </a:r>
-            <a:r>
-              <a:rPr lang="en-US" dirty="0" smtClean="0"/>
-              <a:t>MMS</a:t>
+              <a:t>View MMS</a:t>
             </a:r>
           </a:p>
           <a:p>
@@ -13286,7 +13288,6 @@
               <a:rPr lang="en-US" dirty="0" smtClean="0"/>
               <a:t>View live stream</a:t>
             </a:r>
-            <a:endParaRPr lang="en-US" dirty="0" smtClean="0"/>
           </a:p>
           <a:p>
             <a:pPr marL="457200" indent="-457200">
@@ -13305,13 +13306,8 @@
             </a:pPr>
             <a:r>
               <a:rPr lang="en-US" dirty="0" smtClean="0"/>
-              <a:t>View UI to show status and test arming &amp; </a:t>
-            </a:r>
-            <a:r>
-              <a:rPr lang="en-US" dirty="0" smtClean="0"/>
-              <a:t>disarming</a:t>
-            </a:r>
-            <a:endParaRPr lang="en-US" dirty="0" smtClean="0"/>
+              <a:t>View UI to show status and test arming &amp; disarming</a:t>
+            </a:r>
           </a:p>
           <a:p>
             <a:pPr marL="457200" indent="-457200">
@@ -13320,11 +13316,7 @@
             </a:pPr>
             <a:r>
               <a:rPr lang="en-US" dirty="0" smtClean="0"/>
-              <a:t>View Watson </a:t>
-            </a:r>
-            <a:r>
-              <a:rPr lang="en-US" dirty="0" smtClean="0"/>
-              <a:t>graphs</a:t>
+              <a:t>View Watson graphs</a:t>
             </a:r>
           </a:p>
           <a:p>

--- a/proposal/Smart Security System_presentation.pptx
+++ b/proposal/Smart Security System_presentation.pptx
@@ -1,22 +1,22 @@
 
 <file path=ppt/presentation.xml><?xml version="1.0" encoding="utf-8"?>
-<p:presentation xmlns:a="http://schemas.openxmlformats.org/drawingml/2006/main" xmlns:r="http://schemas.openxmlformats.org/officeDocument/2006/relationships" xmlns:p="http://schemas.openxmlformats.org/presentationml/2006/main" xmlns:m="http://schemas.openxmlformats.org/officeDocument/2006/math" xmlns:a14="http://schemas.microsoft.com/office/drawing/2010/main">
+<p:presentation xmlns:a="http://schemas.openxmlformats.org/drawingml/2006/main" xmlns:r="http://schemas.openxmlformats.org/officeDocument/2006/relationships" xmlns:p="http://schemas.openxmlformats.org/presentationml/2006/main">
   <p:sldMasterIdLst>
-    <p:sldMasterId id="2147483648" r:id="rId5"/>
+    <p:sldMasterId id="2147483648" r:id="rId1"/>
   </p:sldMasterIdLst>
   <p:notesMasterIdLst>
-    <p:notesMasterId r:id="rId7"/>
+    <p:notesMasterId r:id="rId11"/>
   </p:notesMasterIdLst>
   <p:sldIdLst>
-    <p:sldId id="256" r:id="rId8"/>
-    <p:sldId id="257" r:id="rId9"/>
-    <p:sldId id="258" r:id="rId10"/>
-    <p:sldId id="259" r:id="rId11"/>
-    <p:sldId id="260" r:id="rId12"/>
-    <p:sldId id="261" r:id="rId13"/>
-    <p:sldId id="262" r:id="rId14"/>
-    <p:sldId id="263" r:id="rId15"/>
-    <p:sldId id="264" r:id="rId16"/>
+    <p:sldId id="256" r:id="rId2"/>
+    <p:sldId id="257" r:id="rId3"/>
+    <p:sldId id="258" r:id="rId4"/>
+    <p:sldId id="259" r:id="rId5"/>
+    <p:sldId id="260" r:id="rId6"/>
+    <p:sldId id="261" r:id="rId7"/>
+    <p:sldId id="262" r:id="rId8"/>
+    <p:sldId id="263" r:id="rId9"/>
+    <p:sldId id="264" r:id="rId10"/>
   </p:sldIdLst>
   <p:sldSz cx="12192000" cy="6858000"/>
   <p:notesSz cx="6858000" cy="9144000"/>
@@ -36,7 +36,7 @@
       <a:buFontTx/>
       <a:buNone/>
       <a:tabLst/>
-      <a:defRPr b="0" baseline="0" cap="none" i="0" spc="0" strike="noStrike" sz="1800" u="none" kumimoji="0" normalizeH="0">
+      <a:defRPr kumimoji="0" sz="1800" b="0" i="0" u="none" strike="noStrike" cap="none" spc="0" normalizeH="0" baseline="0">
         <a:ln>
           <a:noFill/>
         </a:ln>
@@ -62,7 +62,7 @@
       <a:buFontTx/>
       <a:buNone/>
       <a:tabLst/>
-      <a:defRPr b="0" baseline="0" cap="none" i="0" spc="0" strike="noStrike" sz="1800" u="none" kumimoji="0" normalizeH="0">
+      <a:defRPr kumimoji="0" sz="1800" b="0" i="0" u="none" strike="noStrike" cap="none" spc="0" normalizeH="0" baseline="0">
         <a:ln>
           <a:noFill/>
         </a:ln>
@@ -92,7 +92,7 @@
       <a:buFontTx/>
       <a:buNone/>
       <a:tabLst/>
-      <a:defRPr b="0" baseline="0" cap="none" i="0" spc="0" strike="noStrike" sz="1800" u="none" kumimoji="0" normalizeH="0">
+      <a:defRPr kumimoji="0" sz="1800" b="0" i="0" u="none" strike="noStrike" cap="none" spc="0" normalizeH="0" baseline="0">
         <a:ln>
           <a:noFill/>
         </a:ln>
@@ -122,7 +122,7 @@
       <a:buFontTx/>
       <a:buNone/>
       <a:tabLst/>
-      <a:defRPr b="0" baseline="0" cap="none" i="0" spc="0" strike="noStrike" sz="1800" u="none" kumimoji="0" normalizeH="0">
+      <a:defRPr kumimoji="0" sz="1800" b="0" i="0" u="none" strike="noStrike" cap="none" spc="0" normalizeH="0" baseline="0">
         <a:ln>
           <a:noFill/>
         </a:ln>
@@ -152,7 +152,7 @@
       <a:buFontTx/>
       <a:buNone/>
       <a:tabLst/>
-      <a:defRPr b="0" baseline="0" cap="none" i="0" spc="0" strike="noStrike" sz="1800" u="none" kumimoji="0" normalizeH="0">
+      <a:defRPr kumimoji="0" sz="1800" b="0" i="0" u="none" strike="noStrike" cap="none" spc="0" normalizeH="0" baseline="0">
         <a:ln>
           <a:noFill/>
         </a:ln>
@@ -182,7 +182,7 @@
       <a:buFontTx/>
       <a:buNone/>
       <a:tabLst/>
-      <a:defRPr b="0" baseline="0" cap="none" i="0" spc="0" strike="noStrike" sz="1800" u="none" kumimoji="0" normalizeH="0">
+      <a:defRPr kumimoji="0" sz="1800" b="0" i="0" u="none" strike="noStrike" cap="none" spc="0" normalizeH="0" baseline="0">
         <a:ln>
           <a:noFill/>
         </a:ln>
@@ -212,7 +212,7 @@
       <a:buFontTx/>
       <a:buNone/>
       <a:tabLst/>
-      <a:defRPr b="0" baseline="0" cap="none" i="0" spc="0" strike="noStrike" sz="1800" u="none" kumimoji="0" normalizeH="0">
+      <a:defRPr kumimoji="0" sz="1800" b="0" i="0" u="none" strike="noStrike" cap="none" spc="0" normalizeH="0" baseline="0">
         <a:ln>
           <a:noFill/>
         </a:ln>
@@ -242,7 +242,7 @@
       <a:buFontTx/>
       <a:buNone/>
       <a:tabLst/>
-      <a:defRPr b="0" baseline="0" cap="none" i="0" spc="0" strike="noStrike" sz="1800" u="none" kumimoji="0" normalizeH="0">
+      <a:defRPr kumimoji="0" sz="1800" b="0" i="0" u="none" strike="noStrike" cap="none" spc="0" normalizeH="0" baseline="0">
         <a:ln>
           <a:noFill/>
         </a:ln>
@@ -272,7 +272,7 @@
       <a:buFontTx/>
       <a:buNone/>
       <a:tabLst/>
-      <a:defRPr b="0" baseline="0" cap="none" i="0" spc="0" strike="noStrike" sz="1800" u="none" kumimoji="0" normalizeH="0">
+      <a:defRPr kumimoji="0" sz="1800" b="0" i="0" u="none" strike="noStrike" cap="none" spc="0" normalizeH="0" baseline="0">
         <a:ln>
           <a:noFill/>
         </a:ln>
@@ -302,7 +302,7 @@
       <a:buFontTx/>
       <a:buNone/>
       <a:tabLst/>
-      <a:defRPr b="0" baseline="0" cap="none" i="0" spc="0" strike="noStrike" sz="1800" u="none" kumimoji="0" normalizeH="0">
+      <a:defRPr kumimoji="0" sz="1800" b="0" i="0" u="none" strike="noStrike" cap="none" spc="0" normalizeH="0" baseline="0">
         <a:ln>
           <a:noFill/>
         </a:ln>
@@ -321,13 +321,14 @@
 </p:presentation>
 </file>
 
-<file path=ppt/commentAuthors.xml><?xml version="1.0" encoding="utf-8"?>
-<p:cmAuthorLst xmlns:a="http://schemas.openxmlformats.org/drawingml/2006/main" xmlns:r="http://schemas.openxmlformats.org/officeDocument/2006/relationships" xmlns:p="http://schemas.openxmlformats.org/presentationml/2006/main" xmlns:m="http://schemas.openxmlformats.org/officeDocument/2006/math" xmlns:a14="http://schemas.microsoft.com/office/drawing/2010/main"/>
-</file>
-
 <file path=ppt/notesMasters/notesMaster1.xml><?xml version="1.0" encoding="utf-8"?>
-<p:notesMaster xmlns:a="http://schemas.openxmlformats.org/drawingml/2006/main" xmlns:r="http://schemas.openxmlformats.org/officeDocument/2006/relationships" xmlns:p="http://schemas.openxmlformats.org/presentationml/2006/main" xmlns:m="http://schemas.openxmlformats.org/officeDocument/2006/math" xmlns:a14="http://schemas.microsoft.com/office/drawing/2010/main">
+<p:notesMaster xmlns:a="http://schemas.openxmlformats.org/drawingml/2006/main" xmlns:r="http://schemas.openxmlformats.org/officeDocument/2006/relationships" xmlns:p="http://schemas.openxmlformats.org/presentationml/2006/main">
   <p:cSld>
+    <p:bg>
+      <p:bgRef idx="1001">
+        <a:schemeClr val="bg1"/>
+      </p:bgRef>
+    </p:bg>
     <p:spTree>
       <p:nvGrpSpPr>
         <p:cNvPr id="1" name=""/>
@@ -345,7 +346,9 @@
       <p:sp>
         <p:nvSpPr>
           <p:cNvPr id="298" name="Shape 298"/>
-          <p:cNvSpPr/>
+          <p:cNvSpPr>
+            <a:spLocks noGrp="1" noRot="1" noChangeAspect="1"/>
+          </p:cNvSpPr>
           <p:nvPr>
             <p:ph type="sldImg"/>
           </p:nvPr>
@@ -363,14 +366,16 @@
           <a:bodyPr/>
           <a:lstStyle/>
           <a:p>
-            <a:pPr/>
+            <a:endParaRPr/>
           </a:p>
         </p:txBody>
       </p:sp>
       <p:sp>
         <p:nvSpPr>
           <p:cNvPr id="299" name="Shape 299"/>
-          <p:cNvSpPr/>
+          <p:cNvSpPr>
+            <a:spLocks noGrp="1"/>
+          </p:cNvSpPr>
           <p:nvPr>
             <p:ph type="body" sz="quarter" idx="1"/>
           </p:nvPr>
@@ -388,7 +393,7 @@
           <a:bodyPr/>
           <a:lstStyle/>
           <a:p>
-            <a:pPr/>
+            <a:endParaRPr/>
           </a:p>
         </p:txBody>
       </p:sp>
@@ -499,8 +504,74 @@
 </p:notesMaster>
 </file>
 
+<file path=ppt/notesSlides/notesSlide1.xml><?xml version="1.0" encoding="utf-8"?>
+<p:notes xmlns:a="http://schemas.openxmlformats.org/drawingml/2006/main" xmlns:r="http://schemas.openxmlformats.org/officeDocument/2006/relationships" xmlns:p="http://schemas.openxmlformats.org/presentationml/2006/main">
+  <p:cSld>
+    <p:spTree>
+      <p:nvGrpSpPr>
+        <p:cNvPr id="1" name=""/>
+        <p:cNvGrpSpPr/>
+        <p:nvPr/>
+      </p:nvGrpSpPr>
+      <p:grpSpPr>
+        <a:xfrm>
+          <a:off x="0" y="0"/>
+          <a:ext cx="0" cy="0"/>
+          <a:chOff x="0" y="0"/>
+          <a:chExt cx="0" cy="0"/>
+        </a:xfrm>
+      </p:grpSpPr>
+      <p:sp>
+        <p:nvSpPr>
+          <p:cNvPr id="2" name="Slide Image Placeholder 1"/>
+          <p:cNvSpPr>
+            <a:spLocks noGrp="1" noRot="1" noChangeAspect="1"/>
+          </p:cNvSpPr>
+          <p:nvPr>
+            <p:ph type="sldImg"/>
+          </p:nvPr>
+        </p:nvSpPr>
+        <p:spPr>
+          <a:xfrm>
+            <a:off x="381000" y="685800"/>
+            <a:ext cx="6096000" cy="3429000"/>
+          </a:xfrm>
+        </p:spPr>
+      </p:sp>
+      <p:sp>
+        <p:nvSpPr>
+          <p:cNvPr id="3" name="Notes Placeholder 2"/>
+          <p:cNvSpPr>
+            <a:spLocks noGrp="1"/>
+          </p:cNvSpPr>
+          <p:nvPr>
+            <p:ph type="body" idx="1"/>
+          </p:nvPr>
+        </p:nvSpPr>
+        <p:spPr/>
+        <p:txBody>
+          <a:bodyPr/>
+          <a:lstStyle/>
+          <a:p>
+            <a:endParaRPr lang="en-US" dirty="0"/>
+          </a:p>
+        </p:txBody>
+      </p:sp>
+    </p:spTree>
+    <p:extLst>
+      <p:ext uri="{BB962C8B-B14F-4D97-AF65-F5344CB8AC3E}">
+        <p14:creationId xmlns:p14="http://schemas.microsoft.com/office/powerpoint/2010/main" val="4048263413"/>
+      </p:ext>
+    </p:extLst>
+  </p:cSld>
+  <p:clrMapOvr>
+    <a:masterClrMapping/>
+  </p:clrMapOvr>
+</p:notes>
+</file>
+
 <file path=ppt/slideLayouts/slideLayout1.xml><?xml version="1.0" encoding="utf-8"?>
-<p:sldLayout xmlns:a="http://schemas.openxmlformats.org/drawingml/2006/main" xmlns:r="http://schemas.openxmlformats.org/officeDocument/2006/relationships" xmlns:p="http://schemas.openxmlformats.org/presentationml/2006/main" xmlns:m="http://schemas.openxmlformats.org/officeDocument/2006/math" xmlns:a14="http://schemas.microsoft.com/office/drawing/2010/main" type="title" showMasterSp="0" showMasterPhAnim="1">
+<p:sldLayout xmlns:a="http://schemas.openxmlformats.org/drawingml/2006/main" xmlns:r="http://schemas.openxmlformats.org/officeDocument/2006/relationships" xmlns:p="http://schemas.openxmlformats.org/presentationml/2006/main" showMasterSp="0" type="title">
   <p:cSld name="Title Slide">
     <p:spTree>
       <p:nvGrpSpPr>
@@ -604,6 +675,7 @@
                   </a:solidFill>
                 </a:defRPr>
               </a:pPr>
+              <a:endParaRPr/>
             </a:p>
           </p:txBody>
         </p:sp>
@@ -638,7 +710,7 @@
               </a:cxnLst>
               <a:rect l="0" t="0" r="r" b="b"/>
               <a:pathLst>
-                <a:path w="21600" h="21600" fill="norm" stroke="1" extrusionOk="0">
+                <a:path w="21600" h="21600" extrusionOk="0">
                   <a:moveTo>
                     <a:pt x="10800" y="21600"/>
                   </a:moveTo>
@@ -720,6 +792,7 @@
                   </a:solidFill>
                 </a:defRPr>
               </a:pPr>
+              <a:endParaRPr/>
             </a:p>
           </p:txBody>
         </p:sp>
@@ -754,7 +827,7 @@
               </a:cxnLst>
               <a:rect l="0" t="0" r="r" b="b"/>
               <a:pathLst>
-                <a:path w="21600" h="21600" fill="norm" stroke="1" extrusionOk="0">
+                <a:path w="21600" h="21600" extrusionOk="0">
                   <a:moveTo>
                     <a:pt x="10800" y="21600"/>
                   </a:moveTo>
@@ -836,6 +909,7 @@
                   </a:solidFill>
                 </a:defRPr>
               </a:pPr>
+              <a:endParaRPr/>
             </a:p>
           </p:txBody>
         </p:sp>
@@ -883,6 +957,7 @@
                   </a:solidFill>
                 </a:defRPr>
               </a:pPr>
+              <a:endParaRPr/>
             </a:p>
           </p:txBody>
         </p:sp>
@@ -917,7 +992,7 @@
               </a:cxnLst>
               <a:rect l="0" t="0" r="r" b="b"/>
               <a:pathLst>
-                <a:path w="21600" h="21600" fill="norm" stroke="1" extrusionOk="0">
+                <a:path w="21600" h="21600" extrusionOk="0">
                   <a:moveTo>
                     <a:pt x="10800" y="21600"/>
                   </a:moveTo>
@@ -999,6 +1074,7 @@
                   </a:solidFill>
                 </a:defRPr>
               </a:pPr>
+              <a:endParaRPr/>
             </a:p>
           </p:txBody>
         </p:sp>
@@ -1033,7 +1109,7 @@
               </a:cxnLst>
               <a:rect l="0" t="0" r="r" b="b"/>
               <a:pathLst>
-                <a:path w="21600" h="21600" fill="norm" stroke="1" extrusionOk="0">
+                <a:path w="21600" h="21600" extrusionOk="0">
                   <a:moveTo>
                     <a:pt x="3375" y="21600"/>
                   </a:moveTo>
@@ -1089,6 +1165,7 @@
                   </a:solidFill>
                 </a:defRPr>
               </a:pPr>
+              <a:endParaRPr/>
             </a:p>
           </p:txBody>
         </p:sp>
@@ -1123,7 +1200,7 @@
               </a:cxnLst>
               <a:rect l="0" t="0" r="r" b="b"/>
               <a:pathLst>
-                <a:path w="21600" h="21600" fill="norm" stroke="1" extrusionOk="0">
+                <a:path w="21600" h="21600" extrusionOk="0">
                   <a:moveTo>
                     <a:pt x="20233" y="21600"/>
                   </a:moveTo>
@@ -1179,6 +1256,7 @@
                   </a:solidFill>
                 </a:defRPr>
               </a:pPr>
+              <a:endParaRPr/>
             </a:p>
           </p:txBody>
         </p:sp>
@@ -1213,7 +1291,7 @@
               </a:cxnLst>
               <a:rect l="0" t="0" r="r" b="b"/>
               <a:pathLst>
-                <a:path w="21600" h="21600" fill="norm" stroke="1" extrusionOk="0">
+                <a:path w="21600" h="21600" extrusionOk="0">
                   <a:moveTo>
                     <a:pt x="10800" y="21600"/>
                   </a:moveTo>
@@ -1295,6 +1373,7 @@
                   </a:solidFill>
                 </a:defRPr>
               </a:pPr>
+              <a:endParaRPr/>
             </a:p>
           </p:txBody>
         </p:sp>
@@ -1329,7 +1408,7 @@
               </a:cxnLst>
               <a:rect l="0" t="0" r="r" b="b"/>
               <a:pathLst>
-                <a:path w="21600" h="21600" fill="norm" stroke="1" extrusionOk="0">
+                <a:path w="21600" h="21600" extrusionOk="0">
                   <a:moveTo>
                     <a:pt x="20215" y="21600"/>
                   </a:moveTo>
@@ -1385,6 +1464,7 @@
                   </a:solidFill>
                 </a:defRPr>
               </a:pPr>
+              <a:endParaRPr/>
             </a:p>
           </p:txBody>
         </p:sp>
@@ -1419,7 +1499,7 @@
               </a:cxnLst>
               <a:rect l="0" t="0" r="r" b="b"/>
               <a:pathLst>
-                <a:path w="21600" h="21600" fill="norm" stroke="1" extrusionOk="0">
+                <a:path w="21600" h="21600" extrusionOk="0">
                   <a:moveTo>
                     <a:pt x="21600" y="21600"/>
                   </a:moveTo>
@@ -1475,6 +1555,7 @@
                   </a:solidFill>
                 </a:defRPr>
               </a:pPr>
+              <a:endParaRPr/>
             </a:p>
           </p:txBody>
         </p:sp>
@@ -1509,7 +1590,7 @@
               </a:cxnLst>
               <a:rect l="0" t="0" r="r" b="b"/>
               <a:pathLst>
-                <a:path w="21600" h="21600" fill="norm" stroke="1" extrusionOk="0">
+                <a:path w="21600" h="21600" extrusionOk="0">
                   <a:moveTo>
                     <a:pt x="10800" y="21600"/>
                   </a:moveTo>
@@ -1591,6 +1672,7 @@
                   </a:solidFill>
                 </a:defRPr>
               </a:pPr>
+              <a:endParaRPr/>
             </a:p>
           </p:txBody>
         </p:sp>
@@ -1625,7 +1707,7 @@
               </a:cxnLst>
               <a:rect l="0" t="0" r="r" b="b"/>
               <a:pathLst>
-                <a:path w="21600" h="21600" fill="norm" stroke="1" extrusionOk="0">
+                <a:path w="21600" h="21600" extrusionOk="0">
                   <a:moveTo>
                     <a:pt x="10800" y="21600"/>
                   </a:moveTo>
@@ -1707,6 +1789,7 @@
                   </a:solidFill>
                 </a:defRPr>
               </a:pPr>
+              <a:endParaRPr/>
             </a:p>
           </p:txBody>
         </p:sp>
@@ -1741,7 +1824,7 @@
               </a:cxnLst>
               <a:rect l="0" t="0" r="r" b="b"/>
               <a:pathLst>
-                <a:path w="21600" h="21600" fill="norm" stroke="1" extrusionOk="0">
+                <a:path w="21600" h="21600" extrusionOk="0">
                   <a:moveTo>
                     <a:pt x="20618" y="21600"/>
                   </a:moveTo>
@@ -1797,6 +1880,7 @@
                   </a:solidFill>
                 </a:defRPr>
               </a:pPr>
+              <a:endParaRPr/>
             </a:p>
           </p:txBody>
         </p:sp>
@@ -1831,7 +1915,7 @@
               </a:cxnLst>
               <a:rect l="0" t="0" r="r" b="b"/>
               <a:pathLst>
-                <a:path w="19694" h="21600" fill="norm" stroke="1" extrusionOk="0">
+                <a:path w="19694" h="21600" extrusionOk="0">
                   <a:moveTo>
                     <a:pt x="9847" y="21600"/>
                   </a:moveTo>
@@ -1933,6 +2017,7 @@
                   </a:solidFill>
                 </a:defRPr>
               </a:pPr>
+              <a:endParaRPr/>
             </a:p>
           </p:txBody>
         </p:sp>
@@ -1967,7 +2052,7 @@
               </a:cxnLst>
               <a:rect l="0" t="0" r="r" b="b"/>
               <a:pathLst>
-                <a:path w="21600" h="21600" fill="norm" stroke="1" extrusionOk="0">
+                <a:path w="21600" h="21600" extrusionOk="0">
                   <a:moveTo>
                     <a:pt x="3375" y="21600"/>
                   </a:moveTo>
@@ -2023,6 +2108,7 @@
                   </a:solidFill>
                 </a:defRPr>
               </a:pPr>
+              <a:endParaRPr/>
             </a:p>
           </p:txBody>
         </p:sp>
@@ -2057,7 +2143,7 @@
               </a:cxnLst>
               <a:rect l="0" t="0" r="r" b="b"/>
               <a:pathLst>
-                <a:path w="21600" h="21600" fill="norm" stroke="1" extrusionOk="0">
+                <a:path w="21600" h="21600" extrusionOk="0">
                   <a:moveTo>
                     <a:pt x="10800" y="21600"/>
                   </a:moveTo>
@@ -2139,6 +2225,7 @@
                   </a:solidFill>
                 </a:defRPr>
               </a:pPr>
+              <a:endParaRPr/>
             </a:p>
           </p:txBody>
         </p:sp>
@@ -2173,7 +2260,7 @@
               </a:cxnLst>
               <a:rect l="0" t="0" r="r" b="b"/>
               <a:pathLst>
-                <a:path w="21600" h="21600" fill="norm" stroke="1" extrusionOk="0">
+                <a:path w="21600" h="21600" extrusionOk="0">
                   <a:moveTo>
                     <a:pt x="10800" y="21600"/>
                   </a:moveTo>
@@ -2255,6 +2342,7 @@
                   </a:solidFill>
                 </a:defRPr>
               </a:pPr>
+              <a:endParaRPr/>
             </a:p>
           </p:txBody>
         </p:sp>
@@ -2289,7 +2377,7 @@
               </a:cxnLst>
               <a:rect l="0" t="0" r="r" b="b"/>
               <a:pathLst>
-                <a:path w="21600" h="21600" fill="norm" stroke="1" extrusionOk="0">
+                <a:path w="21600" h="21600" extrusionOk="0">
                   <a:moveTo>
                     <a:pt x="21600" y="21600"/>
                   </a:moveTo>
@@ -2345,6 +2433,7 @@
                   </a:solidFill>
                 </a:defRPr>
               </a:pPr>
+              <a:endParaRPr/>
             </a:p>
           </p:txBody>
         </p:sp>
@@ -2379,7 +2468,7 @@
               </a:cxnLst>
               <a:rect l="0" t="0" r="r" b="b"/>
               <a:pathLst>
-                <a:path w="21600" h="21600" fill="norm" stroke="1" extrusionOk="0">
+                <a:path w="21600" h="21600" extrusionOk="0">
                   <a:moveTo>
                     <a:pt x="11127" y="21600"/>
                   </a:moveTo>
@@ -2461,6 +2550,7 @@
                   </a:solidFill>
                 </a:defRPr>
               </a:pPr>
+              <a:endParaRPr/>
             </a:p>
           </p:txBody>
         </p:sp>
@@ -2495,7 +2585,7 @@
               </a:cxnLst>
               <a:rect l="0" t="0" r="r" b="b"/>
               <a:pathLst>
-                <a:path w="21600" h="21600" fill="norm" stroke="1" extrusionOk="0">
+                <a:path w="21600" h="21600" extrusionOk="0">
                   <a:moveTo>
                     <a:pt x="10800" y="21600"/>
                   </a:moveTo>
@@ -2577,6 +2667,7 @@
                   </a:solidFill>
                 </a:defRPr>
               </a:pPr>
+              <a:endParaRPr/>
             </a:p>
           </p:txBody>
         </p:sp>
@@ -2611,7 +2702,7 @@
               </a:cxnLst>
               <a:rect l="0" t="0" r="r" b="b"/>
               <a:pathLst>
-                <a:path w="21600" h="21600" fill="norm" stroke="1" extrusionOk="0">
+                <a:path w="21600" h="21600" extrusionOk="0">
                   <a:moveTo>
                     <a:pt x="17743" y="21600"/>
                   </a:moveTo>
@@ -2661,6 +2752,7 @@
                   </a:solidFill>
                 </a:defRPr>
               </a:pPr>
+              <a:endParaRPr/>
             </a:p>
           </p:txBody>
         </p:sp>
@@ -2695,7 +2787,7 @@
               </a:cxnLst>
               <a:rect l="0" t="0" r="r" b="b"/>
               <a:pathLst>
-                <a:path w="21600" h="21600" fill="norm" stroke="1" extrusionOk="0">
+                <a:path w="21600" h="21600" extrusionOk="0">
                   <a:moveTo>
                     <a:pt x="10800" y="21600"/>
                   </a:moveTo>
@@ -2777,6 +2869,7 @@
                   </a:solidFill>
                 </a:defRPr>
               </a:pPr>
+              <a:endParaRPr/>
             </a:p>
           </p:txBody>
         </p:sp>
@@ -2811,7 +2904,7 @@
               </a:cxnLst>
               <a:rect l="0" t="0" r="r" b="b"/>
               <a:pathLst>
-                <a:path w="21600" h="21600" fill="norm" stroke="1" extrusionOk="0">
+                <a:path w="21600" h="21600" extrusionOk="0">
                   <a:moveTo>
                     <a:pt x="3086" y="21600"/>
                   </a:moveTo>
@@ -2861,6 +2954,7 @@
                   </a:solidFill>
                 </a:defRPr>
               </a:pPr>
+              <a:endParaRPr/>
             </a:p>
           </p:txBody>
         </p:sp>
@@ -2895,7 +2989,7 @@
               </a:cxnLst>
               <a:rect l="0" t="0" r="r" b="b"/>
               <a:pathLst>
-                <a:path w="21600" h="21600" fill="norm" stroke="1" extrusionOk="0">
+                <a:path w="21600" h="21600" extrusionOk="0">
                   <a:moveTo>
                     <a:pt x="10800" y="21600"/>
                   </a:moveTo>
@@ -2977,6 +3071,7 @@
                   </a:solidFill>
                 </a:defRPr>
               </a:pPr>
+              <a:endParaRPr/>
             </a:p>
           </p:txBody>
         </p:sp>
@@ -3011,7 +3106,7 @@
               </a:cxnLst>
               <a:rect l="0" t="0" r="r" b="b"/>
               <a:pathLst>
-                <a:path w="21600" h="21600" fill="norm" stroke="1" extrusionOk="0">
+                <a:path w="21600" h="21600" extrusionOk="0">
                   <a:moveTo>
                     <a:pt x="21600" y="21600"/>
                   </a:moveTo>
@@ -3073,6 +3168,7 @@
                   </a:solidFill>
                 </a:defRPr>
               </a:pPr>
+              <a:endParaRPr/>
             </a:p>
           </p:txBody>
         </p:sp>
@@ -3107,7 +3203,7 @@
               </a:cxnLst>
               <a:rect l="0" t="0" r="r" b="b"/>
               <a:pathLst>
-                <a:path w="21600" h="21600" fill="norm" stroke="1" extrusionOk="0">
+                <a:path w="21600" h="21600" extrusionOk="0">
                   <a:moveTo>
                     <a:pt x="10800" y="21600"/>
                   </a:moveTo>
@@ -3189,6 +3285,7 @@
                   </a:solidFill>
                 </a:defRPr>
               </a:pPr>
+              <a:endParaRPr/>
             </a:p>
           </p:txBody>
         </p:sp>
@@ -3223,7 +3320,7 @@
               </a:cxnLst>
               <a:rect l="0" t="0" r="r" b="b"/>
               <a:pathLst>
-                <a:path w="21600" h="21600" fill="norm" stroke="1" extrusionOk="0">
+                <a:path w="21600" h="21600" extrusionOk="0">
                   <a:moveTo>
                     <a:pt x="21600" y="21600"/>
                   </a:moveTo>
@@ -3285,6 +3382,7 @@
                   </a:solidFill>
                 </a:defRPr>
               </a:pPr>
+              <a:endParaRPr/>
             </a:p>
           </p:txBody>
         </p:sp>
@@ -3319,7 +3417,7 @@
               </a:cxnLst>
               <a:rect l="0" t="0" r="r" b="b"/>
               <a:pathLst>
-                <a:path w="21600" h="21600" fill="norm" stroke="1" extrusionOk="0">
+                <a:path w="21600" h="21600" extrusionOk="0">
                   <a:moveTo>
                     <a:pt x="10800" y="21600"/>
                   </a:moveTo>
@@ -3401,6 +3499,7 @@
                   </a:solidFill>
                 </a:defRPr>
               </a:pPr>
+              <a:endParaRPr/>
             </a:p>
           </p:txBody>
         </p:sp>
@@ -3448,6 +3547,7 @@
                   </a:solidFill>
                 </a:defRPr>
               </a:pPr>
+              <a:endParaRPr/>
             </a:p>
           </p:txBody>
         </p:sp>
@@ -3482,7 +3582,7 @@
               </a:cxnLst>
               <a:rect l="0" t="0" r="r" b="b"/>
               <a:pathLst>
-                <a:path w="21600" h="21600" fill="norm" stroke="1" extrusionOk="0">
+                <a:path w="21600" h="21600" extrusionOk="0">
                   <a:moveTo>
                     <a:pt x="10800" y="21600"/>
                   </a:moveTo>
@@ -3564,6 +3664,7 @@
                   </a:solidFill>
                 </a:defRPr>
               </a:pPr>
+              <a:endParaRPr/>
             </a:p>
           </p:txBody>
         </p:sp>
@@ -3598,7 +3699,7 @@
               </a:cxnLst>
               <a:rect l="0" t="0" r="r" b="b"/>
               <a:pathLst>
-                <a:path w="21600" h="21600" fill="norm" stroke="1" extrusionOk="0">
+                <a:path w="21600" h="21600" extrusionOk="0">
                   <a:moveTo>
                     <a:pt x="21600" y="21600"/>
                   </a:moveTo>
@@ -3654,6 +3755,7 @@
                   </a:solidFill>
                 </a:defRPr>
               </a:pPr>
+              <a:endParaRPr/>
             </a:p>
           </p:txBody>
         </p:sp>
@@ -3688,7 +3790,7 @@
               </a:cxnLst>
               <a:rect l="0" t="0" r="r" b="b"/>
               <a:pathLst>
-                <a:path w="21600" h="21600" fill="norm" stroke="1" extrusionOk="0">
+                <a:path w="21600" h="21600" extrusionOk="0">
                   <a:moveTo>
                     <a:pt x="1920" y="21600"/>
                   </a:moveTo>
@@ -3744,6 +3846,7 @@
                   </a:solidFill>
                 </a:defRPr>
               </a:pPr>
+              <a:endParaRPr/>
             </a:p>
           </p:txBody>
         </p:sp>
@@ -3778,7 +3881,7 @@
               </a:cxnLst>
               <a:rect l="0" t="0" r="r" b="b"/>
               <a:pathLst>
-                <a:path w="21600" h="21600" fill="norm" stroke="1" extrusionOk="0">
+                <a:path w="21600" h="21600" extrusionOk="0">
                   <a:moveTo>
                     <a:pt x="11109" y="21600"/>
                   </a:moveTo>
@@ -3860,6 +3963,7 @@
                   </a:solidFill>
                 </a:defRPr>
               </a:pPr>
+              <a:endParaRPr/>
             </a:p>
           </p:txBody>
         </p:sp>
@@ -3894,7 +3998,7 @@
               </a:cxnLst>
               <a:rect l="0" t="0" r="r" b="b"/>
               <a:pathLst>
-                <a:path w="21600" h="21600" fill="norm" stroke="1" extrusionOk="0">
+                <a:path w="21600" h="21600" extrusionOk="0">
                   <a:moveTo>
                     <a:pt x="21600" y="21600"/>
                   </a:moveTo>
@@ -3956,6 +4060,7 @@
                   </a:solidFill>
                 </a:defRPr>
               </a:pPr>
+              <a:endParaRPr/>
             </a:p>
           </p:txBody>
         </p:sp>
@@ -3990,7 +4095,7 @@
               </a:cxnLst>
               <a:rect l="0" t="0" r="r" b="b"/>
               <a:pathLst>
-                <a:path w="21600" h="21600" fill="norm" stroke="1" extrusionOk="0">
+                <a:path w="21600" h="21600" extrusionOk="0">
                   <a:moveTo>
                     <a:pt x="21600" y="21600"/>
                   </a:moveTo>
@@ -4046,6 +4151,7 @@
                   </a:solidFill>
                 </a:defRPr>
               </a:pPr>
+              <a:endParaRPr/>
             </a:p>
           </p:txBody>
         </p:sp>
@@ -4080,7 +4186,7 @@
               </a:cxnLst>
               <a:rect l="0" t="0" r="r" b="b"/>
               <a:pathLst>
-                <a:path w="21600" h="21600" fill="norm" stroke="1" extrusionOk="0">
+                <a:path w="21600" h="21600" extrusionOk="0">
                   <a:moveTo>
                     <a:pt x="11270" y="21600"/>
                   </a:moveTo>
@@ -4162,6 +4268,7 @@
                   </a:solidFill>
                 </a:defRPr>
               </a:pPr>
+              <a:endParaRPr/>
             </a:p>
           </p:txBody>
         </p:sp>
@@ -4196,7 +4303,7 @@
               </a:cxnLst>
               <a:rect l="0" t="0" r="r" b="b"/>
               <a:pathLst>
-                <a:path w="21600" h="21600" fill="norm" stroke="1" extrusionOk="0">
+                <a:path w="21600" h="21600" extrusionOk="0">
                   <a:moveTo>
                     <a:pt x="2880" y="21600"/>
                   </a:moveTo>
@@ -4252,6 +4359,7 @@
                   </a:solidFill>
                 </a:defRPr>
               </a:pPr>
+              <a:endParaRPr/>
             </a:p>
           </p:txBody>
         </p:sp>
@@ -4286,7 +4394,7 @@
               </a:cxnLst>
               <a:rect l="0" t="0" r="r" b="b"/>
               <a:pathLst>
-                <a:path w="21600" h="21600" fill="norm" stroke="1" extrusionOk="0">
+                <a:path w="21600" h="21600" extrusionOk="0">
                   <a:moveTo>
                     <a:pt x="10330" y="21600"/>
                   </a:moveTo>
@@ -4368,6 +4476,7 @@
                   </a:solidFill>
                 </a:defRPr>
               </a:pPr>
+              <a:endParaRPr/>
             </a:p>
           </p:txBody>
         </p:sp>
@@ -4402,7 +4511,7 @@
               </a:cxnLst>
               <a:rect l="0" t="0" r="r" b="b"/>
               <a:pathLst>
-                <a:path w="21600" h="21600" fill="norm" stroke="1" extrusionOk="0">
+                <a:path w="21600" h="21600" extrusionOk="0">
                   <a:moveTo>
                     <a:pt x="1800" y="21600"/>
                   </a:moveTo>
@@ -4458,6 +4567,7 @@
                   </a:solidFill>
                 </a:defRPr>
               </a:pPr>
+              <a:endParaRPr/>
             </a:p>
           </p:txBody>
         </p:sp>
@@ -4492,7 +4602,7 @@
               </a:cxnLst>
               <a:rect l="0" t="0" r="r" b="b"/>
               <a:pathLst>
-                <a:path w="21600" h="21600" fill="norm" stroke="1" extrusionOk="0">
+                <a:path w="21600" h="21600" extrusionOk="0">
                   <a:moveTo>
                     <a:pt x="11270" y="21600"/>
                   </a:moveTo>
@@ -4574,6 +4684,7 @@
                   </a:solidFill>
                 </a:defRPr>
               </a:pPr>
+              <a:endParaRPr/>
             </a:p>
           </p:txBody>
         </p:sp>
@@ -4621,6 +4732,7 @@
                   </a:solidFill>
                 </a:defRPr>
               </a:pPr>
+              <a:endParaRPr/>
             </a:p>
           </p:txBody>
         </p:sp>
@@ -4655,7 +4767,7 @@
               </a:cxnLst>
               <a:rect l="0" t="0" r="r" b="b"/>
               <a:pathLst>
-                <a:path w="21600" h="21600" fill="norm" stroke="1" extrusionOk="0">
+                <a:path w="21600" h="21600" extrusionOk="0">
                   <a:moveTo>
                     <a:pt x="1385" y="21600"/>
                   </a:moveTo>
@@ -4711,6 +4823,7 @@
                   </a:solidFill>
                 </a:defRPr>
               </a:pPr>
+              <a:endParaRPr/>
             </a:p>
           </p:txBody>
         </p:sp>
@@ -4745,7 +4858,7 @@
               </a:cxnLst>
               <a:rect l="0" t="0" r="r" b="b"/>
               <a:pathLst>
-                <a:path w="21600" h="21600" fill="norm" stroke="1" extrusionOk="0">
+                <a:path w="21600" h="21600" extrusionOk="0">
                   <a:moveTo>
                     <a:pt x="10800" y="21600"/>
                   </a:moveTo>
@@ -4827,6 +4940,7 @@
                   </a:solidFill>
                 </a:defRPr>
               </a:pPr>
+              <a:endParaRPr/>
             </a:p>
           </p:txBody>
         </p:sp>
@@ -4861,7 +4975,7 @@
               </a:cxnLst>
               <a:rect l="0" t="0" r="r" b="b"/>
               <a:pathLst>
-                <a:path w="21600" h="21600" fill="norm" stroke="1" extrusionOk="0">
+                <a:path w="21600" h="21600" extrusionOk="0">
                   <a:moveTo>
                     <a:pt x="21600" y="21600"/>
                   </a:moveTo>
@@ -4917,6 +5031,7 @@
                   </a:solidFill>
                 </a:defRPr>
               </a:pPr>
+              <a:endParaRPr/>
             </a:p>
           </p:txBody>
         </p:sp>
@@ -4951,7 +5066,7 @@
               </a:cxnLst>
               <a:rect l="0" t="0" r="r" b="b"/>
               <a:pathLst>
-                <a:path w="21600" h="21600" fill="norm" stroke="1" extrusionOk="0">
+                <a:path w="21600" h="21600" extrusionOk="0">
                   <a:moveTo>
                     <a:pt x="10800" y="21600"/>
                   </a:moveTo>
@@ -5033,6 +5148,7 @@
                   </a:solidFill>
                 </a:defRPr>
               </a:pPr>
+              <a:endParaRPr/>
             </a:p>
           </p:txBody>
         </p:sp>
@@ -5067,7 +5183,7 @@
               </a:cxnLst>
               <a:rect l="0" t="0" r="r" b="b"/>
               <a:pathLst>
-                <a:path w="21600" h="21600" fill="norm" stroke="1" extrusionOk="0">
+                <a:path w="21600" h="21600" extrusionOk="0">
                   <a:moveTo>
                     <a:pt x="10800" y="21600"/>
                   </a:moveTo>
@@ -5149,6 +5265,7 @@
                   </a:solidFill>
                 </a:defRPr>
               </a:pPr>
+              <a:endParaRPr/>
             </a:p>
           </p:txBody>
         </p:sp>
@@ -5183,7 +5300,7 @@
               </a:cxnLst>
               <a:rect l="0" t="0" r="r" b="b"/>
               <a:pathLst>
-                <a:path w="21600" h="21600" fill="norm" stroke="1" extrusionOk="0">
+                <a:path w="21600" h="21600" extrusionOk="0">
                   <a:moveTo>
                     <a:pt x="1662" y="21600"/>
                   </a:moveTo>
@@ -5239,6 +5356,7 @@
                   </a:solidFill>
                 </a:defRPr>
               </a:pPr>
+              <a:endParaRPr/>
             </a:p>
           </p:txBody>
         </p:sp>
@@ -5273,7 +5391,7 @@
               </a:cxnLst>
               <a:rect l="0" t="0" r="r" b="b"/>
               <a:pathLst>
-                <a:path w="21600" h="21600" fill="norm" stroke="1" extrusionOk="0">
+                <a:path w="21600" h="21600" extrusionOk="0">
                   <a:moveTo>
                     <a:pt x="3375" y="21600"/>
                   </a:moveTo>
@@ -5329,6 +5447,7 @@
                   </a:solidFill>
                 </a:defRPr>
               </a:pPr>
+              <a:endParaRPr/>
             </a:p>
           </p:txBody>
         </p:sp>
@@ -5363,7 +5482,7 @@
               </a:cxnLst>
               <a:rect l="0" t="0" r="r" b="b"/>
               <a:pathLst>
-                <a:path w="21600" h="21600" fill="norm" stroke="1" extrusionOk="0">
+                <a:path w="21600" h="21600" extrusionOk="0">
                   <a:moveTo>
                     <a:pt x="10800" y="21600"/>
                   </a:moveTo>
@@ -5445,6 +5564,7 @@
                   </a:solidFill>
                 </a:defRPr>
               </a:pPr>
+              <a:endParaRPr/>
             </a:p>
           </p:txBody>
         </p:sp>
@@ -5479,7 +5599,7 @@
               </a:cxnLst>
               <a:rect l="0" t="0" r="r" b="b"/>
               <a:pathLst>
-                <a:path w="21600" h="21600" fill="norm" stroke="1" extrusionOk="0">
+                <a:path w="21600" h="21600" extrusionOk="0">
                   <a:moveTo>
                     <a:pt x="10800" y="21600"/>
                   </a:moveTo>
@@ -5561,6 +5681,7 @@
                   </a:solidFill>
                 </a:defRPr>
               </a:pPr>
+              <a:endParaRPr/>
             </a:p>
           </p:txBody>
         </p:sp>
@@ -5595,7 +5716,7 @@
               </a:cxnLst>
               <a:rect l="0" t="0" r="r" b="b"/>
               <a:pathLst>
-                <a:path w="21600" h="21600" fill="norm" stroke="1" extrusionOk="0">
+                <a:path w="21600" h="21600" extrusionOk="0">
                   <a:moveTo>
                     <a:pt x="982" y="21600"/>
                   </a:moveTo>
@@ -5651,6 +5772,7 @@
                   </a:solidFill>
                 </a:defRPr>
               </a:pPr>
+              <a:endParaRPr/>
             </a:p>
           </p:txBody>
         </p:sp>
@@ -5685,7 +5807,7 @@
               </a:cxnLst>
               <a:rect l="0" t="0" r="r" b="b"/>
               <a:pathLst>
-                <a:path w="20618" h="21600" fill="norm" stroke="1" extrusionOk="0">
+                <a:path w="20618" h="21600" extrusionOk="0">
                   <a:moveTo>
                     <a:pt x="10473" y="21600"/>
                   </a:moveTo>
@@ -5797,6 +5919,7 @@
                   </a:solidFill>
                 </a:defRPr>
               </a:pPr>
+              <a:endParaRPr/>
             </a:p>
           </p:txBody>
         </p:sp>
@@ -5831,7 +5954,7 @@
               </a:cxnLst>
               <a:rect l="0" t="0" r="r" b="b"/>
               <a:pathLst>
-                <a:path w="21600" h="21600" fill="norm" stroke="1" extrusionOk="0">
+                <a:path w="21600" h="21600" extrusionOk="0">
                   <a:moveTo>
                     <a:pt x="19396" y="21600"/>
                   </a:moveTo>
@@ -5893,6 +6016,7 @@
                   </a:solidFill>
                 </a:defRPr>
               </a:pPr>
+              <a:endParaRPr/>
             </a:p>
           </p:txBody>
         </p:sp>
@@ -5927,7 +6051,7 @@
               </a:cxnLst>
               <a:rect l="0" t="0" r="r" b="b"/>
               <a:pathLst>
-                <a:path w="21600" h="21600" fill="norm" stroke="1" extrusionOk="0">
+                <a:path w="21600" h="21600" extrusionOk="0">
                   <a:moveTo>
                     <a:pt x="11077" y="21600"/>
                   </a:moveTo>
@@ -6009,6 +6133,7 @@
                   </a:solidFill>
                 </a:defRPr>
               </a:pPr>
+              <a:endParaRPr/>
             </a:p>
           </p:txBody>
         </p:sp>
@@ -6016,7 +6141,9 @@
       <p:sp>
         <p:nvSpPr>
           <p:cNvPr id="107" name="Title Text"/>
-          <p:cNvSpPr txBox="1"/>
+          <p:cNvSpPr txBox="1">
+            <a:spLocks noGrp="1"/>
+          </p:cNvSpPr>
           <p:nvPr>
             <p:ph type="title"/>
           </p:nvPr>
@@ -6038,7 +6165,6 @@
             </a:lvl1pPr>
           </a:lstStyle>
           <a:p>
-            <a:pPr/>
             <a:r>
               <a:t>Title Text</a:t>
             </a:r>
@@ -6048,7 +6174,9 @@
       <p:sp>
         <p:nvSpPr>
           <p:cNvPr id="108" name="Body Level One…"/>
-          <p:cNvSpPr txBox="1"/>
+          <p:cNvSpPr txBox="1">
+            <a:spLocks noGrp="1"/>
+          </p:cNvSpPr>
           <p:nvPr>
             <p:ph type="body" sz="quarter" idx="1"/>
           </p:nvPr>
@@ -6069,7 +6197,7 @@
               <a:buSzTx/>
               <a:buFontTx/>
               <a:buNone/>
-              <a:defRPr cap="all" sz="2000">
+              <a:defRPr sz="2000" cap="all">
                 <a:solidFill>
                   <a:srgbClr val="82FFFF"/>
                 </a:solidFill>
@@ -6079,7 +6207,7 @@
               <a:buSzTx/>
               <a:buFontTx/>
               <a:buNone/>
-              <a:defRPr cap="all" sz="2000">
+              <a:defRPr sz="2000" cap="all">
                 <a:solidFill>
                   <a:srgbClr val="82FFFF"/>
                 </a:solidFill>
@@ -6089,7 +6217,7 @@
               <a:buSzTx/>
               <a:buFontTx/>
               <a:buNone/>
-              <a:defRPr cap="all" sz="2000">
+              <a:defRPr sz="2000" cap="all">
                 <a:solidFill>
                   <a:srgbClr val="82FFFF"/>
                 </a:solidFill>
@@ -6099,7 +6227,7 @@
               <a:buSzTx/>
               <a:buFontTx/>
               <a:buNone/>
-              <a:defRPr cap="all" sz="2000">
+              <a:defRPr sz="2000" cap="all">
                 <a:solidFill>
                   <a:srgbClr val="82FFFF"/>
                 </a:solidFill>
@@ -6109,7 +6237,7 @@
               <a:buSzTx/>
               <a:buFontTx/>
               <a:buNone/>
-              <a:defRPr cap="all" sz="2000">
+              <a:defRPr sz="2000" cap="all">
                 <a:solidFill>
                   <a:srgbClr val="82FFFF"/>
                 </a:solidFill>
@@ -6117,7 +6245,6 @@
             </a:lvl5pPr>
           </a:lstStyle>
           <a:p>
-            <a:pPr/>
             <a:r>
               <a:t>Body Level One</a:t>
             </a:r>
@@ -6151,7 +6278,9 @@
       <p:sp>
         <p:nvSpPr>
           <p:cNvPr id="109" name="Slide Number"/>
-          <p:cNvSpPr txBox="1"/>
+          <p:cNvSpPr txBox="1">
+            <a:spLocks noGrp="1"/>
+          </p:cNvSpPr>
           <p:nvPr>
             <p:ph type="sldNum" sz="quarter" idx="2"/>
           </p:nvPr>
@@ -6169,8 +6298,10 @@
           <a:bodyPr/>
           <a:lstStyle/>
           <a:p>
-            <a:pPr/>
-            <a:fld id="{86CB4B4D-7CA3-9044-876B-883B54F8677D}" type="slidenum"/>
+            <a:fld id="{86CB4B4D-7CA3-9044-876B-883B54F8677D}" type="slidenum">
+              <a:t>‹#›</a:t>
+            </a:fld>
+            <a:endParaRPr/>
           </a:p>
         </p:txBody>
       </p:sp>
@@ -6179,12 +6310,12 @@
   <p:clrMapOvr>
     <a:masterClrMapping/>
   </p:clrMapOvr>
-  <p:transition xmlns:p14="http://schemas.microsoft.com/office/powerpoint/2010/main" spd="med" advClick="1"/>
+  <p:transition spd="med"/>
 </p:sldLayout>
 </file>
 
 <file path=ppt/slideLayouts/slideLayout10.xml><?xml version="1.0" encoding="utf-8"?>
-<p:sldLayout xmlns:a="http://schemas.openxmlformats.org/drawingml/2006/main" xmlns:r="http://schemas.openxmlformats.org/officeDocument/2006/relationships" xmlns:p="http://schemas.openxmlformats.org/presentationml/2006/main" xmlns:m="http://schemas.openxmlformats.org/officeDocument/2006/math" xmlns:a14="http://schemas.microsoft.com/office/drawing/2010/main" type="tx" showMasterSp="1" showMasterPhAnim="1">
+<p:sldLayout xmlns:a="http://schemas.openxmlformats.org/drawingml/2006/main" xmlns:r="http://schemas.openxmlformats.org/officeDocument/2006/relationships" xmlns:p="http://schemas.openxmlformats.org/presentationml/2006/main" type="tx">
   <p:cSld name="Panoramic Picture with Caption">
     <p:spTree>
       <p:nvGrpSpPr>
@@ -6203,7 +6334,9 @@
       <p:sp>
         <p:nvSpPr>
           <p:cNvPr id="228" name="Title Text"/>
-          <p:cNvSpPr txBox="1"/>
+          <p:cNvSpPr txBox="1">
+            <a:spLocks noGrp="1"/>
+          </p:cNvSpPr>
           <p:nvPr>
             <p:ph type="title"/>
           </p:nvPr>
@@ -6225,7 +6358,6 @@
             </a:lvl1pPr>
           </a:lstStyle>
           <a:p>
-            <a:pPr/>
             <a:r>
               <a:t>Title Text</a:t>
             </a:r>
@@ -6235,7 +6367,9 @@
       <p:sp>
         <p:nvSpPr>
           <p:cNvPr id="229" name="Picture Placeholder 2"/>
-          <p:cNvSpPr/>
+          <p:cNvSpPr>
+            <a:spLocks noGrp="1"/>
+          </p:cNvSpPr>
           <p:nvPr>
             <p:ph type="pic" sz="half" idx="13"/>
           </p:nvPr>
@@ -6257,7 +6391,7 @@
             <a:miter lim="800000"/>
           </a:ln>
           <a:effectLst>
-            <a:outerShdw sx="100000" sy="100000" kx="0" ky="0" algn="b" rotWithShape="0" blurRad="88900" dist="38100" dir="5400000">
+            <a:outerShdw blurRad="88900" dist="38100" dir="5400000" rotWithShape="0">
               <a:srgbClr val="000000">
                 <a:alpha val="40000"/>
               </a:srgbClr>
@@ -6270,14 +6404,16 @@
           </a:bodyPr>
           <a:lstStyle/>
           <a:p>
-            <a:pPr/>
+            <a:endParaRPr/>
           </a:p>
         </p:txBody>
       </p:sp>
       <p:sp>
         <p:nvSpPr>
           <p:cNvPr id="230" name="Body Level One…"/>
-          <p:cNvSpPr txBox="1"/>
+          <p:cNvSpPr txBox="1">
+            <a:spLocks noGrp="1"/>
+          </p:cNvSpPr>
           <p:nvPr>
             <p:ph type="body" sz="quarter" idx="1"/>
           </p:nvPr>
@@ -6326,7 +6462,6 @@
             </a:lvl5pPr>
           </a:lstStyle>
           <a:p>
-            <a:pPr/>
             <a:r>
               <a:t>Body Level One</a:t>
             </a:r>
@@ -6360,7 +6495,9 @@
       <p:sp>
         <p:nvSpPr>
           <p:cNvPr id="231" name="Slide Number"/>
-          <p:cNvSpPr txBox="1"/>
+          <p:cNvSpPr txBox="1">
+            <a:spLocks noGrp="1"/>
+          </p:cNvSpPr>
           <p:nvPr>
             <p:ph type="sldNum" sz="quarter" idx="2"/>
           </p:nvPr>
@@ -6374,8 +6511,10 @@
           <a:bodyPr/>
           <a:lstStyle/>
           <a:p>
-            <a:pPr/>
-            <a:fld id="{86CB4B4D-7CA3-9044-876B-883B54F8677D}" type="slidenum"/>
+            <a:fld id="{86CB4B4D-7CA3-9044-876B-883B54F8677D}" type="slidenum">
+              <a:t>‹#›</a:t>
+            </a:fld>
+            <a:endParaRPr/>
           </a:p>
         </p:txBody>
       </p:sp>
@@ -6384,12 +6523,12 @@
   <p:clrMapOvr>
     <a:masterClrMapping/>
   </p:clrMapOvr>
-  <p:transition xmlns:p14="http://schemas.microsoft.com/office/powerpoint/2010/main" spd="med" advClick="1"/>
+  <p:transition spd="med"/>
 </p:sldLayout>
 </file>
 
 <file path=ppt/slideLayouts/slideLayout11.xml><?xml version="1.0" encoding="utf-8"?>
-<p:sldLayout xmlns:a="http://schemas.openxmlformats.org/drawingml/2006/main" xmlns:r="http://schemas.openxmlformats.org/officeDocument/2006/relationships" xmlns:p="http://schemas.openxmlformats.org/presentationml/2006/main" xmlns:m="http://schemas.openxmlformats.org/officeDocument/2006/math" xmlns:a14="http://schemas.microsoft.com/office/drawing/2010/main" type="tx" showMasterSp="1" showMasterPhAnim="1">
+<p:sldLayout xmlns:a="http://schemas.openxmlformats.org/drawingml/2006/main" xmlns:r="http://schemas.openxmlformats.org/officeDocument/2006/relationships" xmlns:p="http://schemas.openxmlformats.org/presentationml/2006/main" type="tx">
   <p:cSld name="Title and Caption">
     <p:spTree>
       <p:nvGrpSpPr>
@@ -6408,7 +6547,9 @@
       <p:sp>
         <p:nvSpPr>
           <p:cNvPr id="238" name="Title Text"/>
-          <p:cNvSpPr txBox="1"/>
+          <p:cNvSpPr txBox="1">
+            <a:spLocks noGrp="1"/>
+          </p:cNvSpPr>
           <p:nvPr>
             <p:ph type="title"/>
           </p:nvPr>
@@ -6426,7 +6567,6 @@
           <a:bodyPr/>
           <a:lstStyle/>
           <a:p>
-            <a:pPr/>
             <a:r>
               <a:t>Title Text</a:t>
             </a:r>
@@ -6436,7 +6576,9 @@
       <p:sp>
         <p:nvSpPr>
           <p:cNvPr id="239" name="Body Level One…"/>
-          <p:cNvSpPr txBox="1"/>
+          <p:cNvSpPr txBox="1">
+            <a:spLocks noGrp="1"/>
+          </p:cNvSpPr>
           <p:nvPr>
             <p:ph type="body" sz="quarter" idx="1"/>
           </p:nvPr>
@@ -6485,7 +6627,6 @@
             </a:lvl5pPr>
           </a:lstStyle>
           <a:p>
-            <a:pPr/>
             <a:r>
               <a:t>Body Level One</a:t>
             </a:r>
@@ -6519,7 +6660,9 @@
       <p:sp>
         <p:nvSpPr>
           <p:cNvPr id="240" name="Slide Number"/>
-          <p:cNvSpPr txBox="1"/>
+          <p:cNvSpPr txBox="1">
+            <a:spLocks noGrp="1"/>
+          </p:cNvSpPr>
           <p:nvPr>
             <p:ph type="sldNum" sz="quarter" idx="2"/>
           </p:nvPr>
@@ -6533,8 +6676,10 @@
           <a:bodyPr/>
           <a:lstStyle/>
           <a:p>
-            <a:pPr/>
-            <a:fld id="{86CB4B4D-7CA3-9044-876B-883B54F8677D}" type="slidenum"/>
+            <a:fld id="{86CB4B4D-7CA3-9044-876B-883B54F8677D}" type="slidenum">
+              <a:t>‹#›</a:t>
+            </a:fld>
+            <a:endParaRPr/>
           </a:p>
         </p:txBody>
       </p:sp>
@@ -6543,12 +6688,12 @@
   <p:clrMapOvr>
     <a:masterClrMapping/>
   </p:clrMapOvr>
-  <p:transition xmlns:p14="http://schemas.microsoft.com/office/powerpoint/2010/main" spd="med" advClick="1"/>
+  <p:transition spd="med"/>
 </p:sldLayout>
 </file>
 
 <file path=ppt/slideLayouts/slideLayout12.xml><?xml version="1.0" encoding="utf-8"?>
-<p:sldLayout xmlns:a="http://schemas.openxmlformats.org/drawingml/2006/main" xmlns:r="http://schemas.openxmlformats.org/officeDocument/2006/relationships" xmlns:p="http://schemas.openxmlformats.org/presentationml/2006/main" xmlns:m="http://schemas.openxmlformats.org/officeDocument/2006/math" xmlns:a14="http://schemas.microsoft.com/office/drawing/2010/main" type="tx" showMasterSp="1" showMasterPhAnim="1">
+<p:sldLayout xmlns:a="http://schemas.openxmlformats.org/drawingml/2006/main" xmlns:r="http://schemas.openxmlformats.org/officeDocument/2006/relationships" xmlns:p="http://schemas.openxmlformats.org/presentationml/2006/main" type="tx">
   <p:cSld name="Quote with Caption">
     <p:spTree>
       <p:nvGrpSpPr>
@@ -6567,7 +6712,9 @@
       <p:sp>
         <p:nvSpPr>
           <p:cNvPr id="247" name="Title Text"/>
-          <p:cNvSpPr txBox="1"/>
+          <p:cNvSpPr txBox="1">
+            <a:spLocks noGrp="1"/>
+          </p:cNvSpPr>
           <p:nvPr>
             <p:ph type="title"/>
           </p:nvPr>
@@ -6585,7 +6732,6 @@
           <a:bodyPr/>
           <a:lstStyle/>
           <a:p>
-            <a:pPr/>
             <a:r>
               <a:t>Title Text</a:t>
             </a:r>
@@ -6595,7 +6741,9 @@
       <p:sp>
         <p:nvSpPr>
           <p:cNvPr id="248" name="Body Level One…"/>
-          <p:cNvSpPr txBox="1"/>
+          <p:cNvSpPr txBox="1">
+            <a:spLocks noGrp="1"/>
+          </p:cNvSpPr>
           <p:nvPr>
             <p:ph type="body" sz="quarter" idx="1"/>
           </p:nvPr>
@@ -6644,7 +6792,6 @@
             </a:lvl5pPr>
           </a:lstStyle>
           <a:p>
-            <a:pPr/>
             <a:r>
               <a:t>Body Level One</a:t>
             </a:r>
@@ -6678,7 +6825,9 @@
       <p:sp>
         <p:nvSpPr>
           <p:cNvPr id="249" name="Text Placeholder 3"/>
-          <p:cNvSpPr/>
+          <p:cNvSpPr>
+            <a:spLocks noGrp="1"/>
+          </p:cNvSpPr>
           <p:nvPr>
             <p:ph type="body" sz="quarter" idx="13"/>
           </p:nvPr>
@@ -6702,6 +6851,7 @@
               <a:buNone/>
               <a:defRPr sz="1800"/>
             </a:pPr>
+            <a:endParaRPr/>
           </a:p>
         </p:txBody>
       </p:sp>
@@ -6724,7 +6874,7 @@
           </a:ln>
           <a:extLst>
             <a:ext uri="{C572A759-6A51-4108-AA02-DFA0A04FC94B}">
-              <ma14:wrappingTextBoxFlag xmlns:ma14="http://schemas.microsoft.com/office/mac/drawingml/2011/main" val="1"/>
+              <ma14:wrappingTextBoxFlag xmlns:ma14="http://schemas.microsoft.com/office/mac/drawingml/2011/main" xmlns:a14="http://schemas.microsoft.com/office/drawing/2010/main" xmlns:m="http://schemas.openxmlformats.org/officeDocument/2006/math" xmlns="" val="1"/>
             </a:ext>
           </a:extLst>
         </p:spPr>
@@ -6734,7 +6884,7 @@
           </a:bodyPr>
           <a:lstStyle>
             <a:lvl1pPr algn="r">
-              <a:defRPr cap="all" sz="8000">
+              <a:defRPr sz="8000" cap="all">
                 <a:solidFill>
                   <a:srgbClr val="FFFFFF"/>
                 </a:solidFill>
@@ -6742,7 +6892,6 @@
             </a:lvl1pPr>
           </a:lstStyle>
           <a:p>
-            <a:pPr/>
             <a:r>
               <a:t>“</a:t>
             </a:r>
@@ -6768,7 +6917,7 @@
           </a:ln>
           <a:extLst>
             <a:ext uri="{C572A759-6A51-4108-AA02-DFA0A04FC94B}">
-              <ma14:wrappingTextBoxFlag xmlns:ma14="http://schemas.microsoft.com/office/mac/drawingml/2011/main" val="1"/>
+              <ma14:wrappingTextBoxFlag xmlns:ma14="http://schemas.microsoft.com/office/mac/drawingml/2011/main" xmlns:a14="http://schemas.microsoft.com/office/drawing/2010/main" xmlns:m="http://schemas.openxmlformats.org/officeDocument/2006/math" xmlns="" val="1"/>
             </a:ext>
           </a:extLst>
         </p:spPr>
@@ -6778,7 +6927,7 @@
           </a:bodyPr>
           <a:lstStyle>
             <a:lvl1pPr algn="r">
-              <a:defRPr cap="all" sz="8000">
+              <a:defRPr sz="8000" cap="all">
                 <a:solidFill>
                   <a:srgbClr val="FFFFFF"/>
                 </a:solidFill>
@@ -6786,7 +6935,6 @@
             </a:lvl1pPr>
           </a:lstStyle>
           <a:p>
-            <a:pPr/>
             <a:r>
               <a:t>”</a:t>
             </a:r>
@@ -6796,7 +6944,9 @@
       <p:sp>
         <p:nvSpPr>
           <p:cNvPr id="252" name="Slide Number"/>
-          <p:cNvSpPr txBox="1"/>
+          <p:cNvSpPr txBox="1">
+            <a:spLocks noGrp="1"/>
+          </p:cNvSpPr>
           <p:nvPr>
             <p:ph type="sldNum" sz="quarter" idx="2"/>
           </p:nvPr>
@@ -6810,8 +6960,10 @@
           <a:bodyPr/>
           <a:lstStyle/>
           <a:p>
-            <a:pPr/>
-            <a:fld id="{86CB4B4D-7CA3-9044-876B-883B54F8677D}" type="slidenum"/>
+            <a:fld id="{86CB4B4D-7CA3-9044-876B-883B54F8677D}" type="slidenum">
+              <a:t>‹#›</a:t>
+            </a:fld>
+            <a:endParaRPr/>
           </a:p>
         </p:txBody>
       </p:sp>
@@ -6820,12 +6972,12 @@
   <p:clrMapOvr>
     <a:masterClrMapping/>
   </p:clrMapOvr>
-  <p:transition xmlns:p14="http://schemas.microsoft.com/office/powerpoint/2010/main" spd="med" advClick="1"/>
+  <p:transition spd="med"/>
 </p:sldLayout>
 </file>
 
 <file path=ppt/slideLayouts/slideLayout13.xml><?xml version="1.0" encoding="utf-8"?>
-<p:sldLayout xmlns:a="http://schemas.openxmlformats.org/drawingml/2006/main" xmlns:r="http://schemas.openxmlformats.org/officeDocument/2006/relationships" xmlns:p="http://schemas.openxmlformats.org/presentationml/2006/main" xmlns:m="http://schemas.openxmlformats.org/officeDocument/2006/math" xmlns:a14="http://schemas.microsoft.com/office/drawing/2010/main" type="tx" showMasterSp="1" showMasterPhAnim="1">
+<p:sldLayout xmlns:a="http://schemas.openxmlformats.org/drawingml/2006/main" xmlns:r="http://schemas.openxmlformats.org/officeDocument/2006/relationships" xmlns:p="http://schemas.openxmlformats.org/presentationml/2006/main" type="tx">
   <p:cSld name="Name Card">
     <p:spTree>
       <p:nvGrpSpPr>
@@ -6844,7 +6996,9 @@
       <p:sp>
         <p:nvSpPr>
           <p:cNvPr id="259" name="Title Text"/>
-          <p:cNvSpPr txBox="1"/>
+          <p:cNvSpPr txBox="1">
+            <a:spLocks noGrp="1"/>
+          </p:cNvSpPr>
           <p:nvPr>
             <p:ph type="title"/>
           </p:nvPr>
@@ -6862,7 +7016,6 @@
           <a:bodyPr anchor="b"/>
           <a:lstStyle/>
           <a:p>
-            <a:pPr/>
             <a:r>
               <a:t>Title Text</a:t>
             </a:r>
@@ -6872,7 +7025,9 @@
       <p:sp>
         <p:nvSpPr>
           <p:cNvPr id="260" name="Body Level One…"/>
-          <p:cNvSpPr txBox="1"/>
+          <p:cNvSpPr txBox="1">
+            <a:spLocks noGrp="1"/>
+          </p:cNvSpPr>
           <p:nvPr>
             <p:ph type="body" sz="quarter" idx="1"/>
           </p:nvPr>
@@ -6921,7 +7076,6 @@
             </a:lvl5pPr>
           </a:lstStyle>
           <a:p>
-            <a:pPr/>
             <a:r>
               <a:t>Body Level One</a:t>
             </a:r>
@@ -6955,7 +7109,9 @@
       <p:sp>
         <p:nvSpPr>
           <p:cNvPr id="261" name="Slide Number"/>
-          <p:cNvSpPr txBox="1"/>
+          <p:cNvSpPr txBox="1">
+            <a:spLocks noGrp="1"/>
+          </p:cNvSpPr>
           <p:nvPr>
             <p:ph type="sldNum" sz="quarter" idx="2"/>
           </p:nvPr>
@@ -6969,8 +7125,10 @@
           <a:bodyPr/>
           <a:lstStyle/>
           <a:p>
-            <a:pPr/>
-            <a:fld id="{86CB4B4D-7CA3-9044-876B-883B54F8677D}" type="slidenum"/>
+            <a:fld id="{86CB4B4D-7CA3-9044-876B-883B54F8677D}" type="slidenum">
+              <a:t>‹#›</a:t>
+            </a:fld>
+            <a:endParaRPr/>
           </a:p>
         </p:txBody>
       </p:sp>
@@ -6979,12 +7137,12 @@
   <p:clrMapOvr>
     <a:masterClrMapping/>
   </p:clrMapOvr>
-  <p:transition xmlns:p14="http://schemas.microsoft.com/office/powerpoint/2010/main" spd="med" advClick="1"/>
+  <p:transition spd="med"/>
 </p:sldLayout>
 </file>
 
 <file path=ppt/slideLayouts/slideLayout14.xml><?xml version="1.0" encoding="utf-8"?>
-<p:sldLayout xmlns:a="http://schemas.openxmlformats.org/drawingml/2006/main" xmlns:r="http://schemas.openxmlformats.org/officeDocument/2006/relationships" xmlns:p="http://schemas.openxmlformats.org/presentationml/2006/main" xmlns:m="http://schemas.openxmlformats.org/officeDocument/2006/math" xmlns:a14="http://schemas.microsoft.com/office/drawing/2010/main" type="tx" showMasterSp="1" showMasterPhAnim="1">
+<p:sldLayout xmlns:a="http://schemas.openxmlformats.org/drawingml/2006/main" xmlns:r="http://schemas.openxmlformats.org/officeDocument/2006/relationships" xmlns:p="http://schemas.openxmlformats.org/presentationml/2006/main" type="tx">
   <p:cSld name="3 Column">
     <p:spTree>
       <p:nvGrpSpPr>
@@ -7003,7 +7161,9 @@
       <p:sp>
         <p:nvSpPr>
           <p:cNvPr id="268" name="Title Text"/>
-          <p:cNvSpPr txBox="1"/>
+          <p:cNvSpPr txBox="1">
+            <a:spLocks noGrp="1"/>
+          </p:cNvSpPr>
           <p:nvPr>
             <p:ph type="title"/>
           </p:nvPr>
@@ -7021,7 +7181,6 @@
           <a:bodyPr/>
           <a:lstStyle/>
           <a:p>
-            <a:pPr/>
             <a:r>
               <a:t>Title Text</a:t>
             </a:r>
@@ -7031,7 +7190,9 @@
       <p:sp>
         <p:nvSpPr>
           <p:cNvPr id="269" name="Body Level One…"/>
-          <p:cNvSpPr txBox="1"/>
+          <p:cNvSpPr txBox="1">
+            <a:spLocks noGrp="1"/>
+          </p:cNvSpPr>
           <p:nvPr>
             <p:ph type="body" sz="quarter" idx="1"/>
           </p:nvPr>
@@ -7095,7 +7256,6 @@
             </a:lvl5pPr>
           </a:lstStyle>
           <a:p>
-            <a:pPr/>
             <a:r>
               <a:t>Body Level One</a:t>
             </a:r>
@@ -7129,7 +7289,9 @@
       <p:sp>
         <p:nvSpPr>
           <p:cNvPr id="270" name="Text Placeholder 3"/>
-          <p:cNvSpPr/>
+          <p:cNvSpPr>
+            <a:spLocks noGrp="1"/>
+          </p:cNvSpPr>
           <p:nvPr>
             <p:ph type="body" sz="quarter" idx="13"/>
           </p:nvPr>
@@ -7153,13 +7315,16 @@
               <a:buNone/>
               <a:defRPr sz="1400"/>
             </a:pPr>
+            <a:endParaRPr/>
           </a:p>
         </p:txBody>
       </p:sp>
       <p:sp>
         <p:nvSpPr>
           <p:cNvPr id="271" name="Text Placeholder 4"/>
-          <p:cNvSpPr/>
+          <p:cNvSpPr>
+            <a:spLocks noGrp="1"/>
+          </p:cNvSpPr>
           <p:nvPr>
             <p:ph type="body" sz="quarter" idx="14"/>
           </p:nvPr>
@@ -7186,13 +7351,16 @@
               <a:buNone/>
               <a:defRPr cap="all"/>
             </a:pPr>
+            <a:endParaRPr/>
           </a:p>
         </p:txBody>
       </p:sp>
       <p:sp>
         <p:nvSpPr>
           <p:cNvPr id="272" name="Text Placeholder 3"/>
-          <p:cNvSpPr/>
+          <p:cNvSpPr>
+            <a:spLocks noGrp="1"/>
+          </p:cNvSpPr>
           <p:nvPr>
             <p:ph type="body" sz="quarter" idx="15"/>
           </p:nvPr>
@@ -7216,13 +7384,16 @@
               <a:buNone/>
               <a:defRPr sz="1400"/>
             </a:pPr>
+            <a:endParaRPr/>
           </a:p>
         </p:txBody>
       </p:sp>
       <p:sp>
         <p:nvSpPr>
           <p:cNvPr id="273" name="Text Placeholder 4"/>
-          <p:cNvSpPr/>
+          <p:cNvSpPr>
+            <a:spLocks noGrp="1"/>
+          </p:cNvSpPr>
           <p:nvPr>
             <p:ph type="body" sz="quarter" idx="16"/>
           </p:nvPr>
@@ -7249,13 +7420,16 @@
               <a:buNone/>
               <a:defRPr cap="all"/>
             </a:pPr>
+            <a:endParaRPr/>
           </a:p>
         </p:txBody>
       </p:sp>
       <p:sp>
         <p:nvSpPr>
           <p:cNvPr id="274" name="Text Placeholder 3"/>
-          <p:cNvSpPr/>
+          <p:cNvSpPr>
+            <a:spLocks noGrp="1"/>
+          </p:cNvSpPr>
           <p:nvPr>
             <p:ph type="body" sz="quarter" idx="17"/>
           </p:nvPr>
@@ -7279,13 +7453,16 @@
               <a:buNone/>
               <a:defRPr sz="1400"/>
             </a:pPr>
+            <a:endParaRPr/>
           </a:p>
         </p:txBody>
       </p:sp>
       <p:sp>
         <p:nvSpPr>
           <p:cNvPr id="275" name="Slide Number"/>
-          <p:cNvSpPr txBox="1"/>
+          <p:cNvSpPr txBox="1">
+            <a:spLocks noGrp="1"/>
+          </p:cNvSpPr>
           <p:nvPr>
             <p:ph type="sldNum" sz="quarter" idx="2"/>
           </p:nvPr>
@@ -7299,8 +7476,10 @@
           <a:bodyPr/>
           <a:lstStyle/>
           <a:p>
-            <a:pPr/>
-            <a:fld id="{86CB4B4D-7CA3-9044-876B-883B54F8677D}" type="slidenum"/>
+            <a:fld id="{86CB4B4D-7CA3-9044-876B-883B54F8677D}" type="slidenum">
+              <a:t>‹#›</a:t>
+            </a:fld>
+            <a:endParaRPr/>
           </a:p>
         </p:txBody>
       </p:sp>
@@ -7309,12 +7488,12 @@
   <p:clrMapOvr>
     <a:masterClrMapping/>
   </p:clrMapOvr>
-  <p:transition xmlns:p14="http://schemas.microsoft.com/office/powerpoint/2010/main" spd="med" advClick="1"/>
+  <p:transition spd="med"/>
 </p:sldLayout>
 </file>
 
 <file path=ppt/slideLayouts/slideLayout15.xml><?xml version="1.0" encoding="utf-8"?>
-<p:sldLayout xmlns:a="http://schemas.openxmlformats.org/drawingml/2006/main" xmlns:r="http://schemas.openxmlformats.org/officeDocument/2006/relationships" xmlns:p="http://schemas.openxmlformats.org/presentationml/2006/main" xmlns:m="http://schemas.openxmlformats.org/officeDocument/2006/math" xmlns:a14="http://schemas.microsoft.com/office/drawing/2010/main" type="tx" showMasterSp="1" showMasterPhAnim="1">
+<p:sldLayout xmlns:a="http://schemas.openxmlformats.org/drawingml/2006/main" xmlns:r="http://schemas.openxmlformats.org/officeDocument/2006/relationships" xmlns:p="http://schemas.openxmlformats.org/presentationml/2006/main" type="tx">
   <p:cSld name="3 Picture Column">
     <p:spTree>
       <p:nvGrpSpPr>
@@ -7333,7 +7512,9 @@
       <p:sp>
         <p:nvSpPr>
           <p:cNvPr id="282" name="Title Text"/>
-          <p:cNvSpPr txBox="1"/>
+          <p:cNvSpPr txBox="1">
+            <a:spLocks noGrp="1"/>
+          </p:cNvSpPr>
           <p:nvPr>
             <p:ph type="title"/>
           </p:nvPr>
@@ -7351,7 +7532,6 @@
           <a:bodyPr/>
           <a:lstStyle/>
           <a:p>
-            <a:pPr/>
             <a:r>
               <a:t>Title Text</a:t>
             </a:r>
@@ -7361,7 +7541,9 @@
       <p:sp>
         <p:nvSpPr>
           <p:cNvPr id="283" name="Body Level One…"/>
-          <p:cNvSpPr txBox="1"/>
+          <p:cNvSpPr txBox="1">
+            <a:spLocks noGrp="1"/>
+          </p:cNvSpPr>
           <p:nvPr>
             <p:ph type="body" sz="quarter" idx="1"/>
           </p:nvPr>
@@ -7385,7 +7567,7 @@
               <a:buSzTx/>
               <a:buFontTx/>
               <a:buNone/>
-              <a:defRPr cap="all" sz="2000"/>
+              <a:defRPr sz="2000" cap="all"/>
             </a:lvl1pPr>
             <a:lvl2pPr marL="0" indent="457200">
               <a:lnSpc>
@@ -7394,7 +7576,7 @@
               <a:buSzTx/>
               <a:buFontTx/>
               <a:buNone/>
-              <a:defRPr cap="all" sz="2000"/>
+              <a:defRPr sz="2000" cap="all"/>
             </a:lvl2pPr>
             <a:lvl3pPr marL="0" indent="914400">
               <a:lnSpc>
@@ -7403,7 +7585,7 @@
               <a:buSzTx/>
               <a:buFontTx/>
               <a:buNone/>
-              <a:defRPr cap="all" sz="2000"/>
+              <a:defRPr sz="2000" cap="all"/>
             </a:lvl3pPr>
             <a:lvl4pPr marL="0" indent="1371600">
               <a:lnSpc>
@@ -7412,7 +7594,7 @@
               <a:buSzTx/>
               <a:buFontTx/>
               <a:buNone/>
-              <a:defRPr cap="all" sz="2000"/>
+              <a:defRPr sz="2000" cap="all"/>
             </a:lvl4pPr>
             <a:lvl5pPr marL="0" indent="1828800">
               <a:lnSpc>
@@ -7421,11 +7603,10 @@
               <a:buSzTx/>
               <a:buFontTx/>
               <a:buNone/>
-              <a:defRPr cap="all" sz="2000"/>
+              <a:defRPr sz="2000" cap="all"/>
             </a:lvl5pPr>
           </a:lstStyle>
           <a:p>
-            <a:pPr/>
             <a:r>
               <a:t>Body Level One</a:t>
             </a:r>
@@ -7459,7 +7640,9 @@
       <p:sp>
         <p:nvSpPr>
           <p:cNvPr id="284" name="Picture Placeholder 2"/>
-          <p:cNvSpPr/>
+          <p:cNvSpPr>
+            <a:spLocks noGrp="1"/>
+          </p:cNvSpPr>
           <p:nvPr>
             <p:ph type="pic" sz="quarter" idx="13"/>
           </p:nvPr>
@@ -7481,7 +7664,7 @@
             <a:miter lim="800000"/>
           </a:ln>
           <a:effectLst>
-            <a:outerShdw sx="100000" sy="100000" kx="0" ky="0" algn="b" rotWithShape="0" blurRad="88900" dist="38100" dir="5400000">
+            <a:outerShdw blurRad="88900" dist="38100" dir="5400000" rotWithShape="0">
               <a:srgbClr val="000000">
                 <a:alpha val="40000"/>
               </a:srgbClr>
@@ -7494,14 +7677,16 @@
           </a:bodyPr>
           <a:lstStyle/>
           <a:p>
-            <a:pPr/>
+            <a:endParaRPr/>
           </a:p>
         </p:txBody>
       </p:sp>
       <p:sp>
         <p:nvSpPr>
           <p:cNvPr id="285" name="Text Placeholder 3"/>
-          <p:cNvSpPr/>
+          <p:cNvSpPr>
+            <a:spLocks noGrp="1"/>
+          </p:cNvSpPr>
           <p:nvPr>
             <p:ph type="body" sz="quarter" idx="14"/>
           </p:nvPr>
@@ -7525,13 +7710,16 @@
               <a:buNone/>
               <a:defRPr sz="1400"/>
             </a:pPr>
+            <a:endParaRPr/>
           </a:p>
         </p:txBody>
       </p:sp>
       <p:sp>
         <p:nvSpPr>
           <p:cNvPr id="286" name="Text Placeholder 4"/>
-          <p:cNvSpPr/>
+          <p:cNvSpPr>
+            <a:spLocks noGrp="1"/>
+          </p:cNvSpPr>
           <p:nvPr>
             <p:ph type="body" sz="quarter" idx="15"/>
           </p:nvPr>
@@ -7556,15 +7744,18 @@
               <a:buSzTx/>
               <a:buFontTx/>
               <a:buNone/>
-              <a:defRPr cap="all" sz="2000"/>
+              <a:defRPr sz="2000" cap="all"/>
             </a:pPr>
+            <a:endParaRPr/>
           </a:p>
         </p:txBody>
       </p:sp>
       <p:sp>
         <p:nvSpPr>
           <p:cNvPr id="287" name="Picture Placeholder 2"/>
-          <p:cNvSpPr/>
+          <p:cNvSpPr>
+            <a:spLocks noGrp="1"/>
+          </p:cNvSpPr>
           <p:nvPr>
             <p:ph type="pic" sz="quarter" idx="16"/>
           </p:nvPr>
@@ -7586,7 +7777,7 @@
             <a:miter lim="800000"/>
           </a:ln>
           <a:effectLst>
-            <a:outerShdw sx="100000" sy="100000" kx="0" ky="0" algn="b" rotWithShape="0" blurRad="88900" dist="38100" dir="5400000">
+            <a:outerShdw blurRad="88900" dist="38100" dir="5400000" rotWithShape="0">
               <a:srgbClr val="000000">
                 <a:alpha val="40000"/>
               </a:srgbClr>
@@ -7599,14 +7790,16 @@
           </a:bodyPr>
           <a:lstStyle/>
           <a:p>
-            <a:pPr/>
+            <a:endParaRPr/>
           </a:p>
         </p:txBody>
       </p:sp>
       <p:sp>
         <p:nvSpPr>
           <p:cNvPr id="288" name="Text Placeholder 3"/>
-          <p:cNvSpPr/>
+          <p:cNvSpPr>
+            <a:spLocks noGrp="1"/>
+          </p:cNvSpPr>
           <p:nvPr>
             <p:ph type="body" sz="quarter" idx="17"/>
           </p:nvPr>
@@ -7630,13 +7823,16 @@
               <a:buNone/>
               <a:defRPr sz="1400"/>
             </a:pPr>
+            <a:endParaRPr/>
           </a:p>
         </p:txBody>
       </p:sp>
       <p:sp>
         <p:nvSpPr>
           <p:cNvPr id="289" name="Text Placeholder 4"/>
-          <p:cNvSpPr/>
+          <p:cNvSpPr>
+            <a:spLocks noGrp="1"/>
+          </p:cNvSpPr>
           <p:nvPr>
             <p:ph type="body" sz="quarter" idx="18"/>
           </p:nvPr>
@@ -7661,15 +7857,18 @@
               <a:buSzTx/>
               <a:buFontTx/>
               <a:buNone/>
-              <a:defRPr cap="all" sz="2000"/>
+              <a:defRPr sz="2000" cap="all"/>
             </a:pPr>
+            <a:endParaRPr/>
           </a:p>
         </p:txBody>
       </p:sp>
       <p:sp>
         <p:nvSpPr>
           <p:cNvPr id="290" name="Picture Placeholder 2"/>
-          <p:cNvSpPr/>
+          <p:cNvSpPr>
+            <a:spLocks noGrp="1"/>
+          </p:cNvSpPr>
           <p:nvPr>
             <p:ph type="pic" sz="quarter" idx="19"/>
           </p:nvPr>
@@ -7691,7 +7890,7 @@
             <a:miter lim="800000"/>
           </a:ln>
           <a:effectLst>
-            <a:outerShdw sx="100000" sy="100000" kx="0" ky="0" algn="b" rotWithShape="0" blurRad="88900" dist="38100" dir="5400000">
+            <a:outerShdw blurRad="88900" dist="38100" dir="5400000" rotWithShape="0">
               <a:srgbClr val="000000">
                 <a:alpha val="40000"/>
               </a:srgbClr>
@@ -7704,14 +7903,16 @@
           </a:bodyPr>
           <a:lstStyle/>
           <a:p>
-            <a:pPr/>
+            <a:endParaRPr/>
           </a:p>
         </p:txBody>
       </p:sp>
       <p:sp>
         <p:nvSpPr>
           <p:cNvPr id="291" name="Text Placeholder 3"/>
-          <p:cNvSpPr/>
+          <p:cNvSpPr>
+            <a:spLocks noGrp="1"/>
+          </p:cNvSpPr>
           <p:nvPr>
             <p:ph type="body" sz="quarter" idx="20"/>
           </p:nvPr>
@@ -7735,13 +7936,16 @@
               <a:buNone/>
               <a:defRPr sz="1400"/>
             </a:pPr>
+            <a:endParaRPr/>
           </a:p>
         </p:txBody>
       </p:sp>
       <p:sp>
         <p:nvSpPr>
           <p:cNvPr id="292" name="Slide Number"/>
-          <p:cNvSpPr txBox="1"/>
+          <p:cNvSpPr txBox="1">
+            <a:spLocks noGrp="1"/>
+          </p:cNvSpPr>
           <p:nvPr>
             <p:ph type="sldNum" sz="quarter" idx="2"/>
           </p:nvPr>
@@ -7755,8 +7959,10 @@
           <a:bodyPr/>
           <a:lstStyle/>
           <a:p>
-            <a:pPr/>
-            <a:fld id="{86CB4B4D-7CA3-9044-876B-883B54F8677D}" type="slidenum"/>
+            <a:fld id="{86CB4B4D-7CA3-9044-876B-883B54F8677D}" type="slidenum">
+              <a:t>‹#›</a:t>
+            </a:fld>
+            <a:endParaRPr/>
           </a:p>
         </p:txBody>
       </p:sp>
@@ -7765,12 +7971,12 @@
   <p:clrMapOvr>
     <a:masterClrMapping/>
   </p:clrMapOvr>
-  <p:transition xmlns:p14="http://schemas.microsoft.com/office/powerpoint/2010/main" spd="med" advClick="1"/>
+  <p:transition spd="med"/>
 </p:sldLayout>
 </file>
 
 <file path=ppt/slideLayouts/slideLayout2.xml><?xml version="1.0" encoding="utf-8"?>
-<p:sldLayout xmlns:a="http://schemas.openxmlformats.org/drawingml/2006/main" xmlns:r="http://schemas.openxmlformats.org/officeDocument/2006/relationships" xmlns:p="http://schemas.openxmlformats.org/presentationml/2006/main" xmlns:m="http://schemas.openxmlformats.org/officeDocument/2006/math" xmlns:a14="http://schemas.microsoft.com/office/drawing/2010/main" type="tx" showMasterSp="0" showMasterPhAnim="1">
+<p:sldLayout xmlns:a="http://schemas.openxmlformats.org/drawingml/2006/main" xmlns:r="http://schemas.openxmlformats.org/officeDocument/2006/relationships" xmlns:p="http://schemas.openxmlformats.org/presentationml/2006/main" showMasterSp="0" type="tx">
   <p:cSld name="Title and Content">
     <p:spTree>
       <p:nvGrpSpPr>
@@ -7888,6 +8094,7 @@
                     </a:solidFill>
                   </a:defRPr>
                 </a:pPr>
+                <a:endParaRPr/>
               </a:p>
             </p:txBody>
           </p:sp>
@@ -7922,7 +8129,7 @@
                 </a:cxnLst>
                 <a:rect l="0" t="0" r="r" b="b"/>
                 <a:pathLst>
-                  <a:path w="21600" h="21600" fill="norm" stroke="1" extrusionOk="0">
+                  <a:path w="21600" h="21600" extrusionOk="0">
                     <a:moveTo>
                       <a:pt x="10800" y="21600"/>
                     </a:moveTo>
@@ -8004,6 +8211,7 @@
                     </a:solidFill>
                   </a:defRPr>
                 </a:pPr>
+                <a:endParaRPr/>
               </a:p>
             </p:txBody>
           </p:sp>
@@ -8038,7 +8246,7 @@
                 </a:cxnLst>
                 <a:rect l="0" t="0" r="r" b="b"/>
                 <a:pathLst>
-                  <a:path w="21600" h="21600" fill="norm" stroke="1" extrusionOk="0">
+                  <a:path w="21600" h="21600" extrusionOk="0">
                     <a:moveTo>
                       <a:pt x="10800" y="21600"/>
                     </a:moveTo>
@@ -8120,6 +8328,7 @@
                     </a:solidFill>
                   </a:defRPr>
                 </a:pPr>
+                <a:endParaRPr/>
               </a:p>
             </p:txBody>
           </p:sp>
@@ -8154,7 +8363,7 @@
                 </a:cxnLst>
                 <a:rect l="0" t="0" r="r" b="b"/>
                 <a:pathLst>
-                  <a:path w="21600" h="21600" fill="norm" stroke="1" extrusionOk="0">
+                  <a:path w="21600" h="21600" extrusionOk="0">
                     <a:moveTo>
                       <a:pt x="20209" y="21600"/>
                     </a:moveTo>
@@ -8210,6 +8419,7 @@
                     </a:solidFill>
                   </a:defRPr>
                 </a:pPr>
+                <a:endParaRPr/>
               </a:p>
             </p:txBody>
           </p:sp>
@@ -8244,7 +8454,7 @@
                 </a:cxnLst>
                 <a:rect l="0" t="0" r="r" b="b"/>
                 <a:pathLst>
-                  <a:path w="21600" h="21600" fill="norm" stroke="1" extrusionOk="0">
+                  <a:path w="21600" h="21600" extrusionOk="0">
                     <a:moveTo>
                       <a:pt x="10800" y="21600"/>
                     </a:moveTo>
@@ -8326,6 +8536,7 @@
                     </a:solidFill>
                   </a:defRPr>
                 </a:pPr>
+                <a:endParaRPr/>
               </a:p>
             </p:txBody>
           </p:sp>
@@ -8360,7 +8571,7 @@
                 </a:cxnLst>
                 <a:rect l="0" t="0" r="r" b="b"/>
                 <a:pathLst>
-                  <a:path w="21600" h="21600" fill="norm" stroke="1" extrusionOk="0">
+                  <a:path w="21600" h="21600" extrusionOk="0">
                     <a:moveTo>
                       <a:pt x="20488" y="21600"/>
                     </a:moveTo>
@@ -8416,6 +8627,7 @@
                     </a:solidFill>
                   </a:defRPr>
                 </a:pPr>
+                <a:endParaRPr/>
               </a:p>
             </p:txBody>
           </p:sp>
@@ -8450,7 +8662,7 @@
                 </a:cxnLst>
                 <a:rect l="0" t="0" r="r" b="b"/>
                 <a:pathLst>
-                  <a:path w="21600" h="21600" fill="norm" stroke="1" extrusionOk="0">
+                  <a:path w="21600" h="21600" extrusionOk="0">
                     <a:moveTo>
                       <a:pt x="21600" y="21600"/>
                     </a:moveTo>
@@ -8506,6 +8718,7 @@
                     </a:solidFill>
                   </a:defRPr>
                 </a:pPr>
+                <a:endParaRPr/>
               </a:p>
             </p:txBody>
           </p:sp>
@@ -8540,7 +8753,7 @@
                 </a:cxnLst>
                 <a:rect l="0" t="0" r="r" b="b"/>
                 <a:pathLst>
-                  <a:path w="21600" h="21600" fill="norm" stroke="1" extrusionOk="0">
+                  <a:path w="21600" h="21600" extrusionOk="0">
                     <a:moveTo>
                       <a:pt x="10800" y="21600"/>
                     </a:moveTo>
@@ -8622,6 +8835,7 @@
                     </a:solidFill>
                   </a:defRPr>
                 </a:pPr>
+                <a:endParaRPr/>
               </a:p>
             </p:txBody>
           </p:sp>
@@ -8656,7 +8870,7 @@
                 </a:cxnLst>
                 <a:rect l="0" t="0" r="r" b="b"/>
                 <a:pathLst>
-                  <a:path w="21600" h="21600" fill="norm" stroke="1" extrusionOk="0">
+                  <a:path w="21600" h="21600" extrusionOk="0">
                     <a:moveTo>
                       <a:pt x="10800" y="21600"/>
                     </a:moveTo>
@@ -8738,6 +8952,7 @@
                     </a:solidFill>
                   </a:defRPr>
                 </a:pPr>
+                <a:endParaRPr/>
               </a:p>
             </p:txBody>
           </p:sp>
@@ -8772,7 +8987,7 @@
                 </a:cxnLst>
                 <a:rect l="0" t="0" r="r" b="b"/>
                 <a:pathLst>
-                  <a:path w="21600" h="21600" fill="norm" stroke="1" extrusionOk="0">
+                  <a:path w="21600" h="21600" extrusionOk="0">
                     <a:moveTo>
                       <a:pt x="20869" y="21600"/>
                     </a:moveTo>
@@ -8828,6 +9043,7 @@
                     </a:solidFill>
                   </a:defRPr>
                 </a:pPr>
+                <a:endParaRPr/>
               </a:p>
             </p:txBody>
           </p:sp>
@@ -8862,7 +9078,7 @@
                 </a:cxnLst>
                 <a:rect l="0" t="0" r="r" b="b"/>
                 <a:pathLst>
-                  <a:path w="19694" h="21600" fill="norm" stroke="1" extrusionOk="0">
+                  <a:path w="19694" h="21600" extrusionOk="0">
                     <a:moveTo>
                       <a:pt x="9847" y="21600"/>
                     </a:moveTo>
@@ -8964,6 +9180,7 @@
                     </a:solidFill>
                   </a:defRPr>
                 </a:pPr>
+                <a:endParaRPr/>
               </a:p>
             </p:txBody>
           </p:sp>
@@ -8998,7 +9215,7 @@
                 </a:cxnLst>
                 <a:rect l="0" t="0" r="r" b="b"/>
                 <a:pathLst>
-                  <a:path w="21600" h="21600" fill="norm" stroke="1" extrusionOk="0">
+                  <a:path w="21600" h="21600" extrusionOk="0">
                     <a:moveTo>
                       <a:pt x="1662" y="21600"/>
                     </a:moveTo>
@@ -9048,6 +9265,7 @@
                     </a:solidFill>
                   </a:defRPr>
                 </a:pPr>
+                <a:endParaRPr/>
               </a:p>
             </p:txBody>
           </p:sp>
@@ -9082,7 +9300,7 @@
                 </a:cxnLst>
                 <a:rect l="0" t="0" r="r" b="b"/>
                 <a:pathLst>
-                  <a:path w="21600" h="21600" fill="norm" stroke="1" extrusionOk="0">
+                  <a:path w="21600" h="21600" extrusionOk="0">
                     <a:moveTo>
                       <a:pt x="21600" y="21600"/>
                     </a:moveTo>
@@ -9138,6 +9356,7 @@
                     </a:solidFill>
                   </a:defRPr>
                 </a:pPr>
+                <a:endParaRPr/>
               </a:p>
             </p:txBody>
           </p:sp>
@@ -9172,7 +9391,7 @@
                 </a:cxnLst>
                 <a:rect l="0" t="0" r="r" b="b"/>
                 <a:pathLst>
-                  <a:path w="21600" h="21600" fill="norm" stroke="1" extrusionOk="0">
+                  <a:path w="21600" h="21600" extrusionOk="0">
                     <a:moveTo>
                       <a:pt x="21600" y="21600"/>
                     </a:moveTo>
@@ -9228,6 +9447,7 @@
                     </a:solidFill>
                   </a:defRPr>
                 </a:pPr>
+                <a:endParaRPr/>
               </a:p>
             </p:txBody>
           </p:sp>
@@ -9262,7 +9482,7 @@
                 </a:cxnLst>
                 <a:rect l="0" t="0" r="r" b="b"/>
                 <a:pathLst>
-                  <a:path w="21600" h="21600" fill="norm" stroke="1" extrusionOk="0">
+                  <a:path w="21600" h="21600" extrusionOk="0">
                     <a:moveTo>
                       <a:pt x="10800" y="21600"/>
                     </a:moveTo>
@@ -9344,6 +9564,7 @@
                     </a:solidFill>
                   </a:defRPr>
                 </a:pPr>
+                <a:endParaRPr/>
               </a:p>
             </p:txBody>
           </p:sp>
@@ -9391,6 +9612,7 @@
                     </a:solidFill>
                   </a:defRPr>
                 </a:pPr>
+                <a:endParaRPr/>
               </a:p>
             </p:txBody>
           </p:sp>
@@ -9425,7 +9647,7 @@
                 </a:cxnLst>
                 <a:rect l="0" t="0" r="r" b="b"/>
                 <a:pathLst>
-                  <a:path w="21600" h="21600" fill="norm" stroke="1" extrusionOk="0">
+                  <a:path w="21600" h="21600" extrusionOk="0">
                     <a:moveTo>
                       <a:pt x="1391" y="21600"/>
                     </a:moveTo>
@@ -9481,6 +9703,7 @@
                     </a:solidFill>
                   </a:defRPr>
                 </a:pPr>
+                <a:endParaRPr/>
               </a:p>
             </p:txBody>
           </p:sp>
@@ -9515,7 +9738,7 @@
                 </a:cxnLst>
                 <a:rect l="0" t="0" r="r" b="b"/>
                 <a:pathLst>
-                  <a:path w="21600" h="21600" fill="norm" stroke="1" extrusionOk="0">
+                  <a:path w="21600" h="21600" extrusionOk="0">
                     <a:moveTo>
                       <a:pt x="10800" y="21600"/>
                     </a:moveTo>
@@ -9597,6 +9820,7 @@
                     </a:solidFill>
                   </a:defRPr>
                 </a:pPr>
+                <a:endParaRPr/>
               </a:p>
             </p:txBody>
           </p:sp>
@@ -9631,7 +9855,7 @@
                 </a:cxnLst>
                 <a:rect l="0" t="0" r="r" b="b"/>
                 <a:pathLst>
-                  <a:path w="21600" h="21600" fill="norm" stroke="1" extrusionOk="0">
+                  <a:path w="21600" h="21600" extrusionOk="0">
                     <a:moveTo>
                       <a:pt x="21600" y="21600"/>
                     </a:moveTo>
@@ -9687,6 +9911,7 @@
                     </a:solidFill>
                   </a:defRPr>
                 </a:pPr>
+                <a:endParaRPr/>
               </a:p>
             </p:txBody>
           </p:sp>
@@ -9721,7 +9946,7 @@
                 </a:cxnLst>
                 <a:rect l="0" t="0" r="r" b="b"/>
                 <a:pathLst>
-                  <a:path w="21600" h="21600" fill="norm" stroke="1" extrusionOk="0">
+                  <a:path w="21600" h="21600" extrusionOk="0">
                     <a:moveTo>
                       <a:pt x="10800" y="21600"/>
                     </a:moveTo>
@@ -9803,6 +10028,7 @@
                     </a:solidFill>
                   </a:defRPr>
                 </a:pPr>
+                <a:endParaRPr/>
               </a:p>
             </p:txBody>
           </p:sp>
@@ -9837,7 +10063,7 @@
                 </a:cxnLst>
                 <a:rect l="0" t="0" r="r" b="b"/>
                 <a:pathLst>
-                  <a:path w="21600" h="21600" fill="norm" stroke="1" extrusionOk="0">
+                  <a:path w="21600" h="21600" extrusionOk="0">
                     <a:moveTo>
                       <a:pt x="1647" y="21600"/>
                     </a:moveTo>
@@ -9896,6 +10122,7 @@
                     </a:solidFill>
                   </a:defRPr>
                 </a:pPr>
+                <a:endParaRPr/>
               </a:p>
             </p:txBody>
           </p:sp>
@@ -9930,7 +10157,7 @@
                 </a:cxnLst>
                 <a:rect l="0" t="0" r="r" b="b"/>
                 <a:pathLst>
-                  <a:path w="21600" h="21600" fill="norm" stroke="1" extrusionOk="0">
+                  <a:path w="21600" h="21600" extrusionOk="0">
                     <a:moveTo>
                       <a:pt x="3375" y="21600"/>
                     </a:moveTo>
@@ -9986,6 +10213,7 @@
                     </a:solidFill>
                   </a:defRPr>
                 </a:pPr>
+                <a:endParaRPr/>
               </a:p>
             </p:txBody>
           </p:sp>
@@ -10020,7 +10248,7 @@
                 </a:cxnLst>
                 <a:rect l="0" t="0" r="r" b="b"/>
                 <a:pathLst>
-                  <a:path w="21600" h="21600" fill="norm" stroke="1" extrusionOk="0">
+                  <a:path w="21600" h="21600" extrusionOk="0">
                     <a:moveTo>
                       <a:pt x="10800" y="21600"/>
                     </a:moveTo>
@@ -10102,6 +10330,7 @@
                     </a:solidFill>
                   </a:defRPr>
                 </a:pPr>
+                <a:endParaRPr/>
               </a:p>
             </p:txBody>
           </p:sp>
@@ -10136,7 +10365,7 @@
                 </a:cxnLst>
                 <a:rect l="0" t="0" r="r" b="b"/>
                 <a:pathLst>
-                  <a:path w="21600" h="21600" fill="norm" stroke="1" extrusionOk="0">
+                  <a:path w="21600" h="21600" extrusionOk="0">
                     <a:moveTo>
                       <a:pt x="10800" y="21600"/>
                     </a:moveTo>
@@ -10218,6 +10447,7 @@
                     </a:solidFill>
                   </a:defRPr>
                 </a:pPr>
+                <a:endParaRPr/>
               </a:p>
             </p:txBody>
           </p:sp>
@@ -10252,7 +10482,7 @@
                 </a:cxnLst>
                 <a:rect l="0" t="0" r="r" b="b"/>
                 <a:pathLst>
-                  <a:path w="21600" h="21600" fill="norm" stroke="1" extrusionOk="0">
+                  <a:path w="21600" h="21600" extrusionOk="0">
                     <a:moveTo>
                       <a:pt x="1232" y="21600"/>
                     </a:moveTo>
@@ -10311,6 +10541,7 @@
                     </a:solidFill>
                   </a:defRPr>
                 </a:pPr>
+                <a:endParaRPr/>
               </a:p>
             </p:txBody>
           </p:sp>
@@ -10345,7 +10576,7 @@
                 </a:cxnLst>
                 <a:rect l="0" t="0" r="r" b="b"/>
                 <a:pathLst>
-                  <a:path w="20618" h="21600" fill="norm" stroke="1" extrusionOk="0">
+                  <a:path w="20618" h="21600" extrusionOk="0">
                     <a:moveTo>
                       <a:pt x="10473" y="21600"/>
                     </a:moveTo>
@@ -10457,6 +10688,7 @@
                     </a:solidFill>
                   </a:defRPr>
                 </a:pPr>
+                <a:endParaRPr/>
               </a:p>
             </p:txBody>
           </p:sp>
@@ -10506,7 +10738,7 @@
                 </a:cxnLst>
                 <a:rect l="0" t="0" r="r" b="b"/>
                 <a:pathLst>
-                  <a:path w="21600" h="21600" fill="norm" stroke="1" extrusionOk="0">
+                  <a:path w="21600" h="21600" extrusionOk="0">
                     <a:moveTo>
                       <a:pt x="986" y="21600"/>
                     </a:moveTo>
@@ -10566,6 +10798,7 @@
                     </a:solidFill>
                   </a:defRPr>
                 </a:pPr>
+                <a:endParaRPr/>
               </a:p>
             </p:txBody>
           </p:sp>
@@ -10600,7 +10833,7 @@
                 </a:cxnLst>
                 <a:rect l="0" t="0" r="r" b="b"/>
                 <a:pathLst>
-                  <a:path w="20618" h="21600" fill="norm" stroke="1" extrusionOk="0">
+                  <a:path w="20618" h="21600" extrusionOk="0">
                     <a:moveTo>
                       <a:pt x="10145" y="21600"/>
                     </a:moveTo>
@@ -10711,6 +10944,7 @@
                     </a:solidFill>
                   </a:defRPr>
                 </a:pPr>
+                <a:endParaRPr/>
               </a:p>
             </p:txBody>
           </p:sp>
@@ -10745,7 +10979,7 @@
                 </a:cxnLst>
                 <a:rect l="0" t="0" r="r" b="b"/>
                 <a:pathLst>
-                  <a:path w="21600" h="21600" fill="norm" stroke="1" extrusionOk="0">
+                  <a:path w="21600" h="21600" extrusionOk="0">
                     <a:moveTo>
                       <a:pt x="10800" y="21600"/>
                     </a:moveTo>
@@ -10831,6 +11065,7 @@
                     </a:solidFill>
                   </a:defRPr>
                 </a:pPr>
+                <a:endParaRPr/>
               </a:p>
             </p:txBody>
           </p:sp>
@@ -10865,7 +11100,7 @@
                 </a:cxnLst>
                 <a:rect l="0" t="0" r="r" b="b"/>
                 <a:pathLst>
-                  <a:path w="21600" h="21600" fill="norm" stroke="1" extrusionOk="0">
+                  <a:path w="21600" h="21600" extrusionOk="0">
                     <a:moveTo>
                       <a:pt x="1723" y="21600"/>
                     </a:moveTo>
@@ -10925,6 +11160,7 @@
                     </a:solidFill>
                   </a:defRPr>
                 </a:pPr>
+                <a:endParaRPr/>
               </a:p>
             </p:txBody>
           </p:sp>
@@ -10959,7 +11195,7 @@
                 </a:cxnLst>
                 <a:rect l="0" t="0" r="r" b="b"/>
                 <a:pathLst>
-                  <a:path w="21600" h="21600" fill="norm" stroke="1" extrusionOk="0">
+                  <a:path w="21600" h="21600" extrusionOk="0">
                     <a:moveTo>
                       <a:pt x="11127" y="21600"/>
                     </a:moveTo>
@@ -11045,6 +11281,7 @@
                     </a:solidFill>
                   </a:defRPr>
                 </a:pPr>
+                <a:endParaRPr/>
               </a:p>
             </p:txBody>
           </p:sp>
@@ -11079,7 +11316,7 @@
                 </a:cxnLst>
                 <a:rect l="0" t="0" r="r" b="b"/>
                 <a:pathLst>
-                  <a:path w="21600" h="21600" fill="norm" stroke="1" extrusionOk="0">
+                  <a:path w="21600" h="21600" extrusionOk="0">
                     <a:moveTo>
                       <a:pt x="1687" y="21600"/>
                     </a:moveTo>
@@ -11145,6 +11382,7 @@
                     </a:solidFill>
                   </a:defRPr>
                 </a:pPr>
+                <a:endParaRPr/>
               </a:p>
             </p:txBody>
           </p:sp>
@@ -11179,7 +11417,7 @@
                 </a:cxnLst>
                 <a:rect l="0" t="0" r="r" b="b"/>
                 <a:pathLst>
-                  <a:path w="21600" h="21600" fill="norm" stroke="1" extrusionOk="0">
+                  <a:path w="21600" h="21600" extrusionOk="0">
                     <a:moveTo>
                       <a:pt x="10800" y="21600"/>
                     </a:moveTo>
@@ -11265,6 +11503,7 @@
                     </a:solidFill>
                   </a:defRPr>
                 </a:pPr>
+                <a:endParaRPr/>
               </a:p>
             </p:txBody>
           </p:sp>
@@ -11299,7 +11538,7 @@
                 </a:cxnLst>
                 <a:rect l="0" t="0" r="r" b="b"/>
                 <a:pathLst>
-                  <a:path w="21600" h="21600" fill="norm" stroke="1" extrusionOk="0">
+                  <a:path w="21600" h="21600" extrusionOk="0">
                     <a:moveTo>
                       <a:pt x="2004" y="21600"/>
                     </a:moveTo>
@@ -11365,6 +11604,7 @@
                     </a:solidFill>
                   </a:defRPr>
                 </a:pPr>
+                <a:endParaRPr/>
               </a:p>
             </p:txBody>
           </p:sp>
@@ -11399,7 +11639,7 @@
                 </a:cxnLst>
                 <a:rect l="0" t="0" r="r" b="b"/>
                 <a:pathLst>
-                  <a:path w="21600" h="21600" fill="norm" stroke="1" extrusionOk="0">
+                  <a:path w="21600" h="21600" extrusionOk="0">
                     <a:moveTo>
                       <a:pt x="10800" y="21600"/>
                     </a:moveTo>
@@ -11485,6 +11725,7 @@
                     </a:solidFill>
                   </a:defRPr>
                 </a:pPr>
+                <a:endParaRPr/>
               </a:p>
             </p:txBody>
           </p:sp>
@@ -11536,6 +11777,7 @@
                     </a:solidFill>
                   </a:defRPr>
                 </a:pPr>
+                <a:endParaRPr/>
               </a:p>
             </p:txBody>
           </p:sp>
@@ -11544,7 +11786,9 @@
       <p:sp>
         <p:nvSpPr>
           <p:cNvPr id="156" name="Title Text"/>
-          <p:cNvSpPr txBox="1"/>
+          <p:cNvSpPr txBox="1">
+            <a:spLocks noGrp="1"/>
+          </p:cNvSpPr>
           <p:nvPr>
             <p:ph type="title"/>
           </p:nvPr>
@@ -11558,7 +11802,6 @@
           <a:bodyPr/>
           <a:lstStyle/>
           <a:p>
-            <a:pPr/>
             <a:r>
               <a:t>Title Text</a:t>
             </a:r>
@@ -11568,7 +11811,9 @@
       <p:sp>
         <p:nvSpPr>
           <p:cNvPr id="157" name="Body Level One…"/>
-          <p:cNvSpPr txBox="1"/>
+          <p:cNvSpPr txBox="1">
+            <a:spLocks noGrp="1"/>
+          </p:cNvSpPr>
           <p:nvPr>
             <p:ph type="body" idx="1"/>
           </p:nvPr>
@@ -11586,7 +11831,6 @@
           <a:bodyPr/>
           <a:lstStyle/>
           <a:p>
-            <a:pPr/>
             <a:r>
               <a:t>Body Level One</a:t>
             </a:r>
@@ -11620,7 +11864,9 @@
       <p:sp>
         <p:nvSpPr>
           <p:cNvPr id="158" name="Slide Number"/>
-          <p:cNvSpPr txBox="1"/>
+          <p:cNvSpPr txBox="1">
+            <a:spLocks noGrp="1"/>
+          </p:cNvSpPr>
           <p:nvPr>
             <p:ph type="sldNum" sz="quarter" idx="2"/>
           </p:nvPr>
@@ -11634,8 +11880,10 @@
           <a:bodyPr/>
           <a:lstStyle/>
           <a:p>
-            <a:pPr/>
-            <a:fld id="{86CB4B4D-7CA3-9044-876B-883B54F8677D}" type="slidenum"/>
+            <a:fld id="{86CB4B4D-7CA3-9044-876B-883B54F8677D}" type="slidenum">
+              <a:t>‹#›</a:t>
+            </a:fld>
+            <a:endParaRPr/>
           </a:p>
         </p:txBody>
       </p:sp>
@@ -11644,12 +11892,12 @@
   <p:clrMapOvr>
     <a:masterClrMapping/>
   </p:clrMapOvr>
-  <p:transition xmlns:p14="http://schemas.microsoft.com/office/powerpoint/2010/main" spd="med" advClick="1"/>
+  <p:transition spd="med"/>
 </p:sldLayout>
 </file>
 
 <file path=ppt/slideLayouts/slideLayout3.xml><?xml version="1.0" encoding="utf-8"?>
-<p:sldLayout xmlns:a="http://schemas.openxmlformats.org/drawingml/2006/main" xmlns:r="http://schemas.openxmlformats.org/officeDocument/2006/relationships" xmlns:p="http://schemas.openxmlformats.org/presentationml/2006/main" xmlns:m="http://schemas.openxmlformats.org/officeDocument/2006/math" xmlns:a14="http://schemas.microsoft.com/office/drawing/2010/main" type="tx" showMasterSp="1" showMasterPhAnim="1">
+<p:sldLayout xmlns:a="http://schemas.openxmlformats.org/drawingml/2006/main" xmlns:r="http://schemas.openxmlformats.org/officeDocument/2006/relationships" xmlns:p="http://schemas.openxmlformats.org/presentationml/2006/main" type="tx">
   <p:cSld name="Section Header">
     <p:spTree>
       <p:nvGrpSpPr>
@@ -11668,7 +11916,9 @@
       <p:sp>
         <p:nvSpPr>
           <p:cNvPr id="165" name="Title Text"/>
-          <p:cNvSpPr txBox="1"/>
+          <p:cNvSpPr txBox="1">
+            <a:spLocks noGrp="1"/>
+          </p:cNvSpPr>
           <p:nvPr>
             <p:ph type="title"/>
           </p:nvPr>
@@ -11686,7 +11936,6 @@
           <a:bodyPr anchor="b"/>
           <a:lstStyle/>
           <a:p>
-            <a:pPr/>
             <a:r>
               <a:t>Title Text</a:t>
             </a:r>
@@ -11696,7 +11945,9 @@
       <p:sp>
         <p:nvSpPr>
           <p:cNvPr id="166" name="Body Level One…"/>
-          <p:cNvSpPr txBox="1"/>
+          <p:cNvSpPr txBox="1">
+            <a:spLocks noGrp="1"/>
+          </p:cNvSpPr>
           <p:nvPr>
             <p:ph type="body" sz="quarter" idx="1"/>
           </p:nvPr>
@@ -11717,35 +11968,34 @@
               <a:buSzTx/>
               <a:buFontTx/>
               <a:buNone/>
-              <a:defRPr cap="all" sz="1800"/>
+              <a:defRPr sz="1800" cap="all"/>
             </a:lvl1pPr>
             <a:lvl2pPr marL="0" indent="457200">
               <a:buSzTx/>
               <a:buFontTx/>
               <a:buNone/>
-              <a:defRPr cap="all" sz="1800"/>
+              <a:defRPr sz="1800" cap="all"/>
             </a:lvl2pPr>
             <a:lvl3pPr marL="0" indent="914400">
               <a:buSzTx/>
               <a:buFontTx/>
               <a:buNone/>
-              <a:defRPr cap="all" sz="1800"/>
+              <a:defRPr sz="1800" cap="all"/>
             </a:lvl3pPr>
             <a:lvl4pPr marL="0" indent="1371600">
               <a:buSzTx/>
               <a:buFontTx/>
               <a:buNone/>
-              <a:defRPr cap="all" sz="1800"/>
+              <a:defRPr sz="1800" cap="all"/>
             </a:lvl4pPr>
             <a:lvl5pPr marL="0" indent="1828800">
               <a:buSzTx/>
               <a:buFontTx/>
               <a:buNone/>
-              <a:defRPr cap="all" sz="1800"/>
+              <a:defRPr sz="1800" cap="all"/>
             </a:lvl5pPr>
           </a:lstStyle>
           <a:p>
-            <a:pPr/>
             <a:r>
               <a:t>Body Level One</a:t>
             </a:r>
@@ -11779,7 +12029,9 @@
       <p:sp>
         <p:nvSpPr>
           <p:cNvPr id="167" name="Slide Number"/>
-          <p:cNvSpPr txBox="1"/>
+          <p:cNvSpPr txBox="1">
+            <a:spLocks noGrp="1"/>
+          </p:cNvSpPr>
           <p:nvPr>
             <p:ph type="sldNum" sz="quarter" idx="2"/>
           </p:nvPr>
@@ -11793,8 +12045,10 @@
           <a:bodyPr/>
           <a:lstStyle/>
           <a:p>
-            <a:pPr/>
-            <a:fld id="{86CB4B4D-7CA3-9044-876B-883B54F8677D}" type="slidenum"/>
+            <a:fld id="{86CB4B4D-7CA3-9044-876B-883B54F8677D}" type="slidenum">
+              <a:t>‹#›</a:t>
+            </a:fld>
+            <a:endParaRPr/>
           </a:p>
         </p:txBody>
       </p:sp>
@@ -11803,12 +12057,12 @@
   <p:clrMapOvr>
     <a:masterClrMapping/>
   </p:clrMapOvr>
-  <p:transition xmlns:p14="http://schemas.microsoft.com/office/powerpoint/2010/main" spd="med" advClick="1"/>
+  <p:transition spd="med"/>
 </p:sldLayout>
 </file>
 
 <file path=ppt/slideLayouts/slideLayout4.xml><?xml version="1.0" encoding="utf-8"?>
-<p:sldLayout xmlns:a="http://schemas.openxmlformats.org/drawingml/2006/main" xmlns:r="http://schemas.openxmlformats.org/officeDocument/2006/relationships" xmlns:p="http://schemas.openxmlformats.org/presentationml/2006/main" xmlns:m="http://schemas.openxmlformats.org/officeDocument/2006/math" xmlns:a14="http://schemas.microsoft.com/office/drawing/2010/main" type="tx" showMasterSp="1" showMasterPhAnim="1">
+<p:sldLayout xmlns:a="http://schemas.openxmlformats.org/drawingml/2006/main" xmlns:r="http://schemas.openxmlformats.org/officeDocument/2006/relationships" xmlns:p="http://schemas.openxmlformats.org/presentationml/2006/main" type="tx">
   <p:cSld name="Two Content">
     <p:spTree>
       <p:nvGrpSpPr>
@@ -11827,7 +12081,9 @@
       <p:sp>
         <p:nvSpPr>
           <p:cNvPr id="174" name="Title Text"/>
-          <p:cNvSpPr txBox="1"/>
+          <p:cNvSpPr txBox="1">
+            <a:spLocks noGrp="1"/>
+          </p:cNvSpPr>
           <p:nvPr>
             <p:ph type="title"/>
           </p:nvPr>
@@ -11841,7 +12097,6 @@
           <a:bodyPr/>
           <a:lstStyle/>
           <a:p>
-            <a:pPr/>
             <a:r>
               <a:t>Title Text</a:t>
             </a:r>
@@ -11851,7 +12106,9 @@
       <p:sp>
         <p:nvSpPr>
           <p:cNvPr id="175" name="Body Level One…"/>
-          <p:cNvSpPr txBox="1"/>
+          <p:cNvSpPr txBox="1">
+            <a:spLocks noGrp="1"/>
+          </p:cNvSpPr>
           <p:nvPr>
             <p:ph type="body" sz="half" idx="1"/>
           </p:nvPr>
@@ -11869,7 +12126,6 @@
           <a:bodyPr/>
           <a:lstStyle/>
           <a:p>
-            <a:pPr/>
             <a:r>
               <a:t>Body Level One</a:t>
             </a:r>
@@ -11903,7 +12159,9 @@
       <p:sp>
         <p:nvSpPr>
           <p:cNvPr id="176" name="Slide Number"/>
-          <p:cNvSpPr txBox="1"/>
+          <p:cNvSpPr txBox="1">
+            <a:spLocks noGrp="1"/>
+          </p:cNvSpPr>
           <p:nvPr>
             <p:ph type="sldNum" sz="quarter" idx="2"/>
           </p:nvPr>
@@ -11917,8 +12175,10 @@
           <a:bodyPr/>
           <a:lstStyle/>
           <a:p>
-            <a:pPr/>
-            <a:fld id="{86CB4B4D-7CA3-9044-876B-883B54F8677D}" type="slidenum"/>
+            <a:fld id="{86CB4B4D-7CA3-9044-876B-883B54F8677D}" type="slidenum">
+              <a:t>‹#›</a:t>
+            </a:fld>
+            <a:endParaRPr/>
           </a:p>
         </p:txBody>
       </p:sp>
@@ -11927,12 +12187,12 @@
   <p:clrMapOvr>
     <a:masterClrMapping/>
   </p:clrMapOvr>
-  <p:transition xmlns:p14="http://schemas.microsoft.com/office/powerpoint/2010/main" spd="med" advClick="1"/>
+  <p:transition spd="med"/>
 </p:sldLayout>
 </file>
 
 <file path=ppt/slideLayouts/slideLayout5.xml><?xml version="1.0" encoding="utf-8"?>
-<p:sldLayout xmlns:a="http://schemas.openxmlformats.org/drawingml/2006/main" xmlns:r="http://schemas.openxmlformats.org/officeDocument/2006/relationships" xmlns:p="http://schemas.openxmlformats.org/presentationml/2006/main" xmlns:m="http://schemas.openxmlformats.org/officeDocument/2006/math" xmlns:a14="http://schemas.microsoft.com/office/drawing/2010/main" type="tx" showMasterSp="1" showMasterPhAnim="1">
+<p:sldLayout xmlns:a="http://schemas.openxmlformats.org/drawingml/2006/main" xmlns:r="http://schemas.openxmlformats.org/officeDocument/2006/relationships" xmlns:p="http://schemas.openxmlformats.org/presentationml/2006/main" type="tx">
   <p:cSld name="Comparison">
     <p:spTree>
       <p:nvGrpSpPr>
@@ -11951,7 +12211,9 @@
       <p:sp>
         <p:nvSpPr>
           <p:cNvPr id="183" name="Title Text"/>
-          <p:cNvSpPr txBox="1"/>
+          <p:cNvSpPr txBox="1">
+            <a:spLocks noGrp="1"/>
+          </p:cNvSpPr>
           <p:nvPr>
             <p:ph type="title"/>
           </p:nvPr>
@@ -11969,7 +12231,6 @@
           <a:bodyPr/>
           <a:lstStyle/>
           <a:p>
-            <a:pPr/>
             <a:r>
               <a:t>Title Text</a:t>
             </a:r>
@@ -11979,7 +12240,9 @@
       <p:sp>
         <p:nvSpPr>
           <p:cNvPr id="184" name="Body Level One…"/>
-          <p:cNvSpPr txBox="1"/>
+          <p:cNvSpPr txBox="1">
+            <a:spLocks noGrp="1"/>
+          </p:cNvSpPr>
           <p:nvPr>
             <p:ph type="body" sz="quarter" idx="1"/>
           </p:nvPr>
@@ -12043,7 +12306,6 @@
             </a:lvl5pPr>
           </a:lstStyle>
           <a:p>
-            <a:pPr/>
             <a:r>
               <a:t>Body Level One</a:t>
             </a:r>
@@ -12077,7 +12339,9 @@
       <p:sp>
         <p:nvSpPr>
           <p:cNvPr id="185" name="Text Placeholder 4"/>
-          <p:cNvSpPr/>
+          <p:cNvSpPr>
+            <a:spLocks noGrp="1"/>
+          </p:cNvSpPr>
           <p:nvPr>
             <p:ph type="body" sz="quarter" idx="13"/>
           </p:nvPr>
@@ -12104,13 +12368,16 @@
               <a:buNone/>
               <a:defRPr cap="all"/>
             </a:pPr>
+            <a:endParaRPr/>
           </a:p>
         </p:txBody>
       </p:sp>
       <p:sp>
         <p:nvSpPr>
           <p:cNvPr id="186" name="Slide Number"/>
-          <p:cNvSpPr txBox="1"/>
+          <p:cNvSpPr txBox="1">
+            <a:spLocks noGrp="1"/>
+          </p:cNvSpPr>
           <p:nvPr>
             <p:ph type="sldNum" sz="quarter" idx="2"/>
           </p:nvPr>
@@ -12124,8 +12391,10 @@
           <a:bodyPr/>
           <a:lstStyle/>
           <a:p>
-            <a:pPr/>
-            <a:fld id="{86CB4B4D-7CA3-9044-876B-883B54F8677D}" type="slidenum"/>
+            <a:fld id="{86CB4B4D-7CA3-9044-876B-883B54F8677D}" type="slidenum">
+              <a:t>‹#›</a:t>
+            </a:fld>
+            <a:endParaRPr/>
           </a:p>
         </p:txBody>
       </p:sp>
@@ -12134,12 +12403,12 @@
   <p:clrMapOvr>
     <a:masterClrMapping/>
   </p:clrMapOvr>
-  <p:transition xmlns:p14="http://schemas.microsoft.com/office/powerpoint/2010/main" spd="med" advClick="1"/>
+  <p:transition spd="med"/>
 </p:sldLayout>
 </file>
 
 <file path=ppt/slideLayouts/slideLayout6.xml><?xml version="1.0" encoding="utf-8"?>
-<p:sldLayout xmlns:a="http://schemas.openxmlformats.org/drawingml/2006/main" xmlns:r="http://schemas.openxmlformats.org/officeDocument/2006/relationships" xmlns:p="http://schemas.openxmlformats.org/presentationml/2006/main" xmlns:m="http://schemas.openxmlformats.org/officeDocument/2006/math" xmlns:a14="http://schemas.microsoft.com/office/drawing/2010/main" type="tx" showMasterSp="1" showMasterPhAnim="1">
+<p:sldLayout xmlns:a="http://schemas.openxmlformats.org/drawingml/2006/main" xmlns:r="http://schemas.openxmlformats.org/officeDocument/2006/relationships" xmlns:p="http://schemas.openxmlformats.org/presentationml/2006/main" type="tx">
   <p:cSld name="Title Only">
     <p:spTree>
       <p:nvGrpSpPr>
@@ -12158,7 +12427,9 @@
       <p:sp>
         <p:nvSpPr>
           <p:cNvPr id="193" name="Title Text"/>
-          <p:cNvSpPr txBox="1"/>
+          <p:cNvSpPr txBox="1">
+            <a:spLocks noGrp="1"/>
+          </p:cNvSpPr>
           <p:nvPr>
             <p:ph type="title"/>
           </p:nvPr>
@@ -12172,7 +12443,6 @@
           <a:bodyPr/>
           <a:lstStyle/>
           <a:p>
-            <a:pPr/>
             <a:r>
               <a:t>Title Text</a:t>
             </a:r>
@@ -12182,7 +12452,9 @@
       <p:sp>
         <p:nvSpPr>
           <p:cNvPr id="194" name="Slide Number"/>
-          <p:cNvSpPr txBox="1"/>
+          <p:cNvSpPr txBox="1">
+            <a:spLocks noGrp="1"/>
+          </p:cNvSpPr>
           <p:nvPr>
             <p:ph type="sldNum" sz="quarter" idx="2"/>
           </p:nvPr>
@@ -12196,8 +12468,10 @@
           <a:bodyPr/>
           <a:lstStyle/>
           <a:p>
-            <a:pPr/>
-            <a:fld id="{86CB4B4D-7CA3-9044-876B-883B54F8677D}" type="slidenum"/>
+            <a:fld id="{86CB4B4D-7CA3-9044-876B-883B54F8677D}" type="slidenum">
+              <a:t>‹#›</a:t>
+            </a:fld>
+            <a:endParaRPr/>
           </a:p>
         </p:txBody>
       </p:sp>
@@ -12206,12 +12480,12 @@
   <p:clrMapOvr>
     <a:masterClrMapping/>
   </p:clrMapOvr>
-  <p:transition xmlns:p14="http://schemas.microsoft.com/office/powerpoint/2010/main" spd="med" advClick="1"/>
+  <p:transition spd="med"/>
 </p:sldLayout>
 </file>
 
 <file path=ppt/slideLayouts/slideLayout7.xml><?xml version="1.0" encoding="utf-8"?>
-<p:sldLayout xmlns:a="http://schemas.openxmlformats.org/drawingml/2006/main" xmlns:r="http://schemas.openxmlformats.org/officeDocument/2006/relationships" xmlns:p="http://schemas.openxmlformats.org/presentationml/2006/main" xmlns:m="http://schemas.openxmlformats.org/officeDocument/2006/math" xmlns:a14="http://schemas.microsoft.com/office/drawing/2010/main" type="tx" showMasterSp="1" showMasterPhAnim="1">
+<p:sldLayout xmlns:a="http://schemas.openxmlformats.org/drawingml/2006/main" xmlns:r="http://schemas.openxmlformats.org/officeDocument/2006/relationships" xmlns:p="http://schemas.openxmlformats.org/presentationml/2006/main" type="tx">
   <p:cSld name="Blank">
     <p:spTree>
       <p:nvGrpSpPr>
@@ -12230,7 +12504,9 @@
       <p:sp>
         <p:nvSpPr>
           <p:cNvPr id="201" name="Slide Number"/>
-          <p:cNvSpPr txBox="1"/>
+          <p:cNvSpPr txBox="1">
+            <a:spLocks noGrp="1"/>
+          </p:cNvSpPr>
           <p:nvPr>
             <p:ph type="sldNum" sz="quarter" idx="2"/>
           </p:nvPr>
@@ -12244,8 +12520,10 @@
           <a:bodyPr/>
           <a:lstStyle/>
           <a:p>
-            <a:pPr/>
-            <a:fld id="{86CB4B4D-7CA3-9044-876B-883B54F8677D}" type="slidenum"/>
+            <a:fld id="{86CB4B4D-7CA3-9044-876B-883B54F8677D}" type="slidenum">
+              <a:t>‹#›</a:t>
+            </a:fld>
+            <a:endParaRPr/>
           </a:p>
         </p:txBody>
       </p:sp>
@@ -12254,12 +12532,12 @@
   <p:clrMapOvr>
     <a:masterClrMapping/>
   </p:clrMapOvr>
-  <p:transition xmlns:p14="http://schemas.microsoft.com/office/powerpoint/2010/main" spd="med" advClick="1"/>
+  <p:transition spd="med"/>
 </p:sldLayout>
 </file>
 
 <file path=ppt/slideLayouts/slideLayout8.xml><?xml version="1.0" encoding="utf-8"?>
-<p:sldLayout xmlns:a="http://schemas.openxmlformats.org/drawingml/2006/main" xmlns:r="http://schemas.openxmlformats.org/officeDocument/2006/relationships" xmlns:p="http://schemas.openxmlformats.org/presentationml/2006/main" xmlns:m="http://schemas.openxmlformats.org/officeDocument/2006/math" xmlns:a14="http://schemas.microsoft.com/office/drawing/2010/main" type="tx" showMasterSp="1" showMasterPhAnim="1">
+<p:sldLayout xmlns:a="http://schemas.openxmlformats.org/drawingml/2006/main" xmlns:r="http://schemas.openxmlformats.org/officeDocument/2006/relationships" xmlns:p="http://schemas.openxmlformats.org/presentationml/2006/main" type="tx">
   <p:cSld name="Content with Caption">
     <p:spTree>
       <p:nvGrpSpPr>
@@ -12278,7 +12556,9 @@
       <p:sp>
         <p:nvSpPr>
           <p:cNvPr id="208" name="Title Text"/>
-          <p:cNvSpPr txBox="1"/>
+          <p:cNvSpPr txBox="1">
+            <a:spLocks noGrp="1"/>
+          </p:cNvSpPr>
           <p:nvPr>
             <p:ph type="title"/>
           </p:nvPr>
@@ -12300,7 +12580,6 @@
             </a:lvl1pPr>
           </a:lstStyle>
           <a:p>
-            <a:pPr/>
             <a:r>
               <a:t>Title Text</a:t>
             </a:r>
@@ -12310,7 +12589,9 @@
       <p:sp>
         <p:nvSpPr>
           <p:cNvPr id="209" name="Body Level One…"/>
-          <p:cNvSpPr txBox="1"/>
+          <p:cNvSpPr txBox="1">
+            <a:spLocks noGrp="1"/>
+          </p:cNvSpPr>
           <p:nvPr>
             <p:ph type="body" sz="half" idx="1"/>
           </p:nvPr>
@@ -12328,7 +12609,6 @@
           <a:bodyPr anchor="ctr"/>
           <a:lstStyle/>
           <a:p>
-            <a:pPr/>
             <a:r>
               <a:t>Body Level One</a:t>
             </a:r>
@@ -12362,7 +12642,9 @@
       <p:sp>
         <p:nvSpPr>
           <p:cNvPr id="210" name="Text Placeholder 3"/>
-          <p:cNvSpPr/>
+          <p:cNvSpPr>
+            <a:spLocks noGrp="1"/>
+          </p:cNvSpPr>
           <p:nvPr>
             <p:ph type="body" sz="quarter" idx="13"/>
           </p:nvPr>
@@ -12386,13 +12668,16 @@
               <a:buNone/>
               <a:defRPr sz="1600"/>
             </a:pPr>
+            <a:endParaRPr/>
           </a:p>
         </p:txBody>
       </p:sp>
       <p:sp>
         <p:nvSpPr>
           <p:cNvPr id="211" name="Slide Number"/>
-          <p:cNvSpPr txBox="1"/>
+          <p:cNvSpPr txBox="1">
+            <a:spLocks noGrp="1"/>
+          </p:cNvSpPr>
           <p:nvPr>
             <p:ph type="sldNum" sz="quarter" idx="2"/>
           </p:nvPr>
@@ -12406,8 +12691,10 @@
           <a:bodyPr/>
           <a:lstStyle/>
           <a:p>
-            <a:pPr/>
-            <a:fld id="{86CB4B4D-7CA3-9044-876B-883B54F8677D}" type="slidenum"/>
+            <a:fld id="{86CB4B4D-7CA3-9044-876B-883B54F8677D}" type="slidenum">
+              <a:t>‹#›</a:t>
+            </a:fld>
+            <a:endParaRPr/>
           </a:p>
         </p:txBody>
       </p:sp>
@@ -12416,12 +12703,12 @@
   <p:clrMapOvr>
     <a:masterClrMapping/>
   </p:clrMapOvr>
-  <p:transition xmlns:p14="http://schemas.microsoft.com/office/powerpoint/2010/main" spd="med" advClick="1"/>
+  <p:transition spd="med"/>
 </p:sldLayout>
 </file>
 
 <file path=ppt/slideLayouts/slideLayout9.xml><?xml version="1.0" encoding="utf-8"?>
-<p:sldLayout xmlns:a="http://schemas.openxmlformats.org/drawingml/2006/main" xmlns:r="http://schemas.openxmlformats.org/officeDocument/2006/relationships" xmlns:p="http://schemas.openxmlformats.org/presentationml/2006/main" xmlns:m="http://schemas.openxmlformats.org/officeDocument/2006/math" xmlns:a14="http://schemas.microsoft.com/office/drawing/2010/main" type="tx" showMasterSp="1" showMasterPhAnim="1">
+<p:sldLayout xmlns:a="http://schemas.openxmlformats.org/drawingml/2006/main" xmlns:r="http://schemas.openxmlformats.org/officeDocument/2006/relationships" xmlns:p="http://schemas.openxmlformats.org/presentationml/2006/main" type="tx">
   <p:cSld name="Picture with Caption">
     <p:spTree>
       <p:nvGrpSpPr>
@@ -12440,7 +12727,9 @@
       <p:sp>
         <p:nvSpPr>
           <p:cNvPr id="218" name="Title Text"/>
-          <p:cNvSpPr txBox="1"/>
+          <p:cNvSpPr txBox="1">
+            <a:spLocks noGrp="1"/>
+          </p:cNvSpPr>
           <p:nvPr>
             <p:ph type="title"/>
           </p:nvPr>
@@ -12462,7 +12751,6 @@
             </a:lvl1pPr>
           </a:lstStyle>
           <a:p>
-            <a:pPr/>
             <a:r>
               <a:t>Title Text</a:t>
             </a:r>
@@ -12472,7 +12760,9 @@
       <p:sp>
         <p:nvSpPr>
           <p:cNvPr id="219" name="Picture Placeholder 2"/>
-          <p:cNvSpPr/>
+          <p:cNvSpPr>
+            <a:spLocks noGrp="1"/>
+          </p:cNvSpPr>
           <p:nvPr>
             <p:ph type="pic" sz="half" idx="13"/>
           </p:nvPr>
@@ -12494,7 +12784,7 @@
             <a:miter lim="800000"/>
           </a:ln>
           <a:effectLst>
-            <a:outerShdw sx="100000" sy="100000" kx="0" ky="0" algn="b" rotWithShape="0" blurRad="88900" dist="38100" dir="5400000">
+            <a:outerShdw blurRad="88900" dist="38100" dir="5400000" rotWithShape="0">
               <a:srgbClr val="000000">
                 <a:alpha val="40000"/>
               </a:srgbClr>
@@ -12507,14 +12797,16 @@
           </a:bodyPr>
           <a:lstStyle/>
           <a:p>
-            <a:pPr/>
+            <a:endParaRPr/>
           </a:p>
         </p:txBody>
       </p:sp>
       <p:sp>
         <p:nvSpPr>
           <p:cNvPr id="220" name="Body Level One…"/>
-          <p:cNvSpPr txBox="1"/>
+          <p:cNvSpPr txBox="1">
+            <a:spLocks noGrp="1"/>
+          </p:cNvSpPr>
           <p:nvPr>
             <p:ph type="body" sz="half" idx="1"/>
           </p:nvPr>
@@ -12563,7 +12855,6 @@
             </a:lvl5pPr>
           </a:lstStyle>
           <a:p>
-            <a:pPr/>
             <a:r>
               <a:t>Body Level One</a:t>
             </a:r>
@@ -12597,7 +12888,9 @@
       <p:sp>
         <p:nvSpPr>
           <p:cNvPr id="221" name="Slide Number"/>
-          <p:cNvSpPr txBox="1"/>
+          <p:cNvSpPr txBox="1">
+            <a:spLocks noGrp="1"/>
+          </p:cNvSpPr>
           <p:nvPr>
             <p:ph type="sldNum" sz="quarter" idx="2"/>
           </p:nvPr>
@@ -12611,8 +12904,10 @@
           <a:bodyPr/>
           <a:lstStyle/>
           <a:p>
-            <a:pPr/>
-            <a:fld id="{86CB4B4D-7CA3-9044-876B-883B54F8677D}" type="slidenum"/>
+            <a:fld id="{86CB4B4D-7CA3-9044-876B-883B54F8677D}" type="slidenum">
+              <a:t>‹#›</a:t>
+            </a:fld>
+            <a:endParaRPr/>
           </a:p>
         </p:txBody>
       </p:sp>
@@ -12621,22 +12916,23 @@
   <p:clrMapOvr>
     <a:masterClrMapping/>
   </p:clrMapOvr>
-  <p:transition xmlns:p14="http://schemas.microsoft.com/office/powerpoint/2010/main" spd="med" advClick="1"/>
+  <p:transition spd="med"/>
 </p:sldLayout>
 </file>
 
 <file path=ppt/slideMasters/slideMaster1.xml><?xml version="1.0" encoding="utf-8"?>
-<p:sldMaster xmlns:a="http://schemas.openxmlformats.org/drawingml/2006/main" xmlns:r="http://schemas.openxmlformats.org/officeDocument/2006/relationships" xmlns:p="http://schemas.openxmlformats.org/presentationml/2006/main" xmlns:m="http://schemas.openxmlformats.org/officeDocument/2006/math" xmlns:a14="http://schemas.microsoft.com/office/drawing/2010/main">
+<p:sldMaster xmlns:a="http://schemas.openxmlformats.org/drawingml/2006/main" xmlns:r="http://schemas.openxmlformats.org/officeDocument/2006/relationships" xmlns:p="http://schemas.openxmlformats.org/presentationml/2006/main">
   <p:cSld>
     <p:bg>
       <p:bgPr>
         <a:blipFill rotWithShape="1">
-          <a:blip r:embed="rId2"/>
-          <a:srcRect l="0" t="0" r="0" b="0"/>
+          <a:blip r:embed="rId17"/>
+          <a:srcRect/>
           <a:stretch>
             <a:fillRect/>
           </a:stretch>
         </a:blipFill>
+        <a:effectLst/>
       </p:bgPr>
     </p:bg>
     <p:spTree>
@@ -12662,7 +12958,7 @@
           <p:nvPr/>
         </p:nvPicPr>
         <p:blipFill>
-          <a:blip r:embed="rId3">
+          <a:blip r:embed="rId18">
             <a:extLst/>
           </a:blip>
           <a:stretch>
@@ -12754,6 +13050,7 @@
                     </a:solidFill>
                   </a:defRPr>
                 </a:pPr>
+                <a:endParaRPr/>
               </a:p>
             </p:txBody>
           </p:sp>
@@ -12788,7 +13085,7 @@
                 </a:cxnLst>
                 <a:rect l="0" t="0" r="r" b="b"/>
                 <a:pathLst>
-                  <a:path w="21600" h="21600" fill="norm" stroke="1" extrusionOk="0">
+                  <a:path w="21600" h="21600" extrusionOk="0">
                     <a:moveTo>
                       <a:pt x="10800" y="21600"/>
                     </a:moveTo>
@@ -12870,6 +13167,7 @@
                     </a:solidFill>
                   </a:defRPr>
                 </a:pPr>
+                <a:endParaRPr/>
               </a:p>
             </p:txBody>
           </p:sp>
@@ -12904,7 +13202,7 @@
                 </a:cxnLst>
                 <a:rect l="0" t="0" r="r" b="b"/>
                 <a:pathLst>
-                  <a:path w="21600" h="21600" fill="norm" stroke="1" extrusionOk="0">
+                  <a:path w="21600" h="21600" extrusionOk="0">
                     <a:moveTo>
                       <a:pt x="10800" y="21600"/>
                     </a:moveTo>
@@ -12986,6 +13284,7 @@
                     </a:solidFill>
                   </a:defRPr>
                 </a:pPr>
+                <a:endParaRPr/>
               </a:p>
             </p:txBody>
           </p:sp>
@@ -13020,7 +13319,7 @@
                 </a:cxnLst>
                 <a:rect l="0" t="0" r="r" b="b"/>
                 <a:pathLst>
-                  <a:path w="21600" h="21600" fill="norm" stroke="1" extrusionOk="0">
+                  <a:path w="21600" h="21600" extrusionOk="0">
                     <a:moveTo>
                       <a:pt x="20209" y="21600"/>
                     </a:moveTo>
@@ -13076,6 +13375,7 @@
                     </a:solidFill>
                   </a:defRPr>
                 </a:pPr>
+                <a:endParaRPr/>
               </a:p>
             </p:txBody>
           </p:sp>
@@ -13110,7 +13410,7 @@
                 </a:cxnLst>
                 <a:rect l="0" t="0" r="r" b="b"/>
                 <a:pathLst>
-                  <a:path w="21600" h="21600" fill="norm" stroke="1" extrusionOk="0">
+                  <a:path w="21600" h="21600" extrusionOk="0">
                     <a:moveTo>
                       <a:pt x="10800" y="21600"/>
                     </a:moveTo>
@@ -13192,6 +13492,7 @@
                     </a:solidFill>
                   </a:defRPr>
                 </a:pPr>
+                <a:endParaRPr/>
               </a:p>
             </p:txBody>
           </p:sp>
@@ -13226,7 +13527,7 @@
                 </a:cxnLst>
                 <a:rect l="0" t="0" r="r" b="b"/>
                 <a:pathLst>
-                  <a:path w="21600" h="21600" fill="norm" stroke="1" extrusionOk="0">
+                  <a:path w="21600" h="21600" extrusionOk="0">
                     <a:moveTo>
                       <a:pt x="20488" y="21600"/>
                     </a:moveTo>
@@ -13282,6 +13583,7 @@
                     </a:solidFill>
                   </a:defRPr>
                 </a:pPr>
+                <a:endParaRPr/>
               </a:p>
             </p:txBody>
           </p:sp>
@@ -13316,7 +13618,7 @@
                 </a:cxnLst>
                 <a:rect l="0" t="0" r="r" b="b"/>
                 <a:pathLst>
-                  <a:path w="21600" h="21600" fill="norm" stroke="1" extrusionOk="0">
+                  <a:path w="21600" h="21600" extrusionOk="0">
                     <a:moveTo>
                       <a:pt x="21600" y="21600"/>
                     </a:moveTo>
@@ -13372,6 +13674,7 @@
                     </a:solidFill>
                   </a:defRPr>
                 </a:pPr>
+                <a:endParaRPr/>
               </a:p>
             </p:txBody>
           </p:sp>
@@ -13406,7 +13709,7 @@
                 </a:cxnLst>
                 <a:rect l="0" t="0" r="r" b="b"/>
                 <a:pathLst>
-                  <a:path w="21600" h="21600" fill="norm" stroke="1" extrusionOk="0">
+                  <a:path w="21600" h="21600" extrusionOk="0">
                     <a:moveTo>
                       <a:pt x="10800" y="21600"/>
                     </a:moveTo>
@@ -13488,6 +13791,7 @@
                     </a:solidFill>
                   </a:defRPr>
                 </a:pPr>
+                <a:endParaRPr/>
               </a:p>
             </p:txBody>
           </p:sp>
@@ -13522,7 +13826,7 @@
                 </a:cxnLst>
                 <a:rect l="0" t="0" r="r" b="b"/>
                 <a:pathLst>
-                  <a:path w="21600" h="21600" fill="norm" stroke="1" extrusionOk="0">
+                  <a:path w="21600" h="21600" extrusionOk="0">
                     <a:moveTo>
                       <a:pt x="10800" y="21600"/>
                     </a:moveTo>
@@ -13604,6 +13908,7 @@
                     </a:solidFill>
                   </a:defRPr>
                 </a:pPr>
+                <a:endParaRPr/>
               </a:p>
             </p:txBody>
           </p:sp>
@@ -13638,7 +13943,7 @@
                 </a:cxnLst>
                 <a:rect l="0" t="0" r="r" b="b"/>
                 <a:pathLst>
-                  <a:path w="21600" h="21600" fill="norm" stroke="1" extrusionOk="0">
+                  <a:path w="21600" h="21600" extrusionOk="0">
                     <a:moveTo>
                       <a:pt x="20869" y="21600"/>
                     </a:moveTo>
@@ -13694,6 +13999,7 @@
                     </a:solidFill>
                   </a:defRPr>
                 </a:pPr>
+                <a:endParaRPr/>
               </a:p>
             </p:txBody>
           </p:sp>
@@ -13728,7 +14034,7 @@
                 </a:cxnLst>
                 <a:rect l="0" t="0" r="r" b="b"/>
                 <a:pathLst>
-                  <a:path w="19694" h="21600" fill="norm" stroke="1" extrusionOk="0">
+                  <a:path w="19694" h="21600" extrusionOk="0">
                     <a:moveTo>
                       <a:pt x="9847" y="21600"/>
                     </a:moveTo>
@@ -13830,6 +14136,7 @@
                     </a:solidFill>
                   </a:defRPr>
                 </a:pPr>
+                <a:endParaRPr/>
               </a:p>
             </p:txBody>
           </p:sp>
@@ -13864,7 +14171,7 @@
                 </a:cxnLst>
                 <a:rect l="0" t="0" r="r" b="b"/>
                 <a:pathLst>
-                  <a:path w="21600" h="21600" fill="norm" stroke="1" extrusionOk="0">
+                  <a:path w="21600" h="21600" extrusionOk="0">
                     <a:moveTo>
                       <a:pt x="1662" y="21600"/>
                     </a:moveTo>
@@ -13914,6 +14221,7 @@
                     </a:solidFill>
                   </a:defRPr>
                 </a:pPr>
+                <a:endParaRPr/>
               </a:p>
             </p:txBody>
           </p:sp>
@@ -13948,7 +14256,7 @@
                 </a:cxnLst>
                 <a:rect l="0" t="0" r="r" b="b"/>
                 <a:pathLst>
-                  <a:path w="21600" h="21600" fill="norm" stroke="1" extrusionOk="0">
+                  <a:path w="21600" h="21600" extrusionOk="0">
                     <a:moveTo>
                       <a:pt x="21600" y="21600"/>
                     </a:moveTo>
@@ -14004,6 +14312,7 @@
                     </a:solidFill>
                   </a:defRPr>
                 </a:pPr>
+                <a:endParaRPr/>
               </a:p>
             </p:txBody>
           </p:sp>
@@ -14038,7 +14347,7 @@
                 </a:cxnLst>
                 <a:rect l="0" t="0" r="r" b="b"/>
                 <a:pathLst>
-                  <a:path w="21600" h="21600" fill="norm" stroke="1" extrusionOk="0">
+                  <a:path w="21600" h="21600" extrusionOk="0">
                     <a:moveTo>
                       <a:pt x="21600" y="21600"/>
                     </a:moveTo>
@@ -14094,6 +14403,7 @@
                     </a:solidFill>
                   </a:defRPr>
                 </a:pPr>
+                <a:endParaRPr/>
               </a:p>
             </p:txBody>
           </p:sp>
@@ -14128,7 +14438,7 @@
                 </a:cxnLst>
                 <a:rect l="0" t="0" r="r" b="b"/>
                 <a:pathLst>
-                  <a:path w="21600" h="21600" fill="norm" stroke="1" extrusionOk="0">
+                  <a:path w="21600" h="21600" extrusionOk="0">
                     <a:moveTo>
                       <a:pt x="10800" y="21600"/>
                     </a:moveTo>
@@ -14210,6 +14520,7 @@
                     </a:solidFill>
                   </a:defRPr>
                 </a:pPr>
+                <a:endParaRPr/>
               </a:p>
             </p:txBody>
           </p:sp>
@@ -14257,6 +14568,7 @@
                     </a:solidFill>
                   </a:defRPr>
                 </a:pPr>
+                <a:endParaRPr/>
               </a:p>
             </p:txBody>
           </p:sp>
@@ -14291,7 +14603,7 @@
                 </a:cxnLst>
                 <a:rect l="0" t="0" r="r" b="b"/>
                 <a:pathLst>
-                  <a:path w="21600" h="21600" fill="norm" stroke="1" extrusionOk="0">
+                  <a:path w="21600" h="21600" extrusionOk="0">
                     <a:moveTo>
                       <a:pt x="1391" y="21600"/>
                     </a:moveTo>
@@ -14347,6 +14659,7 @@
                     </a:solidFill>
                   </a:defRPr>
                 </a:pPr>
+                <a:endParaRPr/>
               </a:p>
             </p:txBody>
           </p:sp>
@@ -14381,7 +14694,7 @@
                 </a:cxnLst>
                 <a:rect l="0" t="0" r="r" b="b"/>
                 <a:pathLst>
-                  <a:path w="21600" h="21600" fill="norm" stroke="1" extrusionOk="0">
+                  <a:path w="21600" h="21600" extrusionOk="0">
                     <a:moveTo>
                       <a:pt x="10800" y="21600"/>
                     </a:moveTo>
@@ -14463,6 +14776,7 @@
                     </a:solidFill>
                   </a:defRPr>
                 </a:pPr>
+                <a:endParaRPr/>
               </a:p>
             </p:txBody>
           </p:sp>
@@ -14497,7 +14811,7 @@
                 </a:cxnLst>
                 <a:rect l="0" t="0" r="r" b="b"/>
                 <a:pathLst>
-                  <a:path w="21600" h="21600" fill="norm" stroke="1" extrusionOk="0">
+                  <a:path w="21600" h="21600" extrusionOk="0">
                     <a:moveTo>
                       <a:pt x="21600" y="21600"/>
                     </a:moveTo>
@@ -14553,6 +14867,7 @@
                     </a:solidFill>
                   </a:defRPr>
                 </a:pPr>
+                <a:endParaRPr/>
               </a:p>
             </p:txBody>
           </p:sp>
@@ -14587,7 +14902,7 @@
                 </a:cxnLst>
                 <a:rect l="0" t="0" r="r" b="b"/>
                 <a:pathLst>
-                  <a:path w="21600" h="21600" fill="norm" stroke="1" extrusionOk="0">
+                  <a:path w="21600" h="21600" extrusionOk="0">
                     <a:moveTo>
                       <a:pt x="10800" y="21600"/>
                     </a:moveTo>
@@ -14669,6 +14984,7 @@
                     </a:solidFill>
                   </a:defRPr>
                 </a:pPr>
+                <a:endParaRPr/>
               </a:p>
             </p:txBody>
           </p:sp>
@@ -14703,7 +15019,7 @@
                 </a:cxnLst>
                 <a:rect l="0" t="0" r="r" b="b"/>
                 <a:pathLst>
-                  <a:path w="21600" h="21600" fill="norm" stroke="1" extrusionOk="0">
+                  <a:path w="21600" h="21600" extrusionOk="0">
                     <a:moveTo>
                       <a:pt x="1647" y="21600"/>
                     </a:moveTo>
@@ -14762,6 +15078,7 @@
                     </a:solidFill>
                   </a:defRPr>
                 </a:pPr>
+                <a:endParaRPr/>
               </a:p>
             </p:txBody>
           </p:sp>
@@ -14796,7 +15113,7 @@
                 </a:cxnLst>
                 <a:rect l="0" t="0" r="r" b="b"/>
                 <a:pathLst>
-                  <a:path w="21600" h="21600" fill="norm" stroke="1" extrusionOk="0">
+                  <a:path w="21600" h="21600" extrusionOk="0">
                     <a:moveTo>
                       <a:pt x="3375" y="21600"/>
                     </a:moveTo>
@@ -14852,6 +15169,7 @@
                     </a:solidFill>
                   </a:defRPr>
                 </a:pPr>
+                <a:endParaRPr/>
               </a:p>
             </p:txBody>
           </p:sp>
@@ -14886,7 +15204,7 @@
                 </a:cxnLst>
                 <a:rect l="0" t="0" r="r" b="b"/>
                 <a:pathLst>
-                  <a:path w="21600" h="21600" fill="norm" stroke="1" extrusionOk="0">
+                  <a:path w="21600" h="21600" extrusionOk="0">
                     <a:moveTo>
                       <a:pt x="10800" y="21600"/>
                     </a:moveTo>
@@ -14968,6 +15286,7 @@
                     </a:solidFill>
                   </a:defRPr>
                 </a:pPr>
+                <a:endParaRPr/>
               </a:p>
             </p:txBody>
           </p:sp>
@@ -15002,7 +15321,7 @@
                 </a:cxnLst>
                 <a:rect l="0" t="0" r="r" b="b"/>
                 <a:pathLst>
-                  <a:path w="21600" h="21600" fill="norm" stroke="1" extrusionOk="0">
+                  <a:path w="21600" h="21600" extrusionOk="0">
                     <a:moveTo>
                       <a:pt x="10800" y="21600"/>
                     </a:moveTo>
@@ -15084,6 +15403,7 @@
                     </a:solidFill>
                   </a:defRPr>
                 </a:pPr>
+                <a:endParaRPr/>
               </a:p>
             </p:txBody>
           </p:sp>
@@ -15118,7 +15438,7 @@
                 </a:cxnLst>
                 <a:rect l="0" t="0" r="r" b="b"/>
                 <a:pathLst>
-                  <a:path w="21600" h="21600" fill="norm" stroke="1" extrusionOk="0">
+                  <a:path w="21600" h="21600" extrusionOk="0">
                     <a:moveTo>
                       <a:pt x="1232" y="21600"/>
                     </a:moveTo>
@@ -15177,6 +15497,7 @@
                     </a:solidFill>
                   </a:defRPr>
                 </a:pPr>
+                <a:endParaRPr/>
               </a:p>
             </p:txBody>
           </p:sp>
@@ -15211,7 +15532,7 @@
                 </a:cxnLst>
                 <a:rect l="0" t="0" r="r" b="b"/>
                 <a:pathLst>
-                  <a:path w="20618" h="21600" fill="norm" stroke="1" extrusionOk="0">
+                  <a:path w="20618" h="21600" extrusionOk="0">
                     <a:moveTo>
                       <a:pt x="10473" y="21600"/>
                     </a:moveTo>
@@ -15323,6 +15644,7 @@
                     </a:solidFill>
                   </a:defRPr>
                 </a:pPr>
+                <a:endParaRPr/>
               </a:p>
             </p:txBody>
           </p:sp>
@@ -15372,7 +15694,7 @@
                 </a:cxnLst>
                 <a:rect l="0" t="0" r="r" b="b"/>
                 <a:pathLst>
-                  <a:path w="21600" h="21600" fill="norm" stroke="1" extrusionOk="0">
+                  <a:path w="21600" h="21600" extrusionOk="0">
                     <a:moveTo>
                       <a:pt x="986" y="21600"/>
                     </a:moveTo>
@@ -15432,6 +15754,7 @@
                     </a:solidFill>
                   </a:defRPr>
                 </a:pPr>
+                <a:endParaRPr/>
               </a:p>
             </p:txBody>
           </p:sp>
@@ -15466,7 +15789,7 @@
                 </a:cxnLst>
                 <a:rect l="0" t="0" r="r" b="b"/>
                 <a:pathLst>
-                  <a:path w="20618" h="21600" fill="norm" stroke="1" extrusionOk="0">
+                  <a:path w="20618" h="21600" extrusionOk="0">
                     <a:moveTo>
                       <a:pt x="10145" y="21600"/>
                     </a:moveTo>
@@ -15577,6 +15900,7 @@
                     </a:solidFill>
                   </a:defRPr>
                 </a:pPr>
+                <a:endParaRPr/>
               </a:p>
             </p:txBody>
           </p:sp>
@@ -15611,7 +15935,7 @@
                 </a:cxnLst>
                 <a:rect l="0" t="0" r="r" b="b"/>
                 <a:pathLst>
-                  <a:path w="21600" h="21600" fill="norm" stroke="1" extrusionOk="0">
+                  <a:path w="21600" h="21600" extrusionOk="0">
                     <a:moveTo>
                       <a:pt x="10800" y="21600"/>
                     </a:moveTo>
@@ -15697,6 +16021,7 @@
                     </a:solidFill>
                   </a:defRPr>
                 </a:pPr>
+                <a:endParaRPr/>
               </a:p>
             </p:txBody>
           </p:sp>
@@ -15731,7 +16056,7 @@
                 </a:cxnLst>
                 <a:rect l="0" t="0" r="r" b="b"/>
                 <a:pathLst>
-                  <a:path w="21600" h="21600" fill="norm" stroke="1" extrusionOk="0">
+                  <a:path w="21600" h="21600" extrusionOk="0">
                     <a:moveTo>
                       <a:pt x="1723" y="21600"/>
                     </a:moveTo>
@@ -15791,6 +16116,7 @@
                     </a:solidFill>
                   </a:defRPr>
                 </a:pPr>
+                <a:endParaRPr/>
               </a:p>
             </p:txBody>
           </p:sp>
@@ -15825,7 +16151,7 @@
                 </a:cxnLst>
                 <a:rect l="0" t="0" r="r" b="b"/>
                 <a:pathLst>
-                  <a:path w="21600" h="21600" fill="norm" stroke="1" extrusionOk="0">
+                  <a:path w="21600" h="21600" extrusionOk="0">
                     <a:moveTo>
                       <a:pt x="11127" y="21600"/>
                     </a:moveTo>
@@ -15911,6 +16237,7 @@
                     </a:solidFill>
                   </a:defRPr>
                 </a:pPr>
+                <a:endParaRPr/>
               </a:p>
             </p:txBody>
           </p:sp>
@@ -15945,7 +16272,7 @@
                 </a:cxnLst>
                 <a:rect l="0" t="0" r="r" b="b"/>
                 <a:pathLst>
-                  <a:path w="21600" h="21600" fill="norm" stroke="1" extrusionOk="0">
+                  <a:path w="21600" h="21600" extrusionOk="0">
                     <a:moveTo>
                       <a:pt x="1687" y="21600"/>
                     </a:moveTo>
@@ -16011,6 +16338,7 @@
                     </a:solidFill>
                   </a:defRPr>
                 </a:pPr>
+                <a:endParaRPr/>
               </a:p>
             </p:txBody>
           </p:sp>
@@ -16045,7 +16373,7 @@
                 </a:cxnLst>
                 <a:rect l="0" t="0" r="r" b="b"/>
                 <a:pathLst>
-                  <a:path w="21600" h="21600" fill="norm" stroke="1" extrusionOk="0">
+                  <a:path w="21600" h="21600" extrusionOk="0">
                     <a:moveTo>
                       <a:pt x="10800" y="21600"/>
                     </a:moveTo>
@@ -16131,6 +16459,7 @@
                     </a:solidFill>
                   </a:defRPr>
                 </a:pPr>
+                <a:endParaRPr/>
               </a:p>
             </p:txBody>
           </p:sp>
@@ -16165,7 +16494,7 @@
                 </a:cxnLst>
                 <a:rect l="0" t="0" r="r" b="b"/>
                 <a:pathLst>
-                  <a:path w="21600" h="21600" fill="norm" stroke="1" extrusionOk="0">
+                  <a:path w="21600" h="21600" extrusionOk="0">
                     <a:moveTo>
                       <a:pt x="2004" y="21600"/>
                     </a:moveTo>
@@ -16231,6 +16560,7 @@
                     </a:solidFill>
                   </a:defRPr>
                 </a:pPr>
+                <a:endParaRPr/>
               </a:p>
             </p:txBody>
           </p:sp>
@@ -16265,7 +16595,7 @@
                 </a:cxnLst>
                 <a:rect l="0" t="0" r="r" b="b"/>
                 <a:pathLst>
-                  <a:path w="21600" h="21600" fill="norm" stroke="1" extrusionOk="0">
+                  <a:path w="21600" h="21600" extrusionOk="0">
                     <a:moveTo>
                       <a:pt x="10800" y="21600"/>
                     </a:moveTo>
@@ -16351,6 +16681,7 @@
                     </a:solidFill>
                   </a:defRPr>
                 </a:pPr>
+                <a:endParaRPr/>
               </a:p>
             </p:txBody>
           </p:sp>
@@ -16402,6 +16733,7 @@
                     </a:solidFill>
                   </a:defRPr>
                 </a:pPr>
+                <a:endParaRPr/>
               </a:p>
             </p:txBody>
           </p:sp>
@@ -16410,7 +16742,9 @@
       <p:sp>
         <p:nvSpPr>
           <p:cNvPr id="42" name="Title Text"/>
-          <p:cNvSpPr txBox="1"/>
+          <p:cNvSpPr txBox="1">
+            <a:spLocks noGrp="1"/>
+          </p:cNvSpPr>
           <p:nvPr>
             <p:ph type="title"/>
           </p:nvPr>
@@ -16428,17 +16762,16 @@
           </a:ln>
           <a:extLst>
             <a:ext uri="{C572A759-6A51-4108-AA02-DFA0A04FC94B}">
-              <ma14:wrappingTextBoxFlag xmlns:ma14="http://schemas.microsoft.com/office/mac/drawingml/2011/main" val="1"/>
+              <ma14:wrappingTextBoxFlag xmlns:ma14="http://schemas.microsoft.com/office/mac/drawingml/2011/main" xmlns:a14="http://schemas.microsoft.com/office/drawing/2010/main" xmlns:m="http://schemas.openxmlformats.org/officeDocument/2006/math" xmlns="" val="1"/>
             </a:ext>
           </a:extLst>
         </p:spPr>
         <p:txBody>
           <a:bodyPr lIns="45719" rIns="45719" anchor="ctr">
-            <a:normAutofit fontScale="100000" lnSpcReduction="0"/>
+            <a:normAutofit/>
           </a:bodyPr>
           <a:lstStyle/>
           <a:p>
-            <a:pPr/>
             <a:r>
               <a:t>Title Text</a:t>
             </a:r>
@@ -16448,7 +16781,9 @@
       <p:sp>
         <p:nvSpPr>
           <p:cNvPr id="43" name="Body Level One…"/>
-          <p:cNvSpPr txBox="1"/>
+          <p:cNvSpPr txBox="1">
+            <a:spLocks noGrp="1"/>
+          </p:cNvSpPr>
           <p:nvPr>
             <p:ph type="body" idx="1"/>
           </p:nvPr>
@@ -16466,17 +16801,16 @@
           </a:ln>
           <a:extLst>
             <a:ext uri="{C572A759-6A51-4108-AA02-DFA0A04FC94B}">
-              <ma14:wrappingTextBoxFlag xmlns:ma14="http://schemas.microsoft.com/office/mac/drawingml/2011/main" val="1"/>
+              <ma14:wrappingTextBoxFlag xmlns:ma14="http://schemas.microsoft.com/office/mac/drawingml/2011/main" xmlns:a14="http://schemas.microsoft.com/office/drawing/2010/main" xmlns:m="http://schemas.openxmlformats.org/officeDocument/2006/math" xmlns="" val="1"/>
             </a:ext>
           </a:extLst>
         </p:spPr>
         <p:txBody>
           <a:bodyPr lIns="45719" rIns="45719">
-            <a:normAutofit fontScale="100000" lnSpcReduction="0"/>
+            <a:normAutofit/>
           </a:bodyPr>
           <a:lstStyle/>
           <a:p>
-            <a:pPr/>
             <a:r>
               <a:t>Body Level One</a:t>
             </a:r>
@@ -16510,7 +16844,9 @@
       <p:sp>
         <p:nvSpPr>
           <p:cNvPr id="44" name="Slide Number"/>
-          <p:cNvSpPr txBox="1"/>
+          <p:cNvSpPr txBox="1">
+            <a:spLocks noGrp="1"/>
+          </p:cNvSpPr>
           <p:nvPr>
             <p:ph type="sldNum" sz="quarter" idx="2"/>
           </p:nvPr>
@@ -16541,8 +16877,10 @@
             </a:lvl1pPr>
           </a:lstStyle>
           <a:p>
-            <a:pPr/>
-            <a:fld id="{86CB4B4D-7CA3-9044-876B-883B54F8677D}" type="slidenum"/>
+            <a:fld id="{86CB4B4D-7CA3-9044-876B-883B54F8677D}" type="slidenum">
+              <a:t>‹#›</a:t>
+            </a:fld>
+            <a:endParaRPr/>
           </a:p>
         </p:txBody>
       </p:sp>
@@ -16550,23 +16888,24 @@
   </p:cSld>
   <p:clrMap bg1="lt1" tx1="dk1" bg2="lt2" tx2="dk2" accent1="accent1" accent2="accent2" accent3="accent3" accent4="accent4" accent5="accent5" accent6="accent6" hlink="hlink" folHlink="folHlink"/>
   <p:sldLayoutIdLst>
-    <p:sldLayoutId id="2147483649" r:id="rId4"/>
-    <p:sldLayoutId id="2147483650" r:id="rId5"/>
-    <p:sldLayoutId id="2147483651" r:id="rId6"/>
-    <p:sldLayoutId id="2147483652" r:id="rId7"/>
-    <p:sldLayoutId id="2147483653" r:id="rId8"/>
-    <p:sldLayoutId id="2147483654" r:id="rId9"/>
-    <p:sldLayoutId id="2147483655" r:id="rId10"/>
-    <p:sldLayoutId id="2147483656" r:id="rId11"/>
-    <p:sldLayoutId id="2147483657" r:id="rId12"/>
-    <p:sldLayoutId id="2147483658" r:id="rId13"/>
-    <p:sldLayoutId id="2147483659" r:id="rId14"/>
-    <p:sldLayoutId id="2147483660" r:id="rId15"/>
-    <p:sldLayoutId id="2147483661" r:id="rId16"/>
-    <p:sldLayoutId id="2147483662" r:id="rId17"/>
-    <p:sldLayoutId id="2147483663" r:id="rId18"/>
+    <p:sldLayoutId id="2147483649" r:id="rId1"/>
+    <p:sldLayoutId id="2147483650" r:id="rId2"/>
+    <p:sldLayoutId id="2147483651" r:id="rId3"/>
+    <p:sldLayoutId id="2147483652" r:id="rId4"/>
+    <p:sldLayoutId id="2147483653" r:id="rId5"/>
+    <p:sldLayoutId id="2147483654" r:id="rId6"/>
+    <p:sldLayoutId id="2147483655" r:id="rId7"/>
+    <p:sldLayoutId id="2147483656" r:id="rId8"/>
+    <p:sldLayoutId id="2147483657" r:id="rId9"/>
+    <p:sldLayoutId id="2147483658" r:id="rId10"/>
+    <p:sldLayoutId id="2147483659" r:id="rId11"/>
+    <p:sldLayoutId id="2147483660" r:id="rId12"/>
+    <p:sldLayoutId id="2147483661" r:id="rId13"/>
+    <p:sldLayoutId id="2147483662" r:id="rId14"/>
+    <p:sldLayoutId id="2147483663" r:id="rId15"/>
   </p:sldLayoutIdLst>
-  <p:transition xmlns:p14="http://schemas.microsoft.com/office/powerpoint/2010/main" spd="med" advClick="1"/>
+  <p:transition spd="med"/>
+  <p:hf hdr="0" ftr="0" dt="0"/>
   <p:txStyles>
     <p:titleStyle>
       <a:lvl1pPr marL="0" marR="0" indent="0" algn="l" defTabSz="914400" rtl="0" latinLnBrk="0">
@@ -16584,7 +16923,7 @@
         <a:buFontTx/>
         <a:buNone/>
         <a:tabLst/>
-        <a:defRPr b="0" baseline="0" cap="all" i="0" spc="0" strike="noStrike" sz="3600" u="none">
+        <a:defRPr sz="3600" b="0" i="0" u="none" strike="noStrike" cap="all" spc="0" baseline="0">
           <a:solidFill>
             <a:srgbClr val="FFFFFF"/>
           </a:solidFill>
@@ -16610,7 +16949,7 @@
         <a:buFontTx/>
         <a:buNone/>
         <a:tabLst/>
-        <a:defRPr b="0" baseline="0" cap="all" i="0" spc="0" strike="noStrike" sz="3600" u="none">
+        <a:defRPr sz="3600" b="0" i="0" u="none" strike="noStrike" cap="all" spc="0" baseline="0">
           <a:solidFill>
             <a:srgbClr val="FFFFFF"/>
           </a:solidFill>
@@ -16636,7 +16975,7 @@
         <a:buFontTx/>
         <a:buNone/>
         <a:tabLst/>
-        <a:defRPr b="0" baseline="0" cap="all" i="0" spc="0" strike="noStrike" sz="3600" u="none">
+        <a:defRPr sz="3600" b="0" i="0" u="none" strike="noStrike" cap="all" spc="0" baseline="0">
           <a:solidFill>
             <a:srgbClr val="FFFFFF"/>
           </a:solidFill>
@@ -16662,7 +17001,7 @@
         <a:buFontTx/>
         <a:buNone/>
         <a:tabLst/>
-        <a:defRPr b="0" baseline="0" cap="all" i="0" spc="0" strike="noStrike" sz="3600" u="none">
+        <a:defRPr sz="3600" b="0" i="0" u="none" strike="noStrike" cap="all" spc="0" baseline="0">
           <a:solidFill>
             <a:srgbClr val="FFFFFF"/>
           </a:solidFill>
@@ -16688,7 +17027,7 @@
         <a:buFontTx/>
         <a:buNone/>
         <a:tabLst/>
-        <a:defRPr b="0" baseline="0" cap="all" i="0" spc="0" strike="noStrike" sz="3600" u="none">
+        <a:defRPr sz="3600" b="0" i="0" u="none" strike="noStrike" cap="all" spc="0" baseline="0">
           <a:solidFill>
             <a:srgbClr val="FFFFFF"/>
           </a:solidFill>
@@ -16714,7 +17053,7 @@
         <a:buFontTx/>
         <a:buNone/>
         <a:tabLst/>
-        <a:defRPr b="0" baseline="0" cap="all" i="0" spc="0" strike="noStrike" sz="3600" u="none">
+        <a:defRPr sz="3600" b="0" i="0" u="none" strike="noStrike" cap="all" spc="0" baseline="0">
           <a:solidFill>
             <a:srgbClr val="FFFFFF"/>
           </a:solidFill>
@@ -16740,7 +17079,7 @@
         <a:buFontTx/>
         <a:buNone/>
         <a:tabLst/>
-        <a:defRPr b="0" baseline="0" cap="all" i="0" spc="0" strike="noStrike" sz="3600" u="none">
+        <a:defRPr sz="3600" b="0" i="0" u="none" strike="noStrike" cap="all" spc="0" baseline="0">
           <a:solidFill>
             <a:srgbClr val="FFFFFF"/>
           </a:solidFill>
@@ -16766,7 +17105,7 @@
         <a:buFontTx/>
         <a:buNone/>
         <a:tabLst/>
-        <a:defRPr b="0" baseline="0" cap="all" i="0" spc="0" strike="noStrike" sz="3600" u="none">
+        <a:defRPr sz="3600" b="0" i="0" u="none" strike="noStrike" cap="all" spc="0" baseline="0">
           <a:solidFill>
             <a:srgbClr val="FFFFFF"/>
           </a:solidFill>
@@ -16792,7 +17131,7 @@
         <a:buFontTx/>
         <a:buNone/>
         <a:tabLst/>
-        <a:defRPr b="0" baseline="0" cap="all" i="0" spc="0" strike="noStrike" sz="3600" u="none">
+        <a:defRPr sz="3600" b="0" i="0" u="none" strike="noStrike" cap="all" spc="0" baseline="0">
           <a:solidFill>
             <a:srgbClr val="FFFFFF"/>
           </a:solidFill>
@@ -16820,7 +17159,7 @@
         <a:buFont typeface="Arial"/>
         <a:buChar char="•"/>
         <a:tabLst/>
-        <a:defRPr b="0" baseline="0" cap="none" i="0" spc="0" strike="noStrike" sz="2400" u="none">
+        <a:defRPr sz="2400" b="0" i="0" u="none" strike="noStrike" cap="none" spc="0" baseline="0">
           <a:solidFill>
             <a:srgbClr val="FFFFFF"/>
           </a:solidFill>
@@ -16846,7 +17185,7 @@
         <a:buFont typeface="Arial"/>
         <a:buChar char="•"/>
         <a:tabLst/>
-        <a:defRPr b="0" baseline="0" cap="none" i="0" spc="0" strike="noStrike" sz="2400" u="none">
+        <a:defRPr sz="2400" b="0" i="0" u="none" strike="noStrike" cap="none" spc="0" baseline="0">
           <a:solidFill>
             <a:srgbClr val="FFFFFF"/>
           </a:solidFill>
@@ -16872,7 +17211,7 @@
         <a:buFont typeface="Arial"/>
         <a:buChar char="•"/>
         <a:tabLst/>
-        <a:defRPr b="0" baseline="0" cap="none" i="0" spc="0" strike="noStrike" sz="2400" u="none">
+        <a:defRPr sz="2400" b="0" i="0" u="none" strike="noStrike" cap="none" spc="0" baseline="0">
           <a:solidFill>
             <a:srgbClr val="FFFFFF"/>
           </a:solidFill>
@@ -16898,7 +17237,7 @@
         <a:buFont typeface="Arial"/>
         <a:buChar char="•"/>
         <a:tabLst/>
-        <a:defRPr b="0" baseline="0" cap="none" i="0" spc="0" strike="noStrike" sz="2400" u="none">
+        <a:defRPr sz="2400" b="0" i="0" u="none" strike="noStrike" cap="none" spc="0" baseline="0">
           <a:solidFill>
             <a:srgbClr val="FFFFFF"/>
           </a:solidFill>
@@ -16924,7 +17263,7 @@
         <a:buFont typeface="Arial"/>
         <a:buChar char="•"/>
         <a:tabLst/>
-        <a:defRPr b="0" baseline="0" cap="none" i="0" spc="0" strike="noStrike" sz="2400" u="none">
+        <a:defRPr sz="2400" b="0" i="0" u="none" strike="noStrike" cap="none" spc="0" baseline="0">
           <a:solidFill>
             <a:srgbClr val="FFFFFF"/>
           </a:solidFill>
@@ -16950,7 +17289,7 @@
         <a:buFont typeface="Arial"/>
         <a:buChar char="•"/>
         <a:tabLst/>
-        <a:defRPr b="0" baseline="0" cap="none" i="0" spc="0" strike="noStrike" sz="2400" u="none">
+        <a:defRPr sz="2400" b="0" i="0" u="none" strike="noStrike" cap="none" spc="0" baseline="0">
           <a:solidFill>
             <a:srgbClr val="FFFFFF"/>
           </a:solidFill>
@@ -16976,7 +17315,7 @@
         <a:buFont typeface="Arial"/>
         <a:buChar char="•"/>
         <a:tabLst/>
-        <a:defRPr b="0" baseline="0" cap="none" i="0" spc="0" strike="noStrike" sz="2400" u="none">
+        <a:defRPr sz="2400" b="0" i="0" u="none" strike="noStrike" cap="none" spc="0" baseline="0">
           <a:solidFill>
             <a:srgbClr val="FFFFFF"/>
           </a:solidFill>
@@ -17002,7 +17341,7 @@
         <a:buFont typeface="Arial"/>
         <a:buChar char="•"/>
         <a:tabLst/>
-        <a:defRPr b="0" baseline="0" cap="none" i="0" spc="0" strike="noStrike" sz="2400" u="none">
+        <a:defRPr sz="2400" b="0" i="0" u="none" strike="noStrike" cap="none" spc="0" baseline="0">
           <a:solidFill>
             <a:srgbClr val="FFFFFF"/>
           </a:solidFill>
@@ -17028,7 +17367,7 @@
         <a:buFont typeface="Arial"/>
         <a:buChar char="•"/>
         <a:tabLst/>
-        <a:defRPr b="0" baseline="0" cap="none" i="0" spc="0" strike="noStrike" sz="2400" u="none">
+        <a:defRPr sz="2400" b="0" i="0" u="none" strike="noStrike" cap="none" spc="0" baseline="0">
           <a:solidFill>
             <a:srgbClr val="FFFFFF"/>
           </a:solidFill>
@@ -17056,7 +17395,7 @@
         <a:buFontTx/>
         <a:buNone/>
         <a:tabLst/>
-        <a:defRPr b="0" baseline="0" cap="none" i="0" spc="0" strike="noStrike" sz="1000" u="none">
+        <a:defRPr sz="1000" b="0" i="0" u="none" strike="noStrike" cap="none" spc="0" baseline="0">
           <a:solidFill>
             <a:schemeClr val="tx1"/>
           </a:solidFill>
@@ -17082,7 +17421,7 @@
         <a:buFontTx/>
         <a:buNone/>
         <a:tabLst/>
-        <a:defRPr b="0" baseline="0" cap="none" i="0" spc="0" strike="noStrike" sz="1000" u="none">
+        <a:defRPr sz="1000" b="0" i="0" u="none" strike="noStrike" cap="none" spc="0" baseline="0">
           <a:solidFill>
             <a:schemeClr val="tx1"/>
           </a:solidFill>
@@ -17108,7 +17447,7 @@
         <a:buFontTx/>
         <a:buNone/>
         <a:tabLst/>
-        <a:defRPr b="0" baseline="0" cap="none" i="0" spc="0" strike="noStrike" sz="1000" u="none">
+        <a:defRPr sz="1000" b="0" i="0" u="none" strike="noStrike" cap="none" spc="0" baseline="0">
           <a:solidFill>
             <a:schemeClr val="tx1"/>
           </a:solidFill>
@@ -17134,7 +17473,7 @@
         <a:buFontTx/>
         <a:buNone/>
         <a:tabLst/>
-        <a:defRPr b="0" baseline="0" cap="none" i="0" spc="0" strike="noStrike" sz="1000" u="none">
+        <a:defRPr sz="1000" b="0" i="0" u="none" strike="noStrike" cap="none" spc="0" baseline="0">
           <a:solidFill>
             <a:schemeClr val="tx1"/>
           </a:solidFill>
@@ -17160,7 +17499,7 @@
         <a:buFontTx/>
         <a:buNone/>
         <a:tabLst/>
-        <a:defRPr b="0" baseline="0" cap="none" i="0" spc="0" strike="noStrike" sz="1000" u="none">
+        <a:defRPr sz="1000" b="0" i="0" u="none" strike="noStrike" cap="none" spc="0" baseline="0">
           <a:solidFill>
             <a:schemeClr val="tx1"/>
           </a:solidFill>
@@ -17186,7 +17525,7 @@
         <a:buFontTx/>
         <a:buNone/>
         <a:tabLst/>
-        <a:defRPr b="0" baseline="0" cap="none" i="0" spc="0" strike="noStrike" sz="1000" u="none">
+        <a:defRPr sz="1000" b="0" i="0" u="none" strike="noStrike" cap="none" spc="0" baseline="0">
           <a:solidFill>
             <a:schemeClr val="tx1"/>
           </a:solidFill>
@@ -17212,7 +17551,7 @@
         <a:buFontTx/>
         <a:buNone/>
         <a:tabLst/>
-        <a:defRPr b="0" baseline="0" cap="none" i="0" spc="0" strike="noStrike" sz="1000" u="none">
+        <a:defRPr sz="1000" b="0" i="0" u="none" strike="noStrike" cap="none" spc="0" baseline="0">
           <a:solidFill>
             <a:schemeClr val="tx1"/>
           </a:solidFill>
@@ -17238,7 +17577,7 @@
         <a:buFontTx/>
         <a:buNone/>
         <a:tabLst/>
-        <a:defRPr b="0" baseline="0" cap="none" i="0" spc="0" strike="noStrike" sz="1000" u="none">
+        <a:defRPr sz="1000" b="0" i="0" u="none" strike="noStrike" cap="none" spc="0" baseline="0">
           <a:solidFill>
             <a:schemeClr val="tx1"/>
           </a:solidFill>
@@ -17264,7 +17603,7 @@
         <a:buFontTx/>
         <a:buNone/>
         <a:tabLst/>
-        <a:defRPr b="0" baseline="0" cap="none" i="0" spc="0" strike="noStrike" sz="1000" u="none">
+        <a:defRPr sz="1000" b="0" i="0" u="none" strike="noStrike" cap="none" spc="0" baseline="0">
           <a:solidFill>
             <a:schemeClr val="tx1"/>
           </a:solidFill>
@@ -17281,7 +17620,7 @@
 </file>
 
 <file path=ppt/slides/slide1.xml><?xml version="1.0" encoding="utf-8"?>
-<p:sld xmlns:a="http://schemas.openxmlformats.org/drawingml/2006/main" xmlns:r="http://schemas.openxmlformats.org/officeDocument/2006/relationships" xmlns:p="http://schemas.openxmlformats.org/presentationml/2006/main" xmlns:m="http://schemas.openxmlformats.org/officeDocument/2006/math" xmlns:a14="http://schemas.microsoft.com/office/drawing/2010/main" showMasterSp="1" showMasterPhAnim="1">
+<p:sld xmlns:a="http://schemas.openxmlformats.org/drawingml/2006/main" xmlns:r="http://schemas.openxmlformats.org/officeDocument/2006/relationships" xmlns:p="http://schemas.openxmlformats.org/presentationml/2006/main">
   <p:cSld>
     <p:spTree>
       <p:nvGrpSpPr>
@@ -17300,7 +17639,9 @@
       <p:sp>
         <p:nvSpPr>
           <p:cNvPr id="301" name="Title 1"/>
-          <p:cNvSpPr txBox="1"/>
+          <p:cNvSpPr txBox="1">
+            <a:spLocks noGrp="1"/>
+          </p:cNvSpPr>
           <p:nvPr>
             <p:ph type="ctrTitle"/>
           </p:nvPr>
@@ -17314,7 +17655,6 @@
           <a:bodyPr/>
           <a:lstStyle/>
           <a:p>
-            <a:pPr/>
             <a:r>
               <a:t>Smart Security System</a:t>
             </a:r>
@@ -17324,7 +17664,9 @@
       <p:sp>
         <p:nvSpPr>
           <p:cNvPr id="302" name="Subtitle 2"/>
-          <p:cNvSpPr txBox="1"/>
+          <p:cNvSpPr txBox="1">
+            <a:spLocks noGrp="1"/>
+          </p:cNvSpPr>
           <p:nvPr>
             <p:ph type="subTitle" sz="quarter" idx="1"/>
           </p:nvPr>
@@ -17342,10 +17684,83 @@
           <a:bodyPr/>
           <a:lstStyle/>
           <a:p>
-            <a:pPr/>
             <a:r>
-              <a:t>Adam Corbin, Stincii Dumerjean, Malia Kency, Jared Peterson</a:t>
+              <a:rPr dirty="0"/>
+              <a:t>Adam Corbin, </a:t>
             </a:r>
+            <a:r>
+              <a:rPr dirty="0" err="1"/>
+              <a:t>Stincii</a:t>
+            </a:r>
+            <a:r>
+              <a:rPr dirty="0"/>
+              <a:t> </a:t>
+            </a:r>
+            <a:r>
+              <a:rPr dirty="0" err="1"/>
+              <a:t>Dumerjean</a:t>
+            </a:r>
+            <a:r>
+              <a:rPr dirty="0"/>
+              <a:t>, </a:t>
+            </a:r>
+            <a:r>
+              <a:rPr dirty="0" err="1"/>
+              <a:t>Malia</a:t>
+            </a:r>
+            <a:r>
+              <a:rPr dirty="0"/>
+              <a:t> </a:t>
+            </a:r>
+            <a:r>
+              <a:rPr dirty="0" err="1"/>
+              <a:t>Kency</a:t>
+            </a:r>
+            <a:r>
+              <a:rPr dirty="0"/>
+              <a:t>, Jared </a:t>
+            </a:r>
+            <a:r>
+              <a:rPr dirty="0" smtClean="0"/>
+              <a:t>Peterson</a:t>
+            </a:r>
+            <a:endParaRPr lang="en-US" dirty="0" smtClean="0"/>
+          </a:p>
+          <a:p>
+            <a:r>
+              <a:rPr lang="en-US" dirty="0" smtClean="0"/>
+              <a:t>Group 5</a:t>
+            </a:r>
+          </a:p>
+          <a:p>
+            <a:r>
+              <a:rPr lang="en-US" dirty="0" smtClean="0"/>
+              <a:t>CEN 5035 - Fall 2019</a:t>
+            </a:r>
+            <a:endParaRPr dirty="0"/>
+          </a:p>
+        </p:txBody>
+      </p:sp>
+      <p:sp>
+        <p:nvSpPr>
+          <p:cNvPr id="2" name="Slide Number Placeholder 1"/>
+          <p:cNvSpPr>
+            <a:spLocks noGrp="1"/>
+          </p:cNvSpPr>
+          <p:nvPr>
+            <p:ph type="sldNum" sz="quarter" idx="2"/>
+          </p:nvPr>
+        </p:nvSpPr>
+        <p:spPr/>
+        <p:txBody>
+          <a:bodyPr/>
+          <a:lstStyle/>
+          <a:p>
+            <a:fld id="{86CB4B4D-7CA3-9044-876B-883B54F8677D}" type="slidenum">
+              <a:rPr lang="en-US" smtClean="0"/>
+              <a:t>1</a:t>
+            </a:fld>
+            <a:endParaRPr lang="en-US"/>
           </a:p>
         </p:txBody>
       </p:sp>
@@ -17354,12 +17769,19 @@
   <p:clrMapOvr>
     <a:masterClrMapping/>
   </p:clrMapOvr>
-  <p:transition xmlns:p14="http://schemas.microsoft.com/office/powerpoint/2010/main" spd="med" advClick="1"/>
+  <p:transition spd="med"/>
+  <p:timing>
+    <p:tnLst>
+      <p:par>
+        <p:cTn id="1" dur="indefinite" restart="never" nodeType="tmRoot"/>
+      </p:par>
+    </p:tnLst>
+  </p:timing>
 </p:sld>
 </file>
 
 <file path=ppt/slides/slide2.xml><?xml version="1.0" encoding="utf-8"?>
-<p:sld xmlns:a="http://schemas.openxmlformats.org/drawingml/2006/main" xmlns:r="http://schemas.openxmlformats.org/officeDocument/2006/relationships" xmlns:p="http://schemas.openxmlformats.org/presentationml/2006/main" xmlns:m="http://schemas.openxmlformats.org/officeDocument/2006/math" xmlns:a14="http://schemas.microsoft.com/office/drawing/2010/main" showMasterSp="1" showMasterPhAnim="1">
+<p:sld xmlns:a="http://schemas.openxmlformats.org/drawingml/2006/main" xmlns:r="http://schemas.openxmlformats.org/officeDocument/2006/relationships" xmlns:p="http://schemas.openxmlformats.org/presentationml/2006/main">
   <p:cSld>
     <p:spTree>
       <p:nvGrpSpPr>
@@ -17378,7 +17800,9 @@
       <p:sp>
         <p:nvSpPr>
           <p:cNvPr id="304" name="Overview"/>
-          <p:cNvSpPr txBox="1"/>
+          <p:cNvSpPr txBox="1">
+            <a:spLocks noGrp="1"/>
+          </p:cNvSpPr>
           <p:nvPr>
             <p:ph type="title"/>
           </p:nvPr>
@@ -17392,7 +17816,6 @@
           <a:bodyPr/>
           <a:lstStyle/>
           <a:p>
-            <a:pPr/>
             <a:r>
               <a:t>Overview</a:t>
             </a:r>
@@ -17402,7 +17825,9 @@
       <p:sp>
         <p:nvSpPr>
           <p:cNvPr id="305" name="Purpose…"/>
-          <p:cNvSpPr txBox="1"/>
+          <p:cNvSpPr txBox="1">
+            <a:spLocks noGrp="1"/>
+          </p:cNvSpPr>
           <p:nvPr>
             <p:ph type="body" idx="1"/>
           </p:nvPr>
@@ -17413,7 +17838,9 @@
           </a:prstGeom>
         </p:spPr>
         <p:txBody>
-          <a:bodyPr/>
+          <a:bodyPr>
+            <a:normAutofit lnSpcReduction="10000"/>
+          </a:bodyPr>
           <a:lstStyle/>
           <a:p>
             <a:pPr marL="224027" indent="-224027" defTabSz="896111">
@@ -17494,17 +17921,47 @@
           </a:p>
         </p:txBody>
       </p:sp>
+      <p:sp>
+        <p:nvSpPr>
+          <p:cNvPr id="2" name="Slide Number Placeholder 1"/>
+          <p:cNvSpPr>
+            <a:spLocks noGrp="1"/>
+          </p:cNvSpPr>
+          <p:nvPr>
+            <p:ph type="sldNum" sz="quarter" idx="2"/>
+          </p:nvPr>
+        </p:nvSpPr>
+        <p:spPr/>
+        <p:txBody>
+          <a:bodyPr/>
+          <a:lstStyle/>
+          <a:p>
+            <a:fld id="{86CB4B4D-7CA3-9044-876B-883B54F8677D}" type="slidenum">
+              <a:rPr lang="en-US" smtClean="0"/>
+              <a:t>2</a:t>
+            </a:fld>
+            <a:endParaRPr lang="en-US"/>
+          </a:p>
+        </p:txBody>
+      </p:sp>
     </p:spTree>
   </p:cSld>
   <p:clrMapOvr>
     <a:masterClrMapping/>
   </p:clrMapOvr>
-  <p:transition xmlns:p14="http://schemas.microsoft.com/office/powerpoint/2010/main" spd="med" advClick="1"/>
+  <p:transition spd="med"/>
+  <p:timing>
+    <p:tnLst>
+      <p:par>
+        <p:cTn id="1" dur="indefinite" restart="never" nodeType="tmRoot"/>
+      </p:par>
+    </p:tnLst>
+  </p:timing>
 </p:sld>
 </file>
 
 <file path=ppt/slides/slide3.xml><?xml version="1.0" encoding="utf-8"?>
-<p:sld xmlns:a="http://schemas.openxmlformats.org/drawingml/2006/main" xmlns:r="http://schemas.openxmlformats.org/officeDocument/2006/relationships" xmlns:p="http://schemas.openxmlformats.org/presentationml/2006/main" xmlns:m="http://schemas.openxmlformats.org/officeDocument/2006/math" xmlns:a14="http://schemas.microsoft.com/office/drawing/2010/main" showMasterSp="1" showMasterPhAnim="1">
+<p:sld xmlns:a="http://schemas.openxmlformats.org/drawingml/2006/main" xmlns:r="http://schemas.openxmlformats.org/officeDocument/2006/relationships" xmlns:p="http://schemas.openxmlformats.org/presentationml/2006/main">
   <p:cSld>
     <p:spTree>
       <p:nvGrpSpPr>
@@ -17523,7 +17980,9 @@
       <p:sp>
         <p:nvSpPr>
           <p:cNvPr id="307" name="Purpose"/>
-          <p:cNvSpPr txBox="1"/>
+          <p:cNvSpPr txBox="1">
+            <a:spLocks noGrp="1"/>
+          </p:cNvSpPr>
           <p:nvPr>
             <p:ph type="title"/>
           </p:nvPr>
@@ -17537,7 +17996,6 @@
           <a:bodyPr/>
           <a:lstStyle/>
           <a:p>
-            <a:pPr/>
             <a:r>
               <a:t>Purpose</a:t>
             </a:r>
@@ -17547,7 +18005,9 @@
       <p:sp>
         <p:nvSpPr>
           <p:cNvPr id="308" name="The Smart Security System is designed for the modern always on the go user…"/>
-          <p:cNvSpPr txBox="1"/>
+          <p:cNvSpPr txBox="1">
+            <a:spLocks noGrp="1"/>
+          </p:cNvSpPr>
           <p:nvPr>
             <p:ph type="body" idx="1"/>
           </p:nvPr>
@@ -17558,37 +18018,57 @@
           </a:prstGeom>
         </p:spPr>
         <p:txBody>
-          <a:bodyPr/>
+          <a:bodyPr>
+            <a:normAutofit lnSpcReduction="10000"/>
+          </a:bodyPr>
           <a:lstStyle/>
           <a:p>
-            <a:pPr/>
             <a:r>
               <a:t>The Smart Security System is designed for the modern always on the go user</a:t>
             </a:r>
           </a:p>
           <a:p>
-            <a:pPr/>
             <a:r>
               <a:t>The system guards their home and valuables while they are off on business or out on the town for fun</a:t>
             </a:r>
           </a:p>
           <a:p>
-            <a:pPr/>
             <a:r>
               <a:t>Google Calendar integration allows the system to automatically arm and disarm based on the users schedule</a:t>
             </a:r>
           </a:p>
           <a:p>
-            <a:pPr/>
             <a:r>
               <a:t>Messaging allows the user to quickly get notifications should trouble occur</a:t>
             </a:r>
           </a:p>
           <a:p>
-            <a:pPr/>
             <a:r>
               <a:t>Users can easily manage their system from any where with its web Interface</a:t>
             </a:r>
+          </a:p>
+        </p:txBody>
+      </p:sp>
+      <p:sp>
+        <p:nvSpPr>
+          <p:cNvPr id="2" name="Slide Number Placeholder 1"/>
+          <p:cNvSpPr>
+            <a:spLocks noGrp="1"/>
+          </p:cNvSpPr>
+          <p:nvPr>
+            <p:ph type="sldNum" sz="quarter" idx="2"/>
+          </p:nvPr>
+        </p:nvSpPr>
+        <p:spPr/>
+        <p:txBody>
+          <a:bodyPr/>
+          <a:lstStyle/>
+          <a:p>
+            <a:fld id="{86CB4B4D-7CA3-9044-876B-883B54F8677D}" type="slidenum">
+              <a:rPr lang="en-US" smtClean="0"/>
+              <a:t>3</a:t>
+            </a:fld>
+            <a:endParaRPr lang="en-US"/>
           </a:p>
         </p:txBody>
       </p:sp>
@@ -17597,12 +18077,19 @@
   <p:clrMapOvr>
     <a:masterClrMapping/>
   </p:clrMapOvr>
-  <p:transition xmlns:p14="http://schemas.microsoft.com/office/powerpoint/2010/main" spd="med" advClick="1"/>
+  <p:transition spd="med"/>
+  <p:timing>
+    <p:tnLst>
+      <p:par>
+        <p:cTn id="1" dur="indefinite" restart="never" nodeType="tmRoot"/>
+      </p:par>
+    </p:tnLst>
+  </p:timing>
 </p:sld>
 </file>
 
 <file path=ppt/slides/slide4.xml><?xml version="1.0" encoding="utf-8"?>
-<p:sld xmlns:a="http://schemas.openxmlformats.org/drawingml/2006/main" xmlns:r="http://schemas.openxmlformats.org/officeDocument/2006/relationships" xmlns:p="http://schemas.openxmlformats.org/presentationml/2006/main" xmlns:m="http://schemas.openxmlformats.org/officeDocument/2006/math" xmlns:a14="http://schemas.microsoft.com/office/drawing/2010/main" showMasterSp="1" showMasterPhAnim="1">
+<p:sld xmlns:a="http://schemas.openxmlformats.org/drawingml/2006/main" xmlns:r="http://schemas.openxmlformats.org/officeDocument/2006/relationships" xmlns:p="http://schemas.openxmlformats.org/presentationml/2006/main">
   <p:cSld>
     <p:spTree>
       <p:nvGrpSpPr>
@@ -17621,7 +18108,9 @@
       <p:sp>
         <p:nvSpPr>
           <p:cNvPr id="310" name="Roles"/>
-          <p:cNvSpPr txBox="1"/>
+          <p:cNvSpPr txBox="1">
+            <a:spLocks noGrp="1"/>
+          </p:cNvSpPr>
           <p:nvPr>
             <p:ph type="title"/>
           </p:nvPr>
@@ -17645,7 +18134,9 @@
       <p:sp>
         <p:nvSpPr>
           <p:cNvPr id="311" name="Adam Corbin - Project Owner…"/>
-          <p:cNvSpPr txBox="1"/>
+          <p:cNvSpPr txBox="1">
+            <a:spLocks noGrp="1"/>
+          </p:cNvSpPr>
           <p:nvPr>
             <p:ph type="body" idx="1"/>
           </p:nvPr>
@@ -17659,28 +18150,111 @@
           <a:bodyPr/>
           <a:lstStyle/>
           <a:p>
-            <a:pPr/>
             <a:r>
-              <a:t>Adam Corbin - Project Owner</a:t>
+              <a:rPr dirty="0"/>
+              <a:t>Adam Corbin - Project </a:t>
             </a:r>
+            <a:r>
+              <a:rPr dirty="0" smtClean="0"/>
+              <a:t>Owner</a:t>
+            </a:r>
+            <a:r>
+              <a:rPr lang="en-US" dirty="0" smtClean="0"/>
+              <a:t> – Hardware setup and API to Hardware</a:t>
+            </a:r>
+            <a:endParaRPr dirty="0"/>
           </a:p>
           <a:p>
-            <a:pPr/>
             <a:r>
-              <a:t>Stincii Dumerjean - Individual Contributor</a:t>
+              <a:rPr dirty="0" err="1"/>
+              <a:t>Stincii</a:t>
             </a:r>
+            <a:r>
+              <a:rPr dirty="0"/>
+              <a:t> </a:t>
+            </a:r>
+            <a:r>
+              <a:rPr dirty="0" err="1"/>
+              <a:t>Dumerjean</a:t>
+            </a:r>
+            <a:r>
+              <a:rPr dirty="0"/>
+              <a:t> - Individual </a:t>
+            </a:r>
+            <a:r>
+              <a:rPr dirty="0" smtClean="0"/>
+              <a:t>Contributor</a:t>
+            </a:r>
+            <a:r>
+              <a:rPr lang="en-US" dirty="0" smtClean="0"/>
+              <a:t> - Notifications</a:t>
+            </a:r>
+            <a:endParaRPr dirty="0"/>
           </a:p>
           <a:p>
-            <a:pPr/>
             <a:r>
-              <a:t>Malia Kency - Individual Contributor</a:t>
+              <a:rPr dirty="0" err="1"/>
+              <a:t>Malia</a:t>
             </a:r>
+            <a:r>
+              <a:rPr dirty="0"/>
+              <a:t> </a:t>
+            </a:r>
+            <a:r>
+              <a:rPr dirty="0" err="1"/>
+              <a:t>Kency</a:t>
+            </a:r>
+            <a:r>
+              <a:rPr dirty="0"/>
+              <a:t> - Individual </a:t>
+            </a:r>
+            <a:r>
+              <a:rPr dirty="0" smtClean="0"/>
+              <a:t>Contributor</a:t>
+            </a:r>
+            <a:r>
+              <a:rPr lang="en-US" dirty="0" smtClean="0"/>
+              <a:t> – UI Lead</a:t>
+            </a:r>
+            <a:endParaRPr dirty="0"/>
           </a:p>
           <a:p>
-            <a:pPr/>
             <a:r>
-              <a:t>Jared Peterson - Scrum Master</a:t>
+              <a:rPr dirty="0"/>
+              <a:t>Jared Peterson - Scrum </a:t>
             </a:r>
+            <a:r>
+              <a:rPr dirty="0" smtClean="0"/>
+              <a:t>Master</a:t>
+            </a:r>
+            <a:r>
+              <a:rPr lang="en-US" dirty="0" smtClean="0"/>
+              <a:t> – System integrator </a:t>
+            </a:r>
+            <a:endParaRPr dirty="0"/>
+          </a:p>
+        </p:txBody>
+      </p:sp>
+      <p:sp>
+        <p:nvSpPr>
+          <p:cNvPr id="2" name="Slide Number Placeholder 1"/>
+          <p:cNvSpPr>
+            <a:spLocks noGrp="1"/>
+          </p:cNvSpPr>
+          <p:nvPr>
+            <p:ph type="sldNum" sz="quarter" idx="2"/>
+          </p:nvPr>
+        </p:nvSpPr>
+        <p:spPr/>
+        <p:txBody>
+          <a:bodyPr/>
+          <a:lstStyle/>
+          <a:p>
+            <a:fld id="{86CB4B4D-7CA3-9044-876B-883B54F8677D}" type="slidenum">
+              <a:rPr lang="en-US" smtClean="0"/>
+              <a:t>4</a:t>
+            </a:fld>
+            <a:endParaRPr lang="en-US"/>
           </a:p>
         </p:txBody>
       </p:sp>
@@ -17689,12 +18263,19 @@
   <p:clrMapOvr>
     <a:masterClrMapping/>
   </p:clrMapOvr>
-  <p:transition xmlns:p14="http://schemas.microsoft.com/office/powerpoint/2010/main" spd="med" advClick="1"/>
+  <p:transition spd="med"/>
+  <p:timing>
+    <p:tnLst>
+      <p:par>
+        <p:cTn id="1" dur="indefinite" restart="never" nodeType="tmRoot"/>
+      </p:par>
+    </p:tnLst>
+  </p:timing>
 </p:sld>
 </file>
 
 <file path=ppt/slides/slide5.xml><?xml version="1.0" encoding="utf-8"?>
-<p:sld xmlns:a="http://schemas.openxmlformats.org/drawingml/2006/main" xmlns:r="http://schemas.openxmlformats.org/officeDocument/2006/relationships" xmlns:p="http://schemas.openxmlformats.org/presentationml/2006/main" xmlns:m="http://schemas.openxmlformats.org/officeDocument/2006/math" xmlns:a14="http://schemas.microsoft.com/office/drawing/2010/main" showMasterSp="1" showMasterPhAnim="1">
+<p:sld xmlns:a="http://schemas.openxmlformats.org/drawingml/2006/main" xmlns:r="http://schemas.openxmlformats.org/officeDocument/2006/relationships" xmlns:p="http://schemas.openxmlformats.org/presentationml/2006/main">
   <p:cSld>
     <p:spTree>
       <p:nvGrpSpPr>
@@ -17713,7 +18294,9 @@
       <p:sp>
         <p:nvSpPr>
           <p:cNvPr id="313" name="Title 1"/>
-          <p:cNvSpPr txBox="1"/>
+          <p:cNvSpPr txBox="1">
+            <a:spLocks noGrp="1"/>
+          </p:cNvSpPr>
           <p:nvPr>
             <p:ph type="title"/>
           </p:nvPr>
@@ -17731,7 +18314,6 @@
           <a:bodyPr/>
           <a:lstStyle/>
           <a:p>
-            <a:pPr/>
             <a:r>
               <a:t>System Components</a:t>
             </a:r>
@@ -17741,7 +18323,9 @@
       <p:sp>
         <p:nvSpPr>
           <p:cNvPr id="314" name="Content Placeholder 2"/>
-          <p:cNvSpPr txBox="1"/>
+          <p:cNvSpPr txBox="1">
+            <a:spLocks noGrp="1"/>
+          </p:cNvSpPr>
           <p:nvPr>
             <p:ph type="body" idx="1"/>
           </p:nvPr>
@@ -17756,7 +18340,9 @@
           </a:prstGeom>
         </p:spPr>
         <p:txBody>
-          <a:bodyPr/>
+          <a:bodyPr>
+            <a:normAutofit lnSpcReduction="10000"/>
+          </a:bodyPr>
           <a:lstStyle/>
           <a:p>
             <a:pPr marL="224027" indent="-224027" defTabSz="896111">
@@ -17872,17 +18458,47 @@
           </a:p>
         </p:txBody>
       </p:sp>
+      <p:sp>
+        <p:nvSpPr>
+          <p:cNvPr id="2" name="Slide Number Placeholder 1"/>
+          <p:cNvSpPr>
+            <a:spLocks noGrp="1"/>
+          </p:cNvSpPr>
+          <p:nvPr>
+            <p:ph type="sldNum" sz="quarter" idx="2"/>
+          </p:nvPr>
+        </p:nvSpPr>
+        <p:spPr/>
+        <p:txBody>
+          <a:bodyPr/>
+          <a:lstStyle/>
+          <a:p>
+            <a:fld id="{86CB4B4D-7CA3-9044-876B-883B54F8677D}" type="slidenum">
+              <a:rPr lang="en-US" smtClean="0"/>
+              <a:t>5</a:t>
+            </a:fld>
+            <a:endParaRPr lang="en-US"/>
+          </a:p>
+        </p:txBody>
+      </p:sp>
     </p:spTree>
   </p:cSld>
   <p:clrMapOvr>
     <a:masterClrMapping/>
   </p:clrMapOvr>
-  <p:transition xmlns:p14="http://schemas.microsoft.com/office/powerpoint/2010/main" spd="med" advClick="1"/>
+  <p:transition spd="med"/>
+  <p:timing>
+    <p:tnLst>
+      <p:par>
+        <p:cTn id="1" dur="indefinite" restart="never" nodeType="tmRoot"/>
+      </p:par>
+    </p:tnLst>
+  </p:timing>
 </p:sld>
 </file>
 
 <file path=ppt/slides/slide6.xml><?xml version="1.0" encoding="utf-8"?>
-<p:sld xmlns:a="http://schemas.openxmlformats.org/drawingml/2006/main" xmlns:r="http://schemas.openxmlformats.org/officeDocument/2006/relationships" xmlns:p="http://schemas.openxmlformats.org/presentationml/2006/main" xmlns:m="http://schemas.openxmlformats.org/officeDocument/2006/math" xmlns:a14="http://schemas.microsoft.com/office/drawing/2010/main" showMasterSp="1" showMasterPhAnim="1">
+<p:sld xmlns:a="http://schemas.openxmlformats.org/drawingml/2006/main" xmlns:r="http://schemas.openxmlformats.org/officeDocument/2006/relationships" xmlns:p="http://schemas.openxmlformats.org/presentationml/2006/main">
   <p:cSld>
     <p:spTree>
       <p:nvGrpSpPr>
@@ -17901,7 +18517,9 @@
       <p:sp>
         <p:nvSpPr>
           <p:cNvPr id="316" name="Title 1"/>
-          <p:cNvSpPr txBox="1"/>
+          <p:cNvSpPr txBox="1">
+            <a:spLocks noGrp="1"/>
+          </p:cNvSpPr>
           <p:nvPr>
             <p:ph type="title"/>
           </p:nvPr>
@@ -17919,7 +18537,6 @@
           <a:bodyPr/>
           <a:lstStyle/>
           <a:p>
-            <a:pPr/>
             <a:r>
               <a:t>Inputs</a:t>
             </a:r>
@@ -17929,7 +18546,9 @@
       <p:sp>
         <p:nvSpPr>
           <p:cNvPr id="317" name="Content Placeholder 2"/>
-          <p:cNvSpPr txBox="1"/>
+          <p:cNvSpPr txBox="1">
+            <a:spLocks noGrp="1"/>
+          </p:cNvSpPr>
           <p:nvPr>
             <p:ph type="body" idx="1"/>
           </p:nvPr>
@@ -17947,28 +18566,40 @@
           <a:bodyPr/>
           <a:lstStyle/>
           <a:p>
-            <a:pPr/>
             <a:r>
+              <a:rPr dirty="0"/>
               <a:t>HC-SR501 PIR(passive infrared) Motion Sensor</a:t>
             </a:r>
           </a:p>
           <a:p>
-            <a:pPr/>
             <a:r>
+              <a:rPr dirty="0"/>
               <a:t>4x4 Matrix membrane switch</a:t>
             </a:r>
           </a:p>
           <a:p>
-            <a:pPr/>
             <a:r>
+              <a:rPr dirty="0"/>
               <a:t>Google Calendar</a:t>
             </a:r>
           </a:p>
           <a:p>
-            <a:pPr/>
             <a:r>
-              <a:t>PS3 Eye camera video</a:t>
+              <a:rPr dirty="0"/>
+              <a:t>PS3 Eye camera </a:t>
             </a:r>
+            <a:r>
+              <a:rPr dirty="0" smtClean="0"/>
+              <a:t>video</a:t>
+            </a:r>
+            <a:endParaRPr lang="en-US" dirty="0" smtClean="0"/>
+          </a:p>
+          <a:p>
+            <a:r>
+              <a:rPr lang="en-US" dirty="0" smtClean="0"/>
+              <a:t>HC-RS04 Ultrasonic distance sensor</a:t>
+            </a:r>
+            <a:endParaRPr dirty="0"/>
           </a:p>
         </p:txBody>
       </p:sp>
@@ -17990,8 +18621,8 @@
         </p:blipFill>
         <p:spPr>
           <a:xfrm>
-            <a:off x="7865729" y="1144179"/>
-            <a:ext cx="4953203" cy="4953203"/>
+            <a:off x="7913511" y="2249486"/>
+            <a:ext cx="4530706" cy="4530706"/>
           </a:xfrm>
           <a:prstGeom prst="rect">
             <a:avLst/>
@@ -18019,7 +18650,7 @@
         </p:blipFill>
         <p:spPr>
           <a:xfrm>
-            <a:off x="5981486" y="0"/>
+            <a:off x="6410463" y="-15332"/>
             <a:ext cx="2446366" cy="2446366"/>
           </a:xfrm>
           <a:prstGeom prst="rect">
@@ -18048,7 +18679,7 @@
         </p:blipFill>
         <p:spPr>
           <a:xfrm>
-            <a:off x="1877474" y="4332454"/>
+            <a:off x="9265110" y="258661"/>
             <a:ext cx="2189533" cy="2189533"/>
           </a:xfrm>
           <a:prstGeom prst="rect">
@@ -18077,7 +18708,7 @@
         </p:blipFill>
         <p:spPr>
           <a:xfrm>
-            <a:off x="5420059" y="3423903"/>
+            <a:off x="5534108" y="3064884"/>
             <a:ext cx="3569221" cy="3098084"/>
           </a:xfrm>
           <a:prstGeom prst="rect">
@@ -18088,17 +18719,88 @@
           </a:ln>
         </p:spPr>
       </p:pic>
+      <p:pic>
+        <p:nvPicPr>
+          <p:cNvPr id="1026" name="Picture 2" descr="Image result for &quot;hc sr04&quot;"/>
+          <p:cNvPicPr>
+            <a:picLocks noChangeAspect="1" noChangeArrowheads="1"/>
+          </p:cNvPicPr>
+          <p:nvPr/>
+        </p:nvPicPr>
+        <p:blipFill>
+          <a:blip r:embed="rId6">
+            <a:extLst>
+              <a:ext uri="{28A0092B-C50C-407E-A947-70E740481C1C}">
+                <a14:useLocalDpi xmlns:a14="http://schemas.microsoft.com/office/drawing/2010/main" val="0"/>
+              </a:ext>
+            </a:extLst>
+          </a:blip>
+          <a:srcRect/>
+          <a:stretch>
+            <a:fillRect/>
+          </a:stretch>
+        </p:blipFill>
+        <p:spPr bwMode="auto">
+          <a:xfrm>
+            <a:off x="3212719" y="-87316"/>
+            <a:ext cx="2881489" cy="2881489"/>
+          </a:xfrm>
+          <a:prstGeom prst="rect">
+            <a:avLst/>
+          </a:prstGeom>
+          <a:noFill/>
+          <a:extLst>
+            <a:ext uri="{909E8E84-426E-40DD-AFC4-6F175D3DCCD1}">
+              <a14:hiddenFill xmlns:a14="http://schemas.microsoft.com/office/drawing/2010/main">
+                <a:solidFill>
+                  <a:srgbClr val="FFFFFF"/>
+                </a:solidFill>
+              </a14:hiddenFill>
+            </a:ext>
+          </a:extLst>
+        </p:spPr>
+      </p:pic>
+      <p:sp>
+        <p:nvSpPr>
+          <p:cNvPr id="2" name="Slide Number Placeholder 1"/>
+          <p:cNvSpPr>
+            <a:spLocks noGrp="1"/>
+          </p:cNvSpPr>
+          <p:nvPr>
+            <p:ph type="sldNum" sz="quarter" idx="2"/>
+          </p:nvPr>
+        </p:nvSpPr>
+        <p:spPr/>
+        <p:txBody>
+          <a:bodyPr/>
+          <a:lstStyle/>
+          <a:p>
+            <a:fld id="{86CB4B4D-7CA3-9044-876B-883B54F8677D}" type="slidenum">
+              <a:rPr lang="en-US" smtClean="0"/>
+              <a:t>6</a:t>
+            </a:fld>
+            <a:endParaRPr lang="en-US"/>
+          </a:p>
+        </p:txBody>
+      </p:sp>
     </p:spTree>
   </p:cSld>
   <p:clrMapOvr>
     <a:masterClrMapping/>
   </p:clrMapOvr>
-  <p:transition xmlns:p14="http://schemas.microsoft.com/office/powerpoint/2010/main" spd="med" advClick="1"/>
+  <p:transition spd="med"/>
+  <p:timing>
+    <p:tnLst>
+      <p:par>
+        <p:cTn id="1" dur="indefinite" restart="never" nodeType="tmRoot"/>
+      </p:par>
+    </p:tnLst>
+  </p:timing>
 </p:sld>
 </file>
 
 <file path=ppt/slides/slide7.xml><?xml version="1.0" encoding="utf-8"?>
-<p:sld xmlns:a="http://schemas.openxmlformats.org/drawingml/2006/main" xmlns:r="http://schemas.openxmlformats.org/officeDocument/2006/relationships" xmlns:p="http://schemas.openxmlformats.org/presentationml/2006/main" xmlns:m="http://schemas.openxmlformats.org/officeDocument/2006/math" xmlns:a14="http://schemas.microsoft.com/office/drawing/2010/main" showMasterSp="1" showMasterPhAnim="1">
+<p:sld xmlns:a="http://schemas.openxmlformats.org/drawingml/2006/main" xmlns:r="http://schemas.openxmlformats.org/officeDocument/2006/relationships" xmlns:p="http://schemas.openxmlformats.org/presentationml/2006/main">
   <p:cSld>
     <p:spTree>
       <p:nvGrpSpPr>
@@ -18117,7 +18819,9 @@
       <p:sp>
         <p:nvSpPr>
           <p:cNvPr id="323" name="Title 1"/>
-          <p:cNvSpPr txBox="1"/>
+          <p:cNvSpPr txBox="1">
+            <a:spLocks noGrp="1"/>
+          </p:cNvSpPr>
           <p:nvPr>
             <p:ph type="title"/>
           </p:nvPr>
@@ -18135,7 +18839,6 @@
           <a:bodyPr/>
           <a:lstStyle/>
           <a:p>
-            <a:pPr/>
             <a:r>
               <a:t>outputs</a:t>
             </a:r>
@@ -18145,7 +18848,9 @@
       <p:sp>
         <p:nvSpPr>
           <p:cNvPr id="324" name="Content Placeholder 2"/>
-          <p:cNvSpPr txBox="1"/>
+          <p:cNvSpPr txBox="1">
+            <a:spLocks noGrp="1"/>
+          </p:cNvSpPr>
           <p:nvPr>
             <p:ph type="body" idx="1"/>
           </p:nvPr>
@@ -18163,19 +18868,16 @@
           <a:bodyPr/>
           <a:lstStyle/>
           <a:p>
-            <a:pPr/>
             <a:r>
               <a:t>RGB LED Module</a:t>
             </a:r>
           </a:p>
           <a:p>
-            <a:pPr/>
             <a:r>
               <a:t>Web user interface</a:t>
             </a:r>
           </a:p>
           <a:p>
-            <a:pPr/>
             <a:r>
               <a:t>MMS Notifications</a:t>
             </a:r>
@@ -18240,17 +18942,47 @@
           </a:ln>
         </p:spPr>
       </p:pic>
+      <p:sp>
+        <p:nvSpPr>
+          <p:cNvPr id="2" name="Slide Number Placeholder 1"/>
+          <p:cNvSpPr>
+            <a:spLocks noGrp="1"/>
+          </p:cNvSpPr>
+          <p:nvPr>
+            <p:ph type="sldNum" sz="quarter" idx="2"/>
+          </p:nvPr>
+        </p:nvSpPr>
+        <p:spPr/>
+        <p:txBody>
+          <a:bodyPr/>
+          <a:lstStyle/>
+          <a:p>
+            <a:fld id="{86CB4B4D-7CA3-9044-876B-883B54F8677D}" type="slidenum">
+              <a:rPr lang="en-US" smtClean="0"/>
+              <a:t>7</a:t>
+            </a:fld>
+            <a:endParaRPr lang="en-US"/>
+          </a:p>
+        </p:txBody>
+      </p:sp>
     </p:spTree>
   </p:cSld>
   <p:clrMapOvr>
     <a:masterClrMapping/>
   </p:clrMapOvr>
-  <p:transition xmlns:p14="http://schemas.microsoft.com/office/powerpoint/2010/main" spd="med" advClick="1"/>
+  <p:transition spd="med"/>
+  <p:timing>
+    <p:tnLst>
+      <p:par>
+        <p:cTn id="1" dur="indefinite" restart="never" nodeType="tmRoot"/>
+      </p:par>
+    </p:tnLst>
+  </p:timing>
 </p:sld>
 </file>
 
 <file path=ppt/slides/slide8.xml><?xml version="1.0" encoding="utf-8"?>
-<p:sld xmlns:a="http://schemas.openxmlformats.org/drawingml/2006/main" xmlns:r="http://schemas.openxmlformats.org/officeDocument/2006/relationships" xmlns:p="http://schemas.openxmlformats.org/presentationml/2006/main" xmlns:m="http://schemas.openxmlformats.org/officeDocument/2006/math" xmlns:a14="http://schemas.microsoft.com/office/drawing/2010/main" showMasterSp="1" showMasterPhAnim="1">
+<p:sld xmlns:a="http://schemas.openxmlformats.org/drawingml/2006/main" xmlns:r="http://schemas.openxmlformats.org/officeDocument/2006/relationships" xmlns:p="http://schemas.openxmlformats.org/presentationml/2006/main">
   <p:cSld>
     <p:spTree>
       <p:nvGrpSpPr>
@@ -18269,7 +19001,9 @@
       <p:sp>
         <p:nvSpPr>
           <p:cNvPr id="328" name="Title 1"/>
-          <p:cNvSpPr txBox="1"/>
+          <p:cNvSpPr txBox="1">
+            <a:spLocks noGrp="1"/>
+          </p:cNvSpPr>
           <p:nvPr>
             <p:ph type="title"/>
           </p:nvPr>
@@ -18287,7 +19021,6 @@
           <a:bodyPr/>
           <a:lstStyle/>
           <a:p>
-            <a:pPr/>
             <a:r>
               <a:t>services</a:t>
             </a:r>
@@ -18297,7 +19030,9 @@
       <p:sp>
         <p:nvSpPr>
           <p:cNvPr id="329" name="Content Placeholder 2"/>
-          <p:cNvSpPr txBox="1"/>
+          <p:cNvSpPr txBox="1">
+            <a:spLocks noGrp="1"/>
+          </p:cNvSpPr>
           <p:nvPr>
             <p:ph type="body" idx="1"/>
           </p:nvPr>
@@ -18315,34 +19050,52 @@
           <a:bodyPr/>
           <a:lstStyle/>
           <a:p>
-            <a:pPr/>
             <a:r>
               <a:t>Watson Graphs</a:t>
             </a:r>
           </a:p>
           <a:p>
-            <a:pPr/>
             <a:r>
               <a:t>Motion project library</a:t>
             </a:r>
           </a:p>
           <a:p>
-            <a:pPr/>
             <a:r>
               <a:t>Flask for UI</a:t>
             </a:r>
           </a:p>
           <a:p>
-            <a:pPr/>
             <a:r>
               <a:t>Twilio API for notifications</a:t>
             </a:r>
           </a:p>
           <a:p>
-            <a:pPr/>
             <a:r>
               <a:t>Google Calendar API </a:t>
             </a:r>
+          </a:p>
+        </p:txBody>
+      </p:sp>
+      <p:sp>
+        <p:nvSpPr>
+          <p:cNvPr id="2" name="Slide Number Placeholder 1"/>
+          <p:cNvSpPr>
+            <a:spLocks noGrp="1"/>
+          </p:cNvSpPr>
+          <p:nvPr>
+            <p:ph type="sldNum" sz="quarter" idx="2"/>
+          </p:nvPr>
+        </p:nvSpPr>
+        <p:spPr/>
+        <p:txBody>
+          <a:bodyPr/>
+          <a:lstStyle/>
+          <a:p>
+            <a:fld id="{86CB4B4D-7CA3-9044-876B-883B54F8677D}" type="slidenum">
+              <a:rPr lang="en-US" smtClean="0"/>
+              <a:t>8</a:t>
+            </a:fld>
+            <a:endParaRPr lang="en-US"/>
           </a:p>
         </p:txBody>
       </p:sp>
@@ -18351,12 +19104,19 @@
   <p:clrMapOvr>
     <a:masterClrMapping/>
   </p:clrMapOvr>
-  <p:transition xmlns:p14="http://schemas.microsoft.com/office/powerpoint/2010/main" spd="med" advClick="1"/>
+  <p:transition spd="med"/>
+  <p:timing>
+    <p:tnLst>
+      <p:par>
+        <p:cTn id="1" dur="indefinite" restart="never" nodeType="tmRoot"/>
+      </p:par>
+    </p:tnLst>
+  </p:timing>
 </p:sld>
 </file>
 
 <file path=ppt/slides/slide9.xml><?xml version="1.0" encoding="utf-8"?>
-<p:sld xmlns:a="http://schemas.openxmlformats.org/drawingml/2006/main" xmlns:r="http://schemas.openxmlformats.org/officeDocument/2006/relationships" xmlns:p="http://schemas.openxmlformats.org/presentationml/2006/main" xmlns:m="http://schemas.openxmlformats.org/officeDocument/2006/math" xmlns:a14="http://schemas.microsoft.com/office/drawing/2010/main" showMasterSp="1" showMasterPhAnim="1">
+<p:sld xmlns:a="http://schemas.openxmlformats.org/drawingml/2006/main" xmlns:r="http://schemas.openxmlformats.org/officeDocument/2006/relationships" xmlns:p="http://schemas.openxmlformats.org/presentationml/2006/main">
   <p:cSld>
     <p:spTree>
       <p:nvGrpSpPr>
@@ -18375,7 +19135,9 @@
       <p:sp>
         <p:nvSpPr>
           <p:cNvPr id="331" name="Title 1"/>
-          <p:cNvSpPr txBox="1"/>
+          <p:cNvSpPr txBox="1">
+            <a:spLocks noGrp="1"/>
+          </p:cNvSpPr>
           <p:nvPr>
             <p:ph type="title"/>
           </p:nvPr>
@@ -18393,7 +19155,6 @@
           <a:bodyPr/>
           <a:lstStyle/>
           <a:p>
-            <a:pPr/>
             <a:r>
               <a:t>Demo – test scenarios 	</a:t>
             </a:r>
@@ -18403,7 +19164,9 @@
       <p:sp>
         <p:nvSpPr>
           <p:cNvPr id="332" name="Content Placeholder 2"/>
-          <p:cNvSpPr txBox="1"/>
+          <p:cNvSpPr txBox="1">
+            <a:spLocks noGrp="1"/>
+          </p:cNvSpPr>
           <p:nvPr>
             <p:ph type="body" idx="1"/>
           </p:nvPr>
@@ -18426,7 +19189,7 @@
                 <a:spcPct val="96000"/>
               </a:lnSpc>
               <a:buFontTx/>
-              <a:buAutoNum type="arabicPeriod" startAt="1"/>
+              <a:buAutoNum type="arabicPeriod"/>
               <a:defRPr sz="1600"/>
             </a:pPr>
             <a:r>
@@ -18439,7 +19202,7 @@
                 <a:spcPct val="96000"/>
               </a:lnSpc>
               <a:buFontTx/>
-              <a:buAutoNum type="arabicPeriod" startAt="1"/>
+              <a:buAutoNum type="arabicPeriod"/>
               <a:defRPr sz="1600"/>
             </a:pPr>
             <a:r>
@@ -18452,7 +19215,7 @@
                 <a:spcPct val="96000"/>
               </a:lnSpc>
               <a:buFontTx/>
-              <a:buAutoNum type="arabicPeriod" startAt="1"/>
+              <a:buAutoNum type="arabicPeriod"/>
               <a:defRPr sz="1600"/>
             </a:pPr>
             <a:r>
@@ -18465,7 +19228,7 @@
                 <a:spcPct val="96000"/>
               </a:lnSpc>
               <a:buFontTx/>
-              <a:buAutoNum type="arabicPeriod" startAt="1"/>
+              <a:buAutoNum type="arabicPeriod"/>
               <a:defRPr sz="1600"/>
             </a:pPr>
             <a:r>
@@ -18478,7 +19241,7 @@
                 <a:spcPct val="96000"/>
               </a:lnSpc>
               <a:buFontTx/>
-              <a:buAutoNum type="arabicPeriod" startAt="1"/>
+              <a:buAutoNum type="arabicPeriod"/>
               <a:defRPr sz="1600"/>
             </a:pPr>
             <a:r>
@@ -18491,7 +19254,7 @@
                 <a:spcPct val="96000"/>
               </a:lnSpc>
               <a:buFontTx/>
-              <a:buAutoNum type="arabicPeriod" startAt="1"/>
+              <a:buAutoNum type="arabicPeriod"/>
               <a:defRPr sz="1600"/>
             </a:pPr>
             <a:r>
@@ -18504,7 +19267,7 @@
                 <a:spcPct val="96000"/>
               </a:lnSpc>
               <a:buFontTx/>
-              <a:buAutoNum type="arabicPeriod" startAt="1"/>
+              <a:buAutoNum type="arabicPeriod"/>
               <a:defRPr sz="1600"/>
             </a:pPr>
             <a:r>
@@ -18517,7 +19280,7 @@
                 <a:spcPct val="96000"/>
               </a:lnSpc>
               <a:buFontTx/>
-              <a:buAutoNum type="arabicPeriod" startAt="1"/>
+              <a:buAutoNum type="arabicPeriod"/>
               <a:defRPr sz="1600"/>
             </a:pPr>
             <a:r>
@@ -18530,7 +19293,7 @@
                 <a:spcPct val="96000"/>
               </a:lnSpc>
               <a:buFontTx/>
-              <a:buAutoNum type="arabicPeriod" startAt="1"/>
+              <a:buAutoNum type="arabicPeriod"/>
               <a:defRPr sz="1600"/>
             </a:pPr>
             <a:r>
@@ -18539,17 +19302,47 @@
           </a:p>
         </p:txBody>
       </p:sp>
+      <p:sp>
+        <p:nvSpPr>
+          <p:cNvPr id="2" name="Slide Number Placeholder 1"/>
+          <p:cNvSpPr>
+            <a:spLocks noGrp="1"/>
+          </p:cNvSpPr>
+          <p:nvPr>
+            <p:ph type="sldNum" sz="quarter" idx="2"/>
+          </p:nvPr>
+        </p:nvSpPr>
+        <p:spPr/>
+        <p:txBody>
+          <a:bodyPr/>
+          <a:lstStyle/>
+          <a:p>
+            <a:fld id="{86CB4B4D-7CA3-9044-876B-883B54F8677D}" type="slidenum">
+              <a:rPr lang="en-US" smtClean="0"/>
+              <a:t>9</a:t>
+            </a:fld>
+            <a:endParaRPr lang="en-US"/>
+          </a:p>
+        </p:txBody>
+      </p:sp>
     </p:spTree>
   </p:cSld>
   <p:clrMapOvr>
     <a:masterClrMapping/>
   </p:clrMapOvr>
-  <p:transition xmlns:p14="http://schemas.microsoft.com/office/powerpoint/2010/main" spd="med" advClick="1"/>
+  <p:transition spd="med"/>
+  <p:timing>
+    <p:tnLst>
+      <p:par>
+        <p:cTn id="1" dur="indefinite" restart="never" nodeType="tmRoot"/>
+      </p:par>
+    </p:tnLst>
+  </p:timing>
 </p:sld>
 </file>
 
 <file path=ppt/theme/theme1.xml><?xml version="1.0" encoding="utf-8"?>
-<a:theme xmlns:a="http://schemas.openxmlformats.org/drawingml/2006/main" xmlns:r="http://schemas.openxmlformats.org/officeDocument/2006/relationships" name="Circuit">
+<a:theme xmlns:a="http://schemas.openxmlformats.org/drawingml/2006/main" name="Circuit">
   <a:themeElements>
     <a:clrScheme name="Circuit">
       <a:dk1>
@@ -18751,7 +19544,7 @@
         <a:effectLst/>
         <a:sp3d/>
       </a:spPr>
-      <a:bodyPr rot="0" spcFirstLastPara="1" vertOverflow="overflow" horzOverflow="overflow" vert="horz" wrap="square" lIns="45719" tIns="45719" rIns="45719" bIns="45719" numCol="1" spcCol="38100" rtlCol="0" anchor="ctr" upright="0">
+      <a:bodyPr rot="0" spcFirstLastPara="1" vertOverflow="overflow" horzOverflow="overflow" vert="horz" wrap="square" lIns="45719" tIns="45719" rIns="45719" bIns="45719" numCol="1" spcCol="38100" rtlCol="0" anchor="ctr">
         <a:spAutoFit/>
       </a:bodyPr>
       <a:lstStyle>
@@ -18770,7 +19563,7 @@
           <a:buFontTx/>
           <a:buNone/>
           <a:tabLst/>
-          <a:defRPr b="0" baseline="0" cap="none" i="0" spc="0" strike="noStrike" sz="1800" u="none" kumimoji="0" normalizeH="0">
+          <a:defRPr kumimoji="0" sz="1800" b="0" i="0" u="none" strike="noStrike" cap="none" spc="0" normalizeH="0" baseline="0">
             <a:ln>
               <a:noFill/>
             </a:ln>
@@ -18800,7 +19593,7 @@
           <a:buFontTx/>
           <a:buNone/>
           <a:tabLst/>
-          <a:defRPr b="0" baseline="0" cap="none" i="0" spc="0" strike="noStrike" sz="1800" u="none" kumimoji="0" normalizeH="0">
+          <a:defRPr kumimoji="0" sz="1800" b="0" i="0" u="none" strike="noStrike" cap="none" spc="0" normalizeH="0" baseline="0">
             <a:ln>
               <a:noFill/>
             </a:ln>
@@ -18826,7 +19619,7 @@
           <a:buFontTx/>
           <a:buNone/>
           <a:tabLst/>
-          <a:defRPr b="0" baseline="0" cap="none" i="0" spc="0" strike="noStrike" sz="1800" u="none" kumimoji="0" normalizeH="0">
+          <a:defRPr kumimoji="0" sz="1800" b="0" i="0" u="none" strike="noStrike" cap="none" spc="0" normalizeH="0" baseline="0">
             <a:ln>
               <a:noFill/>
             </a:ln>
@@ -18852,7 +19645,7 @@
           <a:buFontTx/>
           <a:buNone/>
           <a:tabLst/>
-          <a:defRPr b="0" baseline="0" cap="none" i="0" spc="0" strike="noStrike" sz="1800" u="none" kumimoji="0" normalizeH="0">
+          <a:defRPr kumimoji="0" sz="1800" b="0" i="0" u="none" strike="noStrike" cap="none" spc="0" normalizeH="0" baseline="0">
             <a:ln>
               <a:noFill/>
             </a:ln>
@@ -18878,7 +19671,7 @@
           <a:buFontTx/>
           <a:buNone/>
           <a:tabLst/>
-          <a:defRPr b="0" baseline="0" cap="none" i="0" spc="0" strike="noStrike" sz="1800" u="none" kumimoji="0" normalizeH="0">
+          <a:defRPr kumimoji="0" sz="1800" b="0" i="0" u="none" strike="noStrike" cap="none" spc="0" normalizeH="0" baseline="0">
             <a:ln>
               <a:noFill/>
             </a:ln>
@@ -18904,7 +19697,7 @@
           <a:buFontTx/>
           <a:buNone/>
           <a:tabLst/>
-          <a:defRPr b="0" baseline="0" cap="none" i="0" spc="0" strike="noStrike" sz="1800" u="none" kumimoji="0" normalizeH="0">
+          <a:defRPr kumimoji="0" sz="1800" b="0" i="0" u="none" strike="noStrike" cap="none" spc="0" normalizeH="0" baseline="0">
             <a:ln>
               <a:noFill/>
             </a:ln>
@@ -18930,7 +19723,7 @@
           <a:buFontTx/>
           <a:buNone/>
           <a:tabLst/>
-          <a:defRPr b="0" baseline="0" cap="none" i="0" spc="0" strike="noStrike" sz="1800" u="none" kumimoji="0" normalizeH="0">
+          <a:defRPr kumimoji="0" sz="1800" b="0" i="0" u="none" strike="noStrike" cap="none" spc="0" normalizeH="0" baseline="0">
             <a:ln>
               <a:noFill/>
             </a:ln>
@@ -18956,7 +19749,7 @@
           <a:buFontTx/>
           <a:buNone/>
           <a:tabLst/>
-          <a:defRPr b="0" baseline="0" cap="none" i="0" spc="0" strike="noStrike" sz="1800" u="none" kumimoji="0" normalizeH="0">
+          <a:defRPr kumimoji="0" sz="1800" b="0" i="0" u="none" strike="noStrike" cap="none" spc="0" normalizeH="0" baseline="0">
             <a:ln>
               <a:noFill/>
             </a:ln>
@@ -18982,7 +19775,7 @@
           <a:buFontTx/>
           <a:buNone/>
           <a:tabLst/>
-          <a:defRPr b="0" baseline="0" cap="none" i="0" spc="0" strike="noStrike" sz="1800" u="none" kumimoji="0" normalizeH="0">
+          <a:defRPr kumimoji="0" sz="1800" b="0" i="0" u="none" strike="noStrike" cap="none" spc="0" normalizeH="0" baseline="0">
             <a:ln>
               <a:noFill/>
             </a:ln>
@@ -19008,7 +19801,7 @@
           <a:buFontTx/>
           <a:buNone/>
           <a:tabLst/>
-          <a:defRPr b="0" baseline="0" cap="none" i="0" spc="0" strike="noStrike" sz="1800" u="none" kumimoji="0" normalizeH="0">
+          <a:defRPr kumimoji="0" sz="1800" b="0" i="0" u="none" strike="noStrike" cap="none" spc="0" normalizeH="0" baseline="0">
             <a:ln>
               <a:noFill/>
             </a:ln>
@@ -19021,9 +19814,15 @@
         </a:lvl9pPr>
       </a:lstStyle>
       <a:style>
-        <a:lnRef idx="0"/>
-        <a:fillRef idx="0"/>
-        <a:effectRef idx="0"/>
+        <a:lnRef idx="0">
+          <a:scrgbClr r="0" g="0" b="0"/>
+        </a:lnRef>
+        <a:fillRef idx="0">
+          <a:scrgbClr r="0" g="0" b="0"/>
+        </a:fillRef>
+        <a:effectRef idx="0">
+          <a:scrgbClr r="0" g="0" b="0"/>
+        </a:effectRef>
         <a:fontRef idx="none"/>
       </a:style>
     </a:spDef>
@@ -19040,7 +19839,7 @@
         <a:effectLst/>
         <a:sp3d/>
       </a:spPr>
-      <a:bodyPr rot="0" spcFirstLastPara="1" vertOverflow="overflow" horzOverflow="overflow" vert="horz" wrap="square" lIns="91439" tIns="45719" rIns="91439" bIns="45719" numCol="1" spcCol="38100" rtlCol="0" anchor="t" upright="0">
+      <a:bodyPr rot="0" spcFirstLastPara="1" vertOverflow="overflow" horzOverflow="overflow" vert="horz" wrap="square" lIns="91439" tIns="45719" rIns="91439" bIns="45719" numCol="1" spcCol="38100" rtlCol="0" anchor="t">
         <a:noAutofit/>
       </a:bodyPr>
       <a:lstStyle>
@@ -19059,7 +19858,7 @@
           <a:buFontTx/>
           <a:buNone/>
           <a:tabLst/>
-          <a:defRPr b="0" baseline="0" cap="none" i="0" spc="0" strike="noStrike" sz="1800" u="none" kumimoji="0" normalizeH="0">
+          <a:defRPr kumimoji="0" sz="1800" b="0" i="0" u="none" strike="noStrike" cap="none" spc="0" normalizeH="0" baseline="0">
             <a:ln>
               <a:noFill/>
             </a:ln>
@@ -19085,7 +19884,7 @@
           <a:buFontTx/>
           <a:buNone/>
           <a:tabLst/>
-          <a:defRPr b="0" baseline="0" cap="none" i="0" spc="0" strike="noStrike" sz="1800" u="none" kumimoji="0" normalizeH="0">
+          <a:defRPr kumimoji="0" sz="1800" b="0" i="0" u="none" strike="noStrike" cap="none" spc="0" normalizeH="0" baseline="0">
             <a:ln>
               <a:noFill/>
             </a:ln>
@@ -19111,7 +19910,7 @@
           <a:buFontTx/>
           <a:buNone/>
           <a:tabLst/>
-          <a:defRPr b="0" baseline="0" cap="none" i="0" spc="0" strike="noStrike" sz="1800" u="none" kumimoji="0" normalizeH="0">
+          <a:defRPr kumimoji="0" sz="1800" b="0" i="0" u="none" strike="noStrike" cap="none" spc="0" normalizeH="0" baseline="0">
             <a:ln>
               <a:noFill/>
             </a:ln>
@@ -19137,7 +19936,7 @@
           <a:buFontTx/>
           <a:buNone/>
           <a:tabLst/>
-          <a:defRPr b="0" baseline="0" cap="none" i="0" spc="0" strike="noStrike" sz="1800" u="none" kumimoji="0" normalizeH="0">
+          <a:defRPr kumimoji="0" sz="1800" b="0" i="0" u="none" strike="noStrike" cap="none" spc="0" normalizeH="0" baseline="0">
             <a:ln>
               <a:noFill/>
             </a:ln>
@@ -19163,7 +19962,7 @@
           <a:buFontTx/>
           <a:buNone/>
           <a:tabLst/>
-          <a:defRPr b="0" baseline="0" cap="none" i="0" spc="0" strike="noStrike" sz="1800" u="none" kumimoji="0" normalizeH="0">
+          <a:defRPr kumimoji="0" sz="1800" b="0" i="0" u="none" strike="noStrike" cap="none" spc="0" normalizeH="0" baseline="0">
             <a:ln>
               <a:noFill/>
             </a:ln>
@@ -19189,7 +19988,7 @@
           <a:buFontTx/>
           <a:buNone/>
           <a:tabLst/>
-          <a:defRPr b="0" baseline="0" cap="none" i="0" spc="0" strike="noStrike" sz="1800" u="none" kumimoji="0" normalizeH="0">
+          <a:defRPr kumimoji="0" sz="1800" b="0" i="0" u="none" strike="noStrike" cap="none" spc="0" normalizeH="0" baseline="0">
             <a:ln>
               <a:noFill/>
             </a:ln>
@@ -19215,7 +20014,7 @@
           <a:buFontTx/>
           <a:buNone/>
           <a:tabLst/>
-          <a:defRPr b="0" baseline="0" cap="none" i="0" spc="0" strike="noStrike" sz="1800" u="none" kumimoji="0" normalizeH="0">
+          <a:defRPr kumimoji="0" sz="1800" b="0" i="0" u="none" strike="noStrike" cap="none" spc="0" normalizeH="0" baseline="0">
             <a:ln>
               <a:noFill/>
             </a:ln>
@@ -19241,7 +20040,7 @@
           <a:buFontTx/>
           <a:buNone/>
           <a:tabLst/>
-          <a:defRPr b="0" baseline="0" cap="none" i="0" spc="0" strike="noStrike" sz="1800" u="none" kumimoji="0" normalizeH="0">
+          <a:defRPr kumimoji="0" sz="1800" b="0" i="0" u="none" strike="noStrike" cap="none" spc="0" normalizeH="0" baseline="0">
             <a:ln>
               <a:noFill/>
             </a:ln>
@@ -19267,7 +20066,7 @@
           <a:buFontTx/>
           <a:buNone/>
           <a:tabLst/>
-          <a:defRPr b="0" baseline="0" cap="none" i="0" spc="0" strike="noStrike" sz="1800" u="none" kumimoji="0" normalizeH="0">
+          <a:defRPr kumimoji="0" sz="1800" b="0" i="0" u="none" strike="noStrike" cap="none" spc="0" normalizeH="0" baseline="0">
             <a:ln>
               <a:noFill/>
             </a:ln>
@@ -19293,7 +20092,7 @@
           <a:buFontTx/>
           <a:buNone/>
           <a:tabLst/>
-          <a:defRPr b="0" baseline="0" cap="none" i="0" spc="0" strike="noStrike" sz="1800" u="none" kumimoji="0" normalizeH="0">
+          <a:defRPr kumimoji="0" sz="1800" b="0" i="0" u="none" strike="noStrike" cap="none" spc="0" normalizeH="0" baseline="0">
             <a:ln>
               <a:noFill/>
             </a:ln>
@@ -19306,9 +20105,15 @@
         </a:lvl9pPr>
       </a:lstStyle>
       <a:style>
-        <a:lnRef idx="0"/>
-        <a:fillRef idx="0"/>
-        <a:effectRef idx="0"/>
+        <a:lnRef idx="0">
+          <a:scrgbClr r="0" g="0" b="0"/>
+        </a:lnRef>
+        <a:fillRef idx="0">
+          <a:scrgbClr r="0" g="0" b="0"/>
+        </a:fillRef>
+        <a:effectRef idx="0">
+          <a:scrgbClr r="0" g="0" b="0"/>
+        </a:effectRef>
         <a:fontRef idx="none"/>
       </a:style>
     </a:lnDef>
@@ -19322,7 +20127,7 @@
         <a:effectLst/>
         <a:sp3d/>
       </a:spPr>
-      <a:bodyPr rot="0" spcFirstLastPara="1" vertOverflow="overflow" horzOverflow="overflow" vert="horz" wrap="square" lIns="45719" tIns="45719" rIns="45719" bIns="45719" numCol="1" spcCol="38100" rtlCol="0" anchor="t" upright="0">
+      <a:bodyPr rot="0" spcFirstLastPara="1" vertOverflow="overflow" horzOverflow="overflow" vert="horz" wrap="square" lIns="45719" tIns="45719" rIns="45719" bIns="45719" numCol="1" spcCol="38100" rtlCol="0" anchor="t">
         <a:spAutoFit/>
       </a:bodyPr>
       <a:lstStyle>
@@ -19341,7 +20146,7 @@
           <a:buFontTx/>
           <a:buNone/>
           <a:tabLst/>
-          <a:defRPr b="0" baseline="0" cap="none" i="0" spc="0" strike="noStrike" sz="1800" u="none" kumimoji="0" normalizeH="0">
+          <a:defRPr kumimoji="0" sz="1800" b="0" i="0" u="none" strike="noStrike" cap="none" spc="0" normalizeH="0" baseline="0">
             <a:ln>
               <a:noFill/>
             </a:ln>
@@ -19371,7 +20176,7 @@
           <a:buFontTx/>
           <a:buNone/>
           <a:tabLst/>
-          <a:defRPr b="0" baseline="0" cap="none" i="0" spc="0" strike="noStrike" sz="1800" u="none" kumimoji="0" normalizeH="0">
+          <a:defRPr kumimoji="0" sz="1800" b="0" i="0" u="none" strike="noStrike" cap="none" spc="0" normalizeH="0" baseline="0">
             <a:ln>
               <a:noFill/>
             </a:ln>
@@ -19397,7 +20202,7 @@
           <a:buFontTx/>
           <a:buNone/>
           <a:tabLst/>
-          <a:defRPr b="0" baseline="0" cap="none" i="0" spc="0" strike="noStrike" sz="1800" u="none" kumimoji="0" normalizeH="0">
+          <a:defRPr kumimoji="0" sz="1800" b="0" i="0" u="none" strike="noStrike" cap="none" spc="0" normalizeH="0" baseline="0">
             <a:ln>
               <a:noFill/>
             </a:ln>
@@ -19423,7 +20228,7 @@
           <a:buFontTx/>
           <a:buNone/>
           <a:tabLst/>
-          <a:defRPr b="0" baseline="0" cap="none" i="0" spc="0" strike="noStrike" sz="1800" u="none" kumimoji="0" normalizeH="0">
+          <a:defRPr kumimoji="0" sz="1800" b="0" i="0" u="none" strike="noStrike" cap="none" spc="0" normalizeH="0" baseline="0">
             <a:ln>
               <a:noFill/>
             </a:ln>
@@ -19449,7 +20254,7 @@
           <a:buFontTx/>
           <a:buNone/>
           <a:tabLst/>
-          <a:defRPr b="0" baseline="0" cap="none" i="0" spc="0" strike="noStrike" sz="1800" u="none" kumimoji="0" normalizeH="0">
+          <a:defRPr kumimoji="0" sz="1800" b="0" i="0" u="none" strike="noStrike" cap="none" spc="0" normalizeH="0" baseline="0">
             <a:ln>
               <a:noFill/>
             </a:ln>
@@ -19475,7 +20280,7 @@
           <a:buFontTx/>
           <a:buNone/>
           <a:tabLst/>
-          <a:defRPr b="0" baseline="0" cap="none" i="0" spc="0" strike="noStrike" sz="1800" u="none" kumimoji="0" normalizeH="0">
+          <a:defRPr kumimoji="0" sz="1800" b="0" i="0" u="none" strike="noStrike" cap="none" spc="0" normalizeH="0" baseline="0">
             <a:ln>
               <a:noFill/>
             </a:ln>
@@ -19501,7 +20306,7 @@
           <a:buFontTx/>
           <a:buNone/>
           <a:tabLst/>
-          <a:defRPr b="0" baseline="0" cap="none" i="0" spc="0" strike="noStrike" sz="1800" u="none" kumimoji="0" normalizeH="0">
+          <a:defRPr kumimoji="0" sz="1800" b="0" i="0" u="none" strike="noStrike" cap="none" spc="0" normalizeH="0" baseline="0">
             <a:ln>
               <a:noFill/>
             </a:ln>
@@ -19527,7 +20332,7 @@
           <a:buFontTx/>
           <a:buNone/>
           <a:tabLst/>
-          <a:defRPr b="0" baseline="0" cap="none" i="0" spc="0" strike="noStrike" sz="1800" u="none" kumimoji="0" normalizeH="0">
+          <a:defRPr kumimoji="0" sz="1800" b="0" i="0" u="none" strike="noStrike" cap="none" spc="0" normalizeH="0" baseline="0">
             <a:ln>
               <a:noFill/>
             </a:ln>
@@ -19553,7 +20358,7 @@
           <a:buFontTx/>
           <a:buNone/>
           <a:tabLst/>
-          <a:defRPr b="0" baseline="0" cap="none" i="0" spc="0" strike="noStrike" sz="1800" u="none" kumimoji="0" normalizeH="0">
+          <a:defRPr kumimoji="0" sz="1800" b="0" i="0" u="none" strike="noStrike" cap="none" spc="0" normalizeH="0" baseline="0">
             <a:ln>
               <a:noFill/>
             </a:ln>
@@ -19579,7 +20384,7 @@
           <a:buFontTx/>
           <a:buNone/>
           <a:tabLst/>
-          <a:defRPr b="0" baseline="0" cap="none" i="0" spc="0" strike="noStrike" sz="1800" u="none" kumimoji="0" normalizeH="0">
+          <a:defRPr kumimoji="0" sz="1800" b="0" i="0" u="none" strike="noStrike" cap="none" spc="0" normalizeH="0" baseline="0">
             <a:ln>
               <a:noFill/>
             </a:ln>
@@ -19592,18 +20397,25 @@
         </a:lvl9pPr>
       </a:lstStyle>
       <a:style>
-        <a:lnRef idx="0"/>
-        <a:fillRef idx="0"/>
-        <a:effectRef idx="0"/>
+        <a:lnRef idx="0">
+          <a:scrgbClr r="0" g="0" b="0"/>
+        </a:lnRef>
+        <a:fillRef idx="0">
+          <a:scrgbClr r="0" g="0" b="0"/>
+        </a:fillRef>
+        <a:effectRef idx="0">
+          <a:scrgbClr r="0" g="0" b="0"/>
+        </a:effectRef>
         <a:fontRef idx="none"/>
       </a:style>
     </a:txDef>
   </a:objectDefaults>
+  <a:extraClrSchemeLst/>
 </a:theme>
 </file>
 
 <file path=ppt/theme/theme2.xml><?xml version="1.0" encoding="utf-8"?>
-<a:theme xmlns:a="http://schemas.openxmlformats.org/drawingml/2006/main" xmlns:r="http://schemas.openxmlformats.org/officeDocument/2006/relationships" name="Circuit">
+<a:theme xmlns:a="http://schemas.openxmlformats.org/drawingml/2006/main" name="Circuit">
   <a:themeElements>
     <a:clrScheme name="Circuit">
       <a:dk1>
@@ -19805,7 +20617,7 @@
         <a:effectLst/>
         <a:sp3d/>
       </a:spPr>
-      <a:bodyPr rot="0" spcFirstLastPara="1" vertOverflow="overflow" horzOverflow="overflow" vert="horz" wrap="square" lIns="45719" tIns="45719" rIns="45719" bIns="45719" numCol="1" spcCol="38100" rtlCol="0" anchor="ctr" upright="0">
+      <a:bodyPr rot="0" spcFirstLastPara="1" vertOverflow="overflow" horzOverflow="overflow" vert="horz" wrap="square" lIns="45719" tIns="45719" rIns="45719" bIns="45719" numCol="1" spcCol="38100" rtlCol="0" anchor="ctr">
         <a:spAutoFit/>
       </a:bodyPr>
       <a:lstStyle>
@@ -19824,7 +20636,7 @@
           <a:buFontTx/>
           <a:buNone/>
           <a:tabLst/>
-          <a:defRPr b="0" baseline="0" cap="none" i="0" spc="0" strike="noStrike" sz="1800" u="none" kumimoji="0" normalizeH="0">
+          <a:defRPr kumimoji="0" sz="1800" b="0" i="0" u="none" strike="noStrike" cap="none" spc="0" normalizeH="0" baseline="0">
             <a:ln>
               <a:noFill/>
             </a:ln>
@@ -19854,7 +20666,7 @@
           <a:buFontTx/>
           <a:buNone/>
           <a:tabLst/>
-          <a:defRPr b="0" baseline="0" cap="none" i="0" spc="0" strike="noStrike" sz="1800" u="none" kumimoji="0" normalizeH="0">
+          <a:defRPr kumimoji="0" sz="1800" b="0" i="0" u="none" strike="noStrike" cap="none" spc="0" normalizeH="0" baseline="0">
             <a:ln>
               <a:noFill/>
             </a:ln>
@@ -19880,7 +20692,7 @@
           <a:buFontTx/>
           <a:buNone/>
           <a:tabLst/>
-          <a:defRPr b="0" baseline="0" cap="none" i="0" spc="0" strike="noStrike" sz="1800" u="none" kumimoji="0" normalizeH="0">
+          <a:defRPr kumimoji="0" sz="1800" b="0" i="0" u="none" strike="noStrike" cap="none" spc="0" normalizeH="0" baseline="0">
             <a:ln>
               <a:noFill/>
             </a:ln>
@@ -19906,7 +20718,7 @@
           <a:buFontTx/>
           <a:buNone/>
           <a:tabLst/>
-          <a:defRPr b="0" baseline="0" cap="none" i="0" spc="0" strike="noStrike" sz="1800" u="none" kumimoji="0" normalizeH="0">
+          <a:defRPr kumimoji="0" sz="1800" b="0" i="0" u="none" strike="noStrike" cap="none" spc="0" normalizeH="0" baseline="0">
             <a:ln>
               <a:noFill/>
             </a:ln>
@@ -19932,7 +20744,7 @@
           <a:buFontTx/>
           <a:buNone/>
           <a:tabLst/>
-          <a:defRPr b="0" baseline="0" cap="none" i="0" spc="0" strike="noStrike" sz="1800" u="none" kumimoji="0" normalizeH="0">
+          <a:defRPr kumimoji="0" sz="1800" b="0" i="0" u="none" strike="noStrike" cap="none" spc="0" normalizeH="0" baseline="0">
             <a:ln>
               <a:noFill/>
             </a:ln>
@@ -19958,7 +20770,7 @@
           <a:buFontTx/>
           <a:buNone/>
           <a:tabLst/>
-          <a:defRPr b="0" baseline="0" cap="none" i="0" spc="0" strike="noStrike" sz="1800" u="none" kumimoji="0" normalizeH="0">
+          <a:defRPr kumimoji="0" sz="1800" b="0" i="0" u="none" strike="noStrike" cap="none" spc="0" normalizeH="0" baseline="0">
             <a:ln>
               <a:noFill/>
             </a:ln>
@@ -19984,7 +20796,7 @@
           <a:buFontTx/>
           <a:buNone/>
           <a:tabLst/>
-          <a:defRPr b="0" baseline="0" cap="none" i="0" spc="0" strike="noStrike" sz="1800" u="none" kumimoji="0" normalizeH="0">
+          <a:defRPr kumimoji="0" sz="1800" b="0" i="0" u="none" strike="noStrike" cap="none" spc="0" normalizeH="0" baseline="0">
             <a:ln>
               <a:noFill/>
             </a:ln>
@@ -20010,7 +20822,7 @@
           <a:buFontTx/>
           <a:buNone/>
           <a:tabLst/>
-          <a:defRPr b="0" baseline="0" cap="none" i="0" spc="0" strike="noStrike" sz="1800" u="none" kumimoji="0" normalizeH="0">
+          <a:defRPr kumimoji="0" sz="1800" b="0" i="0" u="none" strike="noStrike" cap="none" spc="0" normalizeH="0" baseline="0">
             <a:ln>
               <a:noFill/>
             </a:ln>
@@ -20036,7 +20848,7 @@
           <a:buFontTx/>
           <a:buNone/>
           <a:tabLst/>
-          <a:defRPr b="0" baseline="0" cap="none" i="0" spc="0" strike="noStrike" sz="1800" u="none" kumimoji="0" normalizeH="0">
+          <a:defRPr kumimoji="0" sz="1800" b="0" i="0" u="none" strike="noStrike" cap="none" spc="0" normalizeH="0" baseline="0">
             <a:ln>
               <a:noFill/>
             </a:ln>
@@ -20062,7 +20874,7 @@
           <a:buFontTx/>
           <a:buNone/>
           <a:tabLst/>
-          <a:defRPr b="0" baseline="0" cap="none" i="0" spc="0" strike="noStrike" sz="1800" u="none" kumimoji="0" normalizeH="0">
+          <a:defRPr kumimoji="0" sz="1800" b="0" i="0" u="none" strike="noStrike" cap="none" spc="0" normalizeH="0" baseline="0">
             <a:ln>
               <a:noFill/>
             </a:ln>
@@ -20075,9 +20887,15 @@
         </a:lvl9pPr>
       </a:lstStyle>
       <a:style>
-        <a:lnRef idx="0"/>
-        <a:fillRef idx="0"/>
-        <a:effectRef idx="0"/>
+        <a:lnRef idx="0">
+          <a:scrgbClr r="0" g="0" b="0"/>
+        </a:lnRef>
+        <a:fillRef idx="0">
+          <a:scrgbClr r="0" g="0" b="0"/>
+        </a:fillRef>
+        <a:effectRef idx="0">
+          <a:scrgbClr r="0" g="0" b="0"/>
+        </a:effectRef>
         <a:fontRef idx="none"/>
       </a:style>
     </a:spDef>
@@ -20094,7 +20912,7 @@
         <a:effectLst/>
         <a:sp3d/>
       </a:spPr>
-      <a:bodyPr rot="0" spcFirstLastPara="1" vertOverflow="overflow" horzOverflow="overflow" vert="horz" wrap="square" lIns="91439" tIns="45719" rIns="91439" bIns="45719" numCol="1" spcCol="38100" rtlCol="0" anchor="t" upright="0">
+      <a:bodyPr rot="0" spcFirstLastPara="1" vertOverflow="overflow" horzOverflow="overflow" vert="horz" wrap="square" lIns="91439" tIns="45719" rIns="91439" bIns="45719" numCol="1" spcCol="38100" rtlCol="0" anchor="t">
         <a:noAutofit/>
       </a:bodyPr>
       <a:lstStyle>
@@ -20113,7 +20931,7 @@
           <a:buFontTx/>
           <a:buNone/>
           <a:tabLst/>
-          <a:defRPr b="0" baseline="0" cap="none" i="0" spc="0" strike="noStrike" sz="1800" u="none" kumimoji="0" normalizeH="0">
+          <a:defRPr kumimoji="0" sz="1800" b="0" i="0" u="none" strike="noStrike" cap="none" spc="0" normalizeH="0" baseline="0">
             <a:ln>
               <a:noFill/>
             </a:ln>
@@ -20139,7 +20957,7 @@
           <a:buFontTx/>
           <a:buNone/>
           <a:tabLst/>
-          <a:defRPr b="0" baseline="0" cap="none" i="0" spc="0" strike="noStrike" sz="1800" u="none" kumimoji="0" normalizeH="0">
+          <a:defRPr kumimoji="0" sz="1800" b="0" i="0" u="none" strike="noStrike" cap="none" spc="0" normalizeH="0" baseline="0">
             <a:ln>
               <a:noFill/>
             </a:ln>
@@ -20165,7 +20983,7 @@
           <a:buFontTx/>
           <a:buNone/>
           <a:tabLst/>
-          <a:defRPr b="0" baseline="0" cap="none" i="0" spc="0" strike="noStrike" sz="1800" u="none" kumimoji="0" normalizeH="0">
+          <a:defRPr kumimoji="0" sz="1800" b="0" i="0" u="none" strike="noStrike" cap="none" spc="0" normalizeH="0" baseline="0">
             <a:ln>
               <a:noFill/>
             </a:ln>
@@ -20191,7 +21009,7 @@
           <a:buFontTx/>
           <a:buNone/>
           <a:tabLst/>
-          <a:defRPr b="0" baseline="0" cap="none" i="0" spc="0" strike="noStrike" sz="1800" u="none" kumimoji="0" normalizeH="0">
+          <a:defRPr kumimoji="0" sz="1800" b="0" i="0" u="none" strike="noStrike" cap="none" spc="0" normalizeH="0" baseline="0">
             <a:ln>
               <a:noFill/>
             </a:ln>
@@ -20217,7 +21035,7 @@
           <a:buFontTx/>
           <a:buNone/>
           <a:tabLst/>
-          <a:defRPr b="0" baseline="0" cap="none" i="0" spc="0" strike="noStrike" sz="1800" u="none" kumimoji="0" normalizeH="0">
+          <a:defRPr kumimoji="0" sz="1800" b="0" i="0" u="none" strike="noStrike" cap="none" spc="0" normalizeH="0" baseline="0">
             <a:ln>
               <a:noFill/>
             </a:ln>
@@ -20243,7 +21061,7 @@
           <a:buFontTx/>
           <a:buNone/>
           <a:tabLst/>
-          <a:defRPr b="0" baseline="0" cap="none" i="0" spc="0" strike="noStrike" sz="1800" u="none" kumimoji="0" normalizeH="0">
+          <a:defRPr kumimoji="0" sz="1800" b="0" i="0" u="none" strike="noStrike" cap="none" spc="0" normalizeH="0" baseline="0">
             <a:ln>
               <a:noFill/>
             </a:ln>
@@ -20269,7 +21087,7 @@
           <a:buFontTx/>
           <a:buNone/>
           <a:tabLst/>
-          <a:defRPr b="0" baseline="0" cap="none" i="0" spc="0" strike="noStrike" sz="1800" u="none" kumimoji="0" normalizeH="0">
+          <a:defRPr kumimoji="0" sz="1800" b="0" i="0" u="none" strike="noStrike" cap="none" spc="0" normalizeH="0" baseline="0">
             <a:ln>
               <a:noFill/>
             </a:ln>
@@ -20295,7 +21113,7 @@
           <a:buFontTx/>
           <a:buNone/>
           <a:tabLst/>
-          <a:defRPr b="0" baseline="0" cap="none" i="0" spc="0" strike="noStrike" sz="1800" u="none" kumimoji="0" normalizeH="0">
+          <a:defRPr kumimoji="0" sz="1800" b="0" i="0" u="none" strike="noStrike" cap="none" spc="0" normalizeH="0" baseline="0">
             <a:ln>
               <a:noFill/>
             </a:ln>
@@ -20321,7 +21139,7 @@
           <a:buFontTx/>
           <a:buNone/>
           <a:tabLst/>
-          <a:defRPr b="0" baseline="0" cap="none" i="0" spc="0" strike="noStrike" sz="1800" u="none" kumimoji="0" normalizeH="0">
+          <a:defRPr kumimoji="0" sz="1800" b="0" i="0" u="none" strike="noStrike" cap="none" spc="0" normalizeH="0" baseline="0">
             <a:ln>
               <a:noFill/>
             </a:ln>
@@ -20347,7 +21165,7 @@
           <a:buFontTx/>
           <a:buNone/>
           <a:tabLst/>
-          <a:defRPr b="0" baseline="0" cap="none" i="0" spc="0" strike="noStrike" sz="1800" u="none" kumimoji="0" normalizeH="0">
+          <a:defRPr kumimoji="0" sz="1800" b="0" i="0" u="none" strike="noStrike" cap="none" spc="0" normalizeH="0" baseline="0">
             <a:ln>
               <a:noFill/>
             </a:ln>
@@ -20360,9 +21178,15 @@
         </a:lvl9pPr>
       </a:lstStyle>
       <a:style>
-        <a:lnRef idx="0"/>
-        <a:fillRef idx="0"/>
-        <a:effectRef idx="0"/>
+        <a:lnRef idx="0">
+          <a:scrgbClr r="0" g="0" b="0"/>
+        </a:lnRef>
+        <a:fillRef idx="0">
+          <a:scrgbClr r="0" g="0" b="0"/>
+        </a:fillRef>
+        <a:effectRef idx="0">
+          <a:scrgbClr r="0" g="0" b="0"/>
+        </a:effectRef>
         <a:fontRef idx="none"/>
       </a:style>
     </a:lnDef>
@@ -20376,7 +21200,7 @@
         <a:effectLst/>
         <a:sp3d/>
       </a:spPr>
-      <a:bodyPr rot="0" spcFirstLastPara="1" vertOverflow="overflow" horzOverflow="overflow" vert="horz" wrap="square" lIns="45719" tIns="45719" rIns="45719" bIns="45719" numCol="1" spcCol="38100" rtlCol="0" anchor="t" upright="0">
+      <a:bodyPr rot="0" spcFirstLastPara="1" vertOverflow="overflow" horzOverflow="overflow" vert="horz" wrap="square" lIns="45719" tIns="45719" rIns="45719" bIns="45719" numCol="1" spcCol="38100" rtlCol="0" anchor="t">
         <a:spAutoFit/>
       </a:bodyPr>
       <a:lstStyle>
@@ -20395,7 +21219,7 @@
           <a:buFontTx/>
           <a:buNone/>
           <a:tabLst/>
-          <a:defRPr b="0" baseline="0" cap="none" i="0" spc="0" strike="noStrike" sz="1800" u="none" kumimoji="0" normalizeH="0">
+          <a:defRPr kumimoji="0" sz="1800" b="0" i="0" u="none" strike="noStrike" cap="none" spc="0" normalizeH="0" baseline="0">
             <a:ln>
               <a:noFill/>
             </a:ln>
@@ -20425,7 +21249,7 @@
           <a:buFontTx/>
           <a:buNone/>
           <a:tabLst/>
-          <a:defRPr b="0" baseline="0" cap="none" i="0" spc="0" strike="noStrike" sz="1800" u="none" kumimoji="0" normalizeH="0">
+          <a:defRPr kumimoji="0" sz="1800" b="0" i="0" u="none" strike="noStrike" cap="none" spc="0" normalizeH="0" baseline="0">
             <a:ln>
               <a:noFill/>
             </a:ln>
@@ -20451,7 +21275,7 @@
           <a:buFontTx/>
           <a:buNone/>
           <a:tabLst/>
-          <a:defRPr b="0" baseline="0" cap="none" i="0" spc="0" strike="noStrike" sz="1800" u="none" kumimoji="0" normalizeH="0">
+          <a:defRPr kumimoji="0" sz="1800" b="0" i="0" u="none" strike="noStrike" cap="none" spc="0" normalizeH="0" baseline="0">
             <a:ln>
               <a:noFill/>
             </a:ln>
@@ -20477,7 +21301,7 @@
           <a:buFontTx/>
           <a:buNone/>
           <a:tabLst/>
-          <a:defRPr b="0" baseline="0" cap="none" i="0" spc="0" strike="noStrike" sz="1800" u="none" kumimoji="0" normalizeH="0">
+          <a:defRPr kumimoji="0" sz="1800" b="0" i="0" u="none" strike="noStrike" cap="none" spc="0" normalizeH="0" baseline="0">
             <a:ln>
               <a:noFill/>
             </a:ln>
@@ -20503,7 +21327,7 @@
           <a:buFontTx/>
           <a:buNone/>
           <a:tabLst/>
-          <a:defRPr b="0" baseline="0" cap="none" i="0" spc="0" strike="noStrike" sz="1800" u="none" kumimoji="0" normalizeH="0">
+          <a:defRPr kumimoji="0" sz="1800" b="0" i="0" u="none" strike="noStrike" cap="none" spc="0" normalizeH="0" baseline="0">
             <a:ln>
               <a:noFill/>
             </a:ln>
@@ -20529,7 +21353,7 @@
           <a:buFontTx/>
           <a:buNone/>
           <a:tabLst/>
-          <a:defRPr b="0" baseline="0" cap="none" i="0" spc="0" strike="noStrike" sz="1800" u="none" kumimoji="0" normalizeH="0">
+          <a:defRPr kumimoji="0" sz="1800" b="0" i="0" u="none" strike="noStrike" cap="none" spc="0" normalizeH="0" baseline="0">
             <a:ln>
               <a:noFill/>
             </a:ln>
@@ -20555,7 +21379,7 @@
           <a:buFontTx/>
           <a:buNone/>
           <a:tabLst/>
-          <a:defRPr b="0" baseline="0" cap="none" i="0" spc="0" strike="noStrike" sz="1800" u="none" kumimoji="0" normalizeH="0">
+          <a:defRPr kumimoji="0" sz="1800" b="0" i="0" u="none" strike="noStrike" cap="none" spc="0" normalizeH="0" baseline="0">
             <a:ln>
               <a:noFill/>
             </a:ln>
@@ -20581,7 +21405,7 @@
           <a:buFontTx/>
           <a:buNone/>
           <a:tabLst/>
-          <a:defRPr b="0" baseline="0" cap="none" i="0" spc="0" strike="noStrike" sz="1800" u="none" kumimoji="0" normalizeH="0">
+          <a:defRPr kumimoji="0" sz="1800" b="0" i="0" u="none" strike="noStrike" cap="none" spc="0" normalizeH="0" baseline="0">
             <a:ln>
               <a:noFill/>
             </a:ln>
@@ -20607,7 +21431,7 @@
           <a:buFontTx/>
           <a:buNone/>
           <a:tabLst/>
-          <a:defRPr b="0" baseline="0" cap="none" i="0" spc="0" strike="noStrike" sz="1800" u="none" kumimoji="0" normalizeH="0">
+          <a:defRPr kumimoji="0" sz="1800" b="0" i="0" u="none" strike="noStrike" cap="none" spc="0" normalizeH="0" baseline="0">
             <a:ln>
               <a:noFill/>
             </a:ln>
@@ -20633,7 +21457,7 @@
           <a:buFontTx/>
           <a:buNone/>
           <a:tabLst/>
-          <a:defRPr b="0" baseline="0" cap="none" i="0" spc="0" strike="noStrike" sz="1800" u="none" kumimoji="0" normalizeH="0">
+          <a:defRPr kumimoji="0" sz="1800" b="0" i="0" u="none" strike="noStrike" cap="none" spc="0" normalizeH="0" baseline="0">
             <a:ln>
               <a:noFill/>
             </a:ln>
@@ -20646,12 +21470,19 @@
         </a:lvl9pPr>
       </a:lstStyle>
       <a:style>
-        <a:lnRef idx="0"/>
-        <a:fillRef idx="0"/>
-        <a:effectRef idx="0"/>
+        <a:lnRef idx="0">
+          <a:scrgbClr r="0" g="0" b="0"/>
+        </a:lnRef>
+        <a:fillRef idx="0">
+          <a:scrgbClr r="0" g="0" b="0"/>
+        </a:fillRef>
+        <a:effectRef idx="0">
+          <a:scrgbClr r="0" g="0" b="0"/>
+        </a:effectRef>
         <a:fontRef idx="none"/>
       </a:style>
     </a:txDef>
   </a:objectDefaults>
+  <a:extraClrSchemeLst/>
 </a:theme>
 </file>